--- a/알고리즘 3팀 화물차 알고리즘.pptx
+++ b/알고리즘 3팀 화물차 알고리즘.pptx
@@ -319,7 +319,7 @@
             <a:fld id="{1D8BD707-D9CF-40AE-B4C6-C98DA3205C09}" type="datetimeFigureOut">
               <a:rPr lang="en-US" smtClean="0"/>
               <a:pPr/>
-              <a:t>11/18/2024</a:t>
+              <a:t>11/23/2024</a:t>
             </a:fld>
             <a:endParaRPr lang="en-US"/>
           </a:p>
@@ -484,7 +484,7 @@
             <a:fld id="{1D8BD707-D9CF-40AE-B4C6-C98DA3205C09}" type="datetimeFigureOut">
               <a:rPr lang="en-US" smtClean="0"/>
               <a:pPr/>
-              <a:t>11/18/2024</a:t>
+              <a:t>11/23/2024</a:t>
             </a:fld>
             <a:endParaRPr lang="en-US"/>
           </a:p>
@@ -659,7 +659,7 @@
             <a:fld id="{1D8BD707-D9CF-40AE-B4C6-C98DA3205C09}" type="datetimeFigureOut">
               <a:rPr lang="en-US" smtClean="0"/>
               <a:pPr/>
-              <a:t>11/18/2024</a:t>
+              <a:t>11/23/2024</a:t>
             </a:fld>
             <a:endParaRPr lang="en-US"/>
           </a:p>
@@ -824,7 +824,7 @@
             <a:fld id="{1D8BD707-D9CF-40AE-B4C6-C98DA3205C09}" type="datetimeFigureOut">
               <a:rPr lang="en-US" smtClean="0"/>
               <a:pPr/>
-              <a:t>11/18/2024</a:t>
+              <a:t>11/23/2024</a:t>
             </a:fld>
             <a:endParaRPr lang="en-US"/>
           </a:p>
@@ -1066,7 +1066,7 @@
             <a:fld id="{1D8BD707-D9CF-40AE-B4C6-C98DA3205C09}" type="datetimeFigureOut">
               <a:rPr lang="en-US" smtClean="0"/>
               <a:pPr/>
-              <a:t>11/18/2024</a:t>
+              <a:t>11/23/2024</a:t>
             </a:fld>
             <a:endParaRPr lang="en-US"/>
           </a:p>
@@ -1348,7 +1348,7 @@
             <a:fld id="{1D8BD707-D9CF-40AE-B4C6-C98DA3205C09}" type="datetimeFigureOut">
               <a:rPr lang="en-US" smtClean="0"/>
               <a:pPr/>
-              <a:t>11/18/2024</a:t>
+              <a:t>11/23/2024</a:t>
             </a:fld>
             <a:endParaRPr lang="en-US"/>
           </a:p>
@@ -1764,7 +1764,7 @@
             <a:fld id="{1D8BD707-D9CF-40AE-B4C6-C98DA3205C09}" type="datetimeFigureOut">
               <a:rPr lang="en-US" smtClean="0"/>
               <a:pPr/>
-              <a:t>11/18/2024</a:t>
+              <a:t>11/23/2024</a:t>
             </a:fld>
             <a:endParaRPr lang="en-US"/>
           </a:p>
@@ -1878,7 +1878,7 @@
             <a:fld id="{1D8BD707-D9CF-40AE-B4C6-C98DA3205C09}" type="datetimeFigureOut">
               <a:rPr lang="en-US" smtClean="0"/>
               <a:pPr/>
-              <a:t>11/18/2024</a:t>
+              <a:t>11/23/2024</a:t>
             </a:fld>
             <a:endParaRPr lang="en-US"/>
           </a:p>
@@ -1970,7 +1970,7 @@
             <a:fld id="{1D8BD707-D9CF-40AE-B4C6-C98DA3205C09}" type="datetimeFigureOut">
               <a:rPr lang="en-US" smtClean="0"/>
               <a:pPr/>
-              <a:t>11/18/2024</a:t>
+              <a:t>11/23/2024</a:t>
             </a:fld>
             <a:endParaRPr lang="en-US"/>
           </a:p>
@@ -2242,7 +2242,7 @@
             <a:fld id="{1D8BD707-D9CF-40AE-B4C6-C98DA3205C09}" type="datetimeFigureOut">
               <a:rPr lang="en-US" smtClean="0"/>
               <a:pPr/>
-              <a:t>11/18/2024</a:t>
+              <a:t>11/23/2024</a:t>
             </a:fld>
             <a:endParaRPr lang="en-US"/>
           </a:p>
@@ -2491,7 +2491,7 @@
             <a:fld id="{1D8BD707-D9CF-40AE-B4C6-C98DA3205C09}" type="datetimeFigureOut">
               <a:rPr lang="en-US" smtClean="0"/>
               <a:pPr/>
-              <a:t>11/18/2024</a:t>
+              <a:t>11/23/2024</a:t>
             </a:fld>
             <a:endParaRPr lang="en-US"/>
           </a:p>
@@ -2699,7 +2699,7 @@
             <a:fld id="{1D8BD707-D9CF-40AE-B4C6-C98DA3205C09}" type="datetimeFigureOut">
               <a:rPr lang="en-US" smtClean="0"/>
               <a:pPr/>
-              <a:t>11/18/2024</a:t>
+              <a:t>11/23/2024</a:t>
             </a:fld>
             <a:endParaRPr lang="en-US"/>
           </a:p>
@@ -3086,15 +3086,15 @@
         </p:nvSpPr>
         <p:spPr>
           <a:xfrm>
-            <a:off x="3842478" y="4503386"/>
-            <a:ext cx="10603044" cy="2518382"/>
+            <a:off x="3445239" y="4503386"/>
+            <a:ext cx="11397522" cy="1223155"/>
           </a:xfrm>
           <a:prstGeom prst="rect">
             <a:avLst/>
           </a:prstGeom>
         </p:spPr>
         <p:txBody>
-          <a:bodyPr lIns="0" tIns="0" rIns="0" bIns="0" rtlCol="0" anchor="t">
+          <a:bodyPr wrap="square" lIns="0" tIns="0" rIns="0" bIns="0" rtlCol="0" anchor="t">
             <a:spAutoFit/>
           </a:bodyPr>
           <a:lstStyle/>
@@ -3108,7 +3108,7 @@
               </a:spcBef>
             </a:pPr>
             <a:r>
-              <a:rPr lang="en-US" sz="7197" b="1">
+              <a:rPr lang="ko-KR" altLang="en-US" sz="7197" b="1" dirty="0">
                 <a:solidFill>
                   <a:srgbClr val="090807"/>
                 </a:solidFill>
@@ -3117,8 +3117,17 @@
                 <a:cs typeface="Source Han Sans KR Bold"/>
                 <a:sym typeface="Source Han Sans KR Bold"/>
               </a:rPr>
-              <a:t>깔끔한 보고서 프레젠테이션</a:t>
-            </a:r>
+              <a:t>화물차 적재 알고리즘</a:t>
+            </a:r>
+            <a:endParaRPr lang="en-US" sz="7197" b="1" dirty="0">
+              <a:solidFill>
+                <a:srgbClr val="090807"/>
+              </a:solidFill>
+              <a:latin typeface="KoPub바탕체 Medium" panose="02020603020101020101" pitchFamily="18" charset="-127"/>
+              <a:ea typeface="KoPub바탕체 Medium" panose="02020603020101020101" pitchFamily="18" charset="-127"/>
+              <a:cs typeface="Source Han Sans KR Bold"/>
+              <a:sym typeface="Source Han Sans KR Bold"/>
+            </a:endParaRPr>
           </a:p>
         </p:txBody>
       </p:sp>
@@ -3130,15 +3139,15 @@
         </p:nvSpPr>
         <p:spPr>
           <a:xfrm>
-            <a:off x="8118909" y="3670393"/>
-            <a:ext cx="2050182" cy="679450"/>
+            <a:off x="6497855" y="3670393"/>
+            <a:ext cx="5292291" cy="678519"/>
           </a:xfrm>
           <a:prstGeom prst="rect">
             <a:avLst/>
           </a:prstGeom>
         </p:spPr>
         <p:txBody>
-          <a:bodyPr lIns="0" tIns="0" rIns="0" bIns="0" rtlCol="0" anchor="t">
+          <a:bodyPr wrap="square" lIns="0" tIns="0" rIns="0" bIns="0" rtlCol="0" anchor="t">
             <a:spAutoFit/>
           </a:bodyPr>
           <a:lstStyle/>
@@ -3152,7 +3161,7 @@
               </a:spcBef>
             </a:pPr>
             <a:r>
-              <a:rPr lang="en-US" sz="3999">
+              <a:rPr lang="en-US" sz="3999" dirty="0">
                 <a:solidFill>
                   <a:srgbClr val="090807"/>
                 </a:solidFill>
@@ -3161,7 +3170,7 @@
                 <a:cs typeface="Raleway"/>
                 <a:sym typeface="Raleway"/>
               </a:rPr>
-              <a:t>LARANA</a:t>
+              <a:t>ALGORITHM</a:t>
             </a:r>
           </a:p>
         </p:txBody>
@@ -3174,15 +3183,15 @@
         </p:nvSpPr>
         <p:spPr>
           <a:xfrm>
-            <a:off x="1028700" y="8463794"/>
-            <a:ext cx="1252686" cy="698333"/>
+            <a:off x="457200" y="8346605"/>
+            <a:ext cx="1485900" cy="339260"/>
           </a:xfrm>
           <a:prstGeom prst="rect">
             <a:avLst/>
           </a:prstGeom>
         </p:spPr>
         <p:txBody>
-          <a:bodyPr lIns="0" tIns="0" rIns="0" bIns="0" rtlCol="0" anchor="t">
+          <a:bodyPr wrap="square" lIns="0" tIns="0" rIns="0" bIns="0" rtlCol="0" anchor="t">
             <a:spAutoFit/>
           </a:bodyPr>
           <a:lstStyle/>
@@ -3196,7 +3205,7 @@
               </a:spcBef>
             </a:pPr>
             <a:r>
-              <a:rPr lang="en-US" sz="2000">
+              <a:rPr lang="ko-KR" altLang="en-US" sz="2000" dirty="0">
                 <a:solidFill>
                   <a:srgbClr val="090807"/>
                 </a:solidFill>
@@ -3205,8 +3214,41 @@
                 <a:cs typeface="Source Han Sans KR"/>
                 <a:sym typeface="Source Han Sans KR"/>
               </a:rPr>
-              <a:t>2050.03.25</a:t>
-            </a:r>
+              <a:t>알고리즘 </a:t>
+            </a:r>
+            <a:r>
+              <a:rPr lang="en-US" altLang="ko-KR" sz="2000" dirty="0">
+                <a:solidFill>
+                  <a:srgbClr val="090807"/>
+                </a:solidFill>
+                <a:latin typeface="KoPub바탕체 Medium" panose="02020603020101020101" pitchFamily="18" charset="-127"/>
+                <a:ea typeface="KoPub바탕체 Medium" panose="02020603020101020101" pitchFamily="18" charset="-127"/>
+                <a:cs typeface="Source Han Sans KR"/>
+                <a:sym typeface="Source Han Sans KR"/>
+              </a:rPr>
+              <a:t>3</a:t>
+            </a:r>
+            <a:r>
+              <a:rPr lang="ko-KR" altLang="en-US" sz="2000" dirty="0">
+                <a:solidFill>
+                  <a:srgbClr val="090807"/>
+                </a:solidFill>
+                <a:latin typeface="KoPub바탕체 Medium" panose="02020603020101020101" pitchFamily="18" charset="-127"/>
+                <a:ea typeface="KoPub바탕체 Medium" panose="02020603020101020101" pitchFamily="18" charset="-127"/>
+                <a:cs typeface="Source Han Sans KR"/>
+                <a:sym typeface="Source Han Sans KR"/>
+              </a:rPr>
+              <a:t>팀</a:t>
+            </a:r>
+            <a:endParaRPr lang="en-US" sz="2000" dirty="0">
+              <a:solidFill>
+                <a:srgbClr val="090807"/>
+              </a:solidFill>
+              <a:latin typeface="KoPub바탕체 Medium" panose="02020603020101020101" pitchFamily="18" charset="-127"/>
+              <a:ea typeface="KoPub바탕체 Medium" panose="02020603020101020101" pitchFamily="18" charset="-127"/>
+              <a:cs typeface="Source Han Sans KR"/>
+              <a:sym typeface="Source Han Sans KR"/>
+            </a:endParaRPr>
           </a:p>
         </p:txBody>
       </p:sp>
@@ -3218,15 +3260,15 @@
         </p:nvSpPr>
         <p:spPr>
           <a:xfrm>
-            <a:off x="1028700" y="8918575"/>
-            <a:ext cx="1706835" cy="698333"/>
+            <a:off x="457200" y="8698730"/>
+            <a:ext cx="2416539" cy="339260"/>
           </a:xfrm>
           <a:prstGeom prst="rect">
             <a:avLst/>
           </a:prstGeom>
         </p:spPr>
         <p:txBody>
-          <a:bodyPr lIns="0" tIns="0" rIns="0" bIns="0" rtlCol="0" anchor="t">
+          <a:bodyPr wrap="square" lIns="0" tIns="0" rIns="0" bIns="0" rtlCol="0" anchor="t">
             <a:spAutoFit/>
           </a:bodyPr>
           <a:lstStyle/>
@@ -3240,7 +3282,7 @@
               </a:spcBef>
             </a:pPr>
             <a:r>
-              <a:rPr lang="en-US" sz="2000">
+              <a:rPr lang="ko-KR" altLang="en-US" sz="2000" dirty="0">
                 <a:solidFill>
                   <a:srgbClr val="090807"/>
                 </a:solidFill>
@@ -3249,8 +3291,17 @@
                 <a:cs typeface="Source Han Sans KR"/>
                 <a:sym typeface="Source Han Sans KR"/>
               </a:rPr>
-              <a:t>마케팅팀 이수진</a:t>
-            </a:r>
+              <a:t>컴퓨터공학과 김선원</a:t>
+            </a:r>
+            <a:endParaRPr lang="en-US" sz="2000" dirty="0">
+              <a:solidFill>
+                <a:srgbClr val="090807"/>
+              </a:solidFill>
+              <a:latin typeface="KoPub바탕체 Medium" panose="02020603020101020101" pitchFamily="18" charset="-127"/>
+              <a:ea typeface="KoPub바탕체 Medium" panose="02020603020101020101" pitchFamily="18" charset="-127"/>
+              <a:cs typeface="Source Han Sans KR"/>
+              <a:sym typeface="Source Han Sans KR"/>
+            </a:endParaRPr>
           </a:p>
         </p:txBody>
       </p:sp>
@@ -3284,6 +3335,183 @@
             <a:endParaRPr lang="ko-KR" altLang="en-US">
               <a:latin typeface="KoPub바탕체 Medium" panose="02020603020101020101" pitchFamily="18" charset="-127"/>
               <a:ea typeface="KoPub바탕체 Medium" panose="02020603020101020101" pitchFamily="18" charset="-127"/>
+            </a:endParaRPr>
+          </a:p>
+        </p:txBody>
+      </p:sp>
+      <p:sp>
+        <p:nvSpPr>
+          <p:cNvPr id="7" name="TextBox 5">
+            <a:extLst>
+              <a:ext uri="{FF2B5EF4-FFF2-40B4-BE49-F238E27FC236}">
+                <a16:creationId xmlns:a16="http://schemas.microsoft.com/office/drawing/2014/main" id="{69149FD2-EF74-8B1B-B7A5-E5EA5384BFDE}"/>
+              </a:ext>
+            </a:extLst>
+          </p:cNvPr>
+          <p:cNvSpPr txBox="1"/>
+          <p:nvPr/>
+        </p:nvSpPr>
+        <p:spPr>
+          <a:xfrm>
+            <a:off x="457200" y="9050855"/>
+            <a:ext cx="2416539" cy="339260"/>
+          </a:xfrm>
+          <a:prstGeom prst="rect">
+            <a:avLst/>
+          </a:prstGeom>
+        </p:spPr>
+        <p:txBody>
+          <a:bodyPr wrap="square" lIns="0" tIns="0" rIns="0" bIns="0" rtlCol="0" anchor="t">
+            <a:spAutoFit/>
+          </a:bodyPr>
+          <a:lstStyle/>
+          <a:p>
+            <a:pPr algn="l">
+              <a:lnSpc>
+                <a:spcPts val="2800"/>
+              </a:lnSpc>
+              <a:spcBef>
+                <a:spcPct val="0"/>
+              </a:spcBef>
+            </a:pPr>
+            <a:r>
+              <a:rPr lang="ko-KR" altLang="en-US" sz="2000" dirty="0">
+                <a:solidFill>
+                  <a:srgbClr val="090807"/>
+                </a:solidFill>
+                <a:latin typeface="KoPub바탕체 Medium" panose="02020603020101020101" pitchFamily="18" charset="-127"/>
+                <a:ea typeface="KoPub바탕체 Medium" panose="02020603020101020101" pitchFamily="18" charset="-127"/>
+                <a:cs typeface="Source Han Sans KR"/>
+                <a:sym typeface="Source Han Sans KR"/>
+              </a:rPr>
+              <a:t>컴퓨터공학과 김선원</a:t>
+            </a:r>
+            <a:endParaRPr lang="en-US" sz="2000" dirty="0">
+              <a:solidFill>
+                <a:srgbClr val="090807"/>
+              </a:solidFill>
+              <a:latin typeface="KoPub바탕체 Medium" panose="02020603020101020101" pitchFamily="18" charset="-127"/>
+              <a:ea typeface="KoPub바탕체 Medium" panose="02020603020101020101" pitchFamily="18" charset="-127"/>
+              <a:cs typeface="Source Han Sans KR"/>
+              <a:sym typeface="Source Han Sans KR"/>
+            </a:endParaRPr>
+          </a:p>
+        </p:txBody>
+      </p:sp>
+      <p:sp>
+        <p:nvSpPr>
+          <p:cNvPr id="8" name="TextBox 5">
+            <a:extLst>
+              <a:ext uri="{FF2B5EF4-FFF2-40B4-BE49-F238E27FC236}">
+                <a16:creationId xmlns:a16="http://schemas.microsoft.com/office/drawing/2014/main" id="{8260D97D-7C54-35CF-2C8A-7510EAE3BCD7}"/>
+              </a:ext>
+            </a:extLst>
+          </p:cNvPr>
+          <p:cNvSpPr txBox="1"/>
+          <p:nvPr/>
+        </p:nvSpPr>
+        <p:spPr>
+          <a:xfrm>
+            <a:off x="457200" y="9402980"/>
+            <a:ext cx="2416539" cy="339260"/>
+          </a:xfrm>
+          <a:prstGeom prst="rect">
+            <a:avLst/>
+          </a:prstGeom>
+        </p:spPr>
+        <p:txBody>
+          <a:bodyPr wrap="square" lIns="0" tIns="0" rIns="0" bIns="0" rtlCol="0" anchor="t">
+            <a:spAutoFit/>
+          </a:bodyPr>
+          <a:lstStyle/>
+          <a:p>
+            <a:pPr algn="l">
+              <a:lnSpc>
+                <a:spcPts val="2800"/>
+              </a:lnSpc>
+              <a:spcBef>
+                <a:spcPct val="0"/>
+              </a:spcBef>
+            </a:pPr>
+            <a:r>
+              <a:rPr lang="ko-KR" altLang="en-US" sz="2000" dirty="0">
+                <a:solidFill>
+                  <a:srgbClr val="090807"/>
+                </a:solidFill>
+                <a:latin typeface="KoPub바탕체 Medium" panose="02020603020101020101" pitchFamily="18" charset="-127"/>
+                <a:ea typeface="KoPub바탕체 Medium" panose="02020603020101020101" pitchFamily="18" charset="-127"/>
+                <a:cs typeface="Source Han Sans KR"/>
+                <a:sym typeface="Source Han Sans KR"/>
+              </a:rPr>
+              <a:t>컴퓨터공학과 김선원</a:t>
+            </a:r>
+            <a:endParaRPr lang="en-US" sz="2000" dirty="0">
+              <a:solidFill>
+                <a:srgbClr val="090807"/>
+              </a:solidFill>
+              <a:latin typeface="KoPub바탕체 Medium" panose="02020603020101020101" pitchFamily="18" charset="-127"/>
+              <a:ea typeface="KoPub바탕체 Medium" panose="02020603020101020101" pitchFamily="18" charset="-127"/>
+              <a:cs typeface="Source Han Sans KR"/>
+              <a:sym typeface="Source Han Sans KR"/>
+            </a:endParaRPr>
+          </a:p>
+        </p:txBody>
+      </p:sp>
+      <p:sp>
+        <p:nvSpPr>
+          <p:cNvPr id="9" name="TextBox 5">
+            <a:extLst>
+              <a:ext uri="{FF2B5EF4-FFF2-40B4-BE49-F238E27FC236}">
+                <a16:creationId xmlns:a16="http://schemas.microsoft.com/office/drawing/2014/main" id="{B96AB6D2-30F2-5D7A-5841-5710CEE8873E}"/>
+              </a:ext>
+            </a:extLst>
+          </p:cNvPr>
+          <p:cNvSpPr txBox="1"/>
+          <p:nvPr/>
+        </p:nvSpPr>
+        <p:spPr>
+          <a:xfrm>
+            <a:off x="457200" y="9755107"/>
+            <a:ext cx="2416539" cy="339260"/>
+          </a:xfrm>
+          <a:prstGeom prst="rect">
+            <a:avLst/>
+          </a:prstGeom>
+        </p:spPr>
+        <p:txBody>
+          <a:bodyPr wrap="square" lIns="0" tIns="0" rIns="0" bIns="0" rtlCol="0" anchor="t">
+            <a:spAutoFit/>
+          </a:bodyPr>
+          <a:lstStyle/>
+          <a:p>
+            <a:pPr algn="l">
+              <a:lnSpc>
+                <a:spcPts val="2800"/>
+              </a:lnSpc>
+              <a:spcBef>
+                <a:spcPct val="0"/>
+              </a:spcBef>
+            </a:pPr>
+            <a:r>
+              <a:rPr lang="ko-KR" altLang="en-US" sz="2000" dirty="0">
+                <a:solidFill>
+                  <a:srgbClr val="090807"/>
+                </a:solidFill>
+                <a:latin typeface="KoPub바탕체 Medium" panose="02020603020101020101" pitchFamily="18" charset="-127"/>
+                <a:ea typeface="KoPub바탕체 Medium" panose="02020603020101020101" pitchFamily="18" charset="-127"/>
+                <a:cs typeface="Source Han Sans KR"/>
+                <a:sym typeface="Source Han Sans KR"/>
+              </a:rPr>
+              <a:t>컴퓨터공학과 김선원</a:t>
+            </a:r>
+            <a:endParaRPr lang="en-US" sz="2000" dirty="0">
+              <a:solidFill>
+                <a:srgbClr val="090807"/>
+              </a:solidFill>
+              <a:latin typeface="KoPub바탕체 Medium" panose="02020603020101020101" pitchFamily="18" charset="-127"/>
+              <a:ea typeface="KoPub바탕체 Medium" panose="02020603020101020101" pitchFamily="18" charset="-127"/>
+              <a:cs typeface="Source Han Sans KR"/>
+              <a:sym typeface="Source Han Sans KR"/>
             </a:endParaRPr>
           </a:p>
         </p:txBody>
@@ -4856,7 +5084,7 @@
         <p:spPr>
           <a:xfrm>
             <a:off x="13912174" y="2077403"/>
-            <a:ext cx="701055" cy="11059823"/>
+            <a:ext cx="870626" cy="5904565"/>
           </a:xfrm>
           <a:prstGeom prst="rect">
             <a:avLst/>
@@ -4874,7 +5102,7 @@
               </a:lnSpc>
             </a:pPr>
             <a:r>
-              <a:rPr lang="en-US" sz="3000">
+              <a:rPr lang="en-US" sz="3000" dirty="0" err="1">
                 <a:solidFill>
                   <a:srgbClr val="090807"/>
                 </a:solidFill>
@@ -4885,6 +5113,15 @@
               </a:rPr>
               <a:t>배경</a:t>
             </a:r>
+            <a:endParaRPr lang="en-US" sz="3000" dirty="0">
+              <a:solidFill>
+                <a:srgbClr val="090807"/>
+              </a:solidFill>
+              <a:latin typeface="KoPub바탕체 Medium" panose="02020603020101020101" pitchFamily="18" charset="-127"/>
+              <a:ea typeface="KoPub바탕체 Medium" panose="02020603020101020101" pitchFamily="18" charset="-127"/>
+              <a:cs typeface="Source Han Sans KR"/>
+              <a:sym typeface="Source Han Sans KR"/>
+            </a:endParaRPr>
           </a:p>
           <a:p>
             <a:pPr algn="l">
@@ -4893,7 +5130,7 @@
               </a:lnSpc>
             </a:pPr>
             <a:r>
-              <a:rPr lang="en-US" sz="3000">
+              <a:rPr lang="en-US" sz="3000" dirty="0" err="1">
                 <a:solidFill>
                   <a:srgbClr val="090807"/>
                 </a:solidFill>
@@ -4904,6 +5141,15 @@
               </a:rPr>
               <a:t>현황</a:t>
             </a:r>
+            <a:endParaRPr lang="en-US" sz="3000" dirty="0">
+              <a:solidFill>
+                <a:srgbClr val="090807"/>
+              </a:solidFill>
+              <a:latin typeface="KoPub바탕체 Medium" panose="02020603020101020101" pitchFamily="18" charset="-127"/>
+              <a:ea typeface="KoPub바탕체 Medium" panose="02020603020101020101" pitchFamily="18" charset="-127"/>
+              <a:cs typeface="Source Han Sans KR"/>
+              <a:sym typeface="Source Han Sans KR"/>
+            </a:endParaRPr>
           </a:p>
           <a:p>
             <a:pPr algn="l">
@@ -4912,7 +5158,7 @@
               </a:lnSpc>
             </a:pPr>
             <a:r>
-              <a:rPr lang="en-US" sz="3000">
+              <a:rPr lang="en-US" sz="3000" dirty="0" err="1">
                 <a:solidFill>
                   <a:srgbClr val="090807"/>
                 </a:solidFill>
@@ -4923,6 +5169,15 @@
               </a:rPr>
               <a:t>분석</a:t>
             </a:r>
+            <a:endParaRPr lang="en-US" sz="3000" dirty="0">
+              <a:solidFill>
+                <a:srgbClr val="090807"/>
+              </a:solidFill>
+              <a:latin typeface="KoPub바탕체 Medium" panose="02020603020101020101" pitchFamily="18" charset="-127"/>
+              <a:ea typeface="KoPub바탕체 Medium" panose="02020603020101020101" pitchFamily="18" charset="-127"/>
+              <a:cs typeface="Source Han Sans KR"/>
+              <a:sym typeface="Source Han Sans KR"/>
+            </a:endParaRPr>
           </a:p>
           <a:p>
             <a:pPr algn="l">
@@ -4931,7 +5186,7 @@
               </a:lnSpc>
             </a:pPr>
             <a:r>
-              <a:rPr lang="en-US" sz="3000">
+              <a:rPr lang="en-US" sz="3000" dirty="0" err="1">
                 <a:solidFill>
                   <a:srgbClr val="090807"/>
                 </a:solidFill>
@@ -4942,6 +5197,15 @@
               </a:rPr>
               <a:t>비교</a:t>
             </a:r>
+            <a:endParaRPr lang="en-US" sz="3000" dirty="0">
+              <a:solidFill>
+                <a:srgbClr val="090807"/>
+              </a:solidFill>
+              <a:latin typeface="KoPub바탕체 Medium" panose="02020603020101020101" pitchFamily="18" charset="-127"/>
+              <a:ea typeface="KoPub바탕체 Medium" panose="02020603020101020101" pitchFamily="18" charset="-127"/>
+              <a:cs typeface="Source Han Sans KR"/>
+              <a:sym typeface="Source Han Sans KR"/>
+            </a:endParaRPr>
           </a:p>
           <a:p>
             <a:pPr algn="l">
@@ -4950,7 +5214,7 @@
               </a:lnSpc>
             </a:pPr>
             <a:r>
-              <a:rPr lang="en-US" sz="3000">
+              <a:rPr lang="en-US" sz="3000" dirty="0" err="1">
                 <a:solidFill>
                   <a:srgbClr val="090807"/>
                 </a:solidFill>
@@ -4961,6 +5225,15 @@
               </a:rPr>
               <a:t>차트</a:t>
             </a:r>
+            <a:endParaRPr lang="en-US" sz="3000" dirty="0">
+              <a:solidFill>
+                <a:srgbClr val="090807"/>
+              </a:solidFill>
+              <a:latin typeface="KoPub바탕체 Medium" panose="02020603020101020101" pitchFamily="18" charset="-127"/>
+              <a:ea typeface="KoPub바탕체 Medium" panose="02020603020101020101" pitchFamily="18" charset="-127"/>
+              <a:cs typeface="Source Han Sans KR"/>
+              <a:sym typeface="Source Han Sans KR"/>
+            </a:endParaRPr>
           </a:p>
           <a:p>
             <a:pPr algn="l">
@@ -4969,7 +5242,7 @@
               </a:lnSpc>
             </a:pPr>
             <a:r>
-              <a:rPr lang="en-US" sz="3000">
+              <a:rPr lang="en-US" sz="3000" dirty="0">
                 <a:solidFill>
                   <a:srgbClr val="090807"/>
                 </a:solidFill>
@@ -4988,7 +5261,7 @@
               </a:lnSpc>
             </a:pPr>
             <a:r>
-              <a:rPr lang="en-US" sz="3000">
+              <a:rPr lang="en-US" sz="3000" dirty="0" err="1">
                 <a:solidFill>
                   <a:srgbClr val="090807"/>
                 </a:solidFill>
@@ -4999,6 +5272,15 @@
               </a:rPr>
               <a:t>결론</a:t>
             </a:r>
+            <a:endParaRPr lang="en-US" sz="3000" dirty="0">
+              <a:solidFill>
+                <a:srgbClr val="090807"/>
+              </a:solidFill>
+              <a:latin typeface="KoPub바탕체 Medium" panose="02020603020101020101" pitchFamily="18" charset="-127"/>
+              <a:ea typeface="KoPub바탕체 Medium" panose="02020603020101020101" pitchFamily="18" charset="-127"/>
+              <a:cs typeface="Source Han Sans KR"/>
+              <a:sym typeface="Source Han Sans KR"/>
+            </a:endParaRPr>
           </a:p>
         </p:txBody>
       </p:sp>

--- a/알고리즘 3팀 화물차 알고리즘.pptx
+++ b/알고리즘 3팀 화물차 알고리즘.pptx
@@ -10,22 +10,25 @@
     <p:sldId id="258" r:id="rId4"/>
     <p:sldId id="269" r:id="rId5"/>
     <p:sldId id="268" r:id="rId6"/>
-    <p:sldId id="267" r:id="rId7"/>
-    <p:sldId id="266" r:id="rId8"/>
-    <p:sldId id="259" r:id="rId9"/>
-    <p:sldId id="260" r:id="rId10"/>
-    <p:sldId id="261" r:id="rId11"/>
-    <p:sldId id="262" r:id="rId12"/>
-    <p:sldId id="263" r:id="rId13"/>
-    <p:sldId id="264" r:id="rId14"/>
-    <p:sldId id="265" r:id="rId15"/>
+    <p:sldId id="266" r:id="rId7"/>
+    <p:sldId id="272" r:id="rId8"/>
+    <p:sldId id="267" r:id="rId9"/>
+    <p:sldId id="270" r:id="rId10"/>
+    <p:sldId id="271" r:id="rId11"/>
+    <p:sldId id="259" r:id="rId12"/>
+    <p:sldId id="260" r:id="rId13"/>
+    <p:sldId id="261" r:id="rId14"/>
+    <p:sldId id="262" r:id="rId15"/>
+    <p:sldId id="263" r:id="rId16"/>
+    <p:sldId id="264" r:id="rId17"/>
+    <p:sldId id="265" r:id="rId18"/>
   </p:sldIdLst>
   <p:sldSz cx="18288000" cy="10287000"/>
   <p:notesSz cx="6858000" cy="9144000"/>
   <p:embeddedFontLst>
     <p:embeddedFont>
       <p:font typeface="KoPub바탕체 Medium" panose="02020603020101020101" pitchFamily="18" charset="-127"/>
-      <p:regular r:id="rId16"/>
+      <p:regular r:id="rId19"/>
     </p:embeddedFont>
   </p:embeddedFontLst>
   <p:defaultTextStyle>
@@ -322,7 +325,7 @@
             <a:fld id="{1D8BD707-D9CF-40AE-B4C6-C98DA3205C09}" type="datetimeFigureOut">
               <a:rPr lang="en-US" smtClean="0"/>
               <a:pPr/>
-              <a:t>11/24/2024</a:t>
+              <a:t>11/25/2024</a:t>
             </a:fld>
             <a:endParaRPr lang="en-US"/>
           </a:p>
@@ -487,7 +490,7 @@
             <a:fld id="{1D8BD707-D9CF-40AE-B4C6-C98DA3205C09}" type="datetimeFigureOut">
               <a:rPr lang="en-US" smtClean="0"/>
               <a:pPr/>
-              <a:t>11/24/2024</a:t>
+              <a:t>11/25/2024</a:t>
             </a:fld>
             <a:endParaRPr lang="en-US"/>
           </a:p>
@@ -662,7 +665,7 @@
             <a:fld id="{1D8BD707-D9CF-40AE-B4C6-C98DA3205C09}" type="datetimeFigureOut">
               <a:rPr lang="en-US" smtClean="0"/>
               <a:pPr/>
-              <a:t>11/24/2024</a:t>
+              <a:t>11/25/2024</a:t>
             </a:fld>
             <a:endParaRPr lang="en-US"/>
           </a:p>
@@ -827,7 +830,7 @@
             <a:fld id="{1D8BD707-D9CF-40AE-B4C6-C98DA3205C09}" type="datetimeFigureOut">
               <a:rPr lang="en-US" smtClean="0"/>
               <a:pPr/>
-              <a:t>11/24/2024</a:t>
+              <a:t>11/25/2024</a:t>
             </a:fld>
             <a:endParaRPr lang="en-US"/>
           </a:p>
@@ -1069,7 +1072,7 @@
             <a:fld id="{1D8BD707-D9CF-40AE-B4C6-C98DA3205C09}" type="datetimeFigureOut">
               <a:rPr lang="en-US" smtClean="0"/>
               <a:pPr/>
-              <a:t>11/24/2024</a:t>
+              <a:t>11/25/2024</a:t>
             </a:fld>
             <a:endParaRPr lang="en-US"/>
           </a:p>
@@ -1351,7 +1354,7 @@
             <a:fld id="{1D8BD707-D9CF-40AE-B4C6-C98DA3205C09}" type="datetimeFigureOut">
               <a:rPr lang="en-US" smtClean="0"/>
               <a:pPr/>
-              <a:t>11/24/2024</a:t>
+              <a:t>11/25/2024</a:t>
             </a:fld>
             <a:endParaRPr lang="en-US"/>
           </a:p>
@@ -1767,7 +1770,7 @@
             <a:fld id="{1D8BD707-D9CF-40AE-B4C6-C98DA3205C09}" type="datetimeFigureOut">
               <a:rPr lang="en-US" smtClean="0"/>
               <a:pPr/>
-              <a:t>11/24/2024</a:t>
+              <a:t>11/25/2024</a:t>
             </a:fld>
             <a:endParaRPr lang="en-US"/>
           </a:p>
@@ -1881,7 +1884,7 @@
             <a:fld id="{1D8BD707-D9CF-40AE-B4C6-C98DA3205C09}" type="datetimeFigureOut">
               <a:rPr lang="en-US" smtClean="0"/>
               <a:pPr/>
-              <a:t>11/24/2024</a:t>
+              <a:t>11/25/2024</a:t>
             </a:fld>
             <a:endParaRPr lang="en-US"/>
           </a:p>
@@ -1973,7 +1976,7 @@
             <a:fld id="{1D8BD707-D9CF-40AE-B4C6-C98DA3205C09}" type="datetimeFigureOut">
               <a:rPr lang="en-US" smtClean="0"/>
               <a:pPr/>
-              <a:t>11/24/2024</a:t>
+              <a:t>11/25/2024</a:t>
             </a:fld>
             <a:endParaRPr lang="en-US"/>
           </a:p>
@@ -2245,7 +2248,7 @@
             <a:fld id="{1D8BD707-D9CF-40AE-B4C6-C98DA3205C09}" type="datetimeFigureOut">
               <a:rPr lang="en-US" smtClean="0"/>
               <a:pPr/>
-              <a:t>11/24/2024</a:t>
+              <a:t>11/25/2024</a:t>
             </a:fld>
             <a:endParaRPr lang="en-US"/>
           </a:p>
@@ -2494,7 +2497,7 @@
             <a:fld id="{1D8BD707-D9CF-40AE-B4C6-C98DA3205C09}" type="datetimeFigureOut">
               <a:rPr lang="en-US" smtClean="0"/>
               <a:pPr/>
-              <a:t>11/24/2024</a:t>
+              <a:t>11/25/2024</a:t>
             </a:fld>
             <a:endParaRPr lang="en-US"/>
           </a:p>
@@ -2702,7 +2705,7 @@
             <a:fld id="{1D8BD707-D9CF-40AE-B4C6-C98DA3205C09}" type="datetimeFigureOut">
               <a:rPr lang="en-US" smtClean="0"/>
               <a:pPr/>
-              <a:t>11/24/2024</a:t>
+              <a:t>11/25/2024</a:t>
             </a:fld>
             <a:endParaRPr lang="en-US"/>
           </a:p>
@@ -3564,6 +3567,3261 @@
     </p:bg>
     <p:spTree>
       <p:nvGrpSpPr>
+        <p:cNvPr id="1" name="">
+          <a:extLst>
+            <a:ext uri="{FF2B5EF4-FFF2-40B4-BE49-F238E27FC236}">
+              <a16:creationId xmlns:a16="http://schemas.microsoft.com/office/drawing/2014/main" id="{651BA093-7A8D-76C6-5FDA-C812A2EDD9FD}"/>
+            </a:ext>
+          </a:extLst>
+        </p:cNvPr>
+        <p:cNvGrpSpPr/>
+        <p:nvPr/>
+      </p:nvGrpSpPr>
+      <p:grpSpPr>
+        <a:xfrm>
+          <a:off x="0" y="0"/>
+          <a:ext cx="0" cy="0"/>
+          <a:chOff x="0" y="0"/>
+          <a:chExt cx="0" cy="0"/>
+        </a:xfrm>
+      </p:grpSpPr>
+      <p:sp>
+        <p:nvSpPr>
+          <p:cNvPr id="2" name="AutoShape 2">
+            <a:extLst>
+              <a:ext uri="{FF2B5EF4-FFF2-40B4-BE49-F238E27FC236}">
+                <a16:creationId xmlns:a16="http://schemas.microsoft.com/office/drawing/2014/main" id="{EFBD8466-3BD8-AA5A-46A3-CBBED2A3A2B1}"/>
+              </a:ext>
+            </a:extLst>
+          </p:cNvPr>
+          <p:cNvSpPr/>
+          <p:nvPr/>
+        </p:nvSpPr>
+        <p:spPr>
+          <a:xfrm>
+            <a:off x="860320" y="1347066"/>
+            <a:ext cx="1233818" cy="0"/>
+          </a:xfrm>
+          <a:prstGeom prst="line">
+            <a:avLst/>
+          </a:prstGeom>
+          <a:ln w="38100" cap="flat">
+            <a:solidFill>
+              <a:srgbClr val="090807"/>
+            </a:solidFill>
+            <a:prstDash val="solid"/>
+            <a:headEnd type="none" w="sm" len="sm"/>
+            <a:tailEnd type="none" w="sm" len="sm"/>
+          </a:ln>
+        </p:spPr>
+        <p:txBody>
+          <a:bodyPr/>
+          <a:lstStyle/>
+          <a:p>
+            <a:pPr marL="0" marR="0" lvl="0" indent="0" algn="l" defTabSz="914400" rtl="0" eaLnBrk="1" fontAlgn="auto" latinLnBrk="0" hangingPunct="1">
+              <a:lnSpc>
+                <a:spcPct val="100000"/>
+              </a:lnSpc>
+              <a:spcBef>
+                <a:spcPts val="0"/>
+              </a:spcBef>
+              <a:spcAft>
+                <a:spcPts val="0"/>
+              </a:spcAft>
+              <a:buClrTx/>
+              <a:buSzTx/>
+              <a:buFontTx/>
+              <a:buNone/>
+              <a:tabLst/>
+              <a:defRPr/>
+            </a:pPr>
+            <a:endParaRPr kumimoji="0" lang="ko-KR" altLang="en-US" sz="1800" b="0" i="0" u="none" strike="noStrike" kern="1200" cap="none" spc="0" normalizeH="0" baseline="0" noProof="0">
+              <a:ln>
+                <a:noFill/>
+              </a:ln>
+              <a:solidFill>
+                <a:prstClr val="black"/>
+              </a:solidFill>
+              <a:effectLst/>
+              <a:uLnTx/>
+              <a:uFillTx/>
+              <a:latin typeface="KoPub바탕체 Medium" panose="02020603020101020101" pitchFamily="18" charset="-127"/>
+              <a:ea typeface="KoPub바탕체 Medium" panose="02020603020101020101" pitchFamily="18" charset="-127"/>
+              <a:cs typeface="+mn-cs"/>
+            </a:endParaRPr>
+          </a:p>
+        </p:txBody>
+      </p:sp>
+      <p:sp>
+        <p:nvSpPr>
+          <p:cNvPr id="5" name="TextBox 5">
+            <a:extLst>
+              <a:ext uri="{FF2B5EF4-FFF2-40B4-BE49-F238E27FC236}">
+                <a16:creationId xmlns:a16="http://schemas.microsoft.com/office/drawing/2014/main" id="{BFA7E566-4142-F9D2-0E7E-818963B7148B}"/>
+              </a:ext>
+            </a:extLst>
+          </p:cNvPr>
+          <p:cNvSpPr txBox="1"/>
+          <p:nvPr/>
+        </p:nvSpPr>
+        <p:spPr>
+          <a:xfrm>
+            <a:off x="9838000" y="2123700"/>
+            <a:ext cx="6630892" cy="6703614"/>
+          </a:xfrm>
+          <a:prstGeom prst="rect">
+            <a:avLst/>
+          </a:prstGeom>
+        </p:spPr>
+        <p:txBody>
+          <a:bodyPr lIns="50800" tIns="50800" rIns="50800" bIns="50800" rtlCol="0" anchor="ctr"/>
+          <a:lstStyle/>
+          <a:p>
+            <a:pPr marL="0" marR="0" lvl="0" indent="0" algn="ctr" defTabSz="914400" rtl="0" eaLnBrk="1" fontAlgn="auto" latinLnBrk="0" hangingPunct="1">
+              <a:lnSpc>
+                <a:spcPts val="3079"/>
+              </a:lnSpc>
+              <a:spcBef>
+                <a:spcPts val="0"/>
+              </a:spcBef>
+              <a:spcAft>
+                <a:spcPts val="0"/>
+              </a:spcAft>
+              <a:buClrTx/>
+              <a:buSzTx/>
+              <a:buFontTx/>
+              <a:buNone/>
+              <a:tabLst/>
+              <a:defRPr/>
+            </a:pPr>
+            <a:endParaRPr kumimoji="0" sz="1800" b="0" i="0" u="none" strike="noStrike" kern="1200" cap="none" spc="0" normalizeH="0" baseline="0" noProof="0">
+              <a:ln>
+                <a:noFill/>
+              </a:ln>
+              <a:solidFill>
+                <a:prstClr val="black"/>
+              </a:solidFill>
+              <a:effectLst/>
+              <a:uLnTx/>
+              <a:uFillTx/>
+              <a:latin typeface="KoPub바탕체 Medium" panose="02020603020101020101" pitchFamily="18" charset="-127"/>
+              <a:ea typeface="KoPub바탕체 Medium" panose="02020603020101020101" pitchFamily="18" charset="-127"/>
+              <a:cs typeface="+mn-cs"/>
+            </a:endParaRPr>
+          </a:p>
+        </p:txBody>
+      </p:sp>
+      <p:sp>
+        <p:nvSpPr>
+          <p:cNvPr id="7" name="TextBox 7">
+            <a:extLst>
+              <a:ext uri="{FF2B5EF4-FFF2-40B4-BE49-F238E27FC236}">
+                <a16:creationId xmlns:a16="http://schemas.microsoft.com/office/drawing/2014/main" id="{DAC09F6B-662A-B4C6-3E20-DC16D8930A80}"/>
+              </a:ext>
+            </a:extLst>
+          </p:cNvPr>
+          <p:cNvSpPr txBox="1"/>
+          <p:nvPr/>
+        </p:nvSpPr>
+        <p:spPr>
+          <a:xfrm>
+            <a:off x="923832" y="765070"/>
+            <a:ext cx="3876768" cy="422275"/>
+          </a:xfrm>
+          <a:prstGeom prst="rect">
+            <a:avLst/>
+          </a:prstGeom>
+        </p:spPr>
+        <p:txBody>
+          <a:bodyPr wrap="square" lIns="0" tIns="0" rIns="0" bIns="0" rtlCol="0" anchor="t">
+            <a:spAutoFit/>
+          </a:bodyPr>
+          <a:lstStyle/>
+          <a:p>
+            <a:pPr marL="0" marR="0" lvl="0" indent="0" algn="l" defTabSz="914400" rtl="0" eaLnBrk="1" fontAlgn="auto" latinLnBrk="0" hangingPunct="1">
+              <a:lnSpc>
+                <a:spcPts val="3499"/>
+              </a:lnSpc>
+              <a:spcBef>
+                <a:spcPct val="0"/>
+              </a:spcBef>
+              <a:spcAft>
+                <a:spcPts val="0"/>
+              </a:spcAft>
+              <a:buClrTx/>
+              <a:buSzTx/>
+              <a:buFontTx/>
+              <a:buNone/>
+              <a:tabLst/>
+              <a:defRPr/>
+            </a:pPr>
+            <a:r>
+              <a:rPr kumimoji="0" lang="en-US" sz="2499" b="1" i="0" u="none" strike="noStrike" kern="1200" cap="none" spc="0" normalizeH="0" baseline="0" noProof="0" dirty="0">
+                <a:ln>
+                  <a:noFill/>
+                </a:ln>
+                <a:solidFill>
+                  <a:srgbClr val="090807"/>
+                </a:solidFill>
+                <a:effectLst/>
+                <a:uLnTx/>
+                <a:uFillTx/>
+                <a:latin typeface="KoPub바탕체 Medium" panose="02020603020101020101" pitchFamily="18" charset="-127"/>
+                <a:ea typeface="KoPub바탕체 Medium" panose="02020603020101020101" pitchFamily="18" charset="-127"/>
+                <a:cs typeface="Source Han Sans KR Bold"/>
+                <a:sym typeface="Source Han Sans KR Bold"/>
+              </a:rPr>
+              <a:t>01 </a:t>
+            </a:r>
+            <a:r>
+              <a:rPr kumimoji="0" lang="ko-KR" altLang="en-US" sz="2499" b="1" i="0" u="none" strike="noStrike" kern="1200" cap="none" spc="0" normalizeH="0" baseline="0" noProof="0" dirty="0" err="1">
+                <a:ln>
+                  <a:noFill/>
+                </a:ln>
+                <a:solidFill>
+                  <a:srgbClr val="090807"/>
+                </a:solidFill>
+                <a:effectLst/>
+                <a:uLnTx/>
+                <a:uFillTx/>
+                <a:latin typeface="KoPub바탕체 Medium" panose="02020603020101020101" pitchFamily="18" charset="-127"/>
+                <a:ea typeface="KoPub바탕체 Medium" panose="02020603020101020101" pitchFamily="18" charset="-127"/>
+                <a:cs typeface="Source Han Sans KR Bold"/>
+                <a:sym typeface="Source Han Sans KR Bold"/>
+              </a:rPr>
+              <a:t>조현래</a:t>
+            </a:r>
+            <a:endParaRPr kumimoji="0" lang="en-US" sz="2499" b="1" i="0" u="none" strike="noStrike" kern="1200" cap="none" spc="0" normalizeH="0" baseline="0" noProof="0" dirty="0">
+              <a:ln>
+                <a:noFill/>
+              </a:ln>
+              <a:solidFill>
+                <a:srgbClr val="090807"/>
+              </a:solidFill>
+              <a:effectLst/>
+              <a:uLnTx/>
+              <a:uFillTx/>
+              <a:latin typeface="KoPub바탕체 Medium" panose="02020603020101020101" pitchFamily="18" charset="-127"/>
+              <a:ea typeface="KoPub바탕체 Medium" panose="02020603020101020101" pitchFamily="18" charset="-127"/>
+              <a:cs typeface="Source Han Sans KR Bold"/>
+              <a:sym typeface="Source Han Sans KR Bold"/>
+            </a:endParaRPr>
+          </a:p>
+        </p:txBody>
+      </p:sp>
+      <p:grpSp>
+        <p:nvGrpSpPr>
+          <p:cNvPr id="8" name="Group 8">
+            <a:extLst>
+              <a:ext uri="{FF2B5EF4-FFF2-40B4-BE49-F238E27FC236}">
+                <a16:creationId xmlns:a16="http://schemas.microsoft.com/office/drawing/2014/main" id="{54051824-15E2-69E4-48FC-7E90F040EA5E}"/>
+              </a:ext>
+            </a:extLst>
+          </p:cNvPr>
+          <p:cNvGrpSpPr/>
+          <p:nvPr/>
+        </p:nvGrpSpPr>
+        <p:grpSpPr>
+          <a:xfrm>
+            <a:off x="1819108" y="3080817"/>
+            <a:ext cx="2247971" cy="698372"/>
+            <a:chOff x="0" y="0"/>
+            <a:chExt cx="592058" cy="183933"/>
+          </a:xfrm>
+        </p:grpSpPr>
+        <p:sp>
+          <p:nvSpPr>
+            <p:cNvPr id="9" name="Freeform 9">
+              <a:extLst>
+                <a:ext uri="{FF2B5EF4-FFF2-40B4-BE49-F238E27FC236}">
+                  <a16:creationId xmlns:a16="http://schemas.microsoft.com/office/drawing/2014/main" id="{F6F80722-8704-F724-7774-DB7BA55DE35D}"/>
+                </a:ext>
+              </a:extLst>
+            </p:cNvPr>
+            <p:cNvSpPr/>
+            <p:nvPr/>
+          </p:nvSpPr>
+          <p:spPr>
+            <a:xfrm>
+              <a:off x="0" y="0"/>
+              <a:ext cx="592058" cy="183933"/>
+            </a:xfrm>
+            <a:custGeom>
+              <a:avLst/>
+              <a:gdLst/>
+              <a:ahLst/>
+              <a:cxnLst/>
+              <a:rect l="l" t="t" r="r" b="b"/>
+              <a:pathLst>
+                <a:path w="592058" h="183933">
+                  <a:moveTo>
+                    <a:pt x="91967" y="0"/>
+                  </a:moveTo>
+                  <a:lnTo>
+                    <a:pt x="500091" y="0"/>
+                  </a:lnTo>
+                  <a:cubicBezTo>
+                    <a:pt x="524483" y="0"/>
+                    <a:pt x="547875" y="9689"/>
+                    <a:pt x="565122" y="26936"/>
+                  </a:cubicBezTo>
+                  <a:cubicBezTo>
+                    <a:pt x="582369" y="44184"/>
+                    <a:pt x="592058" y="67576"/>
+                    <a:pt x="592058" y="91967"/>
+                  </a:cubicBezTo>
+                  <a:lnTo>
+                    <a:pt x="592058" y="91967"/>
+                  </a:lnTo>
+                  <a:cubicBezTo>
+                    <a:pt x="592058" y="116358"/>
+                    <a:pt x="582369" y="139750"/>
+                    <a:pt x="565122" y="156997"/>
+                  </a:cubicBezTo>
+                  <a:cubicBezTo>
+                    <a:pt x="547875" y="174244"/>
+                    <a:pt x="524483" y="183933"/>
+                    <a:pt x="500091" y="183933"/>
+                  </a:cubicBezTo>
+                  <a:lnTo>
+                    <a:pt x="91967" y="183933"/>
+                  </a:lnTo>
+                  <a:cubicBezTo>
+                    <a:pt x="67576" y="183933"/>
+                    <a:pt x="44184" y="174244"/>
+                    <a:pt x="26936" y="156997"/>
+                  </a:cubicBezTo>
+                  <a:cubicBezTo>
+                    <a:pt x="9689" y="139750"/>
+                    <a:pt x="0" y="116358"/>
+                    <a:pt x="0" y="91967"/>
+                  </a:cubicBezTo>
+                  <a:lnTo>
+                    <a:pt x="0" y="91967"/>
+                  </a:lnTo>
+                  <a:cubicBezTo>
+                    <a:pt x="0" y="67576"/>
+                    <a:pt x="9689" y="44184"/>
+                    <a:pt x="26936" y="26936"/>
+                  </a:cubicBezTo>
+                  <a:cubicBezTo>
+                    <a:pt x="44184" y="9689"/>
+                    <a:pt x="67576" y="0"/>
+                    <a:pt x="91967" y="0"/>
+                  </a:cubicBezTo>
+                  <a:close/>
+                </a:path>
+              </a:pathLst>
+            </a:custGeom>
+            <a:solidFill>
+              <a:srgbClr val="090807"/>
+            </a:solidFill>
+          </p:spPr>
+          <p:txBody>
+            <a:bodyPr/>
+            <a:lstStyle/>
+            <a:p>
+              <a:pPr marL="0" marR="0" lvl="0" indent="0" algn="l" defTabSz="914400" rtl="0" eaLnBrk="1" fontAlgn="auto" latinLnBrk="0" hangingPunct="1">
+                <a:lnSpc>
+                  <a:spcPct val="100000"/>
+                </a:lnSpc>
+                <a:spcBef>
+                  <a:spcPts val="0"/>
+                </a:spcBef>
+                <a:spcAft>
+                  <a:spcPts val="0"/>
+                </a:spcAft>
+                <a:buClrTx/>
+                <a:buSzTx/>
+                <a:buFontTx/>
+                <a:buNone/>
+                <a:tabLst/>
+                <a:defRPr/>
+              </a:pPr>
+              <a:endParaRPr kumimoji="0" lang="ko-KR" altLang="en-US" sz="1800" b="0" i="0" u="none" strike="noStrike" kern="1200" cap="none" spc="0" normalizeH="0" baseline="0" noProof="0">
+                <a:ln>
+                  <a:noFill/>
+                </a:ln>
+                <a:solidFill>
+                  <a:prstClr val="black"/>
+                </a:solidFill>
+                <a:effectLst/>
+                <a:uLnTx/>
+                <a:uFillTx/>
+                <a:latin typeface="KoPub바탕체 Medium" panose="02020603020101020101" pitchFamily="18" charset="-127"/>
+                <a:ea typeface="KoPub바탕체 Medium" panose="02020603020101020101" pitchFamily="18" charset="-127"/>
+                <a:cs typeface="+mn-cs"/>
+              </a:endParaRPr>
+            </a:p>
+          </p:txBody>
+        </p:sp>
+        <p:sp>
+          <p:nvSpPr>
+            <p:cNvPr id="10" name="TextBox 10">
+              <a:extLst>
+                <a:ext uri="{FF2B5EF4-FFF2-40B4-BE49-F238E27FC236}">
+                  <a16:creationId xmlns:a16="http://schemas.microsoft.com/office/drawing/2014/main" id="{0B9C1D0D-04A0-186B-51D5-6C91D15CBFB3}"/>
+                </a:ext>
+              </a:extLst>
+            </p:cNvPr>
+            <p:cNvSpPr txBox="1"/>
+            <p:nvPr/>
+          </p:nvSpPr>
+          <p:spPr>
+            <a:xfrm>
+              <a:off x="0" y="-38100"/>
+              <a:ext cx="592058" cy="222033"/>
+            </a:xfrm>
+            <a:prstGeom prst="rect">
+              <a:avLst/>
+            </a:prstGeom>
+          </p:spPr>
+          <p:txBody>
+            <a:bodyPr lIns="50800" tIns="50800" rIns="50800" bIns="50800" rtlCol="0" anchor="ctr"/>
+            <a:lstStyle/>
+            <a:p>
+              <a:pPr marL="0" marR="0" lvl="0" indent="0" algn="ctr" defTabSz="914400" rtl="0" eaLnBrk="1" fontAlgn="auto" latinLnBrk="0" hangingPunct="1">
+                <a:lnSpc>
+                  <a:spcPts val="3079"/>
+                </a:lnSpc>
+                <a:spcBef>
+                  <a:spcPts val="0"/>
+                </a:spcBef>
+                <a:spcAft>
+                  <a:spcPts val="0"/>
+                </a:spcAft>
+                <a:buClrTx/>
+                <a:buSzTx/>
+                <a:buFontTx/>
+                <a:buNone/>
+                <a:tabLst/>
+                <a:defRPr/>
+              </a:pPr>
+              <a:endParaRPr kumimoji="0" sz="1800" b="0" i="0" u="none" strike="noStrike" kern="1200" cap="none" spc="0" normalizeH="0" baseline="0" noProof="0">
+                <a:ln>
+                  <a:noFill/>
+                </a:ln>
+                <a:solidFill>
+                  <a:prstClr val="black"/>
+                </a:solidFill>
+                <a:effectLst/>
+                <a:uLnTx/>
+                <a:uFillTx/>
+                <a:latin typeface="KoPub바탕체 Medium" panose="02020603020101020101" pitchFamily="18" charset="-127"/>
+                <a:ea typeface="KoPub바탕체 Medium" panose="02020603020101020101" pitchFamily="18" charset="-127"/>
+                <a:cs typeface="+mn-cs"/>
+              </a:endParaRPr>
+            </a:p>
+          </p:txBody>
+        </p:sp>
+      </p:grpSp>
+      <p:grpSp>
+        <p:nvGrpSpPr>
+          <p:cNvPr id="11" name="Group 11">
+            <a:extLst>
+              <a:ext uri="{FF2B5EF4-FFF2-40B4-BE49-F238E27FC236}">
+                <a16:creationId xmlns:a16="http://schemas.microsoft.com/office/drawing/2014/main" id="{D9FA6940-36D2-61C0-92EF-E037F962D01E}"/>
+              </a:ext>
+            </a:extLst>
+          </p:cNvPr>
+          <p:cNvGrpSpPr/>
+          <p:nvPr/>
+        </p:nvGrpSpPr>
+        <p:grpSpPr>
+          <a:xfrm>
+            <a:off x="1819108" y="6074710"/>
+            <a:ext cx="2247971" cy="698372"/>
+            <a:chOff x="0" y="0"/>
+            <a:chExt cx="592058" cy="183933"/>
+          </a:xfrm>
+        </p:grpSpPr>
+        <p:sp>
+          <p:nvSpPr>
+            <p:cNvPr id="12" name="Freeform 12">
+              <a:extLst>
+                <a:ext uri="{FF2B5EF4-FFF2-40B4-BE49-F238E27FC236}">
+                  <a16:creationId xmlns:a16="http://schemas.microsoft.com/office/drawing/2014/main" id="{D9855F45-ACDC-2D0B-11C8-948713BAFE3C}"/>
+                </a:ext>
+              </a:extLst>
+            </p:cNvPr>
+            <p:cNvSpPr/>
+            <p:nvPr/>
+          </p:nvSpPr>
+          <p:spPr>
+            <a:xfrm>
+              <a:off x="0" y="0"/>
+              <a:ext cx="592058" cy="183933"/>
+            </a:xfrm>
+            <a:custGeom>
+              <a:avLst/>
+              <a:gdLst/>
+              <a:ahLst/>
+              <a:cxnLst/>
+              <a:rect l="l" t="t" r="r" b="b"/>
+              <a:pathLst>
+                <a:path w="592058" h="183933">
+                  <a:moveTo>
+                    <a:pt x="91967" y="0"/>
+                  </a:moveTo>
+                  <a:lnTo>
+                    <a:pt x="500091" y="0"/>
+                  </a:lnTo>
+                  <a:cubicBezTo>
+                    <a:pt x="524483" y="0"/>
+                    <a:pt x="547875" y="9689"/>
+                    <a:pt x="565122" y="26936"/>
+                  </a:cubicBezTo>
+                  <a:cubicBezTo>
+                    <a:pt x="582369" y="44184"/>
+                    <a:pt x="592058" y="67576"/>
+                    <a:pt x="592058" y="91967"/>
+                  </a:cubicBezTo>
+                  <a:lnTo>
+                    <a:pt x="592058" y="91967"/>
+                  </a:lnTo>
+                  <a:cubicBezTo>
+                    <a:pt x="592058" y="116358"/>
+                    <a:pt x="582369" y="139750"/>
+                    <a:pt x="565122" y="156997"/>
+                  </a:cubicBezTo>
+                  <a:cubicBezTo>
+                    <a:pt x="547875" y="174244"/>
+                    <a:pt x="524483" y="183933"/>
+                    <a:pt x="500091" y="183933"/>
+                  </a:cubicBezTo>
+                  <a:lnTo>
+                    <a:pt x="91967" y="183933"/>
+                  </a:lnTo>
+                  <a:cubicBezTo>
+                    <a:pt x="67576" y="183933"/>
+                    <a:pt x="44184" y="174244"/>
+                    <a:pt x="26936" y="156997"/>
+                  </a:cubicBezTo>
+                  <a:cubicBezTo>
+                    <a:pt x="9689" y="139750"/>
+                    <a:pt x="0" y="116358"/>
+                    <a:pt x="0" y="91967"/>
+                  </a:cubicBezTo>
+                  <a:lnTo>
+                    <a:pt x="0" y="91967"/>
+                  </a:lnTo>
+                  <a:cubicBezTo>
+                    <a:pt x="0" y="67576"/>
+                    <a:pt x="9689" y="44184"/>
+                    <a:pt x="26936" y="26936"/>
+                  </a:cubicBezTo>
+                  <a:cubicBezTo>
+                    <a:pt x="44184" y="9689"/>
+                    <a:pt x="67576" y="0"/>
+                    <a:pt x="91967" y="0"/>
+                  </a:cubicBezTo>
+                  <a:close/>
+                </a:path>
+              </a:pathLst>
+            </a:custGeom>
+            <a:solidFill>
+              <a:srgbClr val="090807"/>
+            </a:solidFill>
+          </p:spPr>
+          <p:txBody>
+            <a:bodyPr/>
+            <a:lstStyle/>
+            <a:p>
+              <a:pPr marL="0" marR="0" lvl="0" indent="0" algn="l" defTabSz="914400" rtl="0" eaLnBrk="1" fontAlgn="auto" latinLnBrk="0" hangingPunct="1">
+                <a:lnSpc>
+                  <a:spcPct val="100000"/>
+                </a:lnSpc>
+                <a:spcBef>
+                  <a:spcPts val="0"/>
+                </a:spcBef>
+                <a:spcAft>
+                  <a:spcPts val="0"/>
+                </a:spcAft>
+                <a:buClrTx/>
+                <a:buSzTx/>
+                <a:buFontTx/>
+                <a:buNone/>
+                <a:tabLst/>
+                <a:defRPr/>
+              </a:pPr>
+              <a:endParaRPr kumimoji="0" lang="ko-KR" altLang="en-US" sz="1800" b="0" i="0" u="none" strike="noStrike" kern="1200" cap="none" spc="0" normalizeH="0" baseline="0" noProof="0">
+                <a:ln>
+                  <a:noFill/>
+                </a:ln>
+                <a:solidFill>
+                  <a:prstClr val="black"/>
+                </a:solidFill>
+                <a:effectLst/>
+                <a:uLnTx/>
+                <a:uFillTx/>
+                <a:latin typeface="KoPub바탕체 Medium" panose="02020603020101020101" pitchFamily="18" charset="-127"/>
+                <a:ea typeface="KoPub바탕체 Medium" panose="02020603020101020101" pitchFamily="18" charset="-127"/>
+                <a:cs typeface="+mn-cs"/>
+              </a:endParaRPr>
+            </a:p>
+          </p:txBody>
+        </p:sp>
+        <p:sp>
+          <p:nvSpPr>
+            <p:cNvPr id="13" name="TextBox 13">
+              <a:extLst>
+                <a:ext uri="{FF2B5EF4-FFF2-40B4-BE49-F238E27FC236}">
+                  <a16:creationId xmlns:a16="http://schemas.microsoft.com/office/drawing/2014/main" id="{9CBD6A2B-FC8C-5694-7C31-E0749AC5CB2C}"/>
+                </a:ext>
+              </a:extLst>
+            </p:cNvPr>
+            <p:cNvSpPr txBox="1"/>
+            <p:nvPr/>
+          </p:nvSpPr>
+          <p:spPr>
+            <a:xfrm>
+              <a:off x="0" y="-38100"/>
+              <a:ext cx="592058" cy="222033"/>
+            </a:xfrm>
+            <a:prstGeom prst="rect">
+              <a:avLst/>
+            </a:prstGeom>
+          </p:spPr>
+          <p:txBody>
+            <a:bodyPr lIns="50800" tIns="50800" rIns="50800" bIns="50800" rtlCol="0" anchor="ctr"/>
+            <a:lstStyle/>
+            <a:p>
+              <a:pPr marL="0" marR="0" lvl="0" indent="0" algn="ctr" defTabSz="914400" rtl="0" eaLnBrk="1" fontAlgn="auto" latinLnBrk="0" hangingPunct="1">
+                <a:lnSpc>
+                  <a:spcPts val="3079"/>
+                </a:lnSpc>
+                <a:spcBef>
+                  <a:spcPts val="0"/>
+                </a:spcBef>
+                <a:spcAft>
+                  <a:spcPts val="0"/>
+                </a:spcAft>
+                <a:buClrTx/>
+                <a:buSzTx/>
+                <a:buFontTx/>
+                <a:buNone/>
+                <a:tabLst/>
+                <a:defRPr/>
+              </a:pPr>
+              <a:endParaRPr kumimoji="0" sz="1800" b="0" i="0" u="none" strike="noStrike" kern="1200" cap="none" spc="0" normalizeH="0" baseline="0" noProof="0">
+                <a:ln>
+                  <a:noFill/>
+                </a:ln>
+                <a:solidFill>
+                  <a:prstClr val="black"/>
+                </a:solidFill>
+                <a:effectLst/>
+                <a:uLnTx/>
+                <a:uFillTx/>
+                <a:latin typeface="KoPub바탕체 Medium" panose="02020603020101020101" pitchFamily="18" charset="-127"/>
+                <a:ea typeface="KoPub바탕체 Medium" panose="02020603020101020101" pitchFamily="18" charset="-127"/>
+                <a:cs typeface="+mn-cs"/>
+              </a:endParaRPr>
+            </a:p>
+          </p:txBody>
+        </p:sp>
+      </p:grpSp>
+      <p:sp>
+        <p:nvSpPr>
+          <p:cNvPr id="14" name="TextBox 14">
+            <a:extLst>
+              <a:ext uri="{FF2B5EF4-FFF2-40B4-BE49-F238E27FC236}">
+                <a16:creationId xmlns:a16="http://schemas.microsoft.com/office/drawing/2014/main" id="{39C8CE94-6EF4-A63D-EE15-2341220235CA}"/>
+              </a:ext>
+            </a:extLst>
+          </p:cNvPr>
+          <p:cNvSpPr txBox="1"/>
+          <p:nvPr/>
+        </p:nvSpPr>
+        <p:spPr>
+          <a:xfrm>
+            <a:off x="1819108" y="4016671"/>
+            <a:ext cx="7035690" cy="1123950"/>
+          </a:xfrm>
+          <a:prstGeom prst="rect">
+            <a:avLst/>
+          </a:prstGeom>
+        </p:spPr>
+        <p:txBody>
+          <a:bodyPr lIns="0" tIns="0" rIns="0" bIns="0" rtlCol="0" anchor="t">
+            <a:spAutoFit/>
+          </a:bodyPr>
+          <a:lstStyle/>
+          <a:p>
+            <a:pPr marL="0" marR="0" lvl="0" indent="0" algn="l" defTabSz="914400" rtl="0" eaLnBrk="1" fontAlgn="auto" latinLnBrk="0" hangingPunct="1">
+              <a:lnSpc>
+                <a:spcPts val="3000"/>
+              </a:lnSpc>
+              <a:spcBef>
+                <a:spcPts val="0"/>
+              </a:spcBef>
+              <a:spcAft>
+                <a:spcPts val="0"/>
+              </a:spcAft>
+              <a:buClrTx/>
+              <a:buSzTx/>
+              <a:buFontTx/>
+              <a:buNone/>
+              <a:tabLst/>
+              <a:defRPr/>
+            </a:pPr>
+            <a:r>
+              <a:rPr kumimoji="0" lang="en-US" sz="2000" b="0" i="0" u="none" strike="noStrike" kern="1200" cap="none" spc="0" normalizeH="0" baseline="0" noProof="0">
+                <a:ln>
+                  <a:noFill/>
+                </a:ln>
+                <a:solidFill>
+                  <a:srgbClr val="090807"/>
+                </a:solidFill>
+                <a:effectLst/>
+                <a:uLnTx/>
+                <a:uFillTx/>
+                <a:latin typeface="KoPub바탕체 Medium" panose="02020603020101020101" pitchFamily="18" charset="-127"/>
+                <a:ea typeface="KoPub바탕체 Medium" panose="02020603020101020101" pitchFamily="18" charset="-127"/>
+                <a:cs typeface="Source Han Sans KR"/>
+                <a:sym typeface="Source Han Sans KR"/>
+              </a:rPr>
+              <a:t>Lorem ipsum dolor sit amet, consectetur adipiscing elit. Fusce mattis, lorem in venenatis porttitor nibh urna vestibulum tortor, ac placerat.</a:t>
+            </a:r>
+          </a:p>
+        </p:txBody>
+      </p:sp>
+      <p:sp>
+        <p:nvSpPr>
+          <p:cNvPr id="15" name="TextBox 15">
+            <a:extLst>
+              <a:ext uri="{FF2B5EF4-FFF2-40B4-BE49-F238E27FC236}">
+                <a16:creationId xmlns:a16="http://schemas.microsoft.com/office/drawing/2014/main" id="{CB9322B7-6015-D796-93CB-3D95F97D96AA}"/>
+              </a:ext>
+            </a:extLst>
+          </p:cNvPr>
+          <p:cNvSpPr txBox="1"/>
+          <p:nvPr/>
+        </p:nvSpPr>
+        <p:spPr>
+          <a:xfrm>
+            <a:off x="1819108" y="7010565"/>
+            <a:ext cx="7035690" cy="1123950"/>
+          </a:xfrm>
+          <a:prstGeom prst="rect">
+            <a:avLst/>
+          </a:prstGeom>
+        </p:spPr>
+        <p:txBody>
+          <a:bodyPr lIns="0" tIns="0" rIns="0" bIns="0" rtlCol="0" anchor="t">
+            <a:spAutoFit/>
+          </a:bodyPr>
+          <a:lstStyle/>
+          <a:p>
+            <a:pPr marL="0" marR="0" lvl="0" indent="0" algn="l" defTabSz="914400" rtl="0" eaLnBrk="1" fontAlgn="auto" latinLnBrk="0" hangingPunct="1">
+              <a:lnSpc>
+                <a:spcPts val="3000"/>
+              </a:lnSpc>
+              <a:spcBef>
+                <a:spcPts val="0"/>
+              </a:spcBef>
+              <a:spcAft>
+                <a:spcPts val="0"/>
+              </a:spcAft>
+              <a:buClrTx/>
+              <a:buSzTx/>
+              <a:buFontTx/>
+              <a:buNone/>
+              <a:tabLst/>
+              <a:defRPr/>
+            </a:pPr>
+            <a:r>
+              <a:rPr kumimoji="0" lang="en-US" sz="2000" b="0" i="0" u="none" strike="noStrike" kern="1200" cap="none" spc="0" normalizeH="0" baseline="0" noProof="0">
+                <a:ln>
+                  <a:noFill/>
+                </a:ln>
+                <a:solidFill>
+                  <a:srgbClr val="090807"/>
+                </a:solidFill>
+                <a:effectLst/>
+                <a:uLnTx/>
+                <a:uFillTx/>
+                <a:latin typeface="KoPub바탕체 Medium" panose="02020603020101020101" pitchFamily="18" charset="-127"/>
+                <a:ea typeface="KoPub바탕체 Medium" panose="02020603020101020101" pitchFamily="18" charset="-127"/>
+                <a:cs typeface="Source Han Sans KR"/>
+                <a:sym typeface="Source Han Sans KR"/>
+              </a:rPr>
+              <a:t>Lorem ipsum dolor sit amet, consectetur adipiscing elit. Fusce mattis, lorem in venenatis porttitor nibh urna vestibulum tortor, ac placerat.</a:t>
+            </a:r>
+          </a:p>
+        </p:txBody>
+      </p:sp>
+      <p:sp>
+        <p:nvSpPr>
+          <p:cNvPr id="16" name="TextBox 16">
+            <a:extLst>
+              <a:ext uri="{FF2B5EF4-FFF2-40B4-BE49-F238E27FC236}">
+                <a16:creationId xmlns:a16="http://schemas.microsoft.com/office/drawing/2014/main" id="{7AECEC7A-02D4-65CF-8B7F-932C10EEAC1A}"/>
+              </a:ext>
+            </a:extLst>
+          </p:cNvPr>
+          <p:cNvSpPr txBox="1"/>
+          <p:nvPr/>
+        </p:nvSpPr>
+        <p:spPr>
+          <a:xfrm>
+            <a:off x="2314480" y="3195052"/>
+            <a:ext cx="1257226" cy="872931"/>
+          </a:xfrm>
+          <a:prstGeom prst="rect">
+            <a:avLst/>
+          </a:prstGeom>
+        </p:spPr>
+        <p:txBody>
+          <a:bodyPr lIns="0" tIns="0" rIns="0" bIns="0" rtlCol="0" anchor="t">
+            <a:spAutoFit/>
+          </a:bodyPr>
+          <a:lstStyle/>
+          <a:p>
+            <a:pPr marL="0" marR="0" lvl="0" indent="0" algn="ctr" defTabSz="914400" rtl="0" eaLnBrk="1" fontAlgn="auto" latinLnBrk="0" hangingPunct="1">
+              <a:lnSpc>
+                <a:spcPts val="3499"/>
+              </a:lnSpc>
+              <a:spcBef>
+                <a:spcPct val="0"/>
+              </a:spcBef>
+              <a:spcAft>
+                <a:spcPts val="0"/>
+              </a:spcAft>
+              <a:buClrTx/>
+              <a:buSzTx/>
+              <a:buFontTx/>
+              <a:buNone/>
+              <a:tabLst/>
+              <a:defRPr/>
+            </a:pPr>
+            <a:r>
+              <a:rPr kumimoji="0" lang="en-US" sz="2499" b="1" i="0" u="none" strike="noStrike" kern="1200" cap="none" spc="0" normalizeH="0" baseline="0" noProof="0">
+                <a:ln>
+                  <a:noFill/>
+                </a:ln>
+                <a:solidFill>
+                  <a:srgbClr val="FEFBEE"/>
+                </a:solidFill>
+                <a:effectLst/>
+                <a:uLnTx/>
+                <a:uFillTx/>
+                <a:latin typeface="KoPub바탕체 Medium" panose="02020603020101020101" pitchFamily="18" charset="-127"/>
+                <a:ea typeface="KoPub바탕체 Medium" panose="02020603020101020101" pitchFamily="18" charset="-127"/>
+                <a:cs typeface="Source Han Sans KR Bold"/>
+                <a:sym typeface="Source Han Sans KR Bold"/>
+              </a:rPr>
+              <a:t>주제 소개</a:t>
+            </a:r>
+          </a:p>
+        </p:txBody>
+      </p:sp>
+      <p:sp>
+        <p:nvSpPr>
+          <p:cNvPr id="17" name="TextBox 17">
+            <a:extLst>
+              <a:ext uri="{FF2B5EF4-FFF2-40B4-BE49-F238E27FC236}">
+                <a16:creationId xmlns:a16="http://schemas.microsoft.com/office/drawing/2014/main" id="{49511F64-B9AC-9E3F-A506-A9DC08D143C6}"/>
+              </a:ext>
+            </a:extLst>
+          </p:cNvPr>
+          <p:cNvSpPr txBox="1"/>
+          <p:nvPr/>
+        </p:nvSpPr>
+        <p:spPr>
+          <a:xfrm>
+            <a:off x="2314480" y="6188946"/>
+            <a:ext cx="1257226" cy="872931"/>
+          </a:xfrm>
+          <a:prstGeom prst="rect">
+            <a:avLst/>
+          </a:prstGeom>
+        </p:spPr>
+        <p:txBody>
+          <a:bodyPr lIns="0" tIns="0" rIns="0" bIns="0" rtlCol="0" anchor="t">
+            <a:spAutoFit/>
+          </a:bodyPr>
+          <a:lstStyle/>
+          <a:p>
+            <a:pPr marL="0" marR="0" lvl="0" indent="0" algn="ctr" defTabSz="914400" rtl="0" eaLnBrk="1" fontAlgn="auto" latinLnBrk="0" hangingPunct="1">
+              <a:lnSpc>
+                <a:spcPts val="3499"/>
+              </a:lnSpc>
+              <a:spcBef>
+                <a:spcPct val="0"/>
+              </a:spcBef>
+              <a:spcAft>
+                <a:spcPts val="0"/>
+              </a:spcAft>
+              <a:buClrTx/>
+              <a:buSzTx/>
+              <a:buFontTx/>
+              <a:buNone/>
+              <a:tabLst/>
+              <a:defRPr/>
+            </a:pPr>
+            <a:r>
+              <a:rPr kumimoji="0" lang="en-US" sz="2499" b="1" i="0" u="none" strike="noStrike" kern="1200" cap="none" spc="0" normalizeH="0" baseline="0" noProof="0">
+                <a:ln>
+                  <a:noFill/>
+                </a:ln>
+                <a:solidFill>
+                  <a:srgbClr val="FEFBEE"/>
+                </a:solidFill>
+                <a:effectLst/>
+                <a:uLnTx/>
+                <a:uFillTx/>
+                <a:latin typeface="KoPub바탕체 Medium" panose="02020603020101020101" pitchFamily="18" charset="-127"/>
+                <a:ea typeface="KoPub바탕체 Medium" panose="02020603020101020101" pitchFamily="18" charset="-127"/>
+                <a:cs typeface="Source Han Sans KR Bold"/>
+                <a:sym typeface="Source Han Sans KR Bold"/>
+              </a:rPr>
+              <a:t>문제 제기</a:t>
+            </a:r>
+          </a:p>
+        </p:txBody>
+      </p:sp>
+      <p:pic>
+        <p:nvPicPr>
+          <p:cNvPr id="6" name="그림 5" descr="텍스트, 도표, 평면도, 기술 도면이(가) 표시된 사진&#10;&#10;자동 생성된 설명">
+            <a:extLst>
+              <a:ext uri="{FF2B5EF4-FFF2-40B4-BE49-F238E27FC236}">
+                <a16:creationId xmlns:a16="http://schemas.microsoft.com/office/drawing/2014/main" id="{81638F93-2F51-2863-A0FD-07F54D3F2ED2}"/>
+              </a:ext>
+            </a:extLst>
+          </p:cNvPr>
+          <p:cNvPicPr>
+            <a:picLocks noChangeAspect="1"/>
+          </p:cNvPicPr>
+          <p:nvPr/>
+        </p:nvPicPr>
+        <p:blipFill>
+          <a:blip r:embed="rId2">
+            <a:extLst>
+              <a:ext uri="{28A0092B-C50C-407E-A947-70E740481C1C}">
+                <a14:useLocalDpi xmlns:a14="http://schemas.microsoft.com/office/drawing/2010/main" val="0"/>
+              </a:ext>
+            </a:extLst>
+          </a:blip>
+          <a:stretch>
+            <a:fillRect/>
+          </a:stretch>
+        </p:blipFill>
+        <p:spPr>
+          <a:xfrm>
+            <a:off x="8854798" y="2177659"/>
+            <a:ext cx="9433202" cy="5931682"/>
+          </a:xfrm>
+          <a:prstGeom prst="rect">
+            <a:avLst/>
+          </a:prstGeom>
+          <a:ln w="38100" cap="sq">
+            <a:solidFill>
+              <a:srgbClr val="000000"/>
+            </a:solidFill>
+            <a:prstDash val="solid"/>
+            <a:miter lim="800000"/>
+          </a:ln>
+          <a:effectLst>
+            <a:outerShdw blurRad="50800" dist="38100" dir="2700000" algn="tl" rotWithShape="0">
+              <a:srgbClr val="000000">
+                <a:alpha val="43000"/>
+              </a:srgbClr>
+            </a:outerShdw>
+          </a:effectLst>
+        </p:spPr>
+      </p:pic>
+    </p:spTree>
+    <p:extLst>
+      <p:ext uri="{BB962C8B-B14F-4D97-AF65-F5344CB8AC3E}">
+        <p14:creationId xmlns:p14="http://schemas.microsoft.com/office/powerpoint/2010/main" val="2491943450"/>
+      </p:ext>
+    </p:extLst>
+  </p:cSld>
+  <p:clrMapOvr>
+    <a:masterClrMapping/>
+  </p:clrMapOvr>
+</p:sld>
+</file>
+
+<file path=ppt/slides/slide11.xml><?xml version="1.0" encoding="utf-8"?>
+<p:sld xmlns:a="http://schemas.openxmlformats.org/drawingml/2006/main" xmlns:r="http://schemas.openxmlformats.org/officeDocument/2006/relationships" xmlns:p="http://schemas.openxmlformats.org/presentationml/2006/main">
+  <p:cSld>
+    <p:bg>
+      <p:bgPr>
+        <a:solidFill>
+          <a:srgbClr val="FEFBEE"/>
+        </a:solidFill>
+        <a:effectLst/>
+      </p:bgPr>
+    </p:bg>
+    <p:spTree>
+      <p:nvGrpSpPr>
+        <p:cNvPr id="1" name=""/>
+        <p:cNvGrpSpPr/>
+        <p:nvPr/>
+      </p:nvGrpSpPr>
+      <p:grpSpPr>
+        <a:xfrm>
+          <a:off x="0" y="0"/>
+          <a:ext cx="0" cy="0"/>
+          <a:chOff x="0" y="0"/>
+          <a:chExt cx="0" cy="0"/>
+        </a:xfrm>
+      </p:grpSpPr>
+      <p:sp>
+        <p:nvSpPr>
+          <p:cNvPr id="2" name="AutoShape 2"/>
+          <p:cNvSpPr/>
+          <p:nvPr/>
+        </p:nvSpPr>
+        <p:spPr>
+          <a:xfrm>
+            <a:off x="860320" y="1347066"/>
+            <a:ext cx="1233818" cy="0"/>
+          </a:xfrm>
+          <a:prstGeom prst="line">
+            <a:avLst/>
+          </a:prstGeom>
+          <a:ln w="38100" cap="flat">
+            <a:solidFill>
+              <a:srgbClr val="090807"/>
+            </a:solidFill>
+            <a:prstDash val="solid"/>
+            <a:headEnd type="none" w="sm" len="sm"/>
+            <a:tailEnd type="none" w="sm" len="sm"/>
+          </a:ln>
+        </p:spPr>
+        <p:txBody>
+          <a:bodyPr/>
+          <a:lstStyle/>
+          <a:p>
+            <a:endParaRPr lang="ko-KR" altLang="en-US">
+              <a:latin typeface="KoPub바탕체 Medium" panose="02020603020101020101" pitchFamily="18" charset="-127"/>
+              <a:ea typeface="KoPub바탕체 Medium" panose="02020603020101020101" pitchFamily="18" charset="-127"/>
+            </a:endParaRPr>
+          </a:p>
+        </p:txBody>
+      </p:sp>
+      <p:grpSp>
+        <p:nvGrpSpPr>
+          <p:cNvPr id="3" name="Group 3"/>
+          <p:cNvGrpSpPr/>
+          <p:nvPr/>
+        </p:nvGrpSpPr>
+        <p:grpSpPr>
+          <a:xfrm>
+            <a:off x="9364317" y="2062062"/>
+            <a:ext cx="7679437" cy="7364618"/>
+            <a:chOff x="0" y="0"/>
+            <a:chExt cx="2022568" cy="1939653"/>
+          </a:xfrm>
+        </p:grpSpPr>
+        <p:sp>
+          <p:nvSpPr>
+            <p:cNvPr id="4" name="Freeform 4"/>
+            <p:cNvSpPr/>
+            <p:nvPr/>
+          </p:nvSpPr>
+          <p:spPr>
+            <a:xfrm>
+              <a:off x="0" y="0"/>
+              <a:ext cx="2022568" cy="1939653"/>
+            </a:xfrm>
+            <a:custGeom>
+              <a:avLst/>
+              <a:gdLst/>
+              <a:ahLst/>
+              <a:cxnLst/>
+              <a:rect l="l" t="t" r="r" b="b"/>
+              <a:pathLst>
+                <a:path w="2022568" h="1939653">
+                  <a:moveTo>
+                    <a:pt x="0" y="0"/>
+                  </a:moveTo>
+                  <a:lnTo>
+                    <a:pt x="2022568" y="0"/>
+                  </a:lnTo>
+                  <a:lnTo>
+                    <a:pt x="2022568" y="1939653"/>
+                  </a:lnTo>
+                  <a:lnTo>
+                    <a:pt x="0" y="1939653"/>
+                  </a:lnTo>
+                  <a:close/>
+                </a:path>
+              </a:pathLst>
+            </a:custGeom>
+            <a:solidFill>
+              <a:srgbClr val="000000">
+                <a:alpha val="0"/>
+              </a:srgbClr>
+            </a:solidFill>
+            <a:ln w="9525" cap="sq">
+              <a:solidFill>
+                <a:srgbClr val="090807"/>
+              </a:solidFill>
+              <a:prstDash val="solid"/>
+              <a:miter/>
+            </a:ln>
+          </p:spPr>
+          <p:txBody>
+            <a:bodyPr/>
+            <a:lstStyle/>
+            <a:p>
+              <a:endParaRPr lang="ko-KR" altLang="en-US">
+                <a:latin typeface="KoPub바탕체 Medium" panose="02020603020101020101" pitchFamily="18" charset="-127"/>
+                <a:ea typeface="KoPub바탕체 Medium" panose="02020603020101020101" pitchFamily="18" charset="-127"/>
+              </a:endParaRPr>
+            </a:p>
+          </p:txBody>
+        </p:sp>
+        <p:sp>
+          <p:nvSpPr>
+            <p:cNvPr id="5" name="TextBox 5"/>
+            <p:cNvSpPr txBox="1"/>
+            <p:nvPr/>
+          </p:nvSpPr>
+          <p:spPr>
+            <a:xfrm>
+              <a:off x="0" y="-38100"/>
+              <a:ext cx="2022568" cy="1977753"/>
+            </a:xfrm>
+            <a:prstGeom prst="rect">
+              <a:avLst/>
+            </a:prstGeom>
+          </p:spPr>
+          <p:txBody>
+            <a:bodyPr lIns="50800" tIns="50800" rIns="50800" bIns="50800" rtlCol="0" anchor="ctr"/>
+            <a:lstStyle/>
+            <a:p>
+              <a:pPr algn="ctr">
+                <a:lnSpc>
+                  <a:spcPts val="3079"/>
+                </a:lnSpc>
+              </a:pPr>
+              <a:endParaRPr>
+                <a:latin typeface="KoPub바탕체 Medium" panose="02020603020101020101" pitchFamily="18" charset="-127"/>
+                <a:ea typeface="KoPub바탕체 Medium" panose="02020603020101020101" pitchFamily="18" charset="-127"/>
+              </a:endParaRPr>
+            </a:p>
+          </p:txBody>
+        </p:sp>
+      </p:grpSp>
+      <p:grpSp>
+        <p:nvGrpSpPr>
+          <p:cNvPr id="6" name="Group 6"/>
+          <p:cNvGrpSpPr/>
+          <p:nvPr/>
+        </p:nvGrpSpPr>
+        <p:grpSpPr>
+          <a:xfrm>
+            <a:off x="1244246" y="2062062"/>
+            <a:ext cx="7679437" cy="7364618"/>
+            <a:chOff x="0" y="0"/>
+            <a:chExt cx="2022568" cy="1939653"/>
+          </a:xfrm>
+        </p:grpSpPr>
+        <p:sp>
+          <p:nvSpPr>
+            <p:cNvPr id="7" name="Freeform 7"/>
+            <p:cNvSpPr/>
+            <p:nvPr/>
+          </p:nvSpPr>
+          <p:spPr>
+            <a:xfrm>
+              <a:off x="0" y="0"/>
+              <a:ext cx="2022568" cy="1939653"/>
+            </a:xfrm>
+            <a:custGeom>
+              <a:avLst/>
+              <a:gdLst/>
+              <a:ahLst/>
+              <a:cxnLst/>
+              <a:rect l="l" t="t" r="r" b="b"/>
+              <a:pathLst>
+                <a:path w="2022568" h="1939653">
+                  <a:moveTo>
+                    <a:pt x="0" y="0"/>
+                  </a:moveTo>
+                  <a:lnTo>
+                    <a:pt x="2022568" y="0"/>
+                  </a:lnTo>
+                  <a:lnTo>
+                    <a:pt x="2022568" y="1939653"/>
+                  </a:lnTo>
+                  <a:lnTo>
+                    <a:pt x="0" y="1939653"/>
+                  </a:lnTo>
+                  <a:close/>
+                </a:path>
+              </a:pathLst>
+            </a:custGeom>
+            <a:solidFill>
+              <a:srgbClr val="000000">
+                <a:alpha val="0"/>
+              </a:srgbClr>
+            </a:solidFill>
+            <a:ln w="9525" cap="sq">
+              <a:solidFill>
+                <a:srgbClr val="090807"/>
+              </a:solidFill>
+              <a:prstDash val="solid"/>
+              <a:miter/>
+            </a:ln>
+          </p:spPr>
+          <p:txBody>
+            <a:bodyPr/>
+            <a:lstStyle/>
+            <a:p>
+              <a:endParaRPr lang="ko-KR" altLang="en-US">
+                <a:latin typeface="KoPub바탕체 Medium" panose="02020603020101020101" pitchFamily="18" charset="-127"/>
+                <a:ea typeface="KoPub바탕체 Medium" panose="02020603020101020101" pitchFamily="18" charset="-127"/>
+              </a:endParaRPr>
+            </a:p>
+          </p:txBody>
+        </p:sp>
+        <p:sp>
+          <p:nvSpPr>
+            <p:cNvPr id="8" name="TextBox 8"/>
+            <p:cNvSpPr txBox="1"/>
+            <p:nvPr/>
+          </p:nvSpPr>
+          <p:spPr>
+            <a:xfrm>
+              <a:off x="0" y="-38100"/>
+              <a:ext cx="2022568" cy="1977753"/>
+            </a:xfrm>
+            <a:prstGeom prst="rect">
+              <a:avLst/>
+            </a:prstGeom>
+          </p:spPr>
+          <p:txBody>
+            <a:bodyPr lIns="50800" tIns="50800" rIns="50800" bIns="50800" rtlCol="0" anchor="ctr"/>
+            <a:lstStyle/>
+            <a:p>
+              <a:pPr algn="ctr">
+                <a:lnSpc>
+                  <a:spcPts val="3079"/>
+                </a:lnSpc>
+              </a:pPr>
+              <a:endParaRPr>
+                <a:latin typeface="KoPub바탕체 Medium" panose="02020603020101020101" pitchFamily="18" charset="-127"/>
+                <a:ea typeface="KoPub바탕체 Medium" panose="02020603020101020101" pitchFamily="18" charset="-127"/>
+              </a:endParaRPr>
+            </a:p>
+          </p:txBody>
+        </p:sp>
+      </p:grpSp>
+      <p:grpSp>
+        <p:nvGrpSpPr>
+          <p:cNvPr id="9" name="Group 9"/>
+          <p:cNvGrpSpPr/>
+          <p:nvPr/>
+        </p:nvGrpSpPr>
+        <p:grpSpPr>
+          <a:xfrm>
+            <a:off x="9676522" y="2446610"/>
+            <a:ext cx="7032037" cy="3914633"/>
+            <a:chOff x="0" y="0"/>
+            <a:chExt cx="1508960" cy="840016"/>
+          </a:xfrm>
+        </p:grpSpPr>
+        <p:sp>
+          <p:nvSpPr>
+            <p:cNvPr id="10" name="Freeform 10"/>
+            <p:cNvSpPr/>
+            <p:nvPr/>
+          </p:nvSpPr>
+          <p:spPr>
+            <a:xfrm>
+              <a:off x="0" y="0"/>
+              <a:ext cx="1508960" cy="840016"/>
+            </a:xfrm>
+            <a:custGeom>
+              <a:avLst/>
+              <a:gdLst/>
+              <a:ahLst/>
+              <a:cxnLst/>
+              <a:rect l="l" t="t" r="r" b="b"/>
+              <a:pathLst>
+                <a:path w="1508960" h="840016">
+                  <a:moveTo>
+                    <a:pt x="0" y="0"/>
+                  </a:moveTo>
+                  <a:lnTo>
+                    <a:pt x="1508960" y="0"/>
+                  </a:lnTo>
+                  <a:lnTo>
+                    <a:pt x="1508960" y="840016"/>
+                  </a:lnTo>
+                  <a:lnTo>
+                    <a:pt x="0" y="840016"/>
+                  </a:lnTo>
+                  <a:close/>
+                </a:path>
+              </a:pathLst>
+            </a:custGeom>
+            <a:blipFill>
+              <a:blip r:embed="rId2"/>
+              <a:stretch>
+                <a:fillRect t="-9840" b="-9840"/>
+              </a:stretch>
+            </a:blipFill>
+          </p:spPr>
+          <p:txBody>
+            <a:bodyPr/>
+            <a:lstStyle/>
+            <a:p>
+              <a:endParaRPr lang="ko-KR" altLang="en-US">
+                <a:latin typeface="KoPub바탕체 Medium" panose="02020603020101020101" pitchFamily="18" charset="-127"/>
+                <a:ea typeface="KoPub바탕체 Medium" panose="02020603020101020101" pitchFamily="18" charset="-127"/>
+              </a:endParaRPr>
+            </a:p>
+          </p:txBody>
+        </p:sp>
+      </p:grpSp>
+      <p:grpSp>
+        <p:nvGrpSpPr>
+          <p:cNvPr id="11" name="Group 11"/>
+          <p:cNvGrpSpPr/>
+          <p:nvPr/>
+        </p:nvGrpSpPr>
+        <p:grpSpPr>
+          <a:xfrm>
+            <a:off x="1556450" y="2446610"/>
+            <a:ext cx="7032037" cy="3914633"/>
+            <a:chOff x="0" y="0"/>
+            <a:chExt cx="1508960" cy="840016"/>
+          </a:xfrm>
+        </p:grpSpPr>
+        <p:sp>
+          <p:nvSpPr>
+            <p:cNvPr id="12" name="Freeform 12"/>
+            <p:cNvSpPr/>
+            <p:nvPr/>
+          </p:nvSpPr>
+          <p:spPr>
+            <a:xfrm>
+              <a:off x="0" y="0"/>
+              <a:ext cx="1508960" cy="840016"/>
+            </a:xfrm>
+            <a:custGeom>
+              <a:avLst/>
+              <a:gdLst/>
+              <a:ahLst/>
+              <a:cxnLst/>
+              <a:rect l="l" t="t" r="r" b="b"/>
+              <a:pathLst>
+                <a:path w="1508960" h="840016">
+                  <a:moveTo>
+                    <a:pt x="0" y="0"/>
+                  </a:moveTo>
+                  <a:lnTo>
+                    <a:pt x="1508960" y="0"/>
+                  </a:lnTo>
+                  <a:lnTo>
+                    <a:pt x="1508960" y="840016"/>
+                  </a:lnTo>
+                  <a:lnTo>
+                    <a:pt x="0" y="840016"/>
+                  </a:lnTo>
+                  <a:close/>
+                </a:path>
+              </a:pathLst>
+            </a:custGeom>
+            <a:blipFill>
+              <a:blip r:embed="rId3"/>
+              <a:stretch>
+                <a:fillRect t="-9840" b="-9840"/>
+              </a:stretch>
+            </a:blipFill>
+          </p:spPr>
+          <p:txBody>
+            <a:bodyPr/>
+            <a:lstStyle/>
+            <a:p>
+              <a:endParaRPr lang="ko-KR" altLang="en-US">
+                <a:latin typeface="KoPub바탕체 Medium" panose="02020603020101020101" pitchFamily="18" charset="-127"/>
+                <a:ea typeface="KoPub바탕체 Medium" panose="02020603020101020101" pitchFamily="18" charset="-127"/>
+              </a:endParaRPr>
+            </a:p>
+          </p:txBody>
+        </p:sp>
+      </p:grpSp>
+      <p:grpSp>
+        <p:nvGrpSpPr>
+          <p:cNvPr id="13" name="Group 13"/>
+          <p:cNvGrpSpPr/>
+          <p:nvPr/>
+        </p:nvGrpSpPr>
+        <p:grpSpPr>
+          <a:xfrm>
+            <a:off x="12080050" y="6811552"/>
+            <a:ext cx="2247971" cy="698372"/>
+            <a:chOff x="0" y="0"/>
+            <a:chExt cx="592058" cy="183933"/>
+          </a:xfrm>
+        </p:grpSpPr>
+        <p:sp>
+          <p:nvSpPr>
+            <p:cNvPr id="14" name="Freeform 14"/>
+            <p:cNvSpPr/>
+            <p:nvPr/>
+          </p:nvSpPr>
+          <p:spPr>
+            <a:xfrm>
+              <a:off x="0" y="0"/>
+              <a:ext cx="592058" cy="183933"/>
+            </a:xfrm>
+            <a:custGeom>
+              <a:avLst/>
+              <a:gdLst/>
+              <a:ahLst/>
+              <a:cxnLst/>
+              <a:rect l="l" t="t" r="r" b="b"/>
+              <a:pathLst>
+                <a:path w="592058" h="183933">
+                  <a:moveTo>
+                    <a:pt x="91967" y="0"/>
+                  </a:moveTo>
+                  <a:lnTo>
+                    <a:pt x="500091" y="0"/>
+                  </a:lnTo>
+                  <a:cubicBezTo>
+                    <a:pt x="524483" y="0"/>
+                    <a:pt x="547875" y="9689"/>
+                    <a:pt x="565122" y="26936"/>
+                  </a:cubicBezTo>
+                  <a:cubicBezTo>
+                    <a:pt x="582369" y="44184"/>
+                    <a:pt x="592058" y="67576"/>
+                    <a:pt x="592058" y="91967"/>
+                  </a:cubicBezTo>
+                  <a:lnTo>
+                    <a:pt x="592058" y="91967"/>
+                  </a:lnTo>
+                  <a:cubicBezTo>
+                    <a:pt x="592058" y="116358"/>
+                    <a:pt x="582369" y="139750"/>
+                    <a:pt x="565122" y="156997"/>
+                  </a:cubicBezTo>
+                  <a:cubicBezTo>
+                    <a:pt x="547875" y="174244"/>
+                    <a:pt x="524483" y="183933"/>
+                    <a:pt x="500091" y="183933"/>
+                  </a:cubicBezTo>
+                  <a:lnTo>
+                    <a:pt x="91967" y="183933"/>
+                  </a:lnTo>
+                  <a:cubicBezTo>
+                    <a:pt x="67576" y="183933"/>
+                    <a:pt x="44184" y="174244"/>
+                    <a:pt x="26936" y="156997"/>
+                  </a:cubicBezTo>
+                  <a:cubicBezTo>
+                    <a:pt x="9689" y="139750"/>
+                    <a:pt x="0" y="116358"/>
+                    <a:pt x="0" y="91967"/>
+                  </a:cubicBezTo>
+                  <a:lnTo>
+                    <a:pt x="0" y="91967"/>
+                  </a:lnTo>
+                  <a:cubicBezTo>
+                    <a:pt x="0" y="67576"/>
+                    <a:pt x="9689" y="44184"/>
+                    <a:pt x="26936" y="26936"/>
+                  </a:cubicBezTo>
+                  <a:cubicBezTo>
+                    <a:pt x="44184" y="9689"/>
+                    <a:pt x="67576" y="0"/>
+                    <a:pt x="91967" y="0"/>
+                  </a:cubicBezTo>
+                  <a:close/>
+                </a:path>
+              </a:pathLst>
+            </a:custGeom>
+            <a:solidFill>
+              <a:srgbClr val="090807"/>
+            </a:solidFill>
+          </p:spPr>
+          <p:txBody>
+            <a:bodyPr/>
+            <a:lstStyle/>
+            <a:p>
+              <a:endParaRPr lang="ko-KR" altLang="en-US">
+                <a:latin typeface="KoPub바탕체 Medium" panose="02020603020101020101" pitchFamily="18" charset="-127"/>
+                <a:ea typeface="KoPub바탕체 Medium" panose="02020603020101020101" pitchFamily="18" charset="-127"/>
+              </a:endParaRPr>
+            </a:p>
+          </p:txBody>
+        </p:sp>
+        <p:sp>
+          <p:nvSpPr>
+            <p:cNvPr id="15" name="TextBox 15"/>
+            <p:cNvSpPr txBox="1"/>
+            <p:nvPr/>
+          </p:nvSpPr>
+          <p:spPr>
+            <a:xfrm>
+              <a:off x="0" y="-38100"/>
+              <a:ext cx="592058" cy="222033"/>
+            </a:xfrm>
+            <a:prstGeom prst="rect">
+              <a:avLst/>
+            </a:prstGeom>
+          </p:spPr>
+          <p:txBody>
+            <a:bodyPr lIns="50800" tIns="50800" rIns="50800" bIns="50800" rtlCol="0" anchor="ctr"/>
+            <a:lstStyle/>
+            <a:p>
+              <a:pPr algn="ctr">
+                <a:lnSpc>
+                  <a:spcPts val="3079"/>
+                </a:lnSpc>
+              </a:pPr>
+              <a:endParaRPr>
+                <a:latin typeface="KoPub바탕체 Medium" panose="02020603020101020101" pitchFamily="18" charset="-127"/>
+                <a:ea typeface="KoPub바탕체 Medium" panose="02020603020101020101" pitchFamily="18" charset="-127"/>
+              </a:endParaRPr>
+            </a:p>
+          </p:txBody>
+        </p:sp>
+      </p:grpSp>
+      <p:sp>
+        <p:nvSpPr>
+          <p:cNvPr id="16" name="TextBox 16"/>
+          <p:cNvSpPr txBox="1"/>
+          <p:nvPr/>
+        </p:nvSpPr>
+        <p:spPr>
+          <a:xfrm>
+            <a:off x="12429385" y="6925788"/>
+            <a:ext cx="1549301" cy="872931"/>
+          </a:xfrm>
+          <a:prstGeom prst="rect">
+            <a:avLst/>
+          </a:prstGeom>
+        </p:spPr>
+        <p:txBody>
+          <a:bodyPr lIns="0" tIns="0" rIns="0" bIns="0" rtlCol="0" anchor="t">
+            <a:spAutoFit/>
+          </a:bodyPr>
+          <a:lstStyle/>
+          <a:p>
+            <a:pPr algn="ctr">
+              <a:lnSpc>
+                <a:spcPts val="3499"/>
+              </a:lnSpc>
+              <a:spcBef>
+                <a:spcPct val="0"/>
+              </a:spcBef>
+            </a:pPr>
+            <a:r>
+              <a:rPr lang="en-US" sz="2499" b="1">
+                <a:solidFill>
+                  <a:srgbClr val="FEFBEE"/>
+                </a:solidFill>
+                <a:latin typeface="KoPub바탕체 Medium" panose="02020603020101020101" pitchFamily="18" charset="-127"/>
+                <a:ea typeface="KoPub바탕체 Medium" panose="02020603020101020101" pitchFamily="18" charset="-127"/>
+                <a:cs typeface="Source Han Sans KR Bold"/>
+                <a:sym typeface="Source Han Sans KR Bold"/>
+              </a:rPr>
+              <a:t>문제점 분석</a:t>
+            </a:r>
+          </a:p>
+        </p:txBody>
+      </p:sp>
+      <p:grpSp>
+        <p:nvGrpSpPr>
+          <p:cNvPr id="17" name="Group 17"/>
+          <p:cNvGrpSpPr/>
+          <p:nvPr/>
+        </p:nvGrpSpPr>
+        <p:grpSpPr>
+          <a:xfrm>
+            <a:off x="3948484" y="6811552"/>
+            <a:ext cx="2247971" cy="698372"/>
+            <a:chOff x="0" y="0"/>
+            <a:chExt cx="592058" cy="183933"/>
+          </a:xfrm>
+        </p:grpSpPr>
+        <p:sp>
+          <p:nvSpPr>
+            <p:cNvPr id="18" name="Freeform 18"/>
+            <p:cNvSpPr/>
+            <p:nvPr/>
+          </p:nvSpPr>
+          <p:spPr>
+            <a:xfrm>
+              <a:off x="0" y="0"/>
+              <a:ext cx="592058" cy="183933"/>
+            </a:xfrm>
+            <a:custGeom>
+              <a:avLst/>
+              <a:gdLst/>
+              <a:ahLst/>
+              <a:cxnLst/>
+              <a:rect l="l" t="t" r="r" b="b"/>
+              <a:pathLst>
+                <a:path w="592058" h="183933">
+                  <a:moveTo>
+                    <a:pt x="91967" y="0"/>
+                  </a:moveTo>
+                  <a:lnTo>
+                    <a:pt x="500091" y="0"/>
+                  </a:lnTo>
+                  <a:cubicBezTo>
+                    <a:pt x="524483" y="0"/>
+                    <a:pt x="547875" y="9689"/>
+                    <a:pt x="565122" y="26936"/>
+                  </a:cubicBezTo>
+                  <a:cubicBezTo>
+                    <a:pt x="582369" y="44184"/>
+                    <a:pt x="592058" y="67576"/>
+                    <a:pt x="592058" y="91967"/>
+                  </a:cubicBezTo>
+                  <a:lnTo>
+                    <a:pt x="592058" y="91967"/>
+                  </a:lnTo>
+                  <a:cubicBezTo>
+                    <a:pt x="592058" y="116358"/>
+                    <a:pt x="582369" y="139750"/>
+                    <a:pt x="565122" y="156997"/>
+                  </a:cubicBezTo>
+                  <a:cubicBezTo>
+                    <a:pt x="547875" y="174244"/>
+                    <a:pt x="524483" y="183933"/>
+                    <a:pt x="500091" y="183933"/>
+                  </a:cubicBezTo>
+                  <a:lnTo>
+                    <a:pt x="91967" y="183933"/>
+                  </a:lnTo>
+                  <a:cubicBezTo>
+                    <a:pt x="67576" y="183933"/>
+                    <a:pt x="44184" y="174244"/>
+                    <a:pt x="26936" y="156997"/>
+                  </a:cubicBezTo>
+                  <a:cubicBezTo>
+                    <a:pt x="9689" y="139750"/>
+                    <a:pt x="0" y="116358"/>
+                    <a:pt x="0" y="91967"/>
+                  </a:cubicBezTo>
+                  <a:lnTo>
+                    <a:pt x="0" y="91967"/>
+                  </a:lnTo>
+                  <a:cubicBezTo>
+                    <a:pt x="0" y="67576"/>
+                    <a:pt x="9689" y="44184"/>
+                    <a:pt x="26936" y="26936"/>
+                  </a:cubicBezTo>
+                  <a:cubicBezTo>
+                    <a:pt x="44184" y="9689"/>
+                    <a:pt x="67576" y="0"/>
+                    <a:pt x="91967" y="0"/>
+                  </a:cubicBezTo>
+                  <a:close/>
+                </a:path>
+              </a:pathLst>
+            </a:custGeom>
+            <a:solidFill>
+              <a:srgbClr val="090807"/>
+            </a:solidFill>
+          </p:spPr>
+          <p:txBody>
+            <a:bodyPr/>
+            <a:lstStyle/>
+            <a:p>
+              <a:endParaRPr lang="ko-KR" altLang="en-US">
+                <a:latin typeface="KoPub바탕체 Medium" panose="02020603020101020101" pitchFamily="18" charset="-127"/>
+                <a:ea typeface="KoPub바탕체 Medium" panose="02020603020101020101" pitchFamily="18" charset="-127"/>
+              </a:endParaRPr>
+            </a:p>
+          </p:txBody>
+        </p:sp>
+        <p:sp>
+          <p:nvSpPr>
+            <p:cNvPr id="19" name="TextBox 19"/>
+            <p:cNvSpPr txBox="1"/>
+            <p:nvPr/>
+          </p:nvSpPr>
+          <p:spPr>
+            <a:xfrm>
+              <a:off x="0" y="-38100"/>
+              <a:ext cx="592058" cy="222033"/>
+            </a:xfrm>
+            <a:prstGeom prst="rect">
+              <a:avLst/>
+            </a:prstGeom>
+          </p:spPr>
+          <p:txBody>
+            <a:bodyPr lIns="50800" tIns="50800" rIns="50800" bIns="50800" rtlCol="0" anchor="ctr"/>
+            <a:lstStyle/>
+            <a:p>
+              <a:pPr algn="ctr">
+                <a:lnSpc>
+                  <a:spcPts val="3079"/>
+                </a:lnSpc>
+              </a:pPr>
+              <a:endParaRPr>
+                <a:latin typeface="KoPub바탕체 Medium" panose="02020603020101020101" pitchFamily="18" charset="-127"/>
+                <a:ea typeface="KoPub바탕체 Medium" panose="02020603020101020101" pitchFamily="18" charset="-127"/>
+              </a:endParaRPr>
+            </a:p>
+          </p:txBody>
+        </p:sp>
+      </p:grpSp>
+      <p:sp>
+        <p:nvSpPr>
+          <p:cNvPr id="20" name="TextBox 20"/>
+          <p:cNvSpPr txBox="1"/>
+          <p:nvPr/>
+        </p:nvSpPr>
+        <p:spPr>
+          <a:xfrm>
+            <a:off x="4297818" y="6925788"/>
+            <a:ext cx="1549301" cy="422275"/>
+          </a:xfrm>
+          <a:prstGeom prst="rect">
+            <a:avLst/>
+          </a:prstGeom>
+        </p:spPr>
+        <p:txBody>
+          <a:bodyPr lIns="0" tIns="0" rIns="0" bIns="0" rtlCol="0" anchor="t">
+            <a:spAutoFit/>
+          </a:bodyPr>
+          <a:lstStyle/>
+          <a:p>
+            <a:pPr algn="ctr">
+              <a:lnSpc>
+                <a:spcPts val="3499"/>
+              </a:lnSpc>
+              <a:spcBef>
+                <a:spcPct val="0"/>
+              </a:spcBef>
+            </a:pPr>
+            <a:r>
+              <a:rPr lang="en-US" sz="2499" b="1">
+                <a:solidFill>
+                  <a:srgbClr val="FEFBEE"/>
+                </a:solidFill>
+                <a:latin typeface="KoPub바탕체 Medium" panose="02020603020101020101" pitchFamily="18" charset="-127"/>
+                <a:ea typeface="KoPub바탕체 Medium" panose="02020603020101020101" pitchFamily="18" charset="-127"/>
+                <a:cs typeface="Source Han Sans KR Bold"/>
+                <a:sym typeface="Source Han Sans KR Bold"/>
+              </a:rPr>
+              <a:t>현재 상황</a:t>
+            </a:r>
+          </a:p>
+        </p:txBody>
+      </p:sp>
+      <p:sp>
+        <p:nvSpPr>
+          <p:cNvPr id="21" name="TextBox 21"/>
+          <p:cNvSpPr txBox="1"/>
+          <p:nvPr/>
+        </p:nvSpPr>
+        <p:spPr>
+          <a:xfrm>
+            <a:off x="923832" y="765070"/>
+            <a:ext cx="1047080" cy="422275"/>
+          </a:xfrm>
+          <a:prstGeom prst="rect">
+            <a:avLst/>
+          </a:prstGeom>
+        </p:spPr>
+        <p:txBody>
+          <a:bodyPr lIns="0" tIns="0" rIns="0" bIns="0" rtlCol="0" anchor="t">
+            <a:spAutoFit/>
+          </a:bodyPr>
+          <a:lstStyle/>
+          <a:p>
+            <a:pPr algn="l">
+              <a:lnSpc>
+                <a:spcPts val="3499"/>
+              </a:lnSpc>
+              <a:spcBef>
+                <a:spcPct val="0"/>
+              </a:spcBef>
+            </a:pPr>
+            <a:r>
+              <a:rPr lang="en-US" sz="2499" b="1">
+                <a:solidFill>
+                  <a:srgbClr val="090807"/>
+                </a:solidFill>
+                <a:latin typeface="KoPub바탕체 Medium" panose="02020603020101020101" pitchFamily="18" charset="-127"/>
+                <a:ea typeface="KoPub바탕체 Medium" panose="02020603020101020101" pitchFamily="18" charset="-127"/>
+                <a:cs typeface="Source Han Sans KR Bold"/>
+                <a:sym typeface="Source Han Sans KR Bold"/>
+              </a:rPr>
+              <a:t>02 현황</a:t>
+            </a:r>
+          </a:p>
+        </p:txBody>
+      </p:sp>
+      <p:sp>
+        <p:nvSpPr>
+          <p:cNvPr id="22" name="TextBox 22"/>
+          <p:cNvSpPr txBox="1"/>
+          <p:nvPr/>
+        </p:nvSpPr>
+        <p:spPr>
+          <a:xfrm>
+            <a:off x="1985131" y="7808928"/>
+            <a:ext cx="6197667" cy="1123950"/>
+          </a:xfrm>
+          <a:prstGeom prst="rect">
+            <a:avLst/>
+          </a:prstGeom>
+        </p:spPr>
+        <p:txBody>
+          <a:bodyPr lIns="0" tIns="0" rIns="0" bIns="0" rtlCol="0" anchor="t">
+            <a:spAutoFit/>
+          </a:bodyPr>
+          <a:lstStyle/>
+          <a:p>
+            <a:pPr algn="l">
+              <a:lnSpc>
+                <a:spcPts val="3000"/>
+              </a:lnSpc>
+            </a:pPr>
+            <a:r>
+              <a:rPr lang="en-US" sz="2000">
+                <a:solidFill>
+                  <a:srgbClr val="090807"/>
+                </a:solidFill>
+                <a:latin typeface="KoPub바탕체 Medium" panose="02020603020101020101" pitchFamily="18" charset="-127"/>
+                <a:ea typeface="KoPub바탕체 Medium" panose="02020603020101020101" pitchFamily="18" charset="-127"/>
+                <a:cs typeface="Source Han Sans KR"/>
+                <a:sym typeface="Source Han Sans KR"/>
+              </a:rPr>
+              <a:t>Lorem ipsum dolor sit amet, consectetur adipiscing elit. Fusce mattis, lorem in venenatis porttitor nibh urna vestibulum tortor, ac placerat.</a:t>
+            </a:r>
+          </a:p>
+        </p:txBody>
+      </p:sp>
+      <p:sp>
+        <p:nvSpPr>
+          <p:cNvPr id="23" name="TextBox 23"/>
+          <p:cNvSpPr txBox="1"/>
+          <p:nvPr/>
+        </p:nvSpPr>
+        <p:spPr>
+          <a:xfrm>
+            <a:off x="10105202" y="7808928"/>
+            <a:ext cx="6197667" cy="1123950"/>
+          </a:xfrm>
+          <a:prstGeom prst="rect">
+            <a:avLst/>
+          </a:prstGeom>
+        </p:spPr>
+        <p:txBody>
+          <a:bodyPr lIns="0" tIns="0" rIns="0" bIns="0" rtlCol="0" anchor="t">
+            <a:spAutoFit/>
+          </a:bodyPr>
+          <a:lstStyle/>
+          <a:p>
+            <a:pPr algn="l">
+              <a:lnSpc>
+                <a:spcPts val="3000"/>
+              </a:lnSpc>
+            </a:pPr>
+            <a:r>
+              <a:rPr lang="en-US" sz="2000">
+                <a:solidFill>
+                  <a:srgbClr val="090807"/>
+                </a:solidFill>
+                <a:latin typeface="KoPub바탕체 Medium" panose="02020603020101020101" pitchFamily="18" charset="-127"/>
+                <a:ea typeface="KoPub바탕체 Medium" panose="02020603020101020101" pitchFamily="18" charset="-127"/>
+                <a:cs typeface="Source Han Sans KR"/>
+                <a:sym typeface="Source Han Sans KR"/>
+              </a:rPr>
+              <a:t>Lorem ipsum dolor sit amet, consectetur adipiscing elit. Fusce mattis, lorem in venenatis porttitor nibh urna vestibulum tortor, ac placerat.</a:t>
+            </a:r>
+          </a:p>
+        </p:txBody>
+      </p:sp>
+    </p:spTree>
+  </p:cSld>
+  <p:clrMapOvr>
+    <a:masterClrMapping/>
+  </p:clrMapOvr>
+</p:sld>
+</file>
+
+<file path=ppt/slides/slide12.xml><?xml version="1.0" encoding="utf-8"?>
+<p:sld xmlns:a="http://schemas.openxmlformats.org/drawingml/2006/main" xmlns:r="http://schemas.openxmlformats.org/officeDocument/2006/relationships" xmlns:p="http://schemas.openxmlformats.org/presentationml/2006/main">
+  <p:cSld>
+    <p:bg>
+      <p:bgPr>
+        <a:solidFill>
+          <a:srgbClr val="FEFBEE"/>
+        </a:solidFill>
+        <a:effectLst/>
+      </p:bgPr>
+    </p:bg>
+    <p:spTree>
+      <p:nvGrpSpPr>
+        <p:cNvPr id="1" name=""/>
+        <p:cNvGrpSpPr/>
+        <p:nvPr/>
+      </p:nvGrpSpPr>
+      <p:grpSpPr>
+        <a:xfrm>
+          <a:off x="0" y="0"/>
+          <a:ext cx="0" cy="0"/>
+          <a:chOff x="0" y="0"/>
+          <a:chExt cx="0" cy="0"/>
+        </a:xfrm>
+      </p:grpSpPr>
+      <p:sp>
+        <p:nvSpPr>
+          <p:cNvPr id="2" name="AutoShape 2"/>
+          <p:cNvSpPr/>
+          <p:nvPr/>
+        </p:nvSpPr>
+        <p:spPr>
+          <a:xfrm>
+            <a:off x="860320" y="1347066"/>
+            <a:ext cx="1233818" cy="0"/>
+          </a:xfrm>
+          <a:prstGeom prst="line">
+            <a:avLst/>
+          </a:prstGeom>
+          <a:ln w="38100" cap="flat">
+            <a:solidFill>
+              <a:srgbClr val="090807"/>
+            </a:solidFill>
+            <a:prstDash val="solid"/>
+            <a:headEnd type="none" w="sm" len="sm"/>
+            <a:tailEnd type="none" w="sm" len="sm"/>
+          </a:ln>
+        </p:spPr>
+        <p:txBody>
+          <a:bodyPr/>
+          <a:lstStyle/>
+          <a:p>
+            <a:endParaRPr lang="ko-KR" altLang="en-US">
+              <a:latin typeface="KoPub바탕체 Medium" panose="02020603020101020101" pitchFamily="18" charset="-127"/>
+              <a:ea typeface="KoPub바탕체 Medium" panose="02020603020101020101" pitchFamily="18" charset="-127"/>
+            </a:endParaRPr>
+          </a:p>
+        </p:txBody>
+      </p:sp>
+      <p:grpSp>
+        <p:nvGrpSpPr>
+          <p:cNvPr id="3" name="Group 3"/>
+          <p:cNvGrpSpPr/>
+          <p:nvPr/>
+        </p:nvGrpSpPr>
+        <p:grpSpPr>
+          <a:xfrm>
+            <a:off x="683902" y="2223291"/>
+            <a:ext cx="16920196" cy="7082634"/>
+            <a:chOff x="0" y="0"/>
+            <a:chExt cx="4456348" cy="1865385"/>
+          </a:xfrm>
+        </p:grpSpPr>
+        <p:sp>
+          <p:nvSpPr>
+            <p:cNvPr id="4" name="Freeform 4"/>
+            <p:cNvSpPr/>
+            <p:nvPr/>
+          </p:nvSpPr>
+          <p:spPr>
+            <a:xfrm>
+              <a:off x="0" y="0"/>
+              <a:ext cx="4456348" cy="1865385"/>
+            </a:xfrm>
+            <a:custGeom>
+              <a:avLst/>
+              <a:gdLst/>
+              <a:ahLst/>
+              <a:cxnLst/>
+              <a:rect l="l" t="t" r="r" b="b"/>
+              <a:pathLst>
+                <a:path w="4456348" h="1865385">
+                  <a:moveTo>
+                    <a:pt x="0" y="0"/>
+                  </a:moveTo>
+                  <a:lnTo>
+                    <a:pt x="4456348" y="0"/>
+                  </a:lnTo>
+                  <a:lnTo>
+                    <a:pt x="4456348" y="1865385"/>
+                  </a:lnTo>
+                  <a:lnTo>
+                    <a:pt x="0" y="1865385"/>
+                  </a:lnTo>
+                  <a:close/>
+                </a:path>
+              </a:pathLst>
+            </a:custGeom>
+            <a:solidFill>
+              <a:srgbClr val="000000">
+                <a:alpha val="0"/>
+              </a:srgbClr>
+            </a:solidFill>
+            <a:ln w="9525" cap="sq">
+              <a:solidFill>
+                <a:srgbClr val="090807"/>
+              </a:solidFill>
+              <a:prstDash val="solid"/>
+              <a:miter/>
+            </a:ln>
+          </p:spPr>
+          <p:txBody>
+            <a:bodyPr/>
+            <a:lstStyle/>
+            <a:p>
+              <a:endParaRPr lang="ko-KR" altLang="en-US">
+                <a:latin typeface="KoPub바탕체 Medium" panose="02020603020101020101" pitchFamily="18" charset="-127"/>
+                <a:ea typeface="KoPub바탕체 Medium" panose="02020603020101020101" pitchFamily="18" charset="-127"/>
+              </a:endParaRPr>
+            </a:p>
+          </p:txBody>
+        </p:sp>
+        <p:sp>
+          <p:nvSpPr>
+            <p:cNvPr id="5" name="TextBox 5"/>
+            <p:cNvSpPr txBox="1"/>
+            <p:nvPr/>
+          </p:nvSpPr>
+          <p:spPr>
+            <a:xfrm>
+              <a:off x="0" y="-38100"/>
+              <a:ext cx="4456348" cy="1903485"/>
+            </a:xfrm>
+            <a:prstGeom prst="rect">
+              <a:avLst/>
+            </a:prstGeom>
+          </p:spPr>
+          <p:txBody>
+            <a:bodyPr lIns="50800" tIns="50800" rIns="50800" bIns="50800" rtlCol="0" anchor="ctr"/>
+            <a:lstStyle/>
+            <a:p>
+              <a:pPr algn="ctr">
+                <a:lnSpc>
+                  <a:spcPts val="3079"/>
+                </a:lnSpc>
+              </a:pPr>
+              <a:endParaRPr>
+                <a:latin typeface="KoPub바탕체 Medium" panose="02020603020101020101" pitchFamily="18" charset="-127"/>
+                <a:ea typeface="KoPub바탕체 Medium" panose="02020603020101020101" pitchFamily="18" charset="-127"/>
+              </a:endParaRPr>
+            </a:p>
+          </p:txBody>
+        </p:sp>
+      </p:grpSp>
+      <p:sp>
+        <p:nvSpPr>
+          <p:cNvPr id="6" name="Freeform 6"/>
+          <p:cNvSpPr/>
+          <p:nvPr/>
+        </p:nvSpPr>
+        <p:spPr>
+          <a:xfrm>
+            <a:off x="2053459" y="3188954"/>
+            <a:ext cx="1535073" cy="1535073"/>
+          </a:xfrm>
+          <a:custGeom>
+            <a:avLst/>
+            <a:gdLst/>
+            <a:ahLst/>
+            <a:cxnLst/>
+            <a:rect l="l" t="t" r="r" b="b"/>
+            <a:pathLst>
+              <a:path w="1535073" h="1535073">
+                <a:moveTo>
+                  <a:pt x="0" y="0"/>
+                </a:moveTo>
+                <a:lnTo>
+                  <a:pt x="1535074" y="0"/>
+                </a:lnTo>
+                <a:lnTo>
+                  <a:pt x="1535074" y="1535073"/>
+                </a:lnTo>
+                <a:lnTo>
+                  <a:pt x="0" y="1535073"/>
+                </a:lnTo>
+                <a:lnTo>
+                  <a:pt x="0" y="0"/>
+                </a:lnTo>
+                <a:close/>
+              </a:path>
+            </a:pathLst>
+          </a:custGeom>
+          <a:blipFill>
+            <a:blip r:embed="rId2">
+              <a:extLst>
+                <a:ext uri="{96DAC541-7B7A-43D3-8B79-37D633B846F1}">
+                  <asvg:svgBlip xmlns:asvg="http://schemas.microsoft.com/office/drawing/2016/SVG/main" r:embed="rId3"/>
+                </a:ext>
+              </a:extLst>
+            </a:blip>
+            <a:stretch>
+              <a:fillRect/>
+            </a:stretch>
+          </a:blipFill>
+        </p:spPr>
+        <p:txBody>
+          <a:bodyPr/>
+          <a:lstStyle/>
+          <a:p>
+            <a:endParaRPr lang="ko-KR" altLang="en-US">
+              <a:latin typeface="KoPub바탕체 Medium" panose="02020603020101020101" pitchFamily="18" charset="-127"/>
+              <a:ea typeface="KoPub바탕체 Medium" panose="02020603020101020101" pitchFamily="18" charset="-127"/>
+            </a:endParaRPr>
+          </a:p>
+        </p:txBody>
+      </p:sp>
+      <p:sp>
+        <p:nvSpPr>
+          <p:cNvPr id="7" name="Freeform 7"/>
+          <p:cNvSpPr/>
+          <p:nvPr/>
+        </p:nvSpPr>
+        <p:spPr>
+          <a:xfrm>
+            <a:off x="6328433" y="3172592"/>
+            <a:ext cx="1445223" cy="1567796"/>
+          </a:xfrm>
+          <a:custGeom>
+            <a:avLst/>
+            <a:gdLst/>
+            <a:ahLst/>
+            <a:cxnLst/>
+            <a:rect l="l" t="t" r="r" b="b"/>
+            <a:pathLst>
+              <a:path w="1445223" h="1567796">
+                <a:moveTo>
+                  <a:pt x="0" y="0"/>
+                </a:moveTo>
+                <a:lnTo>
+                  <a:pt x="1445224" y="0"/>
+                </a:lnTo>
+                <a:lnTo>
+                  <a:pt x="1445224" y="1567797"/>
+                </a:lnTo>
+                <a:lnTo>
+                  <a:pt x="0" y="1567797"/>
+                </a:lnTo>
+                <a:lnTo>
+                  <a:pt x="0" y="0"/>
+                </a:lnTo>
+                <a:close/>
+              </a:path>
+            </a:pathLst>
+          </a:custGeom>
+          <a:blipFill>
+            <a:blip r:embed="rId4">
+              <a:extLst>
+                <a:ext uri="{96DAC541-7B7A-43D3-8B79-37D633B846F1}">
+                  <asvg:svgBlip xmlns:asvg="http://schemas.microsoft.com/office/drawing/2016/SVG/main" r:embed="rId5"/>
+                </a:ext>
+              </a:extLst>
+            </a:blip>
+            <a:stretch>
+              <a:fillRect/>
+            </a:stretch>
+          </a:blipFill>
+        </p:spPr>
+        <p:txBody>
+          <a:bodyPr/>
+          <a:lstStyle/>
+          <a:p>
+            <a:endParaRPr lang="ko-KR" altLang="en-US">
+              <a:latin typeface="KoPub바탕체 Medium" panose="02020603020101020101" pitchFamily="18" charset="-127"/>
+              <a:ea typeface="KoPub바탕체 Medium" panose="02020603020101020101" pitchFamily="18" charset="-127"/>
+            </a:endParaRPr>
+          </a:p>
+        </p:txBody>
+      </p:sp>
+      <p:sp>
+        <p:nvSpPr>
+          <p:cNvPr id="8" name="Freeform 8"/>
+          <p:cNvSpPr/>
+          <p:nvPr/>
+        </p:nvSpPr>
+        <p:spPr>
+          <a:xfrm>
+            <a:off x="10684988" y="3209228"/>
+            <a:ext cx="1494526" cy="1494526"/>
+          </a:xfrm>
+          <a:custGeom>
+            <a:avLst/>
+            <a:gdLst/>
+            <a:ahLst/>
+            <a:cxnLst/>
+            <a:rect l="l" t="t" r="r" b="b"/>
+            <a:pathLst>
+              <a:path w="1494526" h="1494526">
+                <a:moveTo>
+                  <a:pt x="0" y="0"/>
+                </a:moveTo>
+                <a:lnTo>
+                  <a:pt x="1494525" y="0"/>
+                </a:lnTo>
+                <a:lnTo>
+                  <a:pt x="1494525" y="1494525"/>
+                </a:lnTo>
+                <a:lnTo>
+                  <a:pt x="0" y="1494525"/>
+                </a:lnTo>
+                <a:lnTo>
+                  <a:pt x="0" y="0"/>
+                </a:lnTo>
+                <a:close/>
+              </a:path>
+            </a:pathLst>
+          </a:custGeom>
+          <a:blipFill>
+            <a:blip r:embed="rId6">
+              <a:extLst>
+                <a:ext uri="{96DAC541-7B7A-43D3-8B79-37D633B846F1}">
+                  <asvg:svgBlip xmlns:asvg="http://schemas.microsoft.com/office/drawing/2016/SVG/main" r:embed="rId7"/>
+                </a:ext>
+              </a:extLst>
+            </a:blip>
+            <a:stretch>
+              <a:fillRect/>
+            </a:stretch>
+          </a:blipFill>
+        </p:spPr>
+        <p:txBody>
+          <a:bodyPr/>
+          <a:lstStyle/>
+          <a:p>
+            <a:endParaRPr lang="ko-KR" altLang="en-US">
+              <a:latin typeface="KoPub바탕체 Medium" panose="02020603020101020101" pitchFamily="18" charset="-127"/>
+              <a:ea typeface="KoPub바탕체 Medium" panose="02020603020101020101" pitchFamily="18" charset="-127"/>
+            </a:endParaRPr>
+          </a:p>
+        </p:txBody>
+      </p:sp>
+      <p:sp>
+        <p:nvSpPr>
+          <p:cNvPr id="9" name="Freeform 9"/>
+          <p:cNvSpPr/>
+          <p:nvPr/>
+        </p:nvSpPr>
+        <p:spPr>
+          <a:xfrm>
+            <a:off x="14662631" y="3172592"/>
+            <a:ext cx="1608746" cy="1567796"/>
+          </a:xfrm>
+          <a:custGeom>
+            <a:avLst/>
+            <a:gdLst/>
+            <a:ahLst/>
+            <a:cxnLst/>
+            <a:rect l="l" t="t" r="r" b="b"/>
+            <a:pathLst>
+              <a:path w="1608746" h="1567796">
+                <a:moveTo>
+                  <a:pt x="0" y="0"/>
+                </a:moveTo>
+                <a:lnTo>
+                  <a:pt x="1608746" y="0"/>
+                </a:lnTo>
+                <a:lnTo>
+                  <a:pt x="1608746" y="1567797"/>
+                </a:lnTo>
+                <a:lnTo>
+                  <a:pt x="0" y="1567797"/>
+                </a:lnTo>
+                <a:lnTo>
+                  <a:pt x="0" y="0"/>
+                </a:lnTo>
+                <a:close/>
+              </a:path>
+            </a:pathLst>
+          </a:custGeom>
+          <a:blipFill>
+            <a:blip r:embed="rId8">
+              <a:extLst>
+                <a:ext uri="{96DAC541-7B7A-43D3-8B79-37D633B846F1}">
+                  <asvg:svgBlip xmlns:asvg="http://schemas.microsoft.com/office/drawing/2016/SVG/main" r:embed="rId9"/>
+                </a:ext>
+              </a:extLst>
+            </a:blip>
+            <a:stretch>
+              <a:fillRect/>
+            </a:stretch>
+          </a:blipFill>
+        </p:spPr>
+        <p:txBody>
+          <a:bodyPr/>
+          <a:lstStyle/>
+          <a:p>
+            <a:endParaRPr lang="ko-KR" altLang="en-US">
+              <a:latin typeface="KoPub바탕체 Medium" panose="02020603020101020101" pitchFamily="18" charset="-127"/>
+              <a:ea typeface="KoPub바탕체 Medium" panose="02020603020101020101" pitchFamily="18" charset="-127"/>
+            </a:endParaRPr>
+          </a:p>
+        </p:txBody>
+      </p:sp>
+      <p:grpSp>
+        <p:nvGrpSpPr>
+          <p:cNvPr id="10" name="Group 10"/>
+          <p:cNvGrpSpPr/>
+          <p:nvPr/>
+        </p:nvGrpSpPr>
+        <p:grpSpPr>
+          <a:xfrm>
+            <a:off x="1414164" y="5492464"/>
+            <a:ext cx="2813665" cy="698372"/>
+            <a:chOff x="0" y="0"/>
+            <a:chExt cx="741047" cy="183933"/>
+          </a:xfrm>
+        </p:grpSpPr>
+        <p:sp>
+          <p:nvSpPr>
+            <p:cNvPr id="11" name="Freeform 11"/>
+            <p:cNvSpPr/>
+            <p:nvPr/>
+          </p:nvSpPr>
+          <p:spPr>
+            <a:xfrm>
+              <a:off x="0" y="0"/>
+              <a:ext cx="741047" cy="183933"/>
+            </a:xfrm>
+            <a:custGeom>
+              <a:avLst/>
+              <a:gdLst/>
+              <a:ahLst/>
+              <a:cxnLst/>
+              <a:rect l="l" t="t" r="r" b="b"/>
+              <a:pathLst>
+                <a:path w="741047" h="183933">
+                  <a:moveTo>
+                    <a:pt x="91967" y="0"/>
+                  </a:moveTo>
+                  <a:lnTo>
+                    <a:pt x="649081" y="0"/>
+                  </a:lnTo>
+                  <a:cubicBezTo>
+                    <a:pt x="673472" y="0"/>
+                    <a:pt x="696864" y="9689"/>
+                    <a:pt x="714111" y="26936"/>
+                  </a:cubicBezTo>
+                  <a:cubicBezTo>
+                    <a:pt x="731358" y="44184"/>
+                    <a:pt x="741047" y="67576"/>
+                    <a:pt x="741047" y="91967"/>
+                  </a:cubicBezTo>
+                  <a:lnTo>
+                    <a:pt x="741047" y="91967"/>
+                  </a:lnTo>
+                  <a:cubicBezTo>
+                    <a:pt x="741047" y="116358"/>
+                    <a:pt x="731358" y="139750"/>
+                    <a:pt x="714111" y="156997"/>
+                  </a:cubicBezTo>
+                  <a:cubicBezTo>
+                    <a:pt x="696864" y="174244"/>
+                    <a:pt x="673472" y="183933"/>
+                    <a:pt x="649081" y="183933"/>
+                  </a:cubicBezTo>
+                  <a:lnTo>
+                    <a:pt x="91967" y="183933"/>
+                  </a:lnTo>
+                  <a:cubicBezTo>
+                    <a:pt x="67576" y="183933"/>
+                    <a:pt x="44184" y="174244"/>
+                    <a:pt x="26936" y="156997"/>
+                  </a:cubicBezTo>
+                  <a:cubicBezTo>
+                    <a:pt x="9689" y="139750"/>
+                    <a:pt x="0" y="116358"/>
+                    <a:pt x="0" y="91967"/>
+                  </a:cubicBezTo>
+                  <a:lnTo>
+                    <a:pt x="0" y="91967"/>
+                  </a:lnTo>
+                  <a:cubicBezTo>
+                    <a:pt x="0" y="67576"/>
+                    <a:pt x="9689" y="44184"/>
+                    <a:pt x="26936" y="26936"/>
+                  </a:cubicBezTo>
+                  <a:cubicBezTo>
+                    <a:pt x="44184" y="9689"/>
+                    <a:pt x="67576" y="0"/>
+                    <a:pt x="91967" y="0"/>
+                  </a:cubicBezTo>
+                  <a:close/>
+                </a:path>
+              </a:pathLst>
+            </a:custGeom>
+            <a:solidFill>
+              <a:srgbClr val="090807"/>
+            </a:solidFill>
+          </p:spPr>
+          <p:txBody>
+            <a:bodyPr/>
+            <a:lstStyle/>
+            <a:p>
+              <a:endParaRPr lang="ko-KR" altLang="en-US">
+                <a:latin typeface="KoPub바탕체 Medium" panose="02020603020101020101" pitchFamily="18" charset="-127"/>
+                <a:ea typeface="KoPub바탕체 Medium" panose="02020603020101020101" pitchFamily="18" charset="-127"/>
+              </a:endParaRPr>
+            </a:p>
+          </p:txBody>
+        </p:sp>
+        <p:sp>
+          <p:nvSpPr>
+            <p:cNvPr id="12" name="TextBox 12"/>
+            <p:cNvSpPr txBox="1"/>
+            <p:nvPr/>
+          </p:nvSpPr>
+          <p:spPr>
+            <a:xfrm>
+              <a:off x="0" y="-38100"/>
+              <a:ext cx="741047" cy="222033"/>
+            </a:xfrm>
+            <a:prstGeom prst="rect">
+              <a:avLst/>
+            </a:prstGeom>
+          </p:spPr>
+          <p:txBody>
+            <a:bodyPr lIns="50800" tIns="50800" rIns="50800" bIns="50800" rtlCol="0" anchor="ctr"/>
+            <a:lstStyle/>
+            <a:p>
+              <a:pPr algn="ctr">
+                <a:lnSpc>
+                  <a:spcPts val="3079"/>
+                </a:lnSpc>
+              </a:pPr>
+              <a:endParaRPr>
+                <a:latin typeface="KoPub바탕체 Medium" panose="02020603020101020101" pitchFamily="18" charset="-127"/>
+                <a:ea typeface="KoPub바탕체 Medium" panose="02020603020101020101" pitchFamily="18" charset="-127"/>
+              </a:endParaRPr>
+            </a:p>
+          </p:txBody>
+        </p:sp>
+      </p:grpSp>
+      <p:sp>
+        <p:nvSpPr>
+          <p:cNvPr id="13" name="TextBox 13"/>
+          <p:cNvSpPr txBox="1"/>
+          <p:nvPr/>
+        </p:nvSpPr>
+        <p:spPr>
+          <a:xfrm>
+            <a:off x="1855883" y="5606700"/>
+            <a:ext cx="1930226" cy="872931"/>
+          </a:xfrm>
+          <a:prstGeom prst="rect">
+            <a:avLst/>
+          </a:prstGeom>
+        </p:spPr>
+        <p:txBody>
+          <a:bodyPr lIns="0" tIns="0" rIns="0" bIns="0" rtlCol="0" anchor="t">
+            <a:spAutoFit/>
+          </a:bodyPr>
+          <a:lstStyle/>
+          <a:p>
+            <a:pPr algn="ctr">
+              <a:lnSpc>
+                <a:spcPts val="3499"/>
+              </a:lnSpc>
+              <a:spcBef>
+                <a:spcPct val="0"/>
+              </a:spcBef>
+            </a:pPr>
+            <a:r>
+              <a:rPr lang="en-US" sz="2499" b="1">
+                <a:solidFill>
+                  <a:srgbClr val="FEFBEE"/>
+                </a:solidFill>
+                <a:latin typeface="KoPub바탕체 Medium" panose="02020603020101020101" pitchFamily="18" charset="-127"/>
+                <a:ea typeface="KoPub바탕체 Medium" panose="02020603020101020101" pitchFamily="18" charset="-127"/>
+                <a:cs typeface="Source Han Sans KR Bold"/>
+                <a:sym typeface="Source Han Sans KR Bold"/>
+              </a:rPr>
+              <a:t>주요 분석 대상</a:t>
+            </a:r>
+          </a:p>
+        </p:txBody>
+      </p:sp>
+      <p:grpSp>
+        <p:nvGrpSpPr>
+          <p:cNvPr id="14" name="Group 14"/>
+          <p:cNvGrpSpPr/>
+          <p:nvPr/>
+        </p:nvGrpSpPr>
+        <p:grpSpPr>
+          <a:xfrm>
+            <a:off x="10177720" y="5492464"/>
+            <a:ext cx="2509060" cy="698372"/>
+            <a:chOff x="0" y="0"/>
+            <a:chExt cx="660822" cy="183933"/>
+          </a:xfrm>
+        </p:grpSpPr>
+        <p:sp>
+          <p:nvSpPr>
+            <p:cNvPr id="15" name="Freeform 15"/>
+            <p:cNvSpPr/>
+            <p:nvPr/>
+          </p:nvSpPr>
+          <p:spPr>
+            <a:xfrm>
+              <a:off x="0" y="0"/>
+              <a:ext cx="660822" cy="183933"/>
+            </a:xfrm>
+            <a:custGeom>
+              <a:avLst/>
+              <a:gdLst/>
+              <a:ahLst/>
+              <a:cxnLst/>
+              <a:rect l="l" t="t" r="r" b="b"/>
+              <a:pathLst>
+                <a:path w="660822" h="183933">
+                  <a:moveTo>
+                    <a:pt x="91967" y="0"/>
+                  </a:moveTo>
+                  <a:lnTo>
+                    <a:pt x="568856" y="0"/>
+                  </a:lnTo>
+                  <a:cubicBezTo>
+                    <a:pt x="593247" y="0"/>
+                    <a:pt x="616639" y="9689"/>
+                    <a:pt x="633886" y="26936"/>
+                  </a:cubicBezTo>
+                  <a:cubicBezTo>
+                    <a:pt x="651133" y="44184"/>
+                    <a:pt x="660822" y="67576"/>
+                    <a:pt x="660822" y="91967"/>
+                  </a:cubicBezTo>
+                  <a:lnTo>
+                    <a:pt x="660822" y="91967"/>
+                  </a:lnTo>
+                  <a:cubicBezTo>
+                    <a:pt x="660822" y="116358"/>
+                    <a:pt x="651133" y="139750"/>
+                    <a:pt x="633886" y="156997"/>
+                  </a:cubicBezTo>
+                  <a:cubicBezTo>
+                    <a:pt x="616639" y="174244"/>
+                    <a:pt x="593247" y="183933"/>
+                    <a:pt x="568856" y="183933"/>
+                  </a:cubicBezTo>
+                  <a:lnTo>
+                    <a:pt x="91967" y="183933"/>
+                  </a:lnTo>
+                  <a:cubicBezTo>
+                    <a:pt x="67576" y="183933"/>
+                    <a:pt x="44184" y="174244"/>
+                    <a:pt x="26936" y="156997"/>
+                  </a:cubicBezTo>
+                  <a:cubicBezTo>
+                    <a:pt x="9689" y="139750"/>
+                    <a:pt x="0" y="116358"/>
+                    <a:pt x="0" y="91967"/>
+                  </a:cubicBezTo>
+                  <a:lnTo>
+                    <a:pt x="0" y="91967"/>
+                  </a:lnTo>
+                  <a:cubicBezTo>
+                    <a:pt x="0" y="67576"/>
+                    <a:pt x="9689" y="44184"/>
+                    <a:pt x="26936" y="26936"/>
+                  </a:cubicBezTo>
+                  <a:cubicBezTo>
+                    <a:pt x="44184" y="9689"/>
+                    <a:pt x="67576" y="0"/>
+                    <a:pt x="91967" y="0"/>
+                  </a:cubicBezTo>
+                  <a:close/>
+                </a:path>
+              </a:pathLst>
+            </a:custGeom>
+            <a:solidFill>
+              <a:srgbClr val="090807"/>
+            </a:solidFill>
+          </p:spPr>
+          <p:txBody>
+            <a:bodyPr/>
+            <a:lstStyle/>
+            <a:p>
+              <a:endParaRPr lang="ko-KR" altLang="en-US">
+                <a:latin typeface="KoPub바탕체 Medium" panose="02020603020101020101" pitchFamily="18" charset="-127"/>
+                <a:ea typeface="KoPub바탕체 Medium" panose="02020603020101020101" pitchFamily="18" charset="-127"/>
+              </a:endParaRPr>
+            </a:p>
+          </p:txBody>
+        </p:sp>
+        <p:sp>
+          <p:nvSpPr>
+            <p:cNvPr id="16" name="TextBox 16"/>
+            <p:cNvSpPr txBox="1"/>
+            <p:nvPr/>
+          </p:nvSpPr>
+          <p:spPr>
+            <a:xfrm>
+              <a:off x="0" y="-38100"/>
+              <a:ext cx="660822" cy="222033"/>
+            </a:xfrm>
+            <a:prstGeom prst="rect">
+              <a:avLst/>
+            </a:prstGeom>
+          </p:spPr>
+          <p:txBody>
+            <a:bodyPr lIns="50800" tIns="50800" rIns="50800" bIns="50800" rtlCol="0" anchor="ctr"/>
+            <a:lstStyle/>
+            <a:p>
+              <a:pPr algn="ctr">
+                <a:lnSpc>
+                  <a:spcPts val="3079"/>
+                </a:lnSpc>
+              </a:pPr>
+              <a:endParaRPr>
+                <a:latin typeface="KoPub바탕체 Medium" panose="02020603020101020101" pitchFamily="18" charset="-127"/>
+                <a:ea typeface="KoPub바탕체 Medium" panose="02020603020101020101" pitchFamily="18" charset="-127"/>
+              </a:endParaRPr>
+            </a:p>
+          </p:txBody>
+        </p:sp>
+      </p:grpSp>
+      <p:sp>
+        <p:nvSpPr>
+          <p:cNvPr id="17" name="TextBox 17"/>
+          <p:cNvSpPr txBox="1"/>
+          <p:nvPr/>
+        </p:nvSpPr>
+        <p:spPr>
+          <a:xfrm>
+            <a:off x="10657600" y="5606700"/>
+            <a:ext cx="1549301" cy="872931"/>
+          </a:xfrm>
+          <a:prstGeom prst="rect">
+            <a:avLst/>
+          </a:prstGeom>
+        </p:spPr>
+        <p:txBody>
+          <a:bodyPr lIns="0" tIns="0" rIns="0" bIns="0" rtlCol="0" anchor="t">
+            <a:spAutoFit/>
+          </a:bodyPr>
+          <a:lstStyle/>
+          <a:p>
+            <a:pPr algn="ctr">
+              <a:lnSpc>
+                <a:spcPts val="3499"/>
+              </a:lnSpc>
+              <a:spcBef>
+                <a:spcPct val="0"/>
+              </a:spcBef>
+            </a:pPr>
+            <a:r>
+              <a:rPr lang="en-US" sz="2499" b="1">
+                <a:solidFill>
+                  <a:srgbClr val="FEFBEE"/>
+                </a:solidFill>
+                <a:latin typeface="KoPub바탕체 Medium" panose="02020603020101020101" pitchFamily="18" charset="-127"/>
+                <a:ea typeface="KoPub바탕체 Medium" panose="02020603020101020101" pitchFamily="18" charset="-127"/>
+                <a:cs typeface="Source Han Sans KR Bold"/>
+                <a:sym typeface="Source Han Sans KR Bold"/>
+              </a:rPr>
+              <a:t>데이터 분석</a:t>
+            </a:r>
+          </a:p>
+        </p:txBody>
+      </p:sp>
+      <p:grpSp>
+        <p:nvGrpSpPr>
+          <p:cNvPr id="18" name="Group 18"/>
+          <p:cNvGrpSpPr/>
+          <p:nvPr/>
+        </p:nvGrpSpPr>
+        <p:grpSpPr>
+          <a:xfrm>
+            <a:off x="5404880" y="5492464"/>
+            <a:ext cx="3292329" cy="698372"/>
+            <a:chOff x="0" y="0"/>
+            <a:chExt cx="867115" cy="183933"/>
+          </a:xfrm>
+        </p:grpSpPr>
+        <p:sp>
+          <p:nvSpPr>
+            <p:cNvPr id="19" name="Freeform 19"/>
+            <p:cNvSpPr/>
+            <p:nvPr/>
+          </p:nvSpPr>
+          <p:spPr>
+            <a:xfrm>
+              <a:off x="0" y="0"/>
+              <a:ext cx="867115" cy="183933"/>
+            </a:xfrm>
+            <a:custGeom>
+              <a:avLst/>
+              <a:gdLst/>
+              <a:ahLst/>
+              <a:cxnLst/>
+              <a:rect l="l" t="t" r="r" b="b"/>
+              <a:pathLst>
+                <a:path w="867115" h="183933">
+                  <a:moveTo>
+                    <a:pt x="91967" y="0"/>
+                  </a:moveTo>
+                  <a:lnTo>
+                    <a:pt x="775149" y="0"/>
+                  </a:lnTo>
+                  <a:cubicBezTo>
+                    <a:pt x="799540" y="0"/>
+                    <a:pt x="822932" y="9689"/>
+                    <a:pt x="840179" y="26936"/>
+                  </a:cubicBezTo>
+                  <a:cubicBezTo>
+                    <a:pt x="857426" y="44184"/>
+                    <a:pt x="867115" y="67576"/>
+                    <a:pt x="867115" y="91967"/>
+                  </a:cubicBezTo>
+                  <a:lnTo>
+                    <a:pt x="867115" y="91967"/>
+                  </a:lnTo>
+                  <a:cubicBezTo>
+                    <a:pt x="867115" y="116358"/>
+                    <a:pt x="857426" y="139750"/>
+                    <a:pt x="840179" y="156997"/>
+                  </a:cubicBezTo>
+                  <a:cubicBezTo>
+                    <a:pt x="822932" y="174244"/>
+                    <a:pt x="799540" y="183933"/>
+                    <a:pt x="775149" y="183933"/>
+                  </a:cubicBezTo>
+                  <a:lnTo>
+                    <a:pt x="91967" y="183933"/>
+                  </a:lnTo>
+                  <a:cubicBezTo>
+                    <a:pt x="67576" y="183933"/>
+                    <a:pt x="44184" y="174244"/>
+                    <a:pt x="26936" y="156997"/>
+                  </a:cubicBezTo>
+                  <a:cubicBezTo>
+                    <a:pt x="9689" y="139750"/>
+                    <a:pt x="0" y="116358"/>
+                    <a:pt x="0" y="91967"/>
+                  </a:cubicBezTo>
+                  <a:lnTo>
+                    <a:pt x="0" y="91967"/>
+                  </a:lnTo>
+                  <a:cubicBezTo>
+                    <a:pt x="0" y="67576"/>
+                    <a:pt x="9689" y="44184"/>
+                    <a:pt x="26936" y="26936"/>
+                  </a:cubicBezTo>
+                  <a:cubicBezTo>
+                    <a:pt x="44184" y="9689"/>
+                    <a:pt x="67576" y="0"/>
+                    <a:pt x="91967" y="0"/>
+                  </a:cubicBezTo>
+                  <a:close/>
+                </a:path>
+              </a:pathLst>
+            </a:custGeom>
+            <a:solidFill>
+              <a:srgbClr val="090807"/>
+            </a:solidFill>
+          </p:spPr>
+          <p:txBody>
+            <a:bodyPr/>
+            <a:lstStyle/>
+            <a:p>
+              <a:endParaRPr lang="ko-KR" altLang="en-US">
+                <a:latin typeface="KoPub바탕체 Medium" panose="02020603020101020101" pitchFamily="18" charset="-127"/>
+                <a:ea typeface="KoPub바탕체 Medium" panose="02020603020101020101" pitchFamily="18" charset="-127"/>
+              </a:endParaRPr>
+            </a:p>
+          </p:txBody>
+        </p:sp>
+        <p:sp>
+          <p:nvSpPr>
+            <p:cNvPr id="20" name="TextBox 20"/>
+            <p:cNvSpPr txBox="1"/>
+            <p:nvPr/>
+          </p:nvSpPr>
+          <p:spPr>
+            <a:xfrm>
+              <a:off x="0" y="-38100"/>
+              <a:ext cx="867115" cy="222033"/>
+            </a:xfrm>
+            <a:prstGeom prst="rect">
+              <a:avLst/>
+            </a:prstGeom>
+          </p:spPr>
+          <p:txBody>
+            <a:bodyPr lIns="50800" tIns="50800" rIns="50800" bIns="50800" rtlCol="0" anchor="ctr"/>
+            <a:lstStyle/>
+            <a:p>
+              <a:pPr algn="ctr">
+                <a:lnSpc>
+                  <a:spcPts val="3079"/>
+                </a:lnSpc>
+              </a:pPr>
+              <a:endParaRPr>
+                <a:latin typeface="KoPub바탕체 Medium" panose="02020603020101020101" pitchFamily="18" charset="-127"/>
+                <a:ea typeface="KoPub바탕체 Medium" panose="02020603020101020101" pitchFamily="18" charset="-127"/>
+              </a:endParaRPr>
+            </a:p>
+          </p:txBody>
+        </p:sp>
+      </p:grpSp>
+      <p:sp>
+        <p:nvSpPr>
+          <p:cNvPr id="21" name="TextBox 21"/>
+          <p:cNvSpPr txBox="1"/>
+          <p:nvPr/>
+        </p:nvSpPr>
+        <p:spPr>
+          <a:xfrm>
+            <a:off x="5895432" y="5606700"/>
+            <a:ext cx="2311226" cy="872931"/>
+          </a:xfrm>
+          <a:prstGeom prst="rect">
+            <a:avLst/>
+          </a:prstGeom>
+        </p:spPr>
+        <p:txBody>
+          <a:bodyPr lIns="0" tIns="0" rIns="0" bIns="0" rtlCol="0" anchor="t">
+            <a:spAutoFit/>
+          </a:bodyPr>
+          <a:lstStyle/>
+          <a:p>
+            <a:pPr algn="ctr">
+              <a:lnSpc>
+                <a:spcPts val="3499"/>
+              </a:lnSpc>
+              <a:spcBef>
+                <a:spcPct val="0"/>
+              </a:spcBef>
+            </a:pPr>
+            <a:r>
+              <a:rPr lang="en-US" sz="2499" b="1">
+                <a:solidFill>
+                  <a:srgbClr val="FEFBEE"/>
+                </a:solidFill>
+                <a:latin typeface="KoPub바탕체 Medium" panose="02020603020101020101" pitchFamily="18" charset="-127"/>
+                <a:ea typeface="KoPub바탕체 Medium" panose="02020603020101020101" pitchFamily="18" charset="-127"/>
+                <a:cs typeface="Source Han Sans KR Bold"/>
+                <a:sym typeface="Source Han Sans KR Bold"/>
+              </a:rPr>
+              <a:t>변수 및 요인 분석</a:t>
+            </a:r>
+          </a:p>
+        </p:txBody>
+      </p:sp>
+      <p:grpSp>
+        <p:nvGrpSpPr>
+          <p:cNvPr id="22" name="Group 22"/>
+          <p:cNvGrpSpPr/>
+          <p:nvPr/>
+        </p:nvGrpSpPr>
+        <p:grpSpPr>
+          <a:xfrm>
+            <a:off x="14311391" y="5492464"/>
+            <a:ext cx="2311226" cy="698372"/>
+            <a:chOff x="0" y="0"/>
+            <a:chExt cx="608718" cy="183933"/>
+          </a:xfrm>
+        </p:grpSpPr>
+        <p:sp>
+          <p:nvSpPr>
+            <p:cNvPr id="23" name="Freeform 23"/>
+            <p:cNvSpPr/>
+            <p:nvPr/>
+          </p:nvSpPr>
+          <p:spPr>
+            <a:xfrm>
+              <a:off x="0" y="0"/>
+              <a:ext cx="608718" cy="183933"/>
+            </a:xfrm>
+            <a:custGeom>
+              <a:avLst/>
+              <a:gdLst/>
+              <a:ahLst/>
+              <a:cxnLst/>
+              <a:rect l="l" t="t" r="r" b="b"/>
+              <a:pathLst>
+                <a:path w="608718" h="183933">
+                  <a:moveTo>
+                    <a:pt x="91967" y="0"/>
+                  </a:moveTo>
+                  <a:lnTo>
+                    <a:pt x="516751" y="0"/>
+                  </a:lnTo>
+                  <a:cubicBezTo>
+                    <a:pt x="541143" y="0"/>
+                    <a:pt x="564535" y="9689"/>
+                    <a:pt x="581782" y="26936"/>
+                  </a:cubicBezTo>
+                  <a:cubicBezTo>
+                    <a:pt x="599029" y="44184"/>
+                    <a:pt x="608718" y="67576"/>
+                    <a:pt x="608718" y="91967"/>
+                  </a:cubicBezTo>
+                  <a:lnTo>
+                    <a:pt x="608718" y="91967"/>
+                  </a:lnTo>
+                  <a:cubicBezTo>
+                    <a:pt x="608718" y="116358"/>
+                    <a:pt x="599029" y="139750"/>
+                    <a:pt x="581782" y="156997"/>
+                  </a:cubicBezTo>
+                  <a:cubicBezTo>
+                    <a:pt x="564535" y="174244"/>
+                    <a:pt x="541143" y="183933"/>
+                    <a:pt x="516751" y="183933"/>
+                  </a:cubicBezTo>
+                  <a:lnTo>
+                    <a:pt x="91967" y="183933"/>
+                  </a:lnTo>
+                  <a:cubicBezTo>
+                    <a:pt x="67576" y="183933"/>
+                    <a:pt x="44184" y="174244"/>
+                    <a:pt x="26936" y="156997"/>
+                  </a:cubicBezTo>
+                  <a:cubicBezTo>
+                    <a:pt x="9689" y="139750"/>
+                    <a:pt x="0" y="116358"/>
+                    <a:pt x="0" y="91967"/>
+                  </a:cubicBezTo>
+                  <a:lnTo>
+                    <a:pt x="0" y="91967"/>
+                  </a:lnTo>
+                  <a:cubicBezTo>
+                    <a:pt x="0" y="67576"/>
+                    <a:pt x="9689" y="44184"/>
+                    <a:pt x="26936" y="26936"/>
+                  </a:cubicBezTo>
+                  <a:cubicBezTo>
+                    <a:pt x="44184" y="9689"/>
+                    <a:pt x="67576" y="0"/>
+                    <a:pt x="91967" y="0"/>
+                  </a:cubicBezTo>
+                  <a:close/>
+                </a:path>
+              </a:pathLst>
+            </a:custGeom>
+            <a:solidFill>
+              <a:srgbClr val="090807"/>
+            </a:solidFill>
+          </p:spPr>
+          <p:txBody>
+            <a:bodyPr/>
+            <a:lstStyle/>
+            <a:p>
+              <a:endParaRPr lang="ko-KR" altLang="en-US">
+                <a:latin typeface="KoPub바탕체 Medium" panose="02020603020101020101" pitchFamily="18" charset="-127"/>
+                <a:ea typeface="KoPub바탕체 Medium" panose="02020603020101020101" pitchFamily="18" charset="-127"/>
+              </a:endParaRPr>
+            </a:p>
+          </p:txBody>
+        </p:sp>
+        <p:sp>
+          <p:nvSpPr>
+            <p:cNvPr id="24" name="TextBox 24"/>
+            <p:cNvSpPr txBox="1"/>
+            <p:nvPr/>
+          </p:nvSpPr>
+          <p:spPr>
+            <a:xfrm>
+              <a:off x="0" y="-38100"/>
+              <a:ext cx="608718" cy="222033"/>
+            </a:xfrm>
+            <a:prstGeom prst="rect">
+              <a:avLst/>
+            </a:prstGeom>
+          </p:spPr>
+          <p:txBody>
+            <a:bodyPr lIns="50800" tIns="50800" rIns="50800" bIns="50800" rtlCol="0" anchor="ctr"/>
+            <a:lstStyle/>
+            <a:p>
+              <a:pPr algn="ctr">
+                <a:lnSpc>
+                  <a:spcPts val="3079"/>
+                </a:lnSpc>
+              </a:pPr>
+              <a:endParaRPr>
+                <a:latin typeface="KoPub바탕체 Medium" panose="02020603020101020101" pitchFamily="18" charset="-127"/>
+                <a:ea typeface="KoPub바탕체 Medium" panose="02020603020101020101" pitchFamily="18" charset="-127"/>
+              </a:endParaRPr>
+            </a:p>
+          </p:txBody>
+        </p:sp>
+      </p:grpSp>
+      <p:sp>
+        <p:nvSpPr>
+          <p:cNvPr id="25" name="TextBox 25"/>
+          <p:cNvSpPr txBox="1"/>
+          <p:nvPr/>
+        </p:nvSpPr>
+        <p:spPr>
+          <a:xfrm>
+            <a:off x="14838391" y="5606700"/>
+            <a:ext cx="1257226" cy="872931"/>
+          </a:xfrm>
+          <a:prstGeom prst="rect">
+            <a:avLst/>
+          </a:prstGeom>
+        </p:spPr>
+        <p:txBody>
+          <a:bodyPr lIns="0" tIns="0" rIns="0" bIns="0" rtlCol="0" anchor="t">
+            <a:spAutoFit/>
+          </a:bodyPr>
+          <a:lstStyle/>
+          <a:p>
+            <a:pPr algn="ctr">
+              <a:lnSpc>
+                <a:spcPts val="3499"/>
+              </a:lnSpc>
+              <a:spcBef>
+                <a:spcPct val="0"/>
+              </a:spcBef>
+            </a:pPr>
+            <a:r>
+              <a:rPr lang="en-US" sz="2499" b="1">
+                <a:solidFill>
+                  <a:srgbClr val="FEFBEE"/>
+                </a:solidFill>
+                <a:latin typeface="KoPub바탕체 Medium" panose="02020603020101020101" pitchFamily="18" charset="-127"/>
+                <a:ea typeface="KoPub바탕체 Medium" panose="02020603020101020101" pitchFamily="18" charset="-127"/>
+                <a:cs typeface="Source Han Sans KR Bold"/>
+                <a:sym typeface="Source Han Sans KR Bold"/>
+              </a:rPr>
+              <a:t>비교 분석</a:t>
+            </a:r>
+          </a:p>
+        </p:txBody>
+      </p:sp>
+      <p:sp>
+        <p:nvSpPr>
+          <p:cNvPr id="26" name="TextBox 26"/>
+          <p:cNvSpPr txBox="1"/>
+          <p:nvPr/>
+        </p:nvSpPr>
+        <p:spPr>
+          <a:xfrm>
+            <a:off x="923832" y="765070"/>
+            <a:ext cx="1047080" cy="422275"/>
+          </a:xfrm>
+          <a:prstGeom prst="rect">
+            <a:avLst/>
+          </a:prstGeom>
+        </p:spPr>
+        <p:txBody>
+          <a:bodyPr lIns="0" tIns="0" rIns="0" bIns="0" rtlCol="0" anchor="t">
+            <a:spAutoFit/>
+          </a:bodyPr>
+          <a:lstStyle/>
+          <a:p>
+            <a:pPr algn="l">
+              <a:lnSpc>
+                <a:spcPts val="3499"/>
+              </a:lnSpc>
+              <a:spcBef>
+                <a:spcPct val="0"/>
+              </a:spcBef>
+            </a:pPr>
+            <a:r>
+              <a:rPr lang="en-US" sz="2499" b="1">
+                <a:solidFill>
+                  <a:srgbClr val="090807"/>
+                </a:solidFill>
+                <a:latin typeface="KoPub바탕체 Medium" panose="02020603020101020101" pitchFamily="18" charset="-127"/>
+                <a:ea typeface="KoPub바탕체 Medium" panose="02020603020101020101" pitchFamily="18" charset="-127"/>
+                <a:cs typeface="Source Han Sans KR Bold"/>
+                <a:sym typeface="Source Han Sans KR Bold"/>
+              </a:rPr>
+              <a:t>03 분석</a:t>
+            </a:r>
+          </a:p>
+        </p:txBody>
+      </p:sp>
+      <p:sp>
+        <p:nvSpPr>
+          <p:cNvPr id="27" name="TextBox 27"/>
+          <p:cNvSpPr txBox="1"/>
+          <p:nvPr/>
+        </p:nvSpPr>
+        <p:spPr>
+          <a:xfrm>
+            <a:off x="1006631" y="6639053"/>
+            <a:ext cx="3628731" cy="2282100"/>
+          </a:xfrm>
+          <a:prstGeom prst="rect">
+            <a:avLst/>
+          </a:prstGeom>
+        </p:spPr>
+        <p:txBody>
+          <a:bodyPr lIns="0" tIns="0" rIns="0" bIns="0" rtlCol="0" anchor="t">
+            <a:spAutoFit/>
+          </a:bodyPr>
+          <a:lstStyle/>
+          <a:p>
+            <a:pPr algn="ctr">
+              <a:lnSpc>
+                <a:spcPts val="3000"/>
+              </a:lnSpc>
+            </a:pPr>
+            <a:r>
+              <a:rPr lang="en-US" sz="2000">
+                <a:solidFill>
+                  <a:srgbClr val="090807"/>
+                </a:solidFill>
+                <a:latin typeface="KoPub바탕체 Medium" panose="02020603020101020101" pitchFamily="18" charset="-127"/>
+                <a:ea typeface="KoPub바탕체 Medium" panose="02020603020101020101" pitchFamily="18" charset="-127"/>
+                <a:cs typeface="Source Han Sans KR"/>
+                <a:sym typeface="Source Han Sans KR"/>
+              </a:rPr>
+              <a:t>Lorem ipsum dolor sit amet, consectetur adipiscing elit. Fusce mattis, lorem in venenatis porttitor nibh urna vestibulum tortor, ac placerat.</a:t>
+            </a:r>
+          </a:p>
+        </p:txBody>
+      </p:sp>
+      <p:sp>
+        <p:nvSpPr>
+          <p:cNvPr id="28" name="TextBox 28"/>
+          <p:cNvSpPr txBox="1"/>
+          <p:nvPr/>
+        </p:nvSpPr>
+        <p:spPr>
+          <a:xfrm>
+            <a:off x="5236680" y="6639053"/>
+            <a:ext cx="3628731" cy="2282100"/>
+          </a:xfrm>
+          <a:prstGeom prst="rect">
+            <a:avLst/>
+          </a:prstGeom>
+        </p:spPr>
+        <p:txBody>
+          <a:bodyPr lIns="0" tIns="0" rIns="0" bIns="0" rtlCol="0" anchor="t">
+            <a:spAutoFit/>
+          </a:bodyPr>
+          <a:lstStyle/>
+          <a:p>
+            <a:pPr algn="ctr">
+              <a:lnSpc>
+                <a:spcPts val="3000"/>
+              </a:lnSpc>
+            </a:pPr>
+            <a:r>
+              <a:rPr lang="en-US" sz="2000">
+                <a:solidFill>
+                  <a:srgbClr val="090807"/>
+                </a:solidFill>
+                <a:latin typeface="KoPub바탕체 Medium" panose="02020603020101020101" pitchFamily="18" charset="-127"/>
+                <a:ea typeface="KoPub바탕체 Medium" panose="02020603020101020101" pitchFamily="18" charset="-127"/>
+                <a:cs typeface="Source Han Sans KR"/>
+                <a:sym typeface="Source Han Sans KR"/>
+              </a:rPr>
+              <a:t>Lorem ipsum dolor sit amet, consectetur adipiscing elit. Fusce mattis, lorem in venenatis porttitor nibh urna vestibulum tortor, ac placerat.</a:t>
+            </a:r>
+          </a:p>
+        </p:txBody>
+      </p:sp>
+      <p:sp>
+        <p:nvSpPr>
+          <p:cNvPr id="29" name="TextBox 29"/>
+          <p:cNvSpPr txBox="1"/>
+          <p:nvPr/>
+        </p:nvSpPr>
+        <p:spPr>
+          <a:xfrm>
+            <a:off x="9617885" y="6639053"/>
+            <a:ext cx="3628731" cy="2282100"/>
+          </a:xfrm>
+          <a:prstGeom prst="rect">
+            <a:avLst/>
+          </a:prstGeom>
+        </p:spPr>
+        <p:txBody>
+          <a:bodyPr lIns="0" tIns="0" rIns="0" bIns="0" rtlCol="0" anchor="t">
+            <a:spAutoFit/>
+          </a:bodyPr>
+          <a:lstStyle/>
+          <a:p>
+            <a:pPr algn="ctr">
+              <a:lnSpc>
+                <a:spcPts val="3000"/>
+              </a:lnSpc>
+            </a:pPr>
+            <a:r>
+              <a:rPr lang="en-US" sz="2000">
+                <a:solidFill>
+                  <a:srgbClr val="090807"/>
+                </a:solidFill>
+                <a:latin typeface="KoPub바탕체 Medium" panose="02020603020101020101" pitchFamily="18" charset="-127"/>
+                <a:ea typeface="KoPub바탕체 Medium" panose="02020603020101020101" pitchFamily="18" charset="-127"/>
+                <a:cs typeface="Source Han Sans KR"/>
+                <a:sym typeface="Source Han Sans KR"/>
+              </a:rPr>
+              <a:t>Lorem ipsum dolor sit amet, consectetur adipiscing elit. Fusce mattis, lorem in venenatis porttitor nibh urna vestibulum tortor, ac placerat.</a:t>
+            </a:r>
+          </a:p>
+        </p:txBody>
+      </p:sp>
+      <p:sp>
+        <p:nvSpPr>
+          <p:cNvPr id="30" name="TextBox 30"/>
+          <p:cNvSpPr txBox="1"/>
+          <p:nvPr/>
+        </p:nvSpPr>
+        <p:spPr>
+          <a:xfrm>
+            <a:off x="13652639" y="6639053"/>
+            <a:ext cx="3628731" cy="2282100"/>
+          </a:xfrm>
+          <a:prstGeom prst="rect">
+            <a:avLst/>
+          </a:prstGeom>
+        </p:spPr>
+        <p:txBody>
+          <a:bodyPr lIns="0" tIns="0" rIns="0" bIns="0" rtlCol="0" anchor="t">
+            <a:spAutoFit/>
+          </a:bodyPr>
+          <a:lstStyle/>
+          <a:p>
+            <a:pPr algn="ctr">
+              <a:lnSpc>
+                <a:spcPts val="3000"/>
+              </a:lnSpc>
+            </a:pPr>
+            <a:r>
+              <a:rPr lang="en-US" sz="2000">
+                <a:solidFill>
+                  <a:srgbClr val="090807"/>
+                </a:solidFill>
+                <a:latin typeface="KoPub바탕체 Medium" panose="02020603020101020101" pitchFamily="18" charset="-127"/>
+                <a:ea typeface="KoPub바탕체 Medium" panose="02020603020101020101" pitchFamily="18" charset="-127"/>
+                <a:cs typeface="Source Han Sans KR"/>
+                <a:sym typeface="Source Han Sans KR"/>
+              </a:rPr>
+              <a:t>Lorem ipsum dolor sit amet, consectetur adipiscing elit. Fusce mattis, lorem in venenatis porttitor nibh urna vestibulum tortor, ac placerat.</a:t>
+            </a:r>
+          </a:p>
+        </p:txBody>
+      </p:sp>
+    </p:spTree>
+  </p:cSld>
+  <p:clrMapOvr>
+    <a:masterClrMapping/>
+  </p:clrMapOvr>
+</p:sld>
+</file>
+
+<file path=ppt/slides/slide13.xml><?xml version="1.0" encoding="utf-8"?>
+<p:sld xmlns:a="http://schemas.openxmlformats.org/drawingml/2006/main" xmlns:r="http://schemas.openxmlformats.org/officeDocument/2006/relationships" xmlns:p="http://schemas.openxmlformats.org/presentationml/2006/main">
+  <p:cSld>
+    <p:bg>
+      <p:bgPr>
+        <a:solidFill>
+          <a:srgbClr val="FEFBEE"/>
+        </a:solidFill>
+        <a:effectLst/>
+      </p:bgPr>
+    </p:bg>
+    <p:spTree>
+      <p:nvGrpSpPr>
         <p:cNvPr id="1" name=""/>
         <p:cNvGrpSpPr/>
         <p:nvPr/>
@@ -4930,7 +8188,7 @@
 </p:sld>
 </file>
 
-<file path=ppt/slides/slide11.xml><?xml version="1.0" encoding="utf-8"?>
+<file path=ppt/slides/slide14.xml><?xml version="1.0" encoding="utf-8"?>
 <p:sld xmlns:a="http://schemas.openxmlformats.org/drawingml/2006/main" xmlns:r="http://schemas.openxmlformats.org/officeDocument/2006/relationships" xmlns:p="http://schemas.openxmlformats.org/presentationml/2006/main">
   <p:cSld>
     <p:bg>
@@ -5320,7 +8578,7 @@
 </p:sld>
 </file>
 
-<file path=ppt/slides/slide12.xml><?xml version="1.0" encoding="utf-8"?>
+<file path=ppt/slides/slide15.xml><?xml version="1.0" encoding="utf-8"?>
 <p:sld xmlns:a="http://schemas.openxmlformats.org/drawingml/2006/main" xmlns:r="http://schemas.openxmlformats.org/officeDocument/2006/relationships" xmlns:p="http://schemas.openxmlformats.org/presentationml/2006/main">
   <p:cSld>
     <p:bg>
@@ -7505,7 +10763,7 @@
 </p:sld>
 </file>
 
-<file path=ppt/slides/slide13.xml><?xml version="1.0" encoding="utf-8"?>
+<file path=ppt/slides/slide16.xml><?xml version="1.0" encoding="utf-8"?>
 <p:sld xmlns:a="http://schemas.openxmlformats.org/drawingml/2006/main" xmlns:r="http://schemas.openxmlformats.org/officeDocument/2006/relationships" xmlns:p="http://schemas.openxmlformats.org/presentationml/2006/main">
   <p:cSld>
     <p:bg>
@@ -8376,7 +11634,7 @@
 </p:sld>
 </file>
 
-<file path=ppt/slides/slide14.xml><?xml version="1.0" encoding="utf-8"?>
+<file path=ppt/slides/slide17.xml><?xml version="1.0" encoding="utf-8"?>
 <p:sld xmlns:a="http://schemas.openxmlformats.org/drawingml/2006/main" xmlns:r="http://schemas.openxmlformats.org/officeDocument/2006/relationships" xmlns:p="http://schemas.openxmlformats.org/presentationml/2006/main">
   <p:cSld>
     <p:bg>
@@ -13210,7 +16468,7 @@
         <p:spPr>
           <a:xfrm>
             <a:off x="1819108" y="4016671"/>
-            <a:ext cx="7035690" cy="1123950"/>
+            <a:ext cx="7035690" cy="1127937"/>
           </a:xfrm>
           <a:prstGeom prst="rect">
             <a:avLst/>
@@ -13240,7 +16498,7 @@
               <a:defRPr/>
             </a:pPr>
             <a:r>
-              <a:rPr kumimoji="0" lang="en-US" sz="2000" b="0" i="0" u="none" strike="noStrike" kern="1200" cap="none" spc="0" normalizeH="0" baseline="0" noProof="0">
+              <a:rPr kumimoji="0" lang="ko-KR" altLang="en-US" sz="2000" b="0" i="0" u="none" strike="noStrike" kern="1200" cap="none" spc="0" normalizeH="0" baseline="0" noProof="0" dirty="0">
                 <a:ln>
                   <a:noFill/>
                 </a:ln>
@@ -13255,8 +16513,192 @@
                 <a:cs typeface="Source Han Sans KR"/>
                 <a:sym typeface="Source Han Sans KR"/>
               </a:rPr>
-              <a:t>Lorem ipsum dolor sit amet, consectetur adipiscing elit. Fusce mattis, lorem in venenatis porttitor nibh urna vestibulum tortor, ac placerat.</a:t>
-            </a:r>
+              <a:t>화물차의 평균 연비를 구하기 위해</a:t>
+            </a:r>
+            <a:r>
+              <a:rPr kumimoji="0" lang="en-US" altLang="ko-KR" sz="2000" b="0" i="0" u="none" strike="noStrike" kern="1200" cap="none" spc="0" normalizeH="0" baseline="0" noProof="0" dirty="0">
+                <a:ln>
+                  <a:noFill/>
+                </a:ln>
+                <a:solidFill>
+                  <a:srgbClr val="090807"/>
+                </a:solidFill>
+                <a:effectLst/>
+                <a:uLnTx/>
+                <a:uFillTx/>
+                <a:latin typeface="KoPub바탕체 Medium" panose="02020603020101020101" pitchFamily="18" charset="-127"/>
+                <a:ea typeface="KoPub바탕체 Medium" panose="02020603020101020101" pitchFamily="18" charset="-127"/>
+                <a:cs typeface="Source Han Sans KR"/>
+                <a:sym typeface="Source Han Sans KR"/>
+              </a:rPr>
+              <a:t>, </a:t>
+            </a:r>
+            <a:r>
+              <a:rPr kumimoji="0" lang="ko-KR" altLang="en-US" sz="2000" b="0" i="0" u="none" strike="noStrike" kern="1200" cap="none" spc="0" normalizeH="0" baseline="0" noProof="0" dirty="0" err="1">
+                <a:ln>
+                  <a:noFill/>
+                </a:ln>
+                <a:solidFill>
+                  <a:srgbClr val="090807"/>
+                </a:solidFill>
+                <a:effectLst/>
+                <a:uLnTx/>
+                <a:uFillTx/>
+                <a:latin typeface="KoPub바탕체 Medium" panose="02020603020101020101" pitchFamily="18" charset="-127"/>
+                <a:ea typeface="KoPub바탕체 Medium" panose="02020603020101020101" pitchFamily="18" charset="-127"/>
+                <a:cs typeface="Source Han Sans KR"/>
+                <a:sym typeface="Source Han Sans KR"/>
+              </a:rPr>
+              <a:t>공공데이터포털</a:t>
+            </a:r>
+            <a:r>
+              <a:rPr kumimoji="0" lang="en-US" altLang="ko-KR" sz="2000" b="0" i="0" u="none" strike="noStrike" kern="1200" cap="none" spc="0" normalizeH="0" baseline="0" noProof="0" dirty="0">
+                <a:ln>
+                  <a:noFill/>
+                </a:ln>
+                <a:solidFill>
+                  <a:srgbClr val="090807"/>
+                </a:solidFill>
+                <a:effectLst/>
+                <a:uLnTx/>
+                <a:uFillTx/>
+                <a:latin typeface="KoPub바탕체 Medium" panose="02020603020101020101" pitchFamily="18" charset="-127"/>
+                <a:ea typeface="KoPub바탕체 Medium" panose="02020603020101020101" pitchFamily="18" charset="-127"/>
+                <a:cs typeface="Source Han Sans KR"/>
+                <a:sym typeface="Source Han Sans KR"/>
+              </a:rPr>
+              <a:t>(</a:t>
+            </a:r>
+            <a:r>
+              <a:rPr kumimoji="0" lang="en-US" altLang="ko-KR" sz="2000" b="0" i="0" u="none" strike="noStrike" kern="1200" cap="none" spc="0" normalizeH="0" baseline="0" noProof="0" dirty="0" err="1">
+                <a:ln>
+                  <a:noFill/>
+                </a:ln>
+                <a:solidFill>
+                  <a:srgbClr val="090807"/>
+                </a:solidFill>
+                <a:effectLst/>
+                <a:uLnTx/>
+                <a:uFillTx/>
+                <a:latin typeface="KoPub바탕체 Medium" panose="02020603020101020101" pitchFamily="18" charset="-127"/>
+                <a:ea typeface="KoPub바탕체 Medium" panose="02020603020101020101" pitchFamily="18" charset="-127"/>
+                <a:cs typeface="Source Han Sans KR"/>
+                <a:sym typeface="Source Han Sans KR"/>
+                <a:hlinkClick r:id="rId3"/>
+              </a:rPr>
+              <a:t>www.data.go.kr</a:t>
+            </a:r>
+            <a:r>
+              <a:rPr kumimoji="0" lang="en-US" altLang="ko-KR" sz="2000" b="0" i="0" u="none" strike="noStrike" kern="1200" cap="none" spc="0" normalizeH="0" baseline="0" noProof="0" dirty="0">
+                <a:ln>
+                  <a:noFill/>
+                </a:ln>
+                <a:solidFill>
+                  <a:srgbClr val="090807"/>
+                </a:solidFill>
+                <a:effectLst/>
+                <a:uLnTx/>
+                <a:uFillTx/>
+                <a:latin typeface="KoPub바탕체 Medium" panose="02020603020101020101" pitchFamily="18" charset="-127"/>
+                <a:ea typeface="KoPub바탕체 Medium" panose="02020603020101020101" pitchFamily="18" charset="-127"/>
+                <a:cs typeface="Source Han Sans KR"/>
+                <a:sym typeface="Source Han Sans KR"/>
+              </a:rPr>
+              <a:t>)</a:t>
+            </a:r>
+            <a:r>
+              <a:rPr kumimoji="0" lang="ko-KR" altLang="en-US" sz="2000" b="0" i="0" u="none" strike="noStrike" kern="1200" cap="none" spc="0" normalizeH="0" baseline="0" noProof="0" dirty="0">
+                <a:ln>
+                  <a:noFill/>
+                </a:ln>
+                <a:solidFill>
+                  <a:srgbClr val="090807"/>
+                </a:solidFill>
+                <a:effectLst/>
+                <a:uLnTx/>
+                <a:uFillTx/>
+                <a:latin typeface="KoPub바탕체 Medium" panose="02020603020101020101" pitchFamily="18" charset="-127"/>
+                <a:ea typeface="KoPub바탕체 Medium" panose="02020603020101020101" pitchFamily="18" charset="-127"/>
+                <a:cs typeface="Source Han Sans KR"/>
+                <a:sym typeface="Source Han Sans KR"/>
+              </a:rPr>
+              <a:t>의</a:t>
+            </a:r>
+            <a:r>
+              <a:rPr lang="en-US" altLang="ko-KR" sz="2000" dirty="0">
+                <a:solidFill>
+                  <a:srgbClr val="090807"/>
+                </a:solidFill>
+                <a:latin typeface="KoPub바탕체 Medium" panose="02020603020101020101" pitchFamily="18" charset="-127"/>
+                <a:ea typeface="KoPub바탕체 Medium" panose="02020603020101020101" pitchFamily="18" charset="-127"/>
+                <a:cs typeface="Source Han Sans KR"/>
+                <a:sym typeface="Source Han Sans KR"/>
+              </a:rPr>
+              <a:t> </a:t>
+            </a:r>
+            <a:r>
+              <a:rPr lang="ko-KR" altLang="en-US" sz="2000" dirty="0">
+                <a:solidFill>
+                  <a:srgbClr val="090807"/>
+                </a:solidFill>
+                <a:latin typeface="KoPub바탕체 Medium" panose="02020603020101020101" pitchFamily="18" charset="-127"/>
+                <a:ea typeface="KoPub바탕체 Medium" panose="02020603020101020101" pitchFamily="18" charset="-127"/>
+                <a:cs typeface="Source Han Sans KR"/>
+                <a:sym typeface="Source Han Sans KR"/>
+              </a:rPr>
+              <a:t>한국에너지공단</a:t>
+            </a:r>
+            <a:r>
+              <a:rPr lang="en-US" altLang="ko-KR" sz="2000" dirty="0">
+                <a:solidFill>
+                  <a:srgbClr val="090807"/>
+                </a:solidFill>
+                <a:latin typeface="KoPub바탕체 Medium" panose="02020603020101020101" pitchFamily="18" charset="-127"/>
+                <a:ea typeface="KoPub바탕체 Medium" panose="02020603020101020101" pitchFamily="18" charset="-127"/>
+                <a:cs typeface="Source Han Sans KR"/>
+                <a:sym typeface="Source Han Sans KR"/>
+              </a:rPr>
+              <a:t> </a:t>
+            </a:r>
+            <a:r>
+              <a:rPr lang="ko-KR" altLang="en-US" sz="2000" dirty="0">
+                <a:solidFill>
+                  <a:srgbClr val="090807"/>
+                </a:solidFill>
+                <a:latin typeface="KoPub바탕체 Medium" panose="02020603020101020101" pitchFamily="18" charset="-127"/>
+                <a:ea typeface="KoPub바탕체 Medium" panose="02020603020101020101" pitchFamily="18" charset="-127"/>
+                <a:cs typeface="Source Han Sans KR"/>
+                <a:sym typeface="Source Han Sans KR"/>
+              </a:rPr>
+              <a:t>자동차 표시연비 정보 자료를 사용</a:t>
+            </a:r>
+            <a:r>
+              <a:rPr lang="en-US" altLang="ko-KR" sz="2000" dirty="0">
+                <a:solidFill>
+                  <a:srgbClr val="090807"/>
+                </a:solidFill>
+                <a:latin typeface="KoPub바탕체 Medium" panose="02020603020101020101" pitchFamily="18" charset="-127"/>
+                <a:ea typeface="KoPub바탕체 Medium" panose="02020603020101020101" pitchFamily="18" charset="-127"/>
+                <a:cs typeface="Source Han Sans KR"/>
+                <a:sym typeface="Source Han Sans KR"/>
+              </a:rPr>
+              <a:t>.</a:t>
+            </a:r>
+            <a:endParaRPr kumimoji="0" lang="en-US" altLang="ko-KR" sz="2000" b="0" i="0" u="none" strike="noStrike" kern="1200" cap="none" spc="0" normalizeH="0" baseline="0" noProof="0" dirty="0">
+              <a:ln>
+                <a:noFill/>
+              </a:ln>
+              <a:solidFill>
+                <a:srgbClr val="090807"/>
+              </a:solidFill>
+              <a:effectLst/>
+              <a:uLnTx/>
+              <a:uFillTx/>
+              <a:latin typeface="KoPub바탕체 Medium" panose="02020603020101020101" pitchFamily="18" charset="-127"/>
+              <a:ea typeface="KoPub바탕체 Medium" panose="02020603020101020101" pitchFamily="18" charset="-127"/>
+              <a:cs typeface="Source Han Sans KR"/>
+              <a:sym typeface="Source Han Sans KR"/>
+            </a:endParaRPr>
           </a:p>
         </p:txBody>
       </p:sp>
@@ -13275,7 +16717,7 @@
         <p:spPr>
           <a:xfrm>
             <a:off x="1819108" y="7010565"/>
-            <a:ext cx="7035690" cy="1123950"/>
+            <a:ext cx="7035690" cy="743217"/>
           </a:xfrm>
           <a:prstGeom prst="rect">
             <a:avLst/>
@@ -13305,7 +16747,7 @@
               <a:defRPr/>
             </a:pPr>
             <a:r>
-              <a:rPr kumimoji="0" lang="en-US" sz="2000" b="0" i="0" u="none" strike="noStrike" kern="1200" cap="none" spc="0" normalizeH="0" baseline="0" noProof="0">
+              <a:rPr kumimoji="0" lang="ko-KR" altLang="en-US" sz="2000" b="0" i="0" u="none" strike="noStrike" kern="1200" cap="none" spc="0" normalizeH="0" baseline="0" noProof="0" dirty="0">
                 <a:ln>
                   <a:noFill/>
                 </a:ln>
@@ -13320,8 +16762,65 @@
                 <a:cs typeface="Source Han Sans KR"/>
                 <a:sym typeface="Source Han Sans KR"/>
               </a:rPr>
-              <a:t>Lorem ipsum dolor sit amet, consectetur adipiscing elit. Fusce mattis, lorem in venenatis porttitor nibh urna vestibulum tortor, ac placerat.</a:t>
-            </a:r>
+              <a:t>여러 자동차들 중 화물차의 정보만 추출</a:t>
+            </a:r>
+            <a:r>
+              <a:rPr kumimoji="0" lang="en-US" altLang="ko-KR" sz="2000" b="0" i="0" u="none" strike="noStrike" kern="1200" cap="none" spc="0" normalizeH="0" baseline="0" noProof="0" dirty="0">
+                <a:ln>
+                  <a:noFill/>
+                </a:ln>
+                <a:solidFill>
+                  <a:srgbClr val="090807"/>
+                </a:solidFill>
+                <a:effectLst/>
+                <a:uLnTx/>
+                <a:uFillTx/>
+                <a:latin typeface="KoPub바탕체 Medium" panose="02020603020101020101" pitchFamily="18" charset="-127"/>
+                <a:ea typeface="KoPub바탕체 Medium" panose="02020603020101020101" pitchFamily="18" charset="-127"/>
+                <a:cs typeface="Source Han Sans KR"/>
+                <a:sym typeface="Source Han Sans KR"/>
+              </a:rPr>
+              <a:t>, </a:t>
+            </a:r>
+            <a:r>
+              <a:rPr lang="ko-KR" altLang="en-US" sz="2000" dirty="0">
+                <a:solidFill>
+                  <a:srgbClr val="090807"/>
+                </a:solidFill>
+                <a:latin typeface="KoPub바탕체 Medium" panose="02020603020101020101" pitchFamily="18" charset="-127"/>
+                <a:ea typeface="KoPub바탕체 Medium" panose="02020603020101020101" pitchFamily="18" charset="-127"/>
+                <a:cs typeface="Source Han Sans KR"/>
+                <a:sym typeface="Source Han Sans KR"/>
+              </a:rPr>
+              <a:t>화물을 운송한다는 특성 상 도심주행연비 대신 고속도로연비를 기준으로 삼음</a:t>
+            </a:r>
+            <a:r>
+              <a:rPr lang="en-US" altLang="ko-KR" sz="2000" dirty="0">
+                <a:solidFill>
+                  <a:srgbClr val="090807"/>
+                </a:solidFill>
+                <a:latin typeface="KoPub바탕체 Medium" panose="02020603020101020101" pitchFamily="18" charset="-127"/>
+                <a:ea typeface="KoPub바탕체 Medium" panose="02020603020101020101" pitchFamily="18" charset="-127"/>
+                <a:cs typeface="Source Han Sans KR"/>
+                <a:sym typeface="Source Han Sans KR"/>
+              </a:rPr>
+              <a:t>.</a:t>
+            </a:r>
+            <a:endParaRPr kumimoji="0" lang="en-US" sz="2000" b="0" i="0" u="none" strike="noStrike" kern="1200" cap="none" spc="0" normalizeH="0" baseline="0" noProof="0" dirty="0">
+              <a:ln>
+                <a:noFill/>
+              </a:ln>
+              <a:solidFill>
+                <a:srgbClr val="090807"/>
+              </a:solidFill>
+              <a:effectLst/>
+              <a:uLnTx/>
+              <a:uFillTx/>
+              <a:latin typeface="KoPub바탕체 Medium" panose="02020603020101020101" pitchFamily="18" charset="-127"/>
+              <a:ea typeface="KoPub바탕체 Medium" panose="02020603020101020101" pitchFamily="18" charset="-127"/>
+              <a:cs typeface="Source Han Sans KR"/>
+              <a:sym typeface="Source Han Sans KR"/>
+            </a:endParaRPr>
           </a:p>
         </p:txBody>
       </p:sp>
@@ -13340,7 +16839,7 @@
         <p:spPr>
           <a:xfrm>
             <a:off x="2314480" y="3195052"/>
-            <a:ext cx="1257226" cy="872931"/>
+            <a:ext cx="1257226" cy="424090"/>
           </a:xfrm>
           <a:prstGeom prst="rect">
             <a:avLst/>
@@ -13370,7 +16869,7 @@
               <a:defRPr/>
             </a:pPr>
             <a:r>
-              <a:rPr kumimoji="0" lang="en-US" sz="2499" b="1" i="0" u="none" strike="noStrike" kern="1200" cap="none" spc="0" normalizeH="0" baseline="0" noProof="0">
+              <a:rPr kumimoji="0" lang="ko-KR" altLang="en-US" sz="2499" b="1" i="0" u="none" strike="noStrike" kern="1200" cap="none" spc="0" normalizeH="0" baseline="0" noProof="0" dirty="0">
                 <a:ln>
                   <a:noFill/>
                 </a:ln>
@@ -13385,8 +16884,23 @@
                 <a:cs typeface="Source Han Sans KR Bold"/>
                 <a:sym typeface="Source Han Sans KR Bold"/>
               </a:rPr>
-              <a:t>주제 소개</a:t>
-            </a:r>
+              <a:t>데이터</a:t>
+            </a:r>
+            <a:endParaRPr kumimoji="0" lang="en-US" sz="2499" b="1" i="0" u="none" strike="noStrike" kern="1200" cap="none" spc="0" normalizeH="0" baseline="0" noProof="0" dirty="0">
+              <a:ln>
+                <a:noFill/>
+              </a:ln>
+              <a:solidFill>
+                <a:srgbClr val="FEFBEE"/>
+              </a:solidFill>
+              <a:effectLst/>
+              <a:uLnTx/>
+              <a:uFillTx/>
+              <a:latin typeface="KoPub바탕체 Medium" panose="02020603020101020101" pitchFamily="18" charset="-127"/>
+              <a:ea typeface="KoPub바탕체 Medium" panose="02020603020101020101" pitchFamily="18" charset="-127"/>
+              <a:cs typeface="Source Han Sans KR Bold"/>
+              <a:sym typeface="Source Han Sans KR Bold"/>
+            </a:endParaRPr>
           </a:p>
         </p:txBody>
       </p:sp>
@@ -13405,7 +16919,7 @@
         <p:spPr>
           <a:xfrm>
             <a:off x="2314480" y="6188946"/>
-            <a:ext cx="1257226" cy="872931"/>
+            <a:ext cx="1257226" cy="424090"/>
           </a:xfrm>
           <a:prstGeom prst="rect">
             <a:avLst/>
@@ -13435,7 +16949,7 @@
               <a:defRPr/>
             </a:pPr>
             <a:r>
-              <a:rPr kumimoji="0" lang="en-US" sz="2499" b="1" i="0" u="none" strike="noStrike" kern="1200" cap="none" spc="0" normalizeH="0" baseline="0" noProof="0">
+              <a:rPr kumimoji="0" lang="ko-KR" altLang="en-US" sz="2499" b="1" i="0" u="none" strike="noStrike" kern="1200" cap="none" spc="0" normalizeH="0" baseline="0" noProof="0" dirty="0" err="1">
                 <a:ln>
                   <a:noFill/>
                 </a:ln>
@@ -13450,8 +16964,23 @@
                 <a:cs typeface="Source Han Sans KR Bold"/>
                 <a:sym typeface="Source Han Sans KR Bold"/>
               </a:rPr>
-              <a:t>문제 제기</a:t>
-            </a:r>
+              <a:t>전처리</a:t>
+            </a:r>
+            <a:endParaRPr kumimoji="0" lang="en-US" sz="2499" b="1" i="0" u="none" strike="noStrike" kern="1200" cap="none" spc="0" normalizeH="0" baseline="0" noProof="0" dirty="0">
+              <a:ln>
+                <a:noFill/>
+              </a:ln>
+              <a:solidFill>
+                <a:srgbClr val="FEFBEE"/>
+              </a:solidFill>
+              <a:effectLst/>
+              <a:uLnTx/>
+              <a:uFillTx/>
+              <a:latin typeface="KoPub바탕체 Medium" panose="02020603020101020101" pitchFamily="18" charset="-127"/>
+              <a:ea typeface="KoPub바탕체 Medium" panose="02020603020101020101" pitchFamily="18" charset="-127"/>
+              <a:cs typeface="Source Han Sans KR Bold"/>
+              <a:sym typeface="Source Han Sans KR Bold"/>
+            </a:endParaRPr>
           </a:p>
         </p:txBody>
       </p:sp>
@@ -13469,1013 +16998,6 @@
 </file>
 
 <file path=ppt/slides/slide6.xml><?xml version="1.0" encoding="utf-8"?>
-<p:sld xmlns:a="http://schemas.openxmlformats.org/drawingml/2006/main" xmlns:r="http://schemas.openxmlformats.org/officeDocument/2006/relationships" xmlns:p="http://schemas.openxmlformats.org/presentationml/2006/main">
-  <p:cSld>
-    <p:bg>
-      <p:bgPr>
-        <a:solidFill>
-          <a:srgbClr val="FEFBEE"/>
-        </a:solidFill>
-        <a:effectLst/>
-      </p:bgPr>
-    </p:bg>
-    <p:spTree>
-      <p:nvGrpSpPr>
-        <p:cNvPr id="1" name="">
-          <a:extLst>
-            <a:ext uri="{FF2B5EF4-FFF2-40B4-BE49-F238E27FC236}">
-              <a16:creationId xmlns:a16="http://schemas.microsoft.com/office/drawing/2014/main" id="{E08927AD-1706-D8D5-FE5F-95EF46816CB4}"/>
-            </a:ext>
-          </a:extLst>
-        </p:cNvPr>
-        <p:cNvGrpSpPr/>
-        <p:nvPr/>
-      </p:nvGrpSpPr>
-      <p:grpSpPr>
-        <a:xfrm>
-          <a:off x="0" y="0"/>
-          <a:ext cx="0" cy="0"/>
-          <a:chOff x="0" y="0"/>
-          <a:chExt cx="0" cy="0"/>
-        </a:xfrm>
-      </p:grpSpPr>
-      <p:sp>
-        <p:nvSpPr>
-          <p:cNvPr id="2" name="AutoShape 2">
-            <a:extLst>
-              <a:ext uri="{FF2B5EF4-FFF2-40B4-BE49-F238E27FC236}">
-                <a16:creationId xmlns:a16="http://schemas.microsoft.com/office/drawing/2014/main" id="{71F20A87-DF13-EF90-E8C3-34F08DFFC6FB}"/>
-              </a:ext>
-            </a:extLst>
-          </p:cNvPr>
-          <p:cNvSpPr/>
-          <p:nvPr/>
-        </p:nvSpPr>
-        <p:spPr>
-          <a:xfrm>
-            <a:off x="860320" y="1347066"/>
-            <a:ext cx="1233818" cy="0"/>
-          </a:xfrm>
-          <a:prstGeom prst="line">
-            <a:avLst/>
-          </a:prstGeom>
-          <a:ln w="38100" cap="flat">
-            <a:solidFill>
-              <a:srgbClr val="090807"/>
-            </a:solidFill>
-            <a:prstDash val="solid"/>
-            <a:headEnd type="none" w="sm" len="sm"/>
-            <a:tailEnd type="none" w="sm" len="sm"/>
-          </a:ln>
-        </p:spPr>
-        <p:txBody>
-          <a:bodyPr/>
-          <a:lstStyle/>
-          <a:p>
-            <a:pPr marL="0" marR="0" lvl="0" indent="0" algn="l" defTabSz="914400" rtl="0" eaLnBrk="1" fontAlgn="auto" latinLnBrk="0" hangingPunct="1">
-              <a:lnSpc>
-                <a:spcPct val="100000"/>
-              </a:lnSpc>
-              <a:spcBef>
-                <a:spcPts val="0"/>
-              </a:spcBef>
-              <a:spcAft>
-                <a:spcPts val="0"/>
-              </a:spcAft>
-              <a:buClrTx/>
-              <a:buSzTx/>
-              <a:buFontTx/>
-              <a:buNone/>
-              <a:tabLst/>
-              <a:defRPr/>
-            </a:pPr>
-            <a:endParaRPr kumimoji="0" lang="ko-KR" altLang="en-US" sz="1800" b="0" i="0" u="none" strike="noStrike" kern="1200" cap="none" spc="0" normalizeH="0" baseline="0" noProof="0">
-              <a:ln>
-                <a:noFill/>
-              </a:ln>
-              <a:solidFill>
-                <a:prstClr val="black"/>
-              </a:solidFill>
-              <a:effectLst/>
-              <a:uLnTx/>
-              <a:uFillTx/>
-              <a:latin typeface="KoPub바탕체 Medium" panose="02020603020101020101" pitchFamily="18" charset="-127"/>
-              <a:ea typeface="KoPub바탕체 Medium" panose="02020603020101020101" pitchFamily="18" charset="-127"/>
-              <a:cs typeface="+mn-cs"/>
-            </a:endParaRPr>
-          </a:p>
-        </p:txBody>
-      </p:sp>
-      <p:sp>
-        <p:nvSpPr>
-          <p:cNvPr id="4" name="Freeform 4">
-            <a:extLst>
-              <a:ext uri="{FF2B5EF4-FFF2-40B4-BE49-F238E27FC236}">
-                <a16:creationId xmlns:a16="http://schemas.microsoft.com/office/drawing/2014/main" id="{BBE3140C-5D32-3C76-729F-35C9CE635656}"/>
-              </a:ext>
-            </a:extLst>
-          </p:cNvPr>
-          <p:cNvSpPr/>
-          <p:nvPr/>
-        </p:nvSpPr>
-        <p:spPr>
-          <a:xfrm>
-            <a:off x="8991600" y="2541475"/>
-            <a:ext cx="8915400" cy="5868063"/>
-          </a:xfrm>
-          <a:custGeom>
-            <a:avLst/>
-            <a:gdLst/>
-            <a:ahLst/>
-            <a:cxnLst/>
-            <a:rect l="l" t="t" r="r" b="b"/>
-            <a:pathLst>
-              <a:path w="1746408" h="1727461">
-                <a:moveTo>
-                  <a:pt x="0" y="0"/>
-                </a:moveTo>
-                <a:lnTo>
-                  <a:pt x="1746408" y="0"/>
-                </a:lnTo>
-                <a:lnTo>
-                  <a:pt x="1746408" y="1727461"/>
-                </a:lnTo>
-                <a:lnTo>
-                  <a:pt x="0" y="1727461"/>
-                </a:lnTo>
-                <a:close/>
-              </a:path>
-            </a:pathLst>
-          </a:custGeom>
-          <a:blipFill dpi="0" rotWithShape="1">
-            <a:blip r:embed="rId2" cstate="print">
-              <a:extLst>
-                <a:ext uri="{28A0092B-C50C-407E-A947-70E740481C1C}">
-                  <a14:useLocalDpi xmlns:a14="http://schemas.microsoft.com/office/drawing/2010/main" val="0"/>
-                </a:ext>
-              </a:extLst>
-            </a:blip>
-            <a:srcRect/>
-            <a:stretch>
-              <a:fillRect/>
-            </a:stretch>
-          </a:blipFill>
-          <a:ln w="28575" cap="sq">
-            <a:solidFill>
-              <a:schemeClr val="tx1"/>
-            </a:solidFill>
-            <a:prstDash val="solid"/>
-            <a:miter/>
-          </a:ln>
-        </p:spPr>
-        <p:txBody>
-          <a:bodyPr/>
-          <a:lstStyle/>
-          <a:p>
-            <a:pPr marL="0" marR="0" lvl="0" indent="0" algn="l" defTabSz="914400" rtl="0" eaLnBrk="1" fontAlgn="auto" latinLnBrk="0" hangingPunct="1">
-              <a:lnSpc>
-                <a:spcPct val="100000"/>
-              </a:lnSpc>
-              <a:spcBef>
-                <a:spcPts val="0"/>
-              </a:spcBef>
-              <a:spcAft>
-                <a:spcPts val="0"/>
-              </a:spcAft>
-              <a:buClrTx/>
-              <a:buSzTx/>
-              <a:buFontTx/>
-              <a:buNone/>
-              <a:tabLst/>
-              <a:defRPr/>
-            </a:pPr>
-            <a:endParaRPr kumimoji="0" lang="ko-KR" altLang="en-US" sz="1800" b="0" i="0" u="none" strike="noStrike" kern="1200" cap="none" spc="0" normalizeH="0" baseline="0" noProof="0" dirty="0">
-              <a:ln>
-                <a:noFill/>
-              </a:ln>
-              <a:solidFill>
-                <a:prstClr val="black"/>
-              </a:solidFill>
-              <a:effectLst/>
-              <a:uLnTx/>
-              <a:uFillTx/>
-              <a:latin typeface="KoPub바탕체 Medium" panose="02020603020101020101" pitchFamily="18" charset="-127"/>
-              <a:ea typeface="KoPub바탕체 Medium" panose="02020603020101020101" pitchFamily="18" charset="-127"/>
-              <a:cs typeface="+mn-cs"/>
-            </a:endParaRPr>
-          </a:p>
-        </p:txBody>
-      </p:sp>
-      <p:sp>
-        <p:nvSpPr>
-          <p:cNvPr id="5" name="TextBox 5">
-            <a:extLst>
-              <a:ext uri="{FF2B5EF4-FFF2-40B4-BE49-F238E27FC236}">
-                <a16:creationId xmlns:a16="http://schemas.microsoft.com/office/drawing/2014/main" id="{34866B0B-ECA0-BB09-7E9A-BCDC372D46C1}"/>
-              </a:ext>
-            </a:extLst>
-          </p:cNvPr>
-          <p:cNvSpPr txBox="1"/>
-          <p:nvPr/>
-        </p:nvSpPr>
-        <p:spPr>
-          <a:xfrm>
-            <a:off x="9838000" y="2123700"/>
-            <a:ext cx="6630892" cy="6703614"/>
-          </a:xfrm>
-          <a:prstGeom prst="rect">
-            <a:avLst/>
-          </a:prstGeom>
-        </p:spPr>
-        <p:txBody>
-          <a:bodyPr lIns="50800" tIns="50800" rIns="50800" bIns="50800" rtlCol="0" anchor="ctr"/>
-          <a:lstStyle/>
-          <a:p>
-            <a:pPr marL="0" marR="0" lvl="0" indent="0" algn="ctr" defTabSz="914400" rtl="0" eaLnBrk="1" fontAlgn="auto" latinLnBrk="0" hangingPunct="1">
-              <a:lnSpc>
-                <a:spcPts val="3079"/>
-              </a:lnSpc>
-              <a:spcBef>
-                <a:spcPts val="0"/>
-              </a:spcBef>
-              <a:spcAft>
-                <a:spcPts val="0"/>
-              </a:spcAft>
-              <a:buClrTx/>
-              <a:buSzTx/>
-              <a:buFontTx/>
-              <a:buNone/>
-              <a:tabLst/>
-              <a:defRPr/>
-            </a:pPr>
-            <a:endParaRPr kumimoji="0" sz="1800" b="0" i="0" u="none" strike="noStrike" kern="1200" cap="none" spc="0" normalizeH="0" baseline="0" noProof="0">
-              <a:ln>
-                <a:noFill/>
-              </a:ln>
-              <a:solidFill>
-                <a:prstClr val="black"/>
-              </a:solidFill>
-              <a:effectLst/>
-              <a:uLnTx/>
-              <a:uFillTx/>
-              <a:latin typeface="KoPub바탕체 Medium" panose="02020603020101020101" pitchFamily="18" charset="-127"/>
-              <a:ea typeface="KoPub바탕체 Medium" panose="02020603020101020101" pitchFamily="18" charset="-127"/>
-              <a:cs typeface="+mn-cs"/>
-            </a:endParaRPr>
-          </a:p>
-        </p:txBody>
-      </p:sp>
-      <p:sp>
-        <p:nvSpPr>
-          <p:cNvPr id="7" name="TextBox 7">
-            <a:extLst>
-              <a:ext uri="{FF2B5EF4-FFF2-40B4-BE49-F238E27FC236}">
-                <a16:creationId xmlns:a16="http://schemas.microsoft.com/office/drawing/2014/main" id="{5ABF9BED-DB08-EF80-FFBA-460842CC4CDD}"/>
-              </a:ext>
-            </a:extLst>
-          </p:cNvPr>
-          <p:cNvSpPr txBox="1"/>
-          <p:nvPr/>
-        </p:nvSpPr>
-        <p:spPr>
-          <a:xfrm>
-            <a:off x="923832" y="765070"/>
-            <a:ext cx="1047080" cy="422275"/>
-          </a:xfrm>
-          <a:prstGeom prst="rect">
-            <a:avLst/>
-          </a:prstGeom>
-        </p:spPr>
-        <p:txBody>
-          <a:bodyPr lIns="0" tIns="0" rIns="0" bIns="0" rtlCol="0" anchor="t">
-            <a:spAutoFit/>
-          </a:bodyPr>
-          <a:lstStyle/>
-          <a:p>
-            <a:pPr marL="0" marR="0" lvl="0" indent="0" algn="l" defTabSz="914400" rtl="0" eaLnBrk="1" fontAlgn="auto" latinLnBrk="0" hangingPunct="1">
-              <a:lnSpc>
-                <a:spcPts val="3499"/>
-              </a:lnSpc>
-              <a:spcBef>
-                <a:spcPct val="0"/>
-              </a:spcBef>
-              <a:spcAft>
-                <a:spcPts val="0"/>
-              </a:spcAft>
-              <a:buClrTx/>
-              <a:buSzTx/>
-              <a:buFontTx/>
-              <a:buNone/>
-              <a:tabLst/>
-              <a:defRPr/>
-            </a:pPr>
-            <a:r>
-              <a:rPr kumimoji="0" lang="en-US" sz="2499" b="1" i="0" u="none" strike="noStrike" kern="1200" cap="none" spc="0" normalizeH="0" baseline="0" noProof="0">
-                <a:ln>
-                  <a:noFill/>
-                </a:ln>
-                <a:solidFill>
-                  <a:srgbClr val="090807"/>
-                </a:solidFill>
-                <a:effectLst/>
-                <a:uLnTx/>
-                <a:uFillTx/>
-                <a:latin typeface="KoPub바탕체 Medium" panose="02020603020101020101" pitchFamily="18" charset="-127"/>
-                <a:ea typeface="KoPub바탕체 Medium" panose="02020603020101020101" pitchFamily="18" charset="-127"/>
-                <a:cs typeface="Source Han Sans KR Bold"/>
-                <a:sym typeface="Source Han Sans KR Bold"/>
-              </a:rPr>
-              <a:t>01 배경</a:t>
-            </a:r>
-          </a:p>
-        </p:txBody>
-      </p:sp>
-      <p:grpSp>
-        <p:nvGrpSpPr>
-          <p:cNvPr id="8" name="Group 8">
-            <a:extLst>
-              <a:ext uri="{FF2B5EF4-FFF2-40B4-BE49-F238E27FC236}">
-                <a16:creationId xmlns:a16="http://schemas.microsoft.com/office/drawing/2014/main" id="{65404578-80A9-968B-3DBC-BE46C068FB22}"/>
-              </a:ext>
-            </a:extLst>
-          </p:cNvPr>
-          <p:cNvGrpSpPr/>
-          <p:nvPr/>
-        </p:nvGrpSpPr>
-        <p:grpSpPr>
-          <a:xfrm>
-            <a:off x="1819108" y="3080817"/>
-            <a:ext cx="2247971" cy="698372"/>
-            <a:chOff x="0" y="0"/>
-            <a:chExt cx="592058" cy="183933"/>
-          </a:xfrm>
-        </p:grpSpPr>
-        <p:sp>
-          <p:nvSpPr>
-            <p:cNvPr id="9" name="Freeform 9">
-              <a:extLst>
-                <a:ext uri="{FF2B5EF4-FFF2-40B4-BE49-F238E27FC236}">
-                  <a16:creationId xmlns:a16="http://schemas.microsoft.com/office/drawing/2014/main" id="{DD0BFE62-50EF-9FAF-DE49-E3ABADD724F3}"/>
-                </a:ext>
-              </a:extLst>
-            </p:cNvPr>
-            <p:cNvSpPr/>
-            <p:nvPr/>
-          </p:nvSpPr>
-          <p:spPr>
-            <a:xfrm>
-              <a:off x="0" y="0"/>
-              <a:ext cx="592058" cy="183933"/>
-            </a:xfrm>
-            <a:custGeom>
-              <a:avLst/>
-              <a:gdLst/>
-              <a:ahLst/>
-              <a:cxnLst/>
-              <a:rect l="l" t="t" r="r" b="b"/>
-              <a:pathLst>
-                <a:path w="592058" h="183933">
-                  <a:moveTo>
-                    <a:pt x="91967" y="0"/>
-                  </a:moveTo>
-                  <a:lnTo>
-                    <a:pt x="500091" y="0"/>
-                  </a:lnTo>
-                  <a:cubicBezTo>
-                    <a:pt x="524483" y="0"/>
-                    <a:pt x="547875" y="9689"/>
-                    <a:pt x="565122" y="26936"/>
-                  </a:cubicBezTo>
-                  <a:cubicBezTo>
-                    <a:pt x="582369" y="44184"/>
-                    <a:pt x="592058" y="67576"/>
-                    <a:pt x="592058" y="91967"/>
-                  </a:cubicBezTo>
-                  <a:lnTo>
-                    <a:pt x="592058" y="91967"/>
-                  </a:lnTo>
-                  <a:cubicBezTo>
-                    <a:pt x="592058" y="116358"/>
-                    <a:pt x="582369" y="139750"/>
-                    <a:pt x="565122" y="156997"/>
-                  </a:cubicBezTo>
-                  <a:cubicBezTo>
-                    <a:pt x="547875" y="174244"/>
-                    <a:pt x="524483" y="183933"/>
-                    <a:pt x="500091" y="183933"/>
-                  </a:cubicBezTo>
-                  <a:lnTo>
-                    <a:pt x="91967" y="183933"/>
-                  </a:lnTo>
-                  <a:cubicBezTo>
-                    <a:pt x="67576" y="183933"/>
-                    <a:pt x="44184" y="174244"/>
-                    <a:pt x="26936" y="156997"/>
-                  </a:cubicBezTo>
-                  <a:cubicBezTo>
-                    <a:pt x="9689" y="139750"/>
-                    <a:pt x="0" y="116358"/>
-                    <a:pt x="0" y="91967"/>
-                  </a:cubicBezTo>
-                  <a:lnTo>
-                    <a:pt x="0" y="91967"/>
-                  </a:lnTo>
-                  <a:cubicBezTo>
-                    <a:pt x="0" y="67576"/>
-                    <a:pt x="9689" y="44184"/>
-                    <a:pt x="26936" y="26936"/>
-                  </a:cubicBezTo>
-                  <a:cubicBezTo>
-                    <a:pt x="44184" y="9689"/>
-                    <a:pt x="67576" y="0"/>
-                    <a:pt x="91967" y="0"/>
-                  </a:cubicBezTo>
-                  <a:close/>
-                </a:path>
-              </a:pathLst>
-            </a:custGeom>
-            <a:solidFill>
-              <a:srgbClr val="090807"/>
-            </a:solidFill>
-          </p:spPr>
-          <p:txBody>
-            <a:bodyPr/>
-            <a:lstStyle/>
-            <a:p>
-              <a:pPr marL="0" marR="0" lvl="0" indent="0" algn="l" defTabSz="914400" rtl="0" eaLnBrk="1" fontAlgn="auto" latinLnBrk="0" hangingPunct="1">
-                <a:lnSpc>
-                  <a:spcPct val="100000"/>
-                </a:lnSpc>
-                <a:spcBef>
-                  <a:spcPts val="0"/>
-                </a:spcBef>
-                <a:spcAft>
-                  <a:spcPts val="0"/>
-                </a:spcAft>
-                <a:buClrTx/>
-                <a:buSzTx/>
-                <a:buFontTx/>
-                <a:buNone/>
-                <a:tabLst/>
-                <a:defRPr/>
-              </a:pPr>
-              <a:endParaRPr kumimoji="0" lang="ko-KR" altLang="en-US" sz="1800" b="0" i="0" u="none" strike="noStrike" kern="1200" cap="none" spc="0" normalizeH="0" baseline="0" noProof="0">
-                <a:ln>
-                  <a:noFill/>
-                </a:ln>
-                <a:solidFill>
-                  <a:prstClr val="black"/>
-                </a:solidFill>
-                <a:effectLst/>
-                <a:uLnTx/>
-                <a:uFillTx/>
-                <a:latin typeface="KoPub바탕체 Medium" panose="02020603020101020101" pitchFamily="18" charset="-127"/>
-                <a:ea typeface="KoPub바탕체 Medium" panose="02020603020101020101" pitchFamily="18" charset="-127"/>
-                <a:cs typeface="+mn-cs"/>
-              </a:endParaRPr>
-            </a:p>
-          </p:txBody>
-        </p:sp>
-        <p:sp>
-          <p:nvSpPr>
-            <p:cNvPr id="10" name="TextBox 10">
-              <a:extLst>
-                <a:ext uri="{FF2B5EF4-FFF2-40B4-BE49-F238E27FC236}">
-                  <a16:creationId xmlns:a16="http://schemas.microsoft.com/office/drawing/2014/main" id="{31560C94-955E-1014-B865-1230B488F271}"/>
-                </a:ext>
-              </a:extLst>
-            </p:cNvPr>
-            <p:cNvSpPr txBox="1"/>
-            <p:nvPr/>
-          </p:nvSpPr>
-          <p:spPr>
-            <a:xfrm>
-              <a:off x="0" y="-38100"/>
-              <a:ext cx="592058" cy="222033"/>
-            </a:xfrm>
-            <a:prstGeom prst="rect">
-              <a:avLst/>
-            </a:prstGeom>
-          </p:spPr>
-          <p:txBody>
-            <a:bodyPr lIns="50800" tIns="50800" rIns="50800" bIns="50800" rtlCol="0" anchor="ctr"/>
-            <a:lstStyle/>
-            <a:p>
-              <a:pPr marL="0" marR="0" lvl="0" indent="0" algn="ctr" defTabSz="914400" rtl="0" eaLnBrk="1" fontAlgn="auto" latinLnBrk="0" hangingPunct="1">
-                <a:lnSpc>
-                  <a:spcPts val="3079"/>
-                </a:lnSpc>
-                <a:spcBef>
-                  <a:spcPts val="0"/>
-                </a:spcBef>
-                <a:spcAft>
-                  <a:spcPts val="0"/>
-                </a:spcAft>
-                <a:buClrTx/>
-                <a:buSzTx/>
-                <a:buFontTx/>
-                <a:buNone/>
-                <a:tabLst/>
-                <a:defRPr/>
-              </a:pPr>
-              <a:endParaRPr kumimoji="0" sz="1800" b="0" i="0" u="none" strike="noStrike" kern="1200" cap="none" spc="0" normalizeH="0" baseline="0" noProof="0">
-                <a:ln>
-                  <a:noFill/>
-                </a:ln>
-                <a:solidFill>
-                  <a:prstClr val="black"/>
-                </a:solidFill>
-                <a:effectLst/>
-                <a:uLnTx/>
-                <a:uFillTx/>
-                <a:latin typeface="KoPub바탕체 Medium" panose="02020603020101020101" pitchFamily="18" charset="-127"/>
-                <a:ea typeface="KoPub바탕체 Medium" panose="02020603020101020101" pitchFamily="18" charset="-127"/>
-                <a:cs typeface="+mn-cs"/>
-              </a:endParaRPr>
-            </a:p>
-          </p:txBody>
-        </p:sp>
-      </p:grpSp>
-      <p:grpSp>
-        <p:nvGrpSpPr>
-          <p:cNvPr id="11" name="Group 11">
-            <a:extLst>
-              <a:ext uri="{FF2B5EF4-FFF2-40B4-BE49-F238E27FC236}">
-                <a16:creationId xmlns:a16="http://schemas.microsoft.com/office/drawing/2014/main" id="{EB0D7B89-EE32-765A-E069-9933E2667A08}"/>
-              </a:ext>
-            </a:extLst>
-          </p:cNvPr>
-          <p:cNvGrpSpPr/>
-          <p:nvPr/>
-        </p:nvGrpSpPr>
-        <p:grpSpPr>
-          <a:xfrm>
-            <a:off x="1819108" y="6074710"/>
-            <a:ext cx="2247971" cy="698372"/>
-            <a:chOff x="0" y="0"/>
-            <a:chExt cx="592058" cy="183933"/>
-          </a:xfrm>
-        </p:grpSpPr>
-        <p:sp>
-          <p:nvSpPr>
-            <p:cNvPr id="12" name="Freeform 12">
-              <a:extLst>
-                <a:ext uri="{FF2B5EF4-FFF2-40B4-BE49-F238E27FC236}">
-                  <a16:creationId xmlns:a16="http://schemas.microsoft.com/office/drawing/2014/main" id="{5CA345C7-5231-3222-C835-3D704EE05284}"/>
-                </a:ext>
-              </a:extLst>
-            </p:cNvPr>
-            <p:cNvSpPr/>
-            <p:nvPr/>
-          </p:nvSpPr>
-          <p:spPr>
-            <a:xfrm>
-              <a:off x="0" y="0"/>
-              <a:ext cx="592058" cy="183933"/>
-            </a:xfrm>
-            <a:custGeom>
-              <a:avLst/>
-              <a:gdLst/>
-              <a:ahLst/>
-              <a:cxnLst/>
-              <a:rect l="l" t="t" r="r" b="b"/>
-              <a:pathLst>
-                <a:path w="592058" h="183933">
-                  <a:moveTo>
-                    <a:pt x="91967" y="0"/>
-                  </a:moveTo>
-                  <a:lnTo>
-                    <a:pt x="500091" y="0"/>
-                  </a:lnTo>
-                  <a:cubicBezTo>
-                    <a:pt x="524483" y="0"/>
-                    <a:pt x="547875" y="9689"/>
-                    <a:pt x="565122" y="26936"/>
-                  </a:cubicBezTo>
-                  <a:cubicBezTo>
-                    <a:pt x="582369" y="44184"/>
-                    <a:pt x="592058" y="67576"/>
-                    <a:pt x="592058" y="91967"/>
-                  </a:cubicBezTo>
-                  <a:lnTo>
-                    <a:pt x="592058" y="91967"/>
-                  </a:lnTo>
-                  <a:cubicBezTo>
-                    <a:pt x="592058" y="116358"/>
-                    <a:pt x="582369" y="139750"/>
-                    <a:pt x="565122" y="156997"/>
-                  </a:cubicBezTo>
-                  <a:cubicBezTo>
-                    <a:pt x="547875" y="174244"/>
-                    <a:pt x="524483" y="183933"/>
-                    <a:pt x="500091" y="183933"/>
-                  </a:cubicBezTo>
-                  <a:lnTo>
-                    <a:pt x="91967" y="183933"/>
-                  </a:lnTo>
-                  <a:cubicBezTo>
-                    <a:pt x="67576" y="183933"/>
-                    <a:pt x="44184" y="174244"/>
-                    <a:pt x="26936" y="156997"/>
-                  </a:cubicBezTo>
-                  <a:cubicBezTo>
-                    <a:pt x="9689" y="139750"/>
-                    <a:pt x="0" y="116358"/>
-                    <a:pt x="0" y="91967"/>
-                  </a:cubicBezTo>
-                  <a:lnTo>
-                    <a:pt x="0" y="91967"/>
-                  </a:lnTo>
-                  <a:cubicBezTo>
-                    <a:pt x="0" y="67576"/>
-                    <a:pt x="9689" y="44184"/>
-                    <a:pt x="26936" y="26936"/>
-                  </a:cubicBezTo>
-                  <a:cubicBezTo>
-                    <a:pt x="44184" y="9689"/>
-                    <a:pt x="67576" y="0"/>
-                    <a:pt x="91967" y="0"/>
-                  </a:cubicBezTo>
-                  <a:close/>
-                </a:path>
-              </a:pathLst>
-            </a:custGeom>
-            <a:solidFill>
-              <a:srgbClr val="090807"/>
-            </a:solidFill>
-          </p:spPr>
-          <p:txBody>
-            <a:bodyPr/>
-            <a:lstStyle/>
-            <a:p>
-              <a:pPr marL="0" marR="0" lvl="0" indent="0" algn="l" defTabSz="914400" rtl="0" eaLnBrk="1" fontAlgn="auto" latinLnBrk="0" hangingPunct="1">
-                <a:lnSpc>
-                  <a:spcPct val="100000"/>
-                </a:lnSpc>
-                <a:spcBef>
-                  <a:spcPts val="0"/>
-                </a:spcBef>
-                <a:spcAft>
-                  <a:spcPts val="0"/>
-                </a:spcAft>
-                <a:buClrTx/>
-                <a:buSzTx/>
-                <a:buFontTx/>
-                <a:buNone/>
-                <a:tabLst/>
-                <a:defRPr/>
-              </a:pPr>
-              <a:endParaRPr kumimoji="0" lang="ko-KR" altLang="en-US" sz="1800" b="0" i="0" u="none" strike="noStrike" kern="1200" cap="none" spc="0" normalizeH="0" baseline="0" noProof="0">
-                <a:ln>
-                  <a:noFill/>
-                </a:ln>
-                <a:solidFill>
-                  <a:prstClr val="black"/>
-                </a:solidFill>
-                <a:effectLst/>
-                <a:uLnTx/>
-                <a:uFillTx/>
-                <a:latin typeface="KoPub바탕체 Medium" panose="02020603020101020101" pitchFamily="18" charset="-127"/>
-                <a:ea typeface="KoPub바탕체 Medium" panose="02020603020101020101" pitchFamily="18" charset="-127"/>
-                <a:cs typeface="+mn-cs"/>
-              </a:endParaRPr>
-            </a:p>
-          </p:txBody>
-        </p:sp>
-        <p:sp>
-          <p:nvSpPr>
-            <p:cNvPr id="13" name="TextBox 13">
-              <a:extLst>
-                <a:ext uri="{FF2B5EF4-FFF2-40B4-BE49-F238E27FC236}">
-                  <a16:creationId xmlns:a16="http://schemas.microsoft.com/office/drawing/2014/main" id="{802F40AF-9AD2-2A9C-A01D-1434EE41B21C}"/>
-                </a:ext>
-              </a:extLst>
-            </p:cNvPr>
-            <p:cNvSpPr txBox="1"/>
-            <p:nvPr/>
-          </p:nvSpPr>
-          <p:spPr>
-            <a:xfrm>
-              <a:off x="0" y="-38100"/>
-              <a:ext cx="592058" cy="222033"/>
-            </a:xfrm>
-            <a:prstGeom prst="rect">
-              <a:avLst/>
-            </a:prstGeom>
-          </p:spPr>
-          <p:txBody>
-            <a:bodyPr lIns="50800" tIns="50800" rIns="50800" bIns="50800" rtlCol="0" anchor="ctr"/>
-            <a:lstStyle/>
-            <a:p>
-              <a:pPr marL="0" marR="0" lvl="0" indent="0" algn="ctr" defTabSz="914400" rtl="0" eaLnBrk="1" fontAlgn="auto" latinLnBrk="0" hangingPunct="1">
-                <a:lnSpc>
-                  <a:spcPts val="3079"/>
-                </a:lnSpc>
-                <a:spcBef>
-                  <a:spcPts val="0"/>
-                </a:spcBef>
-                <a:spcAft>
-                  <a:spcPts val="0"/>
-                </a:spcAft>
-                <a:buClrTx/>
-                <a:buSzTx/>
-                <a:buFontTx/>
-                <a:buNone/>
-                <a:tabLst/>
-                <a:defRPr/>
-              </a:pPr>
-              <a:endParaRPr kumimoji="0" sz="1800" b="0" i="0" u="none" strike="noStrike" kern="1200" cap="none" spc="0" normalizeH="0" baseline="0" noProof="0">
-                <a:ln>
-                  <a:noFill/>
-                </a:ln>
-                <a:solidFill>
-                  <a:prstClr val="black"/>
-                </a:solidFill>
-                <a:effectLst/>
-                <a:uLnTx/>
-                <a:uFillTx/>
-                <a:latin typeface="KoPub바탕체 Medium" panose="02020603020101020101" pitchFamily="18" charset="-127"/>
-                <a:ea typeface="KoPub바탕체 Medium" panose="02020603020101020101" pitchFamily="18" charset="-127"/>
-                <a:cs typeface="+mn-cs"/>
-              </a:endParaRPr>
-            </a:p>
-          </p:txBody>
-        </p:sp>
-      </p:grpSp>
-      <p:sp>
-        <p:nvSpPr>
-          <p:cNvPr id="14" name="TextBox 14">
-            <a:extLst>
-              <a:ext uri="{FF2B5EF4-FFF2-40B4-BE49-F238E27FC236}">
-                <a16:creationId xmlns:a16="http://schemas.microsoft.com/office/drawing/2014/main" id="{5EE95A60-F99B-27A7-AC8D-AF2545639F15}"/>
-              </a:ext>
-            </a:extLst>
-          </p:cNvPr>
-          <p:cNvSpPr txBox="1"/>
-          <p:nvPr/>
-        </p:nvSpPr>
-        <p:spPr>
-          <a:xfrm>
-            <a:off x="1819108" y="4016671"/>
-            <a:ext cx="7035690" cy="1123950"/>
-          </a:xfrm>
-          <a:prstGeom prst="rect">
-            <a:avLst/>
-          </a:prstGeom>
-        </p:spPr>
-        <p:txBody>
-          <a:bodyPr lIns="0" tIns="0" rIns="0" bIns="0" rtlCol="0" anchor="t">
-            <a:spAutoFit/>
-          </a:bodyPr>
-          <a:lstStyle/>
-          <a:p>
-            <a:pPr marL="0" marR="0" lvl="0" indent="0" algn="l" defTabSz="914400" rtl="0" eaLnBrk="1" fontAlgn="auto" latinLnBrk="0" hangingPunct="1">
-              <a:lnSpc>
-                <a:spcPts val="3000"/>
-              </a:lnSpc>
-              <a:spcBef>
-                <a:spcPts val="0"/>
-              </a:spcBef>
-              <a:spcAft>
-                <a:spcPts val="0"/>
-              </a:spcAft>
-              <a:buClrTx/>
-              <a:buSzTx/>
-              <a:buFontTx/>
-              <a:buNone/>
-              <a:tabLst/>
-              <a:defRPr/>
-            </a:pPr>
-            <a:r>
-              <a:rPr kumimoji="0" lang="en-US" sz="2000" b="0" i="0" u="none" strike="noStrike" kern="1200" cap="none" spc="0" normalizeH="0" baseline="0" noProof="0">
-                <a:ln>
-                  <a:noFill/>
-                </a:ln>
-                <a:solidFill>
-                  <a:srgbClr val="090807"/>
-                </a:solidFill>
-                <a:effectLst/>
-                <a:uLnTx/>
-                <a:uFillTx/>
-                <a:latin typeface="KoPub바탕체 Medium" panose="02020603020101020101" pitchFamily="18" charset="-127"/>
-                <a:ea typeface="KoPub바탕체 Medium" panose="02020603020101020101" pitchFamily="18" charset="-127"/>
-                <a:cs typeface="Source Han Sans KR"/>
-                <a:sym typeface="Source Han Sans KR"/>
-              </a:rPr>
-              <a:t>Lorem ipsum dolor sit amet, consectetur adipiscing elit. Fusce mattis, lorem in venenatis porttitor nibh urna vestibulum tortor, ac placerat.</a:t>
-            </a:r>
-          </a:p>
-        </p:txBody>
-      </p:sp>
-      <p:sp>
-        <p:nvSpPr>
-          <p:cNvPr id="15" name="TextBox 15">
-            <a:extLst>
-              <a:ext uri="{FF2B5EF4-FFF2-40B4-BE49-F238E27FC236}">
-                <a16:creationId xmlns:a16="http://schemas.microsoft.com/office/drawing/2014/main" id="{9260C1CD-3A44-7168-DA98-D4A7BE96490B}"/>
-              </a:ext>
-            </a:extLst>
-          </p:cNvPr>
-          <p:cNvSpPr txBox="1"/>
-          <p:nvPr/>
-        </p:nvSpPr>
-        <p:spPr>
-          <a:xfrm>
-            <a:off x="1819108" y="7010565"/>
-            <a:ext cx="7035690" cy="1123950"/>
-          </a:xfrm>
-          <a:prstGeom prst="rect">
-            <a:avLst/>
-          </a:prstGeom>
-        </p:spPr>
-        <p:txBody>
-          <a:bodyPr lIns="0" tIns="0" rIns="0" bIns="0" rtlCol="0" anchor="t">
-            <a:spAutoFit/>
-          </a:bodyPr>
-          <a:lstStyle/>
-          <a:p>
-            <a:pPr marL="0" marR="0" lvl="0" indent="0" algn="l" defTabSz="914400" rtl="0" eaLnBrk="1" fontAlgn="auto" latinLnBrk="0" hangingPunct="1">
-              <a:lnSpc>
-                <a:spcPts val="3000"/>
-              </a:lnSpc>
-              <a:spcBef>
-                <a:spcPts val="0"/>
-              </a:spcBef>
-              <a:spcAft>
-                <a:spcPts val="0"/>
-              </a:spcAft>
-              <a:buClrTx/>
-              <a:buSzTx/>
-              <a:buFontTx/>
-              <a:buNone/>
-              <a:tabLst/>
-              <a:defRPr/>
-            </a:pPr>
-            <a:r>
-              <a:rPr kumimoji="0" lang="en-US" sz="2000" b="0" i="0" u="none" strike="noStrike" kern="1200" cap="none" spc="0" normalizeH="0" baseline="0" noProof="0">
-                <a:ln>
-                  <a:noFill/>
-                </a:ln>
-                <a:solidFill>
-                  <a:srgbClr val="090807"/>
-                </a:solidFill>
-                <a:effectLst/>
-                <a:uLnTx/>
-                <a:uFillTx/>
-                <a:latin typeface="KoPub바탕체 Medium" panose="02020603020101020101" pitchFamily="18" charset="-127"/>
-                <a:ea typeface="KoPub바탕체 Medium" panose="02020603020101020101" pitchFamily="18" charset="-127"/>
-                <a:cs typeface="Source Han Sans KR"/>
-                <a:sym typeface="Source Han Sans KR"/>
-              </a:rPr>
-              <a:t>Lorem ipsum dolor sit amet, consectetur adipiscing elit. Fusce mattis, lorem in venenatis porttitor nibh urna vestibulum tortor, ac placerat.</a:t>
-            </a:r>
-          </a:p>
-        </p:txBody>
-      </p:sp>
-      <p:sp>
-        <p:nvSpPr>
-          <p:cNvPr id="16" name="TextBox 16">
-            <a:extLst>
-              <a:ext uri="{FF2B5EF4-FFF2-40B4-BE49-F238E27FC236}">
-                <a16:creationId xmlns:a16="http://schemas.microsoft.com/office/drawing/2014/main" id="{19042A93-0619-4CA6-A53E-F71577F22EFD}"/>
-              </a:ext>
-            </a:extLst>
-          </p:cNvPr>
-          <p:cNvSpPr txBox="1"/>
-          <p:nvPr/>
-        </p:nvSpPr>
-        <p:spPr>
-          <a:xfrm>
-            <a:off x="2314480" y="3195052"/>
-            <a:ext cx="1257226" cy="872931"/>
-          </a:xfrm>
-          <a:prstGeom prst="rect">
-            <a:avLst/>
-          </a:prstGeom>
-        </p:spPr>
-        <p:txBody>
-          <a:bodyPr lIns="0" tIns="0" rIns="0" bIns="0" rtlCol="0" anchor="t">
-            <a:spAutoFit/>
-          </a:bodyPr>
-          <a:lstStyle/>
-          <a:p>
-            <a:pPr marL="0" marR="0" lvl="0" indent="0" algn="ctr" defTabSz="914400" rtl="0" eaLnBrk="1" fontAlgn="auto" latinLnBrk="0" hangingPunct="1">
-              <a:lnSpc>
-                <a:spcPts val="3499"/>
-              </a:lnSpc>
-              <a:spcBef>
-                <a:spcPct val="0"/>
-              </a:spcBef>
-              <a:spcAft>
-                <a:spcPts val="0"/>
-              </a:spcAft>
-              <a:buClrTx/>
-              <a:buSzTx/>
-              <a:buFontTx/>
-              <a:buNone/>
-              <a:tabLst/>
-              <a:defRPr/>
-            </a:pPr>
-            <a:r>
-              <a:rPr kumimoji="0" lang="en-US" sz="2499" b="1" i="0" u="none" strike="noStrike" kern="1200" cap="none" spc="0" normalizeH="0" baseline="0" noProof="0">
-                <a:ln>
-                  <a:noFill/>
-                </a:ln>
-                <a:solidFill>
-                  <a:srgbClr val="FEFBEE"/>
-                </a:solidFill>
-                <a:effectLst/>
-                <a:uLnTx/>
-                <a:uFillTx/>
-                <a:latin typeface="KoPub바탕체 Medium" panose="02020603020101020101" pitchFamily="18" charset="-127"/>
-                <a:ea typeface="KoPub바탕체 Medium" panose="02020603020101020101" pitchFamily="18" charset="-127"/>
-                <a:cs typeface="Source Han Sans KR Bold"/>
-                <a:sym typeface="Source Han Sans KR Bold"/>
-              </a:rPr>
-              <a:t>주제 소개</a:t>
-            </a:r>
-          </a:p>
-        </p:txBody>
-      </p:sp>
-      <p:sp>
-        <p:nvSpPr>
-          <p:cNvPr id="17" name="TextBox 17">
-            <a:extLst>
-              <a:ext uri="{FF2B5EF4-FFF2-40B4-BE49-F238E27FC236}">
-                <a16:creationId xmlns:a16="http://schemas.microsoft.com/office/drawing/2014/main" id="{D24F7022-5666-950A-C5C9-76161E43B808}"/>
-              </a:ext>
-            </a:extLst>
-          </p:cNvPr>
-          <p:cNvSpPr txBox="1"/>
-          <p:nvPr/>
-        </p:nvSpPr>
-        <p:spPr>
-          <a:xfrm>
-            <a:off x="2314480" y="6188946"/>
-            <a:ext cx="1257226" cy="872931"/>
-          </a:xfrm>
-          <a:prstGeom prst="rect">
-            <a:avLst/>
-          </a:prstGeom>
-        </p:spPr>
-        <p:txBody>
-          <a:bodyPr lIns="0" tIns="0" rIns="0" bIns="0" rtlCol="0" anchor="t">
-            <a:spAutoFit/>
-          </a:bodyPr>
-          <a:lstStyle/>
-          <a:p>
-            <a:pPr marL="0" marR="0" lvl="0" indent="0" algn="ctr" defTabSz="914400" rtl="0" eaLnBrk="1" fontAlgn="auto" latinLnBrk="0" hangingPunct="1">
-              <a:lnSpc>
-                <a:spcPts val="3499"/>
-              </a:lnSpc>
-              <a:spcBef>
-                <a:spcPct val="0"/>
-              </a:spcBef>
-              <a:spcAft>
-                <a:spcPts val="0"/>
-              </a:spcAft>
-              <a:buClrTx/>
-              <a:buSzTx/>
-              <a:buFontTx/>
-              <a:buNone/>
-              <a:tabLst/>
-              <a:defRPr/>
-            </a:pPr>
-            <a:r>
-              <a:rPr kumimoji="0" lang="en-US" sz="2499" b="1" i="0" u="none" strike="noStrike" kern="1200" cap="none" spc="0" normalizeH="0" baseline="0" noProof="0">
-                <a:ln>
-                  <a:noFill/>
-                </a:ln>
-                <a:solidFill>
-                  <a:srgbClr val="FEFBEE"/>
-                </a:solidFill>
-                <a:effectLst/>
-                <a:uLnTx/>
-                <a:uFillTx/>
-                <a:latin typeface="KoPub바탕체 Medium" panose="02020603020101020101" pitchFamily="18" charset="-127"/>
-                <a:ea typeface="KoPub바탕체 Medium" panose="02020603020101020101" pitchFamily="18" charset="-127"/>
-                <a:cs typeface="Source Han Sans KR Bold"/>
-                <a:sym typeface="Source Han Sans KR Bold"/>
-              </a:rPr>
-              <a:t>문제 제기</a:t>
-            </a:r>
-          </a:p>
-        </p:txBody>
-      </p:sp>
-    </p:spTree>
-    <p:extLst>
-      <p:ext uri="{BB962C8B-B14F-4D97-AF65-F5344CB8AC3E}">
-        <p14:creationId xmlns:p14="http://schemas.microsoft.com/office/powerpoint/2010/main" val="1403165725"/>
-      </p:ext>
-    </p:extLst>
-  </p:cSld>
-  <p:clrMapOvr>
-    <a:masterClrMapping/>
-  </p:clrMapOvr>
-</p:sld>
-</file>
-
-<file path=ppt/slides/slide7.xml><?xml version="1.0" encoding="utf-8"?>
 <p:sld xmlns:a="http://schemas.openxmlformats.org/drawingml/2006/main" xmlns:r="http://schemas.openxmlformats.org/officeDocument/2006/relationships" xmlns:p="http://schemas.openxmlformats.org/presentationml/2006/main">
   <p:cSld>
     <p:bg>
@@ -14818,433 +17340,21 @@
           </p:txBody>
         </p:sp>
       </p:grpSp>
-    </p:spTree>
-    <p:extLst>
-      <p:ext uri="{BB962C8B-B14F-4D97-AF65-F5344CB8AC3E}">
-        <p14:creationId xmlns:p14="http://schemas.microsoft.com/office/powerpoint/2010/main" val="1504072544"/>
-      </p:ext>
-    </p:extLst>
-  </p:cSld>
-  <p:clrMapOvr>
-    <a:masterClrMapping/>
-  </p:clrMapOvr>
-</p:sld>
-</file>
-
-<file path=ppt/slides/slide8.xml><?xml version="1.0" encoding="utf-8"?>
-<p:sld xmlns:a="http://schemas.openxmlformats.org/drawingml/2006/main" xmlns:r="http://schemas.openxmlformats.org/officeDocument/2006/relationships" xmlns:p="http://schemas.openxmlformats.org/presentationml/2006/main">
-  <p:cSld>
-    <p:bg>
-      <p:bgPr>
-        <a:solidFill>
-          <a:srgbClr val="FEFBEE"/>
-        </a:solidFill>
-        <a:effectLst/>
-      </p:bgPr>
-    </p:bg>
-    <p:spTree>
-      <p:nvGrpSpPr>
-        <p:cNvPr id="1" name=""/>
-        <p:cNvGrpSpPr/>
-        <p:nvPr/>
-      </p:nvGrpSpPr>
-      <p:grpSpPr>
-        <a:xfrm>
-          <a:off x="0" y="0"/>
-          <a:ext cx="0" cy="0"/>
-          <a:chOff x="0" y="0"/>
-          <a:chExt cx="0" cy="0"/>
-        </a:xfrm>
-      </p:grpSpPr>
-      <p:sp>
-        <p:nvSpPr>
-          <p:cNvPr id="2" name="AutoShape 2"/>
-          <p:cNvSpPr/>
-          <p:nvPr/>
-        </p:nvSpPr>
-        <p:spPr>
-          <a:xfrm>
-            <a:off x="860320" y="1347066"/>
-            <a:ext cx="1233818" cy="0"/>
-          </a:xfrm>
-          <a:prstGeom prst="line">
-            <a:avLst/>
-          </a:prstGeom>
-          <a:ln w="38100" cap="flat">
-            <a:solidFill>
-              <a:srgbClr val="090807"/>
-            </a:solidFill>
-            <a:prstDash val="solid"/>
-            <a:headEnd type="none" w="sm" len="sm"/>
-            <a:tailEnd type="none" w="sm" len="sm"/>
-          </a:ln>
-        </p:spPr>
-        <p:txBody>
-          <a:bodyPr/>
-          <a:lstStyle/>
-          <a:p>
-            <a:endParaRPr lang="ko-KR" altLang="en-US">
-              <a:latin typeface="KoPub바탕체 Medium" panose="02020603020101020101" pitchFamily="18" charset="-127"/>
-              <a:ea typeface="KoPub바탕체 Medium" panose="02020603020101020101" pitchFamily="18" charset="-127"/>
-            </a:endParaRPr>
-          </a:p>
-        </p:txBody>
-      </p:sp>
       <p:grpSp>
         <p:nvGrpSpPr>
-          <p:cNvPr id="3" name="Group 3"/>
+          <p:cNvPr id="3" name="Group 8">
+            <a:extLst>
+              <a:ext uri="{FF2B5EF4-FFF2-40B4-BE49-F238E27FC236}">
+                <a16:creationId xmlns:a16="http://schemas.microsoft.com/office/drawing/2014/main" id="{5F952EF8-3DDF-F4FD-E15B-9E0631BD604A}"/>
+              </a:ext>
+            </a:extLst>
+          </p:cNvPr>
           <p:cNvGrpSpPr/>
           <p:nvPr/>
         </p:nvGrpSpPr>
         <p:grpSpPr>
           <a:xfrm>
-            <a:off x="9364317" y="2062062"/>
-            <a:ext cx="7679437" cy="7364618"/>
-            <a:chOff x="0" y="0"/>
-            <a:chExt cx="2022568" cy="1939653"/>
-          </a:xfrm>
-        </p:grpSpPr>
-        <p:sp>
-          <p:nvSpPr>
-            <p:cNvPr id="4" name="Freeform 4"/>
-            <p:cNvSpPr/>
-            <p:nvPr/>
-          </p:nvSpPr>
-          <p:spPr>
-            <a:xfrm>
-              <a:off x="0" y="0"/>
-              <a:ext cx="2022568" cy="1939653"/>
-            </a:xfrm>
-            <a:custGeom>
-              <a:avLst/>
-              <a:gdLst/>
-              <a:ahLst/>
-              <a:cxnLst/>
-              <a:rect l="l" t="t" r="r" b="b"/>
-              <a:pathLst>
-                <a:path w="2022568" h="1939653">
-                  <a:moveTo>
-                    <a:pt x="0" y="0"/>
-                  </a:moveTo>
-                  <a:lnTo>
-                    <a:pt x="2022568" y="0"/>
-                  </a:lnTo>
-                  <a:lnTo>
-                    <a:pt x="2022568" y="1939653"/>
-                  </a:lnTo>
-                  <a:lnTo>
-                    <a:pt x="0" y="1939653"/>
-                  </a:lnTo>
-                  <a:close/>
-                </a:path>
-              </a:pathLst>
-            </a:custGeom>
-            <a:solidFill>
-              <a:srgbClr val="000000">
-                <a:alpha val="0"/>
-              </a:srgbClr>
-            </a:solidFill>
-            <a:ln w="9525" cap="sq">
-              <a:solidFill>
-                <a:srgbClr val="090807"/>
-              </a:solidFill>
-              <a:prstDash val="solid"/>
-              <a:miter/>
-            </a:ln>
-          </p:spPr>
-          <p:txBody>
-            <a:bodyPr/>
-            <a:lstStyle/>
-            <a:p>
-              <a:endParaRPr lang="ko-KR" altLang="en-US">
-                <a:latin typeface="KoPub바탕체 Medium" panose="02020603020101020101" pitchFamily="18" charset="-127"/>
-                <a:ea typeface="KoPub바탕체 Medium" panose="02020603020101020101" pitchFamily="18" charset="-127"/>
-              </a:endParaRPr>
-            </a:p>
-          </p:txBody>
-        </p:sp>
-        <p:sp>
-          <p:nvSpPr>
-            <p:cNvPr id="5" name="TextBox 5"/>
-            <p:cNvSpPr txBox="1"/>
-            <p:nvPr/>
-          </p:nvSpPr>
-          <p:spPr>
-            <a:xfrm>
-              <a:off x="0" y="-38100"/>
-              <a:ext cx="2022568" cy="1977753"/>
-            </a:xfrm>
-            <a:prstGeom prst="rect">
-              <a:avLst/>
-            </a:prstGeom>
-          </p:spPr>
-          <p:txBody>
-            <a:bodyPr lIns="50800" tIns="50800" rIns="50800" bIns="50800" rtlCol="0" anchor="ctr"/>
-            <a:lstStyle/>
-            <a:p>
-              <a:pPr algn="ctr">
-                <a:lnSpc>
-                  <a:spcPts val="3079"/>
-                </a:lnSpc>
-              </a:pPr>
-              <a:endParaRPr>
-                <a:latin typeface="KoPub바탕체 Medium" panose="02020603020101020101" pitchFamily="18" charset="-127"/>
-                <a:ea typeface="KoPub바탕체 Medium" panose="02020603020101020101" pitchFamily="18" charset="-127"/>
-              </a:endParaRPr>
-            </a:p>
-          </p:txBody>
-        </p:sp>
-      </p:grpSp>
-      <p:grpSp>
-        <p:nvGrpSpPr>
-          <p:cNvPr id="6" name="Group 6"/>
-          <p:cNvGrpSpPr/>
-          <p:nvPr/>
-        </p:nvGrpSpPr>
-        <p:grpSpPr>
-          <a:xfrm>
-            <a:off x="1244246" y="2062062"/>
-            <a:ext cx="7679437" cy="7364618"/>
-            <a:chOff x="0" y="0"/>
-            <a:chExt cx="2022568" cy="1939653"/>
-          </a:xfrm>
-        </p:grpSpPr>
-        <p:sp>
-          <p:nvSpPr>
-            <p:cNvPr id="7" name="Freeform 7"/>
-            <p:cNvSpPr/>
-            <p:nvPr/>
-          </p:nvSpPr>
-          <p:spPr>
-            <a:xfrm>
-              <a:off x="0" y="0"/>
-              <a:ext cx="2022568" cy="1939653"/>
-            </a:xfrm>
-            <a:custGeom>
-              <a:avLst/>
-              <a:gdLst/>
-              <a:ahLst/>
-              <a:cxnLst/>
-              <a:rect l="l" t="t" r="r" b="b"/>
-              <a:pathLst>
-                <a:path w="2022568" h="1939653">
-                  <a:moveTo>
-                    <a:pt x="0" y="0"/>
-                  </a:moveTo>
-                  <a:lnTo>
-                    <a:pt x="2022568" y="0"/>
-                  </a:lnTo>
-                  <a:lnTo>
-                    <a:pt x="2022568" y="1939653"/>
-                  </a:lnTo>
-                  <a:lnTo>
-                    <a:pt x="0" y="1939653"/>
-                  </a:lnTo>
-                  <a:close/>
-                </a:path>
-              </a:pathLst>
-            </a:custGeom>
-            <a:solidFill>
-              <a:srgbClr val="000000">
-                <a:alpha val="0"/>
-              </a:srgbClr>
-            </a:solidFill>
-            <a:ln w="9525" cap="sq">
-              <a:solidFill>
-                <a:srgbClr val="090807"/>
-              </a:solidFill>
-              <a:prstDash val="solid"/>
-              <a:miter/>
-            </a:ln>
-          </p:spPr>
-          <p:txBody>
-            <a:bodyPr/>
-            <a:lstStyle/>
-            <a:p>
-              <a:endParaRPr lang="ko-KR" altLang="en-US">
-                <a:latin typeface="KoPub바탕체 Medium" panose="02020603020101020101" pitchFamily="18" charset="-127"/>
-                <a:ea typeface="KoPub바탕체 Medium" panose="02020603020101020101" pitchFamily="18" charset="-127"/>
-              </a:endParaRPr>
-            </a:p>
-          </p:txBody>
-        </p:sp>
-        <p:sp>
-          <p:nvSpPr>
-            <p:cNvPr id="8" name="TextBox 8"/>
-            <p:cNvSpPr txBox="1"/>
-            <p:nvPr/>
-          </p:nvSpPr>
-          <p:spPr>
-            <a:xfrm>
-              <a:off x="0" y="-38100"/>
-              <a:ext cx="2022568" cy="1977753"/>
-            </a:xfrm>
-            <a:prstGeom prst="rect">
-              <a:avLst/>
-            </a:prstGeom>
-          </p:spPr>
-          <p:txBody>
-            <a:bodyPr lIns="50800" tIns="50800" rIns="50800" bIns="50800" rtlCol="0" anchor="ctr"/>
-            <a:lstStyle/>
-            <a:p>
-              <a:pPr algn="ctr">
-                <a:lnSpc>
-                  <a:spcPts val="3079"/>
-                </a:lnSpc>
-              </a:pPr>
-              <a:endParaRPr>
-                <a:latin typeface="KoPub바탕체 Medium" panose="02020603020101020101" pitchFamily="18" charset="-127"/>
-                <a:ea typeface="KoPub바탕체 Medium" panose="02020603020101020101" pitchFamily="18" charset="-127"/>
-              </a:endParaRPr>
-            </a:p>
-          </p:txBody>
-        </p:sp>
-      </p:grpSp>
-      <p:grpSp>
-        <p:nvGrpSpPr>
-          <p:cNvPr id="9" name="Group 9"/>
-          <p:cNvGrpSpPr/>
-          <p:nvPr/>
-        </p:nvGrpSpPr>
-        <p:grpSpPr>
-          <a:xfrm>
-            <a:off x="9676522" y="2446610"/>
-            <a:ext cx="7032037" cy="3914633"/>
-            <a:chOff x="0" y="0"/>
-            <a:chExt cx="1508960" cy="840016"/>
-          </a:xfrm>
-        </p:grpSpPr>
-        <p:sp>
-          <p:nvSpPr>
-            <p:cNvPr id="10" name="Freeform 10"/>
-            <p:cNvSpPr/>
-            <p:nvPr/>
-          </p:nvSpPr>
-          <p:spPr>
-            <a:xfrm>
-              <a:off x="0" y="0"/>
-              <a:ext cx="1508960" cy="840016"/>
-            </a:xfrm>
-            <a:custGeom>
-              <a:avLst/>
-              <a:gdLst/>
-              <a:ahLst/>
-              <a:cxnLst/>
-              <a:rect l="l" t="t" r="r" b="b"/>
-              <a:pathLst>
-                <a:path w="1508960" h="840016">
-                  <a:moveTo>
-                    <a:pt x="0" y="0"/>
-                  </a:moveTo>
-                  <a:lnTo>
-                    <a:pt x="1508960" y="0"/>
-                  </a:lnTo>
-                  <a:lnTo>
-                    <a:pt x="1508960" y="840016"/>
-                  </a:lnTo>
-                  <a:lnTo>
-                    <a:pt x="0" y="840016"/>
-                  </a:lnTo>
-                  <a:close/>
-                </a:path>
-              </a:pathLst>
-            </a:custGeom>
-            <a:blipFill>
-              <a:blip r:embed="rId2"/>
-              <a:stretch>
-                <a:fillRect t="-9840" b="-9840"/>
-              </a:stretch>
-            </a:blipFill>
-          </p:spPr>
-          <p:txBody>
-            <a:bodyPr/>
-            <a:lstStyle/>
-            <a:p>
-              <a:endParaRPr lang="ko-KR" altLang="en-US">
-                <a:latin typeface="KoPub바탕체 Medium" panose="02020603020101020101" pitchFamily="18" charset="-127"/>
-                <a:ea typeface="KoPub바탕체 Medium" panose="02020603020101020101" pitchFamily="18" charset="-127"/>
-              </a:endParaRPr>
-            </a:p>
-          </p:txBody>
-        </p:sp>
-      </p:grpSp>
-      <p:grpSp>
-        <p:nvGrpSpPr>
-          <p:cNvPr id="11" name="Group 11"/>
-          <p:cNvGrpSpPr/>
-          <p:nvPr/>
-        </p:nvGrpSpPr>
-        <p:grpSpPr>
-          <a:xfrm>
-            <a:off x="1556450" y="2446610"/>
-            <a:ext cx="7032037" cy="3914633"/>
-            <a:chOff x="0" y="0"/>
-            <a:chExt cx="1508960" cy="840016"/>
-          </a:xfrm>
-        </p:grpSpPr>
-        <p:sp>
-          <p:nvSpPr>
-            <p:cNvPr id="12" name="Freeform 12"/>
-            <p:cNvSpPr/>
-            <p:nvPr/>
-          </p:nvSpPr>
-          <p:spPr>
-            <a:xfrm>
-              <a:off x="0" y="0"/>
-              <a:ext cx="1508960" cy="840016"/>
-            </a:xfrm>
-            <a:custGeom>
-              <a:avLst/>
-              <a:gdLst/>
-              <a:ahLst/>
-              <a:cxnLst/>
-              <a:rect l="l" t="t" r="r" b="b"/>
-              <a:pathLst>
-                <a:path w="1508960" h="840016">
-                  <a:moveTo>
-                    <a:pt x="0" y="0"/>
-                  </a:moveTo>
-                  <a:lnTo>
-                    <a:pt x="1508960" y="0"/>
-                  </a:lnTo>
-                  <a:lnTo>
-                    <a:pt x="1508960" y="840016"/>
-                  </a:lnTo>
-                  <a:lnTo>
-                    <a:pt x="0" y="840016"/>
-                  </a:lnTo>
-                  <a:close/>
-                </a:path>
-              </a:pathLst>
-            </a:custGeom>
-            <a:blipFill>
-              <a:blip r:embed="rId3"/>
-              <a:stretch>
-                <a:fillRect t="-9840" b="-9840"/>
-              </a:stretch>
-            </a:blipFill>
-          </p:spPr>
-          <p:txBody>
-            <a:bodyPr/>
-            <a:lstStyle/>
-            <a:p>
-              <a:endParaRPr lang="ko-KR" altLang="en-US">
-                <a:latin typeface="KoPub바탕체 Medium" panose="02020603020101020101" pitchFamily="18" charset="-127"/>
-                <a:ea typeface="KoPub바탕체 Medium" panose="02020603020101020101" pitchFamily="18" charset="-127"/>
-              </a:endParaRPr>
-            </a:p>
-          </p:txBody>
-        </p:sp>
-      </p:grpSp>
-      <p:grpSp>
-        <p:nvGrpSpPr>
-          <p:cNvPr id="13" name="Group 13"/>
-          <p:cNvGrpSpPr/>
-          <p:nvPr/>
-        </p:nvGrpSpPr>
-        <p:grpSpPr>
-          <a:xfrm>
-            <a:off x="12080050" y="6811552"/>
+            <a:off x="355108" y="6966493"/>
             <a:ext cx="2247971" cy="698372"/>
             <a:chOff x="0" y="0"/>
             <a:chExt cx="592058" cy="183933"/>
@@ -15252,7 +17362,13 @@
         </p:grpSpPr>
         <p:sp>
           <p:nvSpPr>
-            <p:cNvPr id="14" name="Freeform 14"/>
+            <p:cNvPr id="4" name="Freeform 9">
+              <a:extLst>
+                <a:ext uri="{FF2B5EF4-FFF2-40B4-BE49-F238E27FC236}">
+                  <a16:creationId xmlns:a16="http://schemas.microsoft.com/office/drawing/2014/main" id="{84461B02-25A0-964E-0F2C-D7C8EF1EF3EF}"/>
+                </a:ext>
+              </a:extLst>
+            </p:cNvPr>
             <p:cNvSpPr/>
             <p:nvPr/>
           </p:nvSpPr>
@@ -15336,16 +17452,49 @@
             <a:bodyPr/>
             <a:lstStyle/>
             <a:p>
-              <a:endParaRPr lang="ko-KR" altLang="en-US">
-                <a:latin typeface="KoPub바탕체 Medium" panose="02020603020101020101" pitchFamily="18" charset="-127"/>
-                <a:ea typeface="KoPub바탕체 Medium" panose="02020603020101020101" pitchFamily="18" charset="-127"/>
+              <a:pPr marL="0" marR="0" lvl="0" indent="0" algn="l" defTabSz="914400" rtl="0" eaLnBrk="1" fontAlgn="auto" latinLnBrk="0" hangingPunct="1">
+                <a:lnSpc>
+                  <a:spcPct val="100000"/>
+                </a:lnSpc>
+                <a:spcBef>
+                  <a:spcPts val="0"/>
+                </a:spcBef>
+                <a:spcAft>
+                  <a:spcPts val="0"/>
+                </a:spcAft>
+                <a:buClrTx/>
+                <a:buSzTx/>
+                <a:buFontTx/>
+                <a:buNone/>
+                <a:tabLst/>
+                <a:defRPr/>
+              </a:pPr>
+              <a:endParaRPr kumimoji="0" lang="ko-KR" altLang="en-US" sz="1800" b="0" i="0" u="none" strike="noStrike" kern="1200" cap="none" spc="0" normalizeH="0" baseline="0" noProof="0">
+                <a:ln>
+                  <a:noFill/>
+                </a:ln>
+                <a:solidFill>
+                  <a:prstClr val="black"/>
+                </a:solidFill>
+                <a:effectLst/>
+                <a:uLnTx/>
+                <a:uFillTx/>
+                <a:latin typeface="KoPub바탕체 Medium" panose="02020603020101020101" pitchFamily="18" charset="-127"/>
+                <a:ea typeface="KoPub바탕체 Medium" panose="02020603020101020101" pitchFamily="18" charset="-127"/>
+                <a:cs typeface="+mn-cs"/>
               </a:endParaRPr>
             </a:p>
           </p:txBody>
         </p:sp>
         <p:sp>
           <p:nvSpPr>
-            <p:cNvPr id="15" name="TextBox 15"/>
+            <p:cNvPr id="5" name="TextBox 10">
+              <a:extLst>
+                <a:ext uri="{FF2B5EF4-FFF2-40B4-BE49-F238E27FC236}">
+                  <a16:creationId xmlns:a16="http://schemas.microsoft.com/office/drawing/2014/main" id="{B9D70D87-09A6-9F11-5035-416204815725}"/>
+                </a:ext>
+              </a:extLst>
+            </p:cNvPr>
             <p:cNvSpPr txBox="1"/>
             <p:nvPr/>
           </p:nvSpPr>
@@ -15362,14 +17511,36 @@
             <a:bodyPr lIns="50800" tIns="50800" rIns="50800" bIns="50800" rtlCol="0" anchor="ctr"/>
             <a:lstStyle/>
             <a:p>
-              <a:pPr algn="ctr">
+              <a:pPr marL="0" marR="0" lvl="0" indent="0" algn="ctr" defTabSz="914400" rtl="0" eaLnBrk="1" fontAlgn="auto" latinLnBrk="0" hangingPunct="1">
                 <a:lnSpc>
                   <a:spcPts val="3079"/>
                 </a:lnSpc>
+                <a:spcBef>
+                  <a:spcPts val="0"/>
+                </a:spcBef>
+                <a:spcAft>
+                  <a:spcPts val="0"/>
+                </a:spcAft>
+                <a:buClrTx/>
+                <a:buSzTx/>
+                <a:buFontTx/>
+                <a:buNone/>
+                <a:tabLst/>
+                <a:defRPr/>
               </a:pPr>
-              <a:endParaRPr>
-                <a:latin typeface="KoPub바탕체 Medium" panose="02020603020101020101" pitchFamily="18" charset="-127"/>
-                <a:ea typeface="KoPub바탕체 Medium" panose="02020603020101020101" pitchFamily="18" charset="-127"/>
+              <a:endParaRPr kumimoji="0" sz="1800" b="0" i="0" u="none" strike="noStrike" kern="1200" cap="none" spc="0" normalizeH="0" baseline="0" noProof="0">
+                <a:ln>
+                  <a:noFill/>
+                </a:ln>
+                <a:solidFill>
+                  <a:prstClr val="black"/>
+                </a:solidFill>
+                <a:effectLst/>
+                <a:uLnTx/>
+                <a:uFillTx/>
+                <a:latin typeface="KoPub바탕체 Medium" panose="02020603020101020101" pitchFamily="18" charset="-127"/>
+                <a:ea typeface="KoPub바탕체 Medium" panose="02020603020101020101" pitchFamily="18" charset="-127"/>
+                <a:cs typeface="+mn-cs"/>
               </a:endParaRPr>
             </a:p>
           </p:txBody>
@@ -15377,57 +17548,520 @@
       </p:grpSp>
       <p:sp>
         <p:nvSpPr>
-          <p:cNvPr id="16" name="TextBox 16"/>
+          <p:cNvPr id="6" name="TextBox 14">
+            <a:extLst>
+              <a:ext uri="{FF2B5EF4-FFF2-40B4-BE49-F238E27FC236}">
+                <a16:creationId xmlns:a16="http://schemas.microsoft.com/office/drawing/2014/main" id="{0A0D7CE5-6561-0FF6-0AFC-13CFB0FD026B}"/>
+              </a:ext>
+            </a:extLst>
+          </p:cNvPr>
           <p:cNvSpPr txBox="1"/>
           <p:nvPr/>
         </p:nvSpPr>
         <p:spPr>
           <a:xfrm>
-            <a:off x="12429385" y="6925788"/>
-            <a:ext cx="1549301" cy="872931"/>
+            <a:off x="355108" y="7902347"/>
+            <a:ext cx="4521692" cy="743217"/>
           </a:xfrm>
           <a:prstGeom prst="rect">
             <a:avLst/>
           </a:prstGeom>
         </p:spPr>
         <p:txBody>
-          <a:bodyPr lIns="0" tIns="0" rIns="0" bIns="0" rtlCol="0" anchor="t">
+          <a:bodyPr wrap="square" lIns="0" tIns="0" rIns="0" bIns="0" rtlCol="0" anchor="t">
             <a:spAutoFit/>
           </a:bodyPr>
           <a:lstStyle/>
           <a:p>
-            <a:pPr algn="ctr">
+            <a:pPr marL="0" marR="0" lvl="0" indent="0" algn="l" defTabSz="914400" rtl="0" eaLnBrk="1" fontAlgn="auto" latinLnBrk="0" hangingPunct="1">
+              <a:lnSpc>
+                <a:spcPts val="3000"/>
+              </a:lnSpc>
+              <a:spcBef>
+                <a:spcPts val="0"/>
+              </a:spcBef>
+              <a:spcAft>
+                <a:spcPts val="0"/>
+              </a:spcAft>
+              <a:buClrTx/>
+              <a:buSzTx/>
+              <a:buFontTx/>
+              <a:buNone/>
+              <a:tabLst/>
+              <a:defRPr/>
+            </a:pPr>
+            <a:r>
+              <a:rPr kumimoji="0" lang="ko-KR" altLang="en-US" sz="2000" b="0" i="0" u="none" strike="noStrike" kern="1200" cap="none" spc="0" normalizeH="0" baseline="0" noProof="0" dirty="0">
+                <a:ln>
+                  <a:noFill/>
+                </a:ln>
+                <a:solidFill>
+                  <a:srgbClr val="090807"/>
+                </a:solidFill>
+                <a:effectLst/>
+                <a:uLnTx/>
+                <a:uFillTx/>
+                <a:latin typeface="KoPub바탕체 Medium" panose="02020603020101020101" pitchFamily="18" charset="-127"/>
+                <a:ea typeface="KoPub바탕체 Medium" panose="02020603020101020101" pitchFamily="18" charset="-127"/>
+                <a:cs typeface="Source Han Sans KR"/>
+                <a:sym typeface="Source Han Sans KR"/>
+              </a:rPr>
+              <a:t>화물차의 평균 연비는 </a:t>
+            </a:r>
+            <a:r>
+              <a:rPr kumimoji="0" lang="en-US" altLang="ko-KR" sz="2000" b="0" i="0" u="none" strike="noStrike" kern="1200" cap="none" spc="0" normalizeH="0" baseline="0" noProof="0" dirty="0">
+                <a:ln>
+                  <a:noFill/>
+                </a:ln>
+                <a:solidFill>
+                  <a:srgbClr val="090807"/>
+                </a:solidFill>
+                <a:effectLst/>
+                <a:uLnTx/>
+                <a:uFillTx/>
+                <a:latin typeface="KoPub바탕체 Medium" panose="02020603020101020101" pitchFamily="18" charset="-127"/>
+                <a:ea typeface="KoPub바탕체 Medium" panose="02020603020101020101" pitchFamily="18" charset="-127"/>
+                <a:cs typeface="Source Han Sans KR"/>
+                <a:sym typeface="Source Han Sans KR"/>
+              </a:rPr>
+              <a:t>9.3875...</a:t>
+            </a:r>
+          </a:p>
+          <a:p>
+            <a:pPr marL="0" marR="0" lvl="0" indent="0" algn="l" defTabSz="914400" rtl="0" eaLnBrk="1" fontAlgn="auto" latinLnBrk="0" hangingPunct="1">
+              <a:lnSpc>
+                <a:spcPts val="3000"/>
+              </a:lnSpc>
+              <a:spcBef>
+                <a:spcPts val="0"/>
+              </a:spcBef>
+              <a:spcAft>
+                <a:spcPts val="0"/>
+              </a:spcAft>
+              <a:buClrTx/>
+              <a:buSzTx/>
+              <a:buFontTx/>
+              <a:buNone/>
+              <a:tabLst/>
+              <a:defRPr/>
+            </a:pPr>
+            <a:r>
+              <a:rPr lang="ko-KR" altLang="en-US" sz="2000" dirty="0">
+                <a:solidFill>
+                  <a:srgbClr val="090807"/>
+                </a:solidFill>
+                <a:latin typeface="KoPub바탕체 Medium" panose="02020603020101020101" pitchFamily="18" charset="-127"/>
+                <a:ea typeface="KoPub바탕체 Medium" panose="02020603020101020101" pitchFamily="18" charset="-127"/>
+                <a:cs typeface="Source Han Sans KR"/>
+                <a:sym typeface="Source Han Sans KR"/>
+              </a:rPr>
+              <a:t>편의상 </a:t>
+            </a:r>
+            <a:r>
+              <a:rPr lang="en-US" altLang="ko-KR" sz="2000" dirty="0">
+                <a:solidFill>
+                  <a:srgbClr val="090807"/>
+                </a:solidFill>
+                <a:latin typeface="KoPub바탕체 Medium" panose="02020603020101020101" pitchFamily="18" charset="-127"/>
+                <a:ea typeface="KoPub바탕체 Medium" panose="02020603020101020101" pitchFamily="18" charset="-127"/>
+                <a:cs typeface="Source Han Sans KR"/>
+                <a:sym typeface="Source Han Sans KR"/>
+              </a:rPr>
+              <a:t>9.0</a:t>
+            </a:r>
+            <a:r>
+              <a:rPr lang="ko-KR" altLang="en-US" sz="2000" dirty="0">
+                <a:solidFill>
+                  <a:srgbClr val="090807"/>
+                </a:solidFill>
+                <a:latin typeface="KoPub바탕체 Medium" panose="02020603020101020101" pitchFamily="18" charset="-127"/>
+                <a:ea typeface="KoPub바탕체 Medium" panose="02020603020101020101" pitchFamily="18" charset="-127"/>
+                <a:cs typeface="Source Han Sans KR"/>
+                <a:sym typeface="Source Han Sans KR"/>
+              </a:rPr>
+              <a:t>으로 정의</a:t>
+            </a:r>
+            <a:endParaRPr kumimoji="0" lang="en-US" sz="2000" b="0" i="0" u="none" strike="noStrike" kern="1200" cap="none" spc="0" normalizeH="0" baseline="0" noProof="0" dirty="0">
+              <a:ln>
+                <a:noFill/>
+              </a:ln>
+              <a:solidFill>
+                <a:srgbClr val="090807"/>
+              </a:solidFill>
+              <a:effectLst/>
+              <a:uLnTx/>
+              <a:uFillTx/>
+              <a:latin typeface="KoPub바탕체 Medium" panose="02020603020101020101" pitchFamily="18" charset="-127"/>
+              <a:ea typeface="KoPub바탕체 Medium" panose="02020603020101020101" pitchFamily="18" charset="-127"/>
+              <a:cs typeface="Source Han Sans KR"/>
+              <a:sym typeface="Source Han Sans KR"/>
+            </a:endParaRPr>
+          </a:p>
+        </p:txBody>
+      </p:sp>
+      <p:sp>
+        <p:nvSpPr>
+          <p:cNvPr id="8" name="TextBox 16">
+            <a:extLst>
+              <a:ext uri="{FF2B5EF4-FFF2-40B4-BE49-F238E27FC236}">
+                <a16:creationId xmlns:a16="http://schemas.microsoft.com/office/drawing/2014/main" id="{055FE9DF-E7B1-B2CC-C638-9021EDB45781}"/>
+              </a:ext>
+            </a:extLst>
+          </p:cNvPr>
+          <p:cNvSpPr txBox="1"/>
+          <p:nvPr/>
+        </p:nvSpPr>
+        <p:spPr>
+          <a:xfrm>
+            <a:off x="850480" y="7080728"/>
+            <a:ext cx="1257226" cy="424090"/>
+          </a:xfrm>
+          <a:prstGeom prst="rect">
+            <a:avLst/>
+          </a:prstGeom>
+        </p:spPr>
+        <p:txBody>
+          <a:bodyPr wrap="square" lIns="0" tIns="0" rIns="0" bIns="0" rtlCol="0" anchor="t">
+            <a:spAutoFit/>
+          </a:bodyPr>
+          <a:lstStyle/>
+          <a:p>
+            <a:pPr marL="0" marR="0" lvl="0" indent="0" algn="ctr" defTabSz="914400" rtl="0" eaLnBrk="1" fontAlgn="auto" latinLnBrk="0" hangingPunct="1">
               <a:lnSpc>
                 <a:spcPts val="3499"/>
               </a:lnSpc>
               <a:spcBef>
                 <a:spcPct val="0"/>
               </a:spcBef>
+              <a:spcAft>
+                <a:spcPts val="0"/>
+              </a:spcAft>
+              <a:buClrTx/>
+              <a:buSzTx/>
+              <a:buFontTx/>
+              <a:buNone/>
+              <a:tabLst/>
+              <a:defRPr/>
             </a:pPr>
             <a:r>
-              <a:rPr lang="en-US" sz="2499" b="1">
+              <a:rPr kumimoji="0" lang="ko-KR" altLang="en-US" sz="2499" b="1" i="0" u="none" strike="noStrike" kern="1200" cap="none" spc="0" normalizeH="0" baseline="0" noProof="0" dirty="0">
+                <a:ln>
+                  <a:noFill/>
+                </a:ln>
                 <a:solidFill>
                   <a:srgbClr val="FEFBEE"/>
                 </a:solidFill>
+                <a:effectLst/>
+                <a:uLnTx/>
+                <a:uFillTx/>
                 <a:latin typeface="KoPub바탕체 Medium" panose="02020603020101020101" pitchFamily="18" charset="-127"/>
                 <a:ea typeface="KoPub바탕체 Medium" panose="02020603020101020101" pitchFamily="18" charset="-127"/>
                 <a:cs typeface="Source Han Sans KR Bold"/>
                 <a:sym typeface="Source Han Sans KR Bold"/>
               </a:rPr>
-              <a:t>문제점 분석</a:t>
-            </a:r>
+              <a:t>결과</a:t>
+            </a:r>
+            <a:endParaRPr kumimoji="0" lang="en-US" sz="2499" b="1" i="0" u="none" strike="noStrike" kern="1200" cap="none" spc="0" normalizeH="0" baseline="0" noProof="0" dirty="0">
+              <a:ln>
+                <a:noFill/>
+              </a:ln>
+              <a:solidFill>
+                <a:srgbClr val="FEFBEE"/>
+              </a:solidFill>
+              <a:effectLst/>
+              <a:uLnTx/>
+              <a:uFillTx/>
+              <a:latin typeface="KoPub바탕체 Medium" panose="02020603020101020101" pitchFamily="18" charset="-127"/>
+              <a:ea typeface="KoPub바탕체 Medium" panose="02020603020101020101" pitchFamily="18" charset="-127"/>
+              <a:cs typeface="Source Han Sans KR Bold"/>
+              <a:sym typeface="Source Han Sans KR Bold"/>
+            </a:endParaRPr>
+          </a:p>
+        </p:txBody>
+      </p:sp>
+    </p:spTree>
+    <p:extLst>
+      <p:ext uri="{BB962C8B-B14F-4D97-AF65-F5344CB8AC3E}">
+        <p14:creationId xmlns:p14="http://schemas.microsoft.com/office/powerpoint/2010/main" val="1504072544"/>
+      </p:ext>
+    </p:extLst>
+  </p:cSld>
+  <p:clrMapOvr>
+    <a:masterClrMapping/>
+  </p:clrMapOvr>
+</p:sld>
+</file>
+
+<file path=ppt/slides/slide7.xml><?xml version="1.0" encoding="utf-8"?>
+<p:sld xmlns:a="http://schemas.openxmlformats.org/drawingml/2006/main" xmlns:r="http://schemas.openxmlformats.org/officeDocument/2006/relationships" xmlns:p="http://schemas.openxmlformats.org/presentationml/2006/main">
+  <p:cSld>
+    <p:bg>
+      <p:bgPr>
+        <a:solidFill>
+          <a:srgbClr val="FEFBEE"/>
+        </a:solidFill>
+        <a:effectLst/>
+      </p:bgPr>
+    </p:bg>
+    <p:spTree>
+      <p:nvGrpSpPr>
+        <p:cNvPr id="1" name="">
+          <a:extLst>
+            <a:ext uri="{FF2B5EF4-FFF2-40B4-BE49-F238E27FC236}">
+              <a16:creationId xmlns:a16="http://schemas.microsoft.com/office/drawing/2014/main" id="{34BC3985-4582-D480-FDB0-E52466277F69}"/>
+            </a:ext>
+          </a:extLst>
+        </p:cNvPr>
+        <p:cNvGrpSpPr/>
+        <p:nvPr/>
+      </p:nvGrpSpPr>
+      <p:grpSpPr>
+        <a:xfrm>
+          <a:off x="0" y="0"/>
+          <a:ext cx="0" cy="0"/>
+          <a:chOff x="0" y="0"/>
+          <a:chExt cx="0" cy="0"/>
+        </a:xfrm>
+      </p:grpSpPr>
+      <p:sp>
+        <p:nvSpPr>
+          <p:cNvPr id="2" name="AutoShape 2">
+            <a:extLst>
+              <a:ext uri="{FF2B5EF4-FFF2-40B4-BE49-F238E27FC236}">
+                <a16:creationId xmlns:a16="http://schemas.microsoft.com/office/drawing/2014/main" id="{7E8F5DE8-36C8-491A-BA47-8DE677C1408B}"/>
+              </a:ext>
+            </a:extLst>
+          </p:cNvPr>
+          <p:cNvSpPr/>
+          <p:nvPr/>
+        </p:nvSpPr>
+        <p:spPr>
+          <a:xfrm>
+            <a:off x="860320" y="1347066"/>
+            <a:ext cx="1233818" cy="0"/>
+          </a:xfrm>
+          <a:prstGeom prst="line">
+            <a:avLst/>
+          </a:prstGeom>
+          <a:ln w="38100" cap="flat">
+            <a:solidFill>
+              <a:srgbClr val="090807"/>
+            </a:solidFill>
+            <a:prstDash val="solid"/>
+            <a:headEnd type="none" w="sm" len="sm"/>
+            <a:tailEnd type="none" w="sm" len="sm"/>
+          </a:ln>
+        </p:spPr>
+        <p:txBody>
+          <a:bodyPr/>
+          <a:lstStyle/>
+          <a:p>
+            <a:pPr marL="0" marR="0" lvl="0" indent="0" algn="l" defTabSz="914400" rtl="0" eaLnBrk="1" fontAlgn="auto" latinLnBrk="0" hangingPunct="1">
+              <a:lnSpc>
+                <a:spcPct val="100000"/>
+              </a:lnSpc>
+              <a:spcBef>
+                <a:spcPts val="0"/>
+              </a:spcBef>
+              <a:spcAft>
+                <a:spcPts val="0"/>
+              </a:spcAft>
+              <a:buClrTx/>
+              <a:buSzTx/>
+              <a:buFontTx/>
+              <a:buNone/>
+              <a:tabLst/>
+              <a:defRPr/>
+            </a:pPr>
+            <a:endParaRPr kumimoji="0" lang="ko-KR" altLang="en-US" sz="1800" b="0" i="0" u="none" strike="noStrike" kern="1200" cap="none" spc="0" normalizeH="0" baseline="0" noProof="0">
+              <a:ln>
+                <a:noFill/>
+              </a:ln>
+              <a:solidFill>
+                <a:prstClr val="black"/>
+              </a:solidFill>
+              <a:effectLst/>
+              <a:uLnTx/>
+              <a:uFillTx/>
+              <a:latin typeface="KoPub바탕체 Medium" panose="02020603020101020101" pitchFamily="18" charset="-127"/>
+              <a:ea typeface="KoPub바탕체 Medium" panose="02020603020101020101" pitchFamily="18" charset="-127"/>
+              <a:cs typeface="+mn-cs"/>
+            </a:endParaRPr>
+          </a:p>
+        </p:txBody>
+      </p:sp>
+      <p:sp>
+        <p:nvSpPr>
+          <p:cNvPr id="5" name="TextBox 5">
+            <a:extLst>
+              <a:ext uri="{FF2B5EF4-FFF2-40B4-BE49-F238E27FC236}">
+                <a16:creationId xmlns:a16="http://schemas.microsoft.com/office/drawing/2014/main" id="{5EA801F4-9E74-75CE-2D4C-7B536A1D05BE}"/>
+              </a:ext>
+            </a:extLst>
+          </p:cNvPr>
+          <p:cNvSpPr txBox="1"/>
+          <p:nvPr/>
+        </p:nvSpPr>
+        <p:spPr>
+          <a:xfrm>
+            <a:off x="9838000" y="2123700"/>
+            <a:ext cx="6630892" cy="6703614"/>
+          </a:xfrm>
+          <a:prstGeom prst="rect">
+            <a:avLst/>
+          </a:prstGeom>
+        </p:spPr>
+        <p:txBody>
+          <a:bodyPr lIns="50800" tIns="50800" rIns="50800" bIns="50800" rtlCol="0" anchor="ctr"/>
+          <a:lstStyle/>
+          <a:p>
+            <a:pPr marL="0" marR="0" lvl="0" indent="0" algn="ctr" defTabSz="914400" rtl="0" eaLnBrk="1" fontAlgn="auto" latinLnBrk="0" hangingPunct="1">
+              <a:lnSpc>
+                <a:spcPts val="3079"/>
+              </a:lnSpc>
+              <a:spcBef>
+                <a:spcPts val="0"/>
+              </a:spcBef>
+              <a:spcAft>
+                <a:spcPts val="0"/>
+              </a:spcAft>
+              <a:buClrTx/>
+              <a:buSzTx/>
+              <a:buFontTx/>
+              <a:buNone/>
+              <a:tabLst/>
+              <a:defRPr/>
+            </a:pPr>
+            <a:endParaRPr kumimoji="0" sz="1800" b="0" i="0" u="none" strike="noStrike" kern="1200" cap="none" spc="0" normalizeH="0" baseline="0" noProof="0">
+              <a:ln>
+                <a:noFill/>
+              </a:ln>
+              <a:solidFill>
+                <a:prstClr val="black"/>
+              </a:solidFill>
+              <a:effectLst/>
+              <a:uLnTx/>
+              <a:uFillTx/>
+              <a:latin typeface="KoPub바탕체 Medium" panose="02020603020101020101" pitchFamily="18" charset="-127"/>
+              <a:ea typeface="KoPub바탕체 Medium" panose="02020603020101020101" pitchFamily="18" charset="-127"/>
+              <a:cs typeface="+mn-cs"/>
+            </a:endParaRPr>
+          </a:p>
+        </p:txBody>
+      </p:sp>
+      <p:sp>
+        <p:nvSpPr>
+          <p:cNvPr id="7" name="TextBox 7">
+            <a:extLst>
+              <a:ext uri="{FF2B5EF4-FFF2-40B4-BE49-F238E27FC236}">
+                <a16:creationId xmlns:a16="http://schemas.microsoft.com/office/drawing/2014/main" id="{82A1B730-5D57-FEA8-4D87-7149D3B3E27B}"/>
+              </a:ext>
+            </a:extLst>
+          </p:cNvPr>
+          <p:cNvSpPr txBox="1"/>
+          <p:nvPr/>
+        </p:nvSpPr>
+        <p:spPr>
+          <a:xfrm>
+            <a:off x="923832" y="765070"/>
+            <a:ext cx="5934168" cy="424090"/>
+          </a:xfrm>
+          <a:prstGeom prst="rect">
+            <a:avLst/>
+          </a:prstGeom>
+        </p:spPr>
+        <p:txBody>
+          <a:bodyPr wrap="square" lIns="0" tIns="0" rIns="0" bIns="0" rtlCol="0" anchor="t">
+            <a:spAutoFit/>
+          </a:bodyPr>
+          <a:lstStyle/>
+          <a:p>
+            <a:pPr marL="0" marR="0" lvl="0" indent="0" algn="l" defTabSz="914400" rtl="0" eaLnBrk="1" fontAlgn="auto" latinLnBrk="0" hangingPunct="1">
+              <a:lnSpc>
+                <a:spcPts val="3499"/>
+              </a:lnSpc>
+              <a:spcBef>
+                <a:spcPct val="0"/>
+              </a:spcBef>
+              <a:spcAft>
+                <a:spcPts val="0"/>
+              </a:spcAft>
+              <a:buClrTx/>
+              <a:buSzTx/>
+              <a:buFontTx/>
+              <a:buNone/>
+              <a:tabLst/>
+              <a:defRPr/>
+            </a:pPr>
+            <a:r>
+              <a:rPr kumimoji="0" lang="en-US" sz="2499" b="1" i="0" u="none" strike="noStrike" kern="1200" cap="none" spc="0" normalizeH="0" baseline="0" noProof="0">
+                <a:ln>
+                  <a:noFill/>
+                </a:ln>
+                <a:solidFill>
+                  <a:srgbClr val="090807"/>
+                </a:solidFill>
+                <a:effectLst/>
+                <a:uLnTx/>
+                <a:uFillTx/>
+                <a:latin typeface="KoPub바탕체 Medium" panose="02020603020101020101" pitchFamily="18" charset="-127"/>
+                <a:ea typeface="KoPub바탕체 Medium" panose="02020603020101020101" pitchFamily="18" charset="-127"/>
+                <a:cs typeface="Source Han Sans KR Bold"/>
+                <a:sym typeface="Source Han Sans KR Bold"/>
+              </a:rPr>
+              <a:t>01 </a:t>
+            </a:r>
+            <a:r>
+              <a:rPr kumimoji="0" lang="ko-KR" altLang="en-US" sz="2499" b="1" i="0" u="none" strike="noStrike" kern="1200" cap="none" spc="0" normalizeH="0" baseline="0" noProof="0" dirty="0">
+                <a:ln>
+                  <a:noFill/>
+                </a:ln>
+                <a:solidFill>
+                  <a:srgbClr val="090807"/>
+                </a:solidFill>
+                <a:effectLst/>
+                <a:uLnTx/>
+                <a:uFillTx/>
+                <a:latin typeface="KoPub바탕체 Medium" panose="02020603020101020101" pitchFamily="18" charset="-127"/>
+                <a:ea typeface="KoPub바탕체 Medium" panose="02020603020101020101" pitchFamily="18" charset="-127"/>
+                <a:cs typeface="Source Han Sans KR Bold"/>
+                <a:sym typeface="Source Han Sans KR Bold"/>
+              </a:rPr>
+              <a:t>이민규</a:t>
+            </a:r>
+            <a:endParaRPr kumimoji="0" lang="en-US" sz="2499" b="1" i="0" u="none" strike="noStrike" kern="1200" cap="none" spc="0" normalizeH="0" baseline="0" noProof="0" dirty="0">
+              <a:ln>
+                <a:noFill/>
+              </a:ln>
+              <a:solidFill>
+                <a:srgbClr val="090807"/>
+              </a:solidFill>
+              <a:effectLst/>
+              <a:uLnTx/>
+              <a:uFillTx/>
+              <a:latin typeface="KoPub바탕체 Medium" panose="02020603020101020101" pitchFamily="18" charset="-127"/>
+              <a:ea typeface="KoPub바탕체 Medium" panose="02020603020101020101" pitchFamily="18" charset="-127"/>
+              <a:cs typeface="Source Han Sans KR Bold"/>
+              <a:sym typeface="Source Han Sans KR Bold"/>
+            </a:endParaRPr>
           </a:p>
         </p:txBody>
       </p:sp>
       <p:grpSp>
         <p:nvGrpSpPr>
-          <p:cNvPr id="17" name="Group 17"/>
+          <p:cNvPr id="8" name="Group 8">
+            <a:extLst>
+              <a:ext uri="{FF2B5EF4-FFF2-40B4-BE49-F238E27FC236}">
+                <a16:creationId xmlns:a16="http://schemas.microsoft.com/office/drawing/2014/main" id="{5BE62EE2-8166-65EF-818A-688399A989BA}"/>
+              </a:ext>
+            </a:extLst>
+          </p:cNvPr>
           <p:cNvGrpSpPr/>
           <p:nvPr/>
         </p:nvGrpSpPr>
         <p:grpSpPr>
           <a:xfrm>
-            <a:off x="3948484" y="6811552"/>
+            <a:off x="1819108" y="3080817"/>
             <a:ext cx="2247971" cy="698372"/>
             <a:chOff x="0" y="0"/>
             <a:chExt cx="592058" cy="183933"/>
@@ -15435,7 +18069,13 @@
         </p:grpSpPr>
         <p:sp>
           <p:nvSpPr>
-            <p:cNvPr id="18" name="Freeform 18"/>
+            <p:cNvPr id="9" name="Freeform 9">
+              <a:extLst>
+                <a:ext uri="{FF2B5EF4-FFF2-40B4-BE49-F238E27FC236}">
+                  <a16:creationId xmlns:a16="http://schemas.microsoft.com/office/drawing/2014/main" id="{685B6050-CCFB-4EEB-F842-1033307977AD}"/>
+                </a:ext>
+              </a:extLst>
+            </p:cNvPr>
             <p:cNvSpPr/>
             <p:nvPr/>
           </p:nvSpPr>
@@ -15519,16 +18159,49 @@
             <a:bodyPr/>
             <a:lstStyle/>
             <a:p>
-              <a:endParaRPr lang="ko-KR" altLang="en-US">
-                <a:latin typeface="KoPub바탕체 Medium" panose="02020603020101020101" pitchFamily="18" charset="-127"/>
-                <a:ea typeface="KoPub바탕체 Medium" panose="02020603020101020101" pitchFamily="18" charset="-127"/>
+              <a:pPr marL="0" marR="0" lvl="0" indent="0" algn="l" defTabSz="914400" rtl="0" eaLnBrk="1" fontAlgn="auto" latinLnBrk="0" hangingPunct="1">
+                <a:lnSpc>
+                  <a:spcPct val="100000"/>
+                </a:lnSpc>
+                <a:spcBef>
+                  <a:spcPts val="0"/>
+                </a:spcBef>
+                <a:spcAft>
+                  <a:spcPts val="0"/>
+                </a:spcAft>
+                <a:buClrTx/>
+                <a:buSzTx/>
+                <a:buFontTx/>
+                <a:buNone/>
+                <a:tabLst/>
+                <a:defRPr/>
+              </a:pPr>
+              <a:endParaRPr kumimoji="0" lang="ko-KR" altLang="en-US" sz="1800" b="0" i="0" u="none" strike="noStrike" kern="1200" cap="none" spc="0" normalizeH="0" baseline="0" noProof="0">
+                <a:ln>
+                  <a:noFill/>
+                </a:ln>
+                <a:solidFill>
+                  <a:prstClr val="black"/>
+                </a:solidFill>
+                <a:effectLst/>
+                <a:uLnTx/>
+                <a:uFillTx/>
+                <a:latin typeface="KoPub바탕체 Medium" panose="02020603020101020101" pitchFamily="18" charset="-127"/>
+                <a:ea typeface="KoPub바탕체 Medium" panose="02020603020101020101" pitchFamily="18" charset="-127"/>
+                <a:cs typeface="+mn-cs"/>
               </a:endParaRPr>
             </a:p>
           </p:txBody>
         </p:sp>
         <p:sp>
           <p:nvSpPr>
-            <p:cNvPr id="19" name="TextBox 19"/>
+            <p:cNvPr id="10" name="TextBox 10">
+              <a:extLst>
+                <a:ext uri="{FF2B5EF4-FFF2-40B4-BE49-F238E27FC236}">
+                  <a16:creationId xmlns:a16="http://schemas.microsoft.com/office/drawing/2014/main" id="{17A363AE-995A-F8BB-B353-C203FCDCD1D7}"/>
+                </a:ext>
+              </a:extLst>
+            </p:cNvPr>
             <p:cNvSpPr txBox="1"/>
             <p:nvPr/>
           </p:nvSpPr>
@@ -15545,280 +18218,77 @@
             <a:bodyPr lIns="50800" tIns="50800" rIns="50800" bIns="50800" rtlCol="0" anchor="ctr"/>
             <a:lstStyle/>
             <a:p>
-              <a:pPr algn="ctr">
+              <a:pPr marL="0" marR="0" lvl="0" indent="0" algn="ctr" defTabSz="914400" rtl="0" eaLnBrk="1" fontAlgn="auto" latinLnBrk="0" hangingPunct="1">
                 <a:lnSpc>
                   <a:spcPts val="3079"/>
                 </a:lnSpc>
+                <a:spcBef>
+                  <a:spcPts val="0"/>
+                </a:spcBef>
+                <a:spcAft>
+                  <a:spcPts val="0"/>
+                </a:spcAft>
+                <a:buClrTx/>
+                <a:buSzTx/>
+                <a:buFontTx/>
+                <a:buNone/>
+                <a:tabLst/>
+                <a:defRPr/>
               </a:pPr>
-              <a:endParaRPr>
-                <a:latin typeface="KoPub바탕체 Medium" panose="02020603020101020101" pitchFamily="18" charset="-127"/>
-                <a:ea typeface="KoPub바탕체 Medium" panose="02020603020101020101" pitchFamily="18" charset="-127"/>
+              <a:endParaRPr kumimoji="0" sz="1800" b="0" i="0" u="none" strike="noStrike" kern="1200" cap="none" spc="0" normalizeH="0" baseline="0" noProof="0">
+                <a:ln>
+                  <a:noFill/>
+                </a:ln>
+                <a:solidFill>
+                  <a:prstClr val="black"/>
+                </a:solidFill>
+                <a:effectLst/>
+                <a:uLnTx/>
+                <a:uFillTx/>
+                <a:latin typeface="KoPub바탕체 Medium" panose="02020603020101020101" pitchFamily="18" charset="-127"/>
+                <a:ea typeface="KoPub바탕체 Medium" panose="02020603020101020101" pitchFamily="18" charset="-127"/>
+                <a:cs typeface="+mn-cs"/>
               </a:endParaRPr>
             </a:p>
           </p:txBody>
         </p:sp>
       </p:grpSp>
-      <p:sp>
-        <p:nvSpPr>
-          <p:cNvPr id="20" name="TextBox 20"/>
-          <p:cNvSpPr txBox="1"/>
-          <p:nvPr/>
-        </p:nvSpPr>
-        <p:spPr>
-          <a:xfrm>
-            <a:off x="4297818" y="6925788"/>
-            <a:ext cx="1549301" cy="422275"/>
-          </a:xfrm>
-          <a:prstGeom prst="rect">
-            <a:avLst/>
-          </a:prstGeom>
-        </p:spPr>
-        <p:txBody>
-          <a:bodyPr lIns="0" tIns="0" rIns="0" bIns="0" rtlCol="0" anchor="t">
-            <a:spAutoFit/>
-          </a:bodyPr>
-          <a:lstStyle/>
-          <a:p>
-            <a:pPr algn="ctr">
-              <a:lnSpc>
-                <a:spcPts val="3499"/>
-              </a:lnSpc>
-              <a:spcBef>
-                <a:spcPct val="0"/>
-              </a:spcBef>
-            </a:pPr>
-            <a:r>
-              <a:rPr lang="en-US" sz="2499" b="1">
-                <a:solidFill>
-                  <a:srgbClr val="FEFBEE"/>
-                </a:solidFill>
-                <a:latin typeface="KoPub바탕체 Medium" panose="02020603020101020101" pitchFamily="18" charset="-127"/>
-                <a:ea typeface="KoPub바탕체 Medium" panose="02020603020101020101" pitchFamily="18" charset="-127"/>
-                <a:cs typeface="Source Han Sans KR Bold"/>
-                <a:sym typeface="Source Han Sans KR Bold"/>
-              </a:rPr>
-              <a:t>현재 상황</a:t>
-            </a:r>
-          </a:p>
-        </p:txBody>
-      </p:sp>
-      <p:sp>
-        <p:nvSpPr>
-          <p:cNvPr id="21" name="TextBox 21"/>
-          <p:cNvSpPr txBox="1"/>
-          <p:nvPr/>
-        </p:nvSpPr>
-        <p:spPr>
-          <a:xfrm>
-            <a:off x="923832" y="765070"/>
-            <a:ext cx="1047080" cy="422275"/>
-          </a:xfrm>
-          <a:prstGeom prst="rect">
-            <a:avLst/>
-          </a:prstGeom>
-        </p:spPr>
-        <p:txBody>
-          <a:bodyPr lIns="0" tIns="0" rIns="0" bIns="0" rtlCol="0" anchor="t">
-            <a:spAutoFit/>
-          </a:bodyPr>
-          <a:lstStyle/>
-          <a:p>
-            <a:pPr algn="l">
-              <a:lnSpc>
-                <a:spcPts val="3499"/>
-              </a:lnSpc>
-              <a:spcBef>
-                <a:spcPct val="0"/>
-              </a:spcBef>
-            </a:pPr>
-            <a:r>
-              <a:rPr lang="en-US" sz="2499" b="1">
-                <a:solidFill>
-                  <a:srgbClr val="090807"/>
-                </a:solidFill>
-                <a:latin typeface="KoPub바탕체 Medium" panose="02020603020101020101" pitchFamily="18" charset="-127"/>
-                <a:ea typeface="KoPub바탕체 Medium" panose="02020603020101020101" pitchFamily="18" charset="-127"/>
-                <a:cs typeface="Source Han Sans KR Bold"/>
-                <a:sym typeface="Source Han Sans KR Bold"/>
-              </a:rPr>
-              <a:t>02 현황</a:t>
-            </a:r>
-          </a:p>
-        </p:txBody>
-      </p:sp>
-      <p:sp>
-        <p:nvSpPr>
-          <p:cNvPr id="22" name="TextBox 22"/>
-          <p:cNvSpPr txBox="1"/>
-          <p:nvPr/>
-        </p:nvSpPr>
-        <p:spPr>
-          <a:xfrm>
-            <a:off x="1985131" y="7808928"/>
-            <a:ext cx="6197667" cy="1123950"/>
-          </a:xfrm>
-          <a:prstGeom prst="rect">
-            <a:avLst/>
-          </a:prstGeom>
-        </p:spPr>
-        <p:txBody>
-          <a:bodyPr lIns="0" tIns="0" rIns="0" bIns="0" rtlCol="0" anchor="t">
-            <a:spAutoFit/>
-          </a:bodyPr>
-          <a:lstStyle/>
-          <a:p>
-            <a:pPr algn="l">
-              <a:lnSpc>
-                <a:spcPts val="3000"/>
-              </a:lnSpc>
-            </a:pPr>
-            <a:r>
-              <a:rPr lang="en-US" sz="2000">
-                <a:solidFill>
-                  <a:srgbClr val="090807"/>
-                </a:solidFill>
-                <a:latin typeface="KoPub바탕체 Medium" panose="02020603020101020101" pitchFamily="18" charset="-127"/>
-                <a:ea typeface="KoPub바탕체 Medium" panose="02020603020101020101" pitchFamily="18" charset="-127"/>
-                <a:cs typeface="Source Han Sans KR"/>
-                <a:sym typeface="Source Han Sans KR"/>
-              </a:rPr>
-              <a:t>Lorem ipsum dolor sit amet, consectetur adipiscing elit. Fusce mattis, lorem in venenatis porttitor nibh urna vestibulum tortor, ac placerat.</a:t>
-            </a:r>
-          </a:p>
-        </p:txBody>
-      </p:sp>
-      <p:sp>
-        <p:nvSpPr>
-          <p:cNvPr id="23" name="TextBox 23"/>
-          <p:cNvSpPr txBox="1"/>
-          <p:nvPr/>
-        </p:nvSpPr>
-        <p:spPr>
-          <a:xfrm>
-            <a:off x="10105202" y="7808928"/>
-            <a:ext cx="6197667" cy="1123950"/>
-          </a:xfrm>
-          <a:prstGeom prst="rect">
-            <a:avLst/>
-          </a:prstGeom>
-        </p:spPr>
-        <p:txBody>
-          <a:bodyPr lIns="0" tIns="0" rIns="0" bIns="0" rtlCol="0" anchor="t">
-            <a:spAutoFit/>
-          </a:bodyPr>
-          <a:lstStyle/>
-          <a:p>
-            <a:pPr algn="l">
-              <a:lnSpc>
-                <a:spcPts val="3000"/>
-              </a:lnSpc>
-            </a:pPr>
-            <a:r>
-              <a:rPr lang="en-US" sz="2000">
-                <a:solidFill>
-                  <a:srgbClr val="090807"/>
-                </a:solidFill>
-                <a:latin typeface="KoPub바탕체 Medium" panose="02020603020101020101" pitchFamily="18" charset="-127"/>
-                <a:ea typeface="KoPub바탕체 Medium" panose="02020603020101020101" pitchFamily="18" charset="-127"/>
-                <a:cs typeface="Source Han Sans KR"/>
-                <a:sym typeface="Source Han Sans KR"/>
-              </a:rPr>
-              <a:t>Lorem ipsum dolor sit amet, consectetur adipiscing elit. Fusce mattis, lorem in venenatis porttitor nibh urna vestibulum tortor, ac placerat.</a:t>
-            </a:r>
-          </a:p>
-        </p:txBody>
-      </p:sp>
-    </p:spTree>
-  </p:cSld>
-  <p:clrMapOvr>
-    <a:masterClrMapping/>
-  </p:clrMapOvr>
-</p:sld>
-</file>
-
-<file path=ppt/slides/slide9.xml><?xml version="1.0" encoding="utf-8"?>
-<p:sld xmlns:a="http://schemas.openxmlformats.org/drawingml/2006/main" xmlns:r="http://schemas.openxmlformats.org/officeDocument/2006/relationships" xmlns:p="http://schemas.openxmlformats.org/presentationml/2006/main">
-  <p:cSld>
-    <p:bg>
-      <p:bgPr>
-        <a:solidFill>
-          <a:srgbClr val="FEFBEE"/>
-        </a:solidFill>
-        <a:effectLst/>
-      </p:bgPr>
-    </p:bg>
-    <p:spTree>
-      <p:nvGrpSpPr>
-        <p:cNvPr id="1" name=""/>
-        <p:cNvGrpSpPr/>
-        <p:nvPr/>
-      </p:nvGrpSpPr>
-      <p:grpSpPr>
-        <a:xfrm>
-          <a:off x="0" y="0"/>
-          <a:ext cx="0" cy="0"/>
-          <a:chOff x="0" y="0"/>
-          <a:chExt cx="0" cy="0"/>
-        </a:xfrm>
-      </p:grpSpPr>
-      <p:sp>
-        <p:nvSpPr>
-          <p:cNvPr id="2" name="AutoShape 2"/>
-          <p:cNvSpPr/>
-          <p:nvPr/>
-        </p:nvSpPr>
-        <p:spPr>
-          <a:xfrm>
-            <a:off x="860320" y="1347066"/>
-            <a:ext cx="1233818" cy="0"/>
-          </a:xfrm>
-          <a:prstGeom prst="line">
-            <a:avLst/>
-          </a:prstGeom>
-          <a:ln w="38100" cap="flat">
-            <a:solidFill>
-              <a:srgbClr val="090807"/>
-            </a:solidFill>
-            <a:prstDash val="solid"/>
-            <a:headEnd type="none" w="sm" len="sm"/>
-            <a:tailEnd type="none" w="sm" len="sm"/>
-          </a:ln>
-        </p:spPr>
-        <p:txBody>
-          <a:bodyPr/>
-          <a:lstStyle/>
-          <a:p>
-            <a:endParaRPr lang="ko-KR" altLang="en-US">
-              <a:latin typeface="KoPub바탕체 Medium" panose="02020603020101020101" pitchFamily="18" charset="-127"/>
-              <a:ea typeface="KoPub바탕체 Medium" panose="02020603020101020101" pitchFamily="18" charset="-127"/>
-            </a:endParaRPr>
-          </a:p>
-        </p:txBody>
-      </p:sp>
       <p:grpSp>
         <p:nvGrpSpPr>
-          <p:cNvPr id="3" name="Group 3"/>
+          <p:cNvPr id="11" name="Group 11">
+            <a:extLst>
+              <a:ext uri="{FF2B5EF4-FFF2-40B4-BE49-F238E27FC236}">
+                <a16:creationId xmlns:a16="http://schemas.microsoft.com/office/drawing/2014/main" id="{19AF7627-1099-249E-8276-1862B084A964}"/>
+              </a:ext>
+            </a:extLst>
+          </p:cNvPr>
           <p:cNvGrpSpPr/>
           <p:nvPr/>
         </p:nvGrpSpPr>
         <p:grpSpPr>
           <a:xfrm>
-            <a:off x="683902" y="2223291"/>
-            <a:ext cx="16920196" cy="7082634"/>
+            <a:off x="1819108" y="6074710"/>
+            <a:ext cx="2247971" cy="698372"/>
             <a:chOff x="0" y="0"/>
-            <a:chExt cx="4456348" cy="1865385"/>
+            <a:chExt cx="592058" cy="183933"/>
           </a:xfrm>
         </p:grpSpPr>
         <p:sp>
           <p:nvSpPr>
-            <p:cNvPr id="4" name="Freeform 4"/>
+            <p:cNvPr id="12" name="Freeform 12">
+              <a:extLst>
+                <a:ext uri="{FF2B5EF4-FFF2-40B4-BE49-F238E27FC236}">
+                  <a16:creationId xmlns:a16="http://schemas.microsoft.com/office/drawing/2014/main" id="{1DD8637F-E3C6-C3C6-83C9-59E9993FC895}"/>
+                </a:ext>
+              </a:extLst>
+            </p:cNvPr>
             <p:cNvSpPr/>
             <p:nvPr/>
           </p:nvSpPr>
           <p:spPr>
             <a:xfrm>
               <a:off x="0" y="0"/>
-              <a:ext cx="4456348" cy="1865385"/>
+              <a:ext cx="592058" cy="183933"/>
             </a:xfrm>
             <a:custGeom>
               <a:avLst/>
@@ -15827,388 +18297,35 @@
               <a:cxnLst/>
               <a:rect l="l" t="t" r="r" b="b"/>
               <a:pathLst>
-                <a:path w="4456348" h="1865385">
-                  <a:moveTo>
-                    <a:pt x="0" y="0"/>
-                  </a:moveTo>
-                  <a:lnTo>
-                    <a:pt x="4456348" y="0"/>
-                  </a:lnTo>
-                  <a:lnTo>
-                    <a:pt x="4456348" y="1865385"/>
-                  </a:lnTo>
-                  <a:lnTo>
-                    <a:pt x="0" y="1865385"/>
-                  </a:lnTo>
-                  <a:close/>
-                </a:path>
-              </a:pathLst>
-            </a:custGeom>
-            <a:solidFill>
-              <a:srgbClr val="000000">
-                <a:alpha val="0"/>
-              </a:srgbClr>
-            </a:solidFill>
-            <a:ln w="9525" cap="sq">
-              <a:solidFill>
-                <a:srgbClr val="090807"/>
-              </a:solidFill>
-              <a:prstDash val="solid"/>
-              <a:miter/>
-            </a:ln>
-          </p:spPr>
-          <p:txBody>
-            <a:bodyPr/>
-            <a:lstStyle/>
-            <a:p>
-              <a:endParaRPr lang="ko-KR" altLang="en-US">
-                <a:latin typeface="KoPub바탕체 Medium" panose="02020603020101020101" pitchFamily="18" charset="-127"/>
-                <a:ea typeface="KoPub바탕체 Medium" panose="02020603020101020101" pitchFamily="18" charset="-127"/>
-              </a:endParaRPr>
-            </a:p>
-          </p:txBody>
-        </p:sp>
-        <p:sp>
-          <p:nvSpPr>
-            <p:cNvPr id="5" name="TextBox 5"/>
-            <p:cNvSpPr txBox="1"/>
-            <p:nvPr/>
-          </p:nvSpPr>
-          <p:spPr>
-            <a:xfrm>
-              <a:off x="0" y="-38100"/>
-              <a:ext cx="4456348" cy="1903485"/>
-            </a:xfrm>
-            <a:prstGeom prst="rect">
-              <a:avLst/>
-            </a:prstGeom>
-          </p:spPr>
-          <p:txBody>
-            <a:bodyPr lIns="50800" tIns="50800" rIns="50800" bIns="50800" rtlCol="0" anchor="ctr"/>
-            <a:lstStyle/>
-            <a:p>
-              <a:pPr algn="ctr">
-                <a:lnSpc>
-                  <a:spcPts val="3079"/>
-                </a:lnSpc>
-              </a:pPr>
-              <a:endParaRPr>
-                <a:latin typeface="KoPub바탕체 Medium" panose="02020603020101020101" pitchFamily="18" charset="-127"/>
-                <a:ea typeface="KoPub바탕체 Medium" panose="02020603020101020101" pitchFamily="18" charset="-127"/>
-              </a:endParaRPr>
-            </a:p>
-          </p:txBody>
-        </p:sp>
-      </p:grpSp>
-      <p:sp>
-        <p:nvSpPr>
-          <p:cNvPr id="6" name="Freeform 6"/>
-          <p:cNvSpPr/>
-          <p:nvPr/>
-        </p:nvSpPr>
-        <p:spPr>
-          <a:xfrm>
-            <a:off x="2053459" y="3188954"/>
-            <a:ext cx="1535073" cy="1535073"/>
-          </a:xfrm>
-          <a:custGeom>
-            <a:avLst/>
-            <a:gdLst/>
-            <a:ahLst/>
-            <a:cxnLst/>
-            <a:rect l="l" t="t" r="r" b="b"/>
-            <a:pathLst>
-              <a:path w="1535073" h="1535073">
-                <a:moveTo>
-                  <a:pt x="0" y="0"/>
-                </a:moveTo>
-                <a:lnTo>
-                  <a:pt x="1535074" y="0"/>
-                </a:lnTo>
-                <a:lnTo>
-                  <a:pt x="1535074" y="1535073"/>
-                </a:lnTo>
-                <a:lnTo>
-                  <a:pt x="0" y="1535073"/>
-                </a:lnTo>
-                <a:lnTo>
-                  <a:pt x="0" y="0"/>
-                </a:lnTo>
-                <a:close/>
-              </a:path>
-            </a:pathLst>
-          </a:custGeom>
-          <a:blipFill>
-            <a:blip r:embed="rId2">
-              <a:extLst>
-                <a:ext uri="{96DAC541-7B7A-43D3-8B79-37D633B846F1}">
-                  <asvg:svgBlip xmlns:asvg="http://schemas.microsoft.com/office/drawing/2016/SVG/main" r:embed="rId3"/>
-                </a:ext>
-              </a:extLst>
-            </a:blip>
-            <a:stretch>
-              <a:fillRect/>
-            </a:stretch>
-          </a:blipFill>
-        </p:spPr>
-        <p:txBody>
-          <a:bodyPr/>
-          <a:lstStyle/>
-          <a:p>
-            <a:endParaRPr lang="ko-KR" altLang="en-US">
-              <a:latin typeface="KoPub바탕체 Medium" panose="02020603020101020101" pitchFamily="18" charset="-127"/>
-              <a:ea typeface="KoPub바탕체 Medium" panose="02020603020101020101" pitchFamily="18" charset="-127"/>
-            </a:endParaRPr>
-          </a:p>
-        </p:txBody>
-      </p:sp>
-      <p:sp>
-        <p:nvSpPr>
-          <p:cNvPr id="7" name="Freeform 7"/>
-          <p:cNvSpPr/>
-          <p:nvPr/>
-        </p:nvSpPr>
-        <p:spPr>
-          <a:xfrm>
-            <a:off x="6328433" y="3172592"/>
-            <a:ext cx="1445223" cy="1567796"/>
-          </a:xfrm>
-          <a:custGeom>
-            <a:avLst/>
-            <a:gdLst/>
-            <a:ahLst/>
-            <a:cxnLst/>
-            <a:rect l="l" t="t" r="r" b="b"/>
-            <a:pathLst>
-              <a:path w="1445223" h="1567796">
-                <a:moveTo>
-                  <a:pt x="0" y="0"/>
-                </a:moveTo>
-                <a:lnTo>
-                  <a:pt x="1445224" y="0"/>
-                </a:lnTo>
-                <a:lnTo>
-                  <a:pt x="1445224" y="1567797"/>
-                </a:lnTo>
-                <a:lnTo>
-                  <a:pt x="0" y="1567797"/>
-                </a:lnTo>
-                <a:lnTo>
-                  <a:pt x="0" y="0"/>
-                </a:lnTo>
-                <a:close/>
-              </a:path>
-            </a:pathLst>
-          </a:custGeom>
-          <a:blipFill>
-            <a:blip r:embed="rId4">
-              <a:extLst>
-                <a:ext uri="{96DAC541-7B7A-43D3-8B79-37D633B846F1}">
-                  <asvg:svgBlip xmlns:asvg="http://schemas.microsoft.com/office/drawing/2016/SVG/main" r:embed="rId5"/>
-                </a:ext>
-              </a:extLst>
-            </a:blip>
-            <a:stretch>
-              <a:fillRect/>
-            </a:stretch>
-          </a:blipFill>
-        </p:spPr>
-        <p:txBody>
-          <a:bodyPr/>
-          <a:lstStyle/>
-          <a:p>
-            <a:endParaRPr lang="ko-KR" altLang="en-US">
-              <a:latin typeface="KoPub바탕체 Medium" panose="02020603020101020101" pitchFamily="18" charset="-127"/>
-              <a:ea typeface="KoPub바탕체 Medium" panose="02020603020101020101" pitchFamily="18" charset="-127"/>
-            </a:endParaRPr>
-          </a:p>
-        </p:txBody>
-      </p:sp>
-      <p:sp>
-        <p:nvSpPr>
-          <p:cNvPr id="8" name="Freeform 8"/>
-          <p:cNvSpPr/>
-          <p:nvPr/>
-        </p:nvSpPr>
-        <p:spPr>
-          <a:xfrm>
-            <a:off x="10684988" y="3209228"/>
-            <a:ext cx="1494526" cy="1494526"/>
-          </a:xfrm>
-          <a:custGeom>
-            <a:avLst/>
-            <a:gdLst/>
-            <a:ahLst/>
-            <a:cxnLst/>
-            <a:rect l="l" t="t" r="r" b="b"/>
-            <a:pathLst>
-              <a:path w="1494526" h="1494526">
-                <a:moveTo>
-                  <a:pt x="0" y="0"/>
-                </a:moveTo>
-                <a:lnTo>
-                  <a:pt x="1494525" y="0"/>
-                </a:lnTo>
-                <a:lnTo>
-                  <a:pt x="1494525" y="1494525"/>
-                </a:lnTo>
-                <a:lnTo>
-                  <a:pt x="0" y="1494525"/>
-                </a:lnTo>
-                <a:lnTo>
-                  <a:pt x="0" y="0"/>
-                </a:lnTo>
-                <a:close/>
-              </a:path>
-            </a:pathLst>
-          </a:custGeom>
-          <a:blipFill>
-            <a:blip r:embed="rId6">
-              <a:extLst>
-                <a:ext uri="{96DAC541-7B7A-43D3-8B79-37D633B846F1}">
-                  <asvg:svgBlip xmlns:asvg="http://schemas.microsoft.com/office/drawing/2016/SVG/main" r:embed="rId7"/>
-                </a:ext>
-              </a:extLst>
-            </a:blip>
-            <a:stretch>
-              <a:fillRect/>
-            </a:stretch>
-          </a:blipFill>
-        </p:spPr>
-        <p:txBody>
-          <a:bodyPr/>
-          <a:lstStyle/>
-          <a:p>
-            <a:endParaRPr lang="ko-KR" altLang="en-US">
-              <a:latin typeface="KoPub바탕체 Medium" panose="02020603020101020101" pitchFamily="18" charset="-127"/>
-              <a:ea typeface="KoPub바탕체 Medium" panose="02020603020101020101" pitchFamily="18" charset="-127"/>
-            </a:endParaRPr>
-          </a:p>
-        </p:txBody>
-      </p:sp>
-      <p:sp>
-        <p:nvSpPr>
-          <p:cNvPr id="9" name="Freeform 9"/>
-          <p:cNvSpPr/>
-          <p:nvPr/>
-        </p:nvSpPr>
-        <p:spPr>
-          <a:xfrm>
-            <a:off x="14662631" y="3172592"/>
-            <a:ext cx="1608746" cy="1567796"/>
-          </a:xfrm>
-          <a:custGeom>
-            <a:avLst/>
-            <a:gdLst/>
-            <a:ahLst/>
-            <a:cxnLst/>
-            <a:rect l="l" t="t" r="r" b="b"/>
-            <a:pathLst>
-              <a:path w="1608746" h="1567796">
-                <a:moveTo>
-                  <a:pt x="0" y="0"/>
-                </a:moveTo>
-                <a:lnTo>
-                  <a:pt x="1608746" y="0"/>
-                </a:lnTo>
-                <a:lnTo>
-                  <a:pt x="1608746" y="1567797"/>
-                </a:lnTo>
-                <a:lnTo>
-                  <a:pt x="0" y="1567797"/>
-                </a:lnTo>
-                <a:lnTo>
-                  <a:pt x="0" y="0"/>
-                </a:lnTo>
-                <a:close/>
-              </a:path>
-            </a:pathLst>
-          </a:custGeom>
-          <a:blipFill>
-            <a:blip r:embed="rId8">
-              <a:extLst>
-                <a:ext uri="{96DAC541-7B7A-43D3-8B79-37D633B846F1}">
-                  <asvg:svgBlip xmlns:asvg="http://schemas.microsoft.com/office/drawing/2016/SVG/main" r:embed="rId9"/>
-                </a:ext>
-              </a:extLst>
-            </a:blip>
-            <a:stretch>
-              <a:fillRect/>
-            </a:stretch>
-          </a:blipFill>
-        </p:spPr>
-        <p:txBody>
-          <a:bodyPr/>
-          <a:lstStyle/>
-          <a:p>
-            <a:endParaRPr lang="ko-KR" altLang="en-US">
-              <a:latin typeface="KoPub바탕체 Medium" panose="02020603020101020101" pitchFamily="18" charset="-127"/>
-              <a:ea typeface="KoPub바탕체 Medium" panose="02020603020101020101" pitchFamily="18" charset="-127"/>
-            </a:endParaRPr>
-          </a:p>
-        </p:txBody>
-      </p:sp>
-      <p:grpSp>
-        <p:nvGrpSpPr>
-          <p:cNvPr id="10" name="Group 10"/>
-          <p:cNvGrpSpPr/>
-          <p:nvPr/>
-        </p:nvGrpSpPr>
-        <p:grpSpPr>
-          <a:xfrm>
-            <a:off x="1414164" y="5492464"/>
-            <a:ext cx="2813665" cy="698372"/>
-            <a:chOff x="0" y="0"/>
-            <a:chExt cx="741047" cy="183933"/>
-          </a:xfrm>
-        </p:grpSpPr>
-        <p:sp>
-          <p:nvSpPr>
-            <p:cNvPr id="11" name="Freeform 11"/>
-            <p:cNvSpPr/>
-            <p:nvPr/>
-          </p:nvSpPr>
-          <p:spPr>
-            <a:xfrm>
-              <a:off x="0" y="0"/>
-              <a:ext cx="741047" cy="183933"/>
-            </a:xfrm>
-            <a:custGeom>
-              <a:avLst/>
-              <a:gdLst/>
-              <a:ahLst/>
-              <a:cxnLst/>
-              <a:rect l="l" t="t" r="r" b="b"/>
-              <a:pathLst>
-                <a:path w="741047" h="183933">
+                <a:path w="592058" h="183933">
                   <a:moveTo>
                     <a:pt x="91967" y="0"/>
                   </a:moveTo>
                   <a:lnTo>
-                    <a:pt x="649081" y="0"/>
+                    <a:pt x="500091" y="0"/>
                   </a:lnTo>
                   <a:cubicBezTo>
-                    <a:pt x="673472" y="0"/>
-                    <a:pt x="696864" y="9689"/>
-                    <a:pt x="714111" y="26936"/>
+                    <a:pt x="524483" y="0"/>
+                    <a:pt x="547875" y="9689"/>
+                    <a:pt x="565122" y="26936"/>
                   </a:cubicBezTo>
                   <a:cubicBezTo>
-                    <a:pt x="731358" y="44184"/>
-                    <a:pt x="741047" y="67576"/>
-                    <a:pt x="741047" y="91967"/>
+                    <a:pt x="582369" y="44184"/>
+                    <a:pt x="592058" y="67576"/>
+                    <a:pt x="592058" y="91967"/>
                   </a:cubicBezTo>
                   <a:lnTo>
-                    <a:pt x="741047" y="91967"/>
+                    <a:pt x="592058" y="91967"/>
                   </a:lnTo>
                   <a:cubicBezTo>
-                    <a:pt x="741047" y="116358"/>
-                    <a:pt x="731358" y="139750"/>
-                    <a:pt x="714111" y="156997"/>
+                    <a:pt x="592058" y="116358"/>
+                    <a:pt x="582369" y="139750"/>
+                    <a:pt x="565122" y="156997"/>
                   </a:cubicBezTo>
                   <a:cubicBezTo>
-                    <a:pt x="696864" y="174244"/>
-                    <a:pt x="673472" y="183933"/>
-                    <a:pt x="649081" y="183933"/>
+                    <a:pt x="547875" y="174244"/>
+                    <a:pt x="524483" y="183933"/>
+                    <a:pt x="500091" y="183933"/>
                   </a:cubicBezTo>
                   <a:lnTo>
                     <a:pt x="91967" y="183933"/>
@@ -16248,23 +18365,56 @@
             <a:bodyPr/>
             <a:lstStyle/>
             <a:p>
-              <a:endParaRPr lang="ko-KR" altLang="en-US">
-                <a:latin typeface="KoPub바탕체 Medium" panose="02020603020101020101" pitchFamily="18" charset="-127"/>
-                <a:ea typeface="KoPub바탕체 Medium" panose="02020603020101020101" pitchFamily="18" charset="-127"/>
+              <a:pPr marL="0" marR="0" lvl="0" indent="0" algn="l" defTabSz="914400" rtl="0" eaLnBrk="1" fontAlgn="auto" latinLnBrk="0" hangingPunct="1">
+                <a:lnSpc>
+                  <a:spcPct val="100000"/>
+                </a:lnSpc>
+                <a:spcBef>
+                  <a:spcPts val="0"/>
+                </a:spcBef>
+                <a:spcAft>
+                  <a:spcPts val="0"/>
+                </a:spcAft>
+                <a:buClrTx/>
+                <a:buSzTx/>
+                <a:buFontTx/>
+                <a:buNone/>
+                <a:tabLst/>
+                <a:defRPr/>
+              </a:pPr>
+              <a:endParaRPr kumimoji="0" lang="ko-KR" altLang="en-US" sz="1800" b="0" i="0" u="none" strike="noStrike" kern="1200" cap="none" spc="0" normalizeH="0" baseline="0" noProof="0">
+                <a:ln>
+                  <a:noFill/>
+                </a:ln>
+                <a:solidFill>
+                  <a:prstClr val="black"/>
+                </a:solidFill>
+                <a:effectLst/>
+                <a:uLnTx/>
+                <a:uFillTx/>
+                <a:latin typeface="KoPub바탕체 Medium" panose="02020603020101020101" pitchFamily="18" charset="-127"/>
+                <a:ea typeface="KoPub바탕체 Medium" panose="02020603020101020101" pitchFamily="18" charset="-127"/>
+                <a:cs typeface="+mn-cs"/>
               </a:endParaRPr>
             </a:p>
           </p:txBody>
         </p:sp>
         <p:sp>
           <p:nvSpPr>
-            <p:cNvPr id="12" name="TextBox 12"/>
+            <p:cNvPr id="13" name="TextBox 13">
+              <a:extLst>
+                <a:ext uri="{FF2B5EF4-FFF2-40B4-BE49-F238E27FC236}">
+                  <a16:creationId xmlns:a16="http://schemas.microsoft.com/office/drawing/2014/main" id="{88B78C44-5DC2-CBB5-389B-1B956D73569C}"/>
+                </a:ext>
+              </a:extLst>
+            </p:cNvPr>
             <p:cNvSpPr txBox="1"/>
             <p:nvPr/>
           </p:nvSpPr>
           <p:spPr>
             <a:xfrm>
               <a:off x="0" y="-38100"/>
-              <a:ext cx="741047" cy="222033"/>
+              <a:ext cx="592058" cy="222033"/>
             </a:xfrm>
             <a:prstGeom prst="rect">
               <a:avLst/>
@@ -16274,14 +18424,36 @@
             <a:bodyPr lIns="50800" tIns="50800" rIns="50800" bIns="50800" rtlCol="0" anchor="ctr"/>
             <a:lstStyle/>
             <a:p>
-              <a:pPr algn="ctr">
+              <a:pPr marL="0" marR="0" lvl="0" indent="0" algn="ctr" defTabSz="914400" rtl="0" eaLnBrk="1" fontAlgn="auto" latinLnBrk="0" hangingPunct="1">
                 <a:lnSpc>
                   <a:spcPts val="3079"/>
                 </a:lnSpc>
+                <a:spcBef>
+                  <a:spcPts val="0"/>
+                </a:spcBef>
+                <a:spcAft>
+                  <a:spcPts val="0"/>
+                </a:spcAft>
+                <a:buClrTx/>
+                <a:buSzTx/>
+                <a:buFontTx/>
+                <a:buNone/>
+                <a:tabLst/>
+                <a:defRPr/>
               </a:pPr>
-              <a:endParaRPr>
-                <a:latin typeface="KoPub바탕체 Medium" panose="02020603020101020101" pitchFamily="18" charset="-127"/>
-                <a:ea typeface="KoPub바탕체 Medium" panose="02020603020101020101" pitchFamily="18" charset="-127"/>
+              <a:endParaRPr kumimoji="0" sz="1800" b="0" i="0" u="none" strike="noStrike" kern="1200" cap="none" spc="0" normalizeH="0" baseline="0" noProof="0">
+                <a:ln>
+                  <a:noFill/>
+                </a:ln>
+                <a:solidFill>
+                  <a:prstClr val="black"/>
+                </a:solidFill>
+                <a:effectLst/>
+                <a:uLnTx/>
+                <a:uFillTx/>
+                <a:latin typeface="KoPub바탕체 Medium" panose="02020603020101020101" pitchFamily="18" charset="-127"/>
+                <a:ea typeface="KoPub바탕체 Medium" panose="02020603020101020101" pitchFamily="18" charset="-127"/>
+                <a:cs typeface="+mn-cs"/>
               </a:endParaRPr>
             </a:p>
           </p:txBody>
@@ -16289,14 +18461,20 @@
       </p:grpSp>
       <p:sp>
         <p:nvSpPr>
-          <p:cNvPr id="13" name="TextBox 13"/>
+          <p:cNvPr id="14" name="TextBox 14">
+            <a:extLst>
+              <a:ext uri="{FF2B5EF4-FFF2-40B4-BE49-F238E27FC236}">
+                <a16:creationId xmlns:a16="http://schemas.microsoft.com/office/drawing/2014/main" id="{8AE4368A-B6F6-2B39-EC05-8C2BD9119903}"/>
+              </a:ext>
+            </a:extLst>
+          </p:cNvPr>
           <p:cNvSpPr txBox="1"/>
           <p:nvPr/>
         </p:nvSpPr>
         <p:spPr>
           <a:xfrm>
-            <a:off x="1855883" y="5606700"/>
-            <a:ext cx="1930226" cy="872931"/>
+            <a:off x="1819108" y="4016671"/>
+            <a:ext cx="7035690" cy="1123950"/>
           </a:xfrm>
           <a:prstGeom prst="rect">
             <a:avLst/>
@@ -16308,53 +18486,593 @@
           </a:bodyPr>
           <a:lstStyle/>
           <a:p>
-            <a:pPr algn="ctr">
+            <a:pPr marL="0" marR="0" lvl="0" indent="0" algn="l" defTabSz="914400" rtl="0" eaLnBrk="1" fontAlgn="auto" latinLnBrk="0" hangingPunct="1">
+              <a:lnSpc>
+                <a:spcPts val="3000"/>
+              </a:lnSpc>
+              <a:spcBef>
+                <a:spcPts val="0"/>
+              </a:spcBef>
+              <a:spcAft>
+                <a:spcPts val="0"/>
+              </a:spcAft>
+              <a:buClrTx/>
+              <a:buSzTx/>
+              <a:buFontTx/>
+              <a:buNone/>
+              <a:tabLst/>
+              <a:defRPr/>
+            </a:pPr>
+            <a:r>
+              <a:rPr kumimoji="0" lang="en-US" sz="2000" b="0" i="0" u="none" strike="noStrike" kern="1200" cap="none" spc="0" normalizeH="0" baseline="0" noProof="0">
+                <a:ln>
+                  <a:noFill/>
+                </a:ln>
+                <a:solidFill>
+                  <a:srgbClr val="090807"/>
+                </a:solidFill>
+                <a:effectLst/>
+                <a:uLnTx/>
+                <a:uFillTx/>
+                <a:latin typeface="KoPub바탕체 Medium" panose="02020603020101020101" pitchFamily="18" charset="-127"/>
+                <a:ea typeface="KoPub바탕체 Medium" panose="02020603020101020101" pitchFamily="18" charset="-127"/>
+                <a:cs typeface="Source Han Sans KR"/>
+                <a:sym typeface="Source Han Sans KR"/>
+              </a:rPr>
+              <a:t>Lorem ipsum dolor sit amet, consectetur adipiscing elit. Fusce mattis, lorem in venenatis porttitor nibh urna vestibulum tortor, ac placerat.</a:t>
+            </a:r>
+          </a:p>
+        </p:txBody>
+      </p:sp>
+      <p:sp>
+        <p:nvSpPr>
+          <p:cNvPr id="15" name="TextBox 15">
+            <a:extLst>
+              <a:ext uri="{FF2B5EF4-FFF2-40B4-BE49-F238E27FC236}">
+                <a16:creationId xmlns:a16="http://schemas.microsoft.com/office/drawing/2014/main" id="{CA53A2E5-2D30-F1A9-8E5A-2A4DB04F50AE}"/>
+              </a:ext>
+            </a:extLst>
+          </p:cNvPr>
+          <p:cNvSpPr txBox="1"/>
+          <p:nvPr/>
+        </p:nvSpPr>
+        <p:spPr>
+          <a:xfrm>
+            <a:off x="1819108" y="7010565"/>
+            <a:ext cx="7035690" cy="1123950"/>
+          </a:xfrm>
+          <a:prstGeom prst="rect">
+            <a:avLst/>
+          </a:prstGeom>
+        </p:spPr>
+        <p:txBody>
+          <a:bodyPr lIns="0" tIns="0" rIns="0" bIns="0" rtlCol="0" anchor="t">
+            <a:spAutoFit/>
+          </a:bodyPr>
+          <a:lstStyle/>
+          <a:p>
+            <a:pPr marL="0" marR="0" lvl="0" indent="0" algn="l" defTabSz="914400" rtl="0" eaLnBrk="1" fontAlgn="auto" latinLnBrk="0" hangingPunct="1">
+              <a:lnSpc>
+                <a:spcPts val="3000"/>
+              </a:lnSpc>
+              <a:spcBef>
+                <a:spcPts val="0"/>
+              </a:spcBef>
+              <a:spcAft>
+                <a:spcPts val="0"/>
+              </a:spcAft>
+              <a:buClrTx/>
+              <a:buSzTx/>
+              <a:buFontTx/>
+              <a:buNone/>
+              <a:tabLst/>
+              <a:defRPr/>
+            </a:pPr>
+            <a:r>
+              <a:rPr kumimoji="0" lang="en-US" sz="2000" b="0" i="0" u="none" strike="noStrike" kern="1200" cap="none" spc="0" normalizeH="0" baseline="0" noProof="0">
+                <a:ln>
+                  <a:noFill/>
+                </a:ln>
+                <a:solidFill>
+                  <a:srgbClr val="090807"/>
+                </a:solidFill>
+                <a:effectLst/>
+                <a:uLnTx/>
+                <a:uFillTx/>
+                <a:latin typeface="KoPub바탕체 Medium" panose="02020603020101020101" pitchFamily="18" charset="-127"/>
+                <a:ea typeface="KoPub바탕체 Medium" panose="02020603020101020101" pitchFamily="18" charset="-127"/>
+                <a:cs typeface="Source Han Sans KR"/>
+                <a:sym typeface="Source Han Sans KR"/>
+              </a:rPr>
+              <a:t>Lorem ipsum dolor sit amet, consectetur adipiscing elit. Fusce mattis, lorem in venenatis porttitor nibh urna vestibulum tortor, ac placerat.</a:t>
+            </a:r>
+          </a:p>
+        </p:txBody>
+      </p:sp>
+      <p:sp>
+        <p:nvSpPr>
+          <p:cNvPr id="16" name="TextBox 16">
+            <a:extLst>
+              <a:ext uri="{FF2B5EF4-FFF2-40B4-BE49-F238E27FC236}">
+                <a16:creationId xmlns:a16="http://schemas.microsoft.com/office/drawing/2014/main" id="{3F0F37A8-F051-071F-9B7E-13F63269B795}"/>
+              </a:ext>
+            </a:extLst>
+          </p:cNvPr>
+          <p:cNvSpPr txBox="1"/>
+          <p:nvPr/>
+        </p:nvSpPr>
+        <p:spPr>
+          <a:xfrm>
+            <a:off x="2314480" y="3195052"/>
+            <a:ext cx="1257226" cy="872931"/>
+          </a:xfrm>
+          <a:prstGeom prst="rect">
+            <a:avLst/>
+          </a:prstGeom>
+        </p:spPr>
+        <p:txBody>
+          <a:bodyPr lIns="0" tIns="0" rIns="0" bIns="0" rtlCol="0" anchor="t">
+            <a:spAutoFit/>
+          </a:bodyPr>
+          <a:lstStyle/>
+          <a:p>
+            <a:pPr marL="0" marR="0" lvl="0" indent="0" algn="ctr" defTabSz="914400" rtl="0" eaLnBrk="1" fontAlgn="auto" latinLnBrk="0" hangingPunct="1">
               <a:lnSpc>
                 <a:spcPts val="3499"/>
               </a:lnSpc>
               <a:spcBef>
                 <a:spcPct val="0"/>
               </a:spcBef>
+              <a:spcAft>
+                <a:spcPts val="0"/>
+              </a:spcAft>
+              <a:buClrTx/>
+              <a:buSzTx/>
+              <a:buFontTx/>
+              <a:buNone/>
+              <a:tabLst/>
+              <a:defRPr/>
             </a:pPr>
             <a:r>
-              <a:rPr lang="en-US" sz="2499" b="1">
+              <a:rPr kumimoji="0" lang="en-US" sz="2499" b="1" i="0" u="none" strike="noStrike" kern="1200" cap="none" spc="0" normalizeH="0" baseline="0" noProof="0">
+                <a:ln>
+                  <a:noFill/>
+                </a:ln>
                 <a:solidFill>
                   <a:srgbClr val="FEFBEE"/>
                 </a:solidFill>
+                <a:effectLst/>
+                <a:uLnTx/>
+                <a:uFillTx/>
                 <a:latin typeface="KoPub바탕체 Medium" panose="02020603020101020101" pitchFamily="18" charset="-127"/>
                 <a:ea typeface="KoPub바탕체 Medium" panose="02020603020101020101" pitchFamily="18" charset="-127"/>
                 <a:cs typeface="Source Han Sans KR Bold"/>
                 <a:sym typeface="Source Han Sans KR Bold"/>
               </a:rPr>
-              <a:t>주요 분석 대상</a:t>
-            </a:r>
+              <a:t>주제 소개</a:t>
+            </a:r>
+          </a:p>
+        </p:txBody>
+      </p:sp>
+      <p:sp>
+        <p:nvSpPr>
+          <p:cNvPr id="17" name="TextBox 17">
+            <a:extLst>
+              <a:ext uri="{FF2B5EF4-FFF2-40B4-BE49-F238E27FC236}">
+                <a16:creationId xmlns:a16="http://schemas.microsoft.com/office/drawing/2014/main" id="{0AC1DE6B-4491-691B-CEDD-4691540D0278}"/>
+              </a:ext>
+            </a:extLst>
+          </p:cNvPr>
+          <p:cNvSpPr txBox="1"/>
+          <p:nvPr/>
+        </p:nvSpPr>
+        <p:spPr>
+          <a:xfrm>
+            <a:off x="2314480" y="6188946"/>
+            <a:ext cx="1257226" cy="872931"/>
+          </a:xfrm>
+          <a:prstGeom prst="rect">
+            <a:avLst/>
+          </a:prstGeom>
+        </p:spPr>
+        <p:txBody>
+          <a:bodyPr lIns="0" tIns="0" rIns="0" bIns="0" rtlCol="0" anchor="t">
+            <a:spAutoFit/>
+          </a:bodyPr>
+          <a:lstStyle/>
+          <a:p>
+            <a:pPr marL="0" marR="0" lvl="0" indent="0" algn="ctr" defTabSz="914400" rtl="0" eaLnBrk="1" fontAlgn="auto" latinLnBrk="0" hangingPunct="1">
+              <a:lnSpc>
+                <a:spcPts val="3499"/>
+              </a:lnSpc>
+              <a:spcBef>
+                <a:spcPct val="0"/>
+              </a:spcBef>
+              <a:spcAft>
+                <a:spcPts val="0"/>
+              </a:spcAft>
+              <a:buClrTx/>
+              <a:buSzTx/>
+              <a:buFontTx/>
+              <a:buNone/>
+              <a:tabLst/>
+              <a:defRPr/>
+            </a:pPr>
+            <a:r>
+              <a:rPr kumimoji="0" lang="en-US" sz="2499" b="1" i="0" u="none" strike="noStrike" kern="1200" cap="none" spc="0" normalizeH="0" baseline="0" noProof="0">
+                <a:ln>
+                  <a:noFill/>
+                </a:ln>
+                <a:solidFill>
+                  <a:srgbClr val="FEFBEE"/>
+                </a:solidFill>
+                <a:effectLst/>
+                <a:uLnTx/>
+                <a:uFillTx/>
+                <a:latin typeface="KoPub바탕체 Medium" panose="02020603020101020101" pitchFamily="18" charset="-127"/>
+                <a:ea typeface="KoPub바탕체 Medium" panose="02020603020101020101" pitchFamily="18" charset="-127"/>
+                <a:cs typeface="Source Han Sans KR Bold"/>
+                <a:sym typeface="Source Han Sans KR Bold"/>
+              </a:rPr>
+              <a:t>문제 제기</a:t>
+            </a:r>
+          </a:p>
+        </p:txBody>
+      </p:sp>
+      <p:pic>
+        <p:nvPicPr>
+          <p:cNvPr id="6" name="그림 5" descr="텍스트, 도표, 라인, 평면도이(가) 표시된 사진&#10;&#10;자동 생성된 설명">
+            <a:extLst>
+              <a:ext uri="{FF2B5EF4-FFF2-40B4-BE49-F238E27FC236}">
+                <a16:creationId xmlns:a16="http://schemas.microsoft.com/office/drawing/2014/main" id="{0C92ED06-6B37-41D3-153C-878736647102}"/>
+              </a:ext>
+            </a:extLst>
+          </p:cNvPr>
+          <p:cNvPicPr>
+            <a:picLocks noChangeAspect="1"/>
+          </p:cNvPicPr>
+          <p:nvPr/>
+        </p:nvPicPr>
+        <p:blipFill>
+          <a:blip r:embed="rId2">
+            <a:extLst>
+              <a:ext uri="{28A0092B-C50C-407E-A947-70E740481C1C}">
+                <a14:useLocalDpi xmlns:a14="http://schemas.microsoft.com/office/drawing/2010/main" val="0"/>
+              </a:ext>
+            </a:extLst>
+          </a:blip>
+          <a:stretch>
+            <a:fillRect/>
+          </a:stretch>
+        </p:blipFill>
+        <p:spPr>
+          <a:xfrm>
+            <a:off x="9970547" y="1179208"/>
+            <a:ext cx="8317453" cy="7928585"/>
+          </a:xfrm>
+          <a:prstGeom prst="rect">
+            <a:avLst/>
+          </a:prstGeom>
+          <a:ln w="38100" cap="sq">
+            <a:solidFill>
+              <a:srgbClr val="000000"/>
+            </a:solidFill>
+            <a:prstDash val="solid"/>
+            <a:miter lim="800000"/>
+          </a:ln>
+          <a:effectLst>
+            <a:outerShdw blurRad="50800" dist="38100" dir="2700000" algn="tl" rotWithShape="0">
+              <a:srgbClr val="000000">
+                <a:alpha val="43000"/>
+              </a:srgbClr>
+            </a:outerShdw>
+          </a:effectLst>
+        </p:spPr>
+      </p:pic>
+    </p:spTree>
+    <p:extLst>
+      <p:ext uri="{BB962C8B-B14F-4D97-AF65-F5344CB8AC3E}">
+        <p14:creationId xmlns:p14="http://schemas.microsoft.com/office/powerpoint/2010/main" val="2797636440"/>
+      </p:ext>
+    </p:extLst>
+  </p:cSld>
+  <p:clrMapOvr>
+    <a:masterClrMapping/>
+  </p:clrMapOvr>
+</p:sld>
+</file>
+
+<file path=ppt/slides/slide8.xml><?xml version="1.0" encoding="utf-8"?>
+<p:sld xmlns:a="http://schemas.openxmlformats.org/drawingml/2006/main" xmlns:r="http://schemas.openxmlformats.org/officeDocument/2006/relationships" xmlns:p="http://schemas.openxmlformats.org/presentationml/2006/main">
+  <p:cSld>
+    <p:bg>
+      <p:bgPr>
+        <a:solidFill>
+          <a:srgbClr val="FEFBEE"/>
+        </a:solidFill>
+        <a:effectLst/>
+      </p:bgPr>
+    </p:bg>
+    <p:spTree>
+      <p:nvGrpSpPr>
+        <p:cNvPr id="1" name="">
+          <a:extLst>
+            <a:ext uri="{FF2B5EF4-FFF2-40B4-BE49-F238E27FC236}">
+              <a16:creationId xmlns:a16="http://schemas.microsoft.com/office/drawing/2014/main" id="{E08927AD-1706-D8D5-FE5F-95EF46816CB4}"/>
+            </a:ext>
+          </a:extLst>
+        </p:cNvPr>
+        <p:cNvGrpSpPr/>
+        <p:nvPr/>
+      </p:nvGrpSpPr>
+      <p:grpSpPr>
+        <a:xfrm>
+          <a:off x="0" y="0"/>
+          <a:ext cx="0" cy="0"/>
+          <a:chOff x="0" y="0"/>
+          <a:chExt cx="0" cy="0"/>
+        </a:xfrm>
+      </p:grpSpPr>
+      <p:sp>
+        <p:nvSpPr>
+          <p:cNvPr id="2" name="AutoShape 2">
+            <a:extLst>
+              <a:ext uri="{FF2B5EF4-FFF2-40B4-BE49-F238E27FC236}">
+                <a16:creationId xmlns:a16="http://schemas.microsoft.com/office/drawing/2014/main" id="{71F20A87-DF13-EF90-E8C3-34F08DFFC6FB}"/>
+              </a:ext>
+            </a:extLst>
+          </p:cNvPr>
+          <p:cNvSpPr/>
+          <p:nvPr/>
+        </p:nvSpPr>
+        <p:spPr>
+          <a:xfrm>
+            <a:off x="860320" y="1347066"/>
+            <a:ext cx="1233818" cy="0"/>
+          </a:xfrm>
+          <a:prstGeom prst="line">
+            <a:avLst/>
+          </a:prstGeom>
+          <a:ln w="38100" cap="flat">
+            <a:solidFill>
+              <a:srgbClr val="090807"/>
+            </a:solidFill>
+            <a:prstDash val="solid"/>
+            <a:headEnd type="none" w="sm" len="sm"/>
+            <a:tailEnd type="none" w="sm" len="sm"/>
+          </a:ln>
+        </p:spPr>
+        <p:txBody>
+          <a:bodyPr/>
+          <a:lstStyle/>
+          <a:p>
+            <a:pPr marL="0" marR="0" lvl="0" indent="0" algn="l" defTabSz="914400" rtl="0" eaLnBrk="1" fontAlgn="auto" latinLnBrk="0" hangingPunct="1">
+              <a:lnSpc>
+                <a:spcPct val="100000"/>
+              </a:lnSpc>
+              <a:spcBef>
+                <a:spcPts val="0"/>
+              </a:spcBef>
+              <a:spcAft>
+                <a:spcPts val="0"/>
+              </a:spcAft>
+              <a:buClrTx/>
+              <a:buSzTx/>
+              <a:buFontTx/>
+              <a:buNone/>
+              <a:tabLst/>
+              <a:defRPr/>
+            </a:pPr>
+            <a:endParaRPr kumimoji="0" lang="ko-KR" altLang="en-US" sz="1800" b="0" i="0" u="none" strike="noStrike" kern="1200" cap="none" spc="0" normalizeH="0" baseline="0" noProof="0">
+              <a:ln>
+                <a:noFill/>
+              </a:ln>
+              <a:solidFill>
+                <a:prstClr val="black"/>
+              </a:solidFill>
+              <a:effectLst/>
+              <a:uLnTx/>
+              <a:uFillTx/>
+              <a:latin typeface="KoPub바탕체 Medium" panose="02020603020101020101" pitchFamily="18" charset="-127"/>
+              <a:ea typeface="KoPub바탕체 Medium" panose="02020603020101020101" pitchFamily="18" charset="-127"/>
+              <a:cs typeface="+mn-cs"/>
+            </a:endParaRPr>
+          </a:p>
+        </p:txBody>
+      </p:sp>
+      <p:sp>
+        <p:nvSpPr>
+          <p:cNvPr id="5" name="TextBox 5">
+            <a:extLst>
+              <a:ext uri="{FF2B5EF4-FFF2-40B4-BE49-F238E27FC236}">
+                <a16:creationId xmlns:a16="http://schemas.microsoft.com/office/drawing/2014/main" id="{34866B0B-ECA0-BB09-7E9A-BCDC372D46C1}"/>
+              </a:ext>
+            </a:extLst>
+          </p:cNvPr>
+          <p:cNvSpPr txBox="1"/>
+          <p:nvPr/>
+        </p:nvSpPr>
+        <p:spPr>
+          <a:xfrm>
+            <a:off x="9838000" y="2123700"/>
+            <a:ext cx="6630892" cy="6703614"/>
+          </a:xfrm>
+          <a:prstGeom prst="rect">
+            <a:avLst/>
+          </a:prstGeom>
+        </p:spPr>
+        <p:txBody>
+          <a:bodyPr lIns="50800" tIns="50800" rIns="50800" bIns="50800" rtlCol="0" anchor="ctr"/>
+          <a:lstStyle/>
+          <a:p>
+            <a:pPr marL="0" marR="0" lvl="0" indent="0" algn="ctr" defTabSz="914400" rtl="0" eaLnBrk="1" fontAlgn="auto" latinLnBrk="0" hangingPunct="1">
+              <a:lnSpc>
+                <a:spcPts val="3079"/>
+              </a:lnSpc>
+              <a:spcBef>
+                <a:spcPts val="0"/>
+              </a:spcBef>
+              <a:spcAft>
+                <a:spcPts val="0"/>
+              </a:spcAft>
+              <a:buClrTx/>
+              <a:buSzTx/>
+              <a:buFontTx/>
+              <a:buNone/>
+              <a:tabLst/>
+              <a:defRPr/>
+            </a:pPr>
+            <a:endParaRPr kumimoji="0" sz="1800" b="0" i="0" u="none" strike="noStrike" kern="1200" cap="none" spc="0" normalizeH="0" baseline="0" noProof="0">
+              <a:ln>
+                <a:noFill/>
+              </a:ln>
+              <a:solidFill>
+                <a:prstClr val="black"/>
+              </a:solidFill>
+              <a:effectLst/>
+              <a:uLnTx/>
+              <a:uFillTx/>
+              <a:latin typeface="KoPub바탕체 Medium" panose="02020603020101020101" pitchFamily="18" charset="-127"/>
+              <a:ea typeface="KoPub바탕체 Medium" panose="02020603020101020101" pitchFamily="18" charset="-127"/>
+              <a:cs typeface="+mn-cs"/>
+            </a:endParaRPr>
+          </a:p>
+        </p:txBody>
+      </p:sp>
+      <p:sp>
+        <p:nvSpPr>
+          <p:cNvPr id="7" name="TextBox 7">
+            <a:extLst>
+              <a:ext uri="{FF2B5EF4-FFF2-40B4-BE49-F238E27FC236}">
+                <a16:creationId xmlns:a16="http://schemas.microsoft.com/office/drawing/2014/main" id="{5ABF9BED-DB08-EF80-FFBA-460842CC4CDD}"/>
+              </a:ext>
+            </a:extLst>
+          </p:cNvPr>
+          <p:cNvSpPr txBox="1"/>
+          <p:nvPr/>
+        </p:nvSpPr>
+        <p:spPr>
+          <a:xfrm>
+            <a:off x="923832" y="765070"/>
+            <a:ext cx="5934168" cy="424090"/>
+          </a:xfrm>
+          <a:prstGeom prst="rect">
+            <a:avLst/>
+          </a:prstGeom>
+        </p:spPr>
+        <p:txBody>
+          <a:bodyPr wrap="square" lIns="0" tIns="0" rIns="0" bIns="0" rtlCol="0" anchor="t">
+            <a:spAutoFit/>
+          </a:bodyPr>
+          <a:lstStyle/>
+          <a:p>
+            <a:pPr marL="0" marR="0" lvl="0" indent="0" algn="l" defTabSz="914400" rtl="0" eaLnBrk="1" fontAlgn="auto" latinLnBrk="0" hangingPunct="1">
+              <a:lnSpc>
+                <a:spcPts val="3499"/>
+              </a:lnSpc>
+              <a:spcBef>
+                <a:spcPct val="0"/>
+              </a:spcBef>
+              <a:spcAft>
+                <a:spcPts val="0"/>
+              </a:spcAft>
+              <a:buClrTx/>
+              <a:buSzTx/>
+              <a:buFontTx/>
+              <a:buNone/>
+              <a:tabLst/>
+              <a:defRPr/>
+            </a:pPr>
+            <a:r>
+              <a:rPr kumimoji="0" lang="en-US" sz="2499" b="1" i="0" u="none" strike="noStrike" kern="1200" cap="none" spc="0" normalizeH="0" baseline="0" noProof="0">
+                <a:ln>
+                  <a:noFill/>
+                </a:ln>
+                <a:solidFill>
+                  <a:srgbClr val="090807"/>
+                </a:solidFill>
+                <a:effectLst/>
+                <a:uLnTx/>
+                <a:uFillTx/>
+                <a:latin typeface="KoPub바탕체 Medium" panose="02020603020101020101" pitchFamily="18" charset="-127"/>
+                <a:ea typeface="KoPub바탕체 Medium" panose="02020603020101020101" pitchFamily="18" charset="-127"/>
+                <a:cs typeface="Source Han Sans KR Bold"/>
+                <a:sym typeface="Source Han Sans KR Bold"/>
+              </a:rPr>
+              <a:t>01 </a:t>
+            </a:r>
+            <a:r>
+              <a:rPr kumimoji="0" lang="ko-KR" altLang="en-US" sz="2499" b="1" i="0" u="none" strike="noStrike" kern="1200" cap="none" spc="0" normalizeH="0" baseline="0" noProof="0" dirty="0">
+                <a:ln>
+                  <a:noFill/>
+                </a:ln>
+                <a:solidFill>
+                  <a:srgbClr val="090807"/>
+                </a:solidFill>
+                <a:effectLst/>
+                <a:uLnTx/>
+                <a:uFillTx/>
+                <a:latin typeface="KoPub바탕체 Medium" panose="02020603020101020101" pitchFamily="18" charset="-127"/>
+                <a:ea typeface="KoPub바탕체 Medium" panose="02020603020101020101" pitchFamily="18" charset="-127"/>
+                <a:cs typeface="Source Han Sans KR Bold"/>
+                <a:sym typeface="Source Han Sans KR Bold"/>
+              </a:rPr>
+              <a:t>이민규</a:t>
+            </a:r>
+            <a:endParaRPr kumimoji="0" lang="en-US" sz="2499" b="1" i="0" u="none" strike="noStrike" kern="1200" cap="none" spc="0" normalizeH="0" baseline="0" noProof="0" dirty="0">
+              <a:ln>
+                <a:noFill/>
+              </a:ln>
+              <a:solidFill>
+                <a:srgbClr val="090807"/>
+              </a:solidFill>
+              <a:effectLst/>
+              <a:uLnTx/>
+              <a:uFillTx/>
+              <a:latin typeface="KoPub바탕체 Medium" panose="02020603020101020101" pitchFamily="18" charset="-127"/>
+              <a:ea typeface="KoPub바탕체 Medium" panose="02020603020101020101" pitchFamily="18" charset="-127"/>
+              <a:cs typeface="Source Han Sans KR Bold"/>
+              <a:sym typeface="Source Han Sans KR Bold"/>
+            </a:endParaRPr>
           </a:p>
         </p:txBody>
       </p:sp>
       <p:grpSp>
         <p:nvGrpSpPr>
-          <p:cNvPr id="14" name="Group 14"/>
+          <p:cNvPr id="8" name="Group 8">
+            <a:extLst>
+              <a:ext uri="{FF2B5EF4-FFF2-40B4-BE49-F238E27FC236}">
+                <a16:creationId xmlns:a16="http://schemas.microsoft.com/office/drawing/2014/main" id="{65404578-80A9-968B-3DBC-BE46C068FB22}"/>
+              </a:ext>
+            </a:extLst>
+          </p:cNvPr>
           <p:cNvGrpSpPr/>
           <p:nvPr/>
         </p:nvGrpSpPr>
         <p:grpSpPr>
           <a:xfrm>
-            <a:off x="10177720" y="5492464"/>
-            <a:ext cx="2509060" cy="698372"/>
+            <a:off x="1819108" y="3080817"/>
+            <a:ext cx="2247971" cy="698372"/>
             <a:chOff x="0" y="0"/>
-            <a:chExt cx="660822" cy="183933"/>
+            <a:chExt cx="592058" cy="183933"/>
           </a:xfrm>
         </p:grpSpPr>
         <p:sp>
           <p:nvSpPr>
-            <p:cNvPr id="15" name="Freeform 15"/>
+            <p:cNvPr id="9" name="Freeform 9">
+              <a:extLst>
+                <a:ext uri="{FF2B5EF4-FFF2-40B4-BE49-F238E27FC236}">
+                  <a16:creationId xmlns:a16="http://schemas.microsoft.com/office/drawing/2014/main" id="{DD0BFE62-50EF-9FAF-DE49-E3ABADD724F3}"/>
+                </a:ext>
+              </a:extLst>
+            </p:cNvPr>
             <p:cNvSpPr/>
             <p:nvPr/>
           </p:nvSpPr>
           <p:spPr>
             <a:xfrm>
               <a:off x="0" y="0"/>
-              <a:ext cx="660822" cy="183933"/>
+              <a:ext cx="592058" cy="183933"/>
             </a:xfrm>
             <a:custGeom>
               <a:avLst/>
@@ -16363,35 +19081,35 @@
               <a:cxnLst/>
               <a:rect l="l" t="t" r="r" b="b"/>
               <a:pathLst>
-                <a:path w="660822" h="183933">
+                <a:path w="592058" h="183933">
                   <a:moveTo>
                     <a:pt x="91967" y="0"/>
                   </a:moveTo>
                   <a:lnTo>
-                    <a:pt x="568856" y="0"/>
+                    <a:pt x="500091" y="0"/>
                   </a:lnTo>
                   <a:cubicBezTo>
-                    <a:pt x="593247" y="0"/>
-                    <a:pt x="616639" y="9689"/>
-                    <a:pt x="633886" y="26936"/>
+                    <a:pt x="524483" y="0"/>
+                    <a:pt x="547875" y="9689"/>
+                    <a:pt x="565122" y="26936"/>
                   </a:cubicBezTo>
                   <a:cubicBezTo>
-                    <a:pt x="651133" y="44184"/>
-                    <a:pt x="660822" y="67576"/>
-                    <a:pt x="660822" y="91967"/>
+                    <a:pt x="582369" y="44184"/>
+                    <a:pt x="592058" y="67576"/>
+                    <a:pt x="592058" y="91967"/>
                   </a:cubicBezTo>
                   <a:lnTo>
-                    <a:pt x="660822" y="91967"/>
+                    <a:pt x="592058" y="91967"/>
                   </a:lnTo>
                   <a:cubicBezTo>
-                    <a:pt x="660822" y="116358"/>
-                    <a:pt x="651133" y="139750"/>
-                    <a:pt x="633886" y="156997"/>
+                    <a:pt x="592058" y="116358"/>
+                    <a:pt x="582369" y="139750"/>
+                    <a:pt x="565122" y="156997"/>
                   </a:cubicBezTo>
                   <a:cubicBezTo>
-                    <a:pt x="616639" y="174244"/>
-                    <a:pt x="593247" y="183933"/>
-                    <a:pt x="568856" y="183933"/>
+                    <a:pt x="547875" y="174244"/>
+                    <a:pt x="524483" y="183933"/>
+                    <a:pt x="500091" y="183933"/>
                   </a:cubicBezTo>
                   <a:lnTo>
                     <a:pt x="91967" y="183933"/>
@@ -16431,23 +19149,56 @@
             <a:bodyPr/>
             <a:lstStyle/>
             <a:p>
-              <a:endParaRPr lang="ko-KR" altLang="en-US">
-                <a:latin typeface="KoPub바탕체 Medium" panose="02020603020101020101" pitchFamily="18" charset="-127"/>
-                <a:ea typeface="KoPub바탕체 Medium" panose="02020603020101020101" pitchFamily="18" charset="-127"/>
+              <a:pPr marL="0" marR="0" lvl="0" indent="0" algn="l" defTabSz="914400" rtl="0" eaLnBrk="1" fontAlgn="auto" latinLnBrk="0" hangingPunct="1">
+                <a:lnSpc>
+                  <a:spcPct val="100000"/>
+                </a:lnSpc>
+                <a:spcBef>
+                  <a:spcPts val="0"/>
+                </a:spcBef>
+                <a:spcAft>
+                  <a:spcPts val="0"/>
+                </a:spcAft>
+                <a:buClrTx/>
+                <a:buSzTx/>
+                <a:buFontTx/>
+                <a:buNone/>
+                <a:tabLst/>
+                <a:defRPr/>
+              </a:pPr>
+              <a:endParaRPr kumimoji="0" lang="ko-KR" altLang="en-US" sz="1800" b="0" i="0" u="none" strike="noStrike" kern="1200" cap="none" spc="0" normalizeH="0" baseline="0" noProof="0">
+                <a:ln>
+                  <a:noFill/>
+                </a:ln>
+                <a:solidFill>
+                  <a:prstClr val="black"/>
+                </a:solidFill>
+                <a:effectLst/>
+                <a:uLnTx/>
+                <a:uFillTx/>
+                <a:latin typeface="KoPub바탕체 Medium" panose="02020603020101020101" pitchFamily="18" charset="-127"/>
+                <a:ea typeface="KoPub바탕체 Medium" panose="02020603020101020101" pitchFamily="18" charset="-127"/>
+                <a:cs typeface="+mn-cs"/>
               </a:endParaRPr>
             </a:p>
           </p:txBody>
         </p:sp>
         <p:sp>
           <p:nvSpPr>
-            <p:cNvPr id="16" name="TextBox 16"/>
+            <p:cNvPr id="10" name="TextBox 10">
+              <a:extLst>
+                <a:ext uri="{FF2B5EF4-FFF2-40B4-BE49-F238E27FC236}">
+                  <a16:creationId xmlns:a16="http://schemas.microsoft.com/office/drawing/2014/main" id="{31560C94-955E-1014-B865-1230B488F271}"/>
+                </a:ext>
+              </a:extLst>
+            </p:cNvPr>
             <p:cNvSpPr txBox="1"/>
             <p:nvPr/>
           </p:nvSpPr>
           <p:spPr>
             <a:xfrm>
               <a:off x="0" y="-38100"/>
-              <a:ext cx="660822" cy="222033"/>
+              <a:ext cx="592058" cy="222033"/>
             </a:xfrm>
             <a:prstGeom prst="rect">
               <a:avLst/>
@@ -16457,87 +19208,77 @@
             <a:bodyPr lIns="50800" tIns="50800" rIns="50800" bIns="50800" rtlCol="0" anchor="ctr"/>
             <a:lstStyle/>
             <a:p>
-              <a:pPr algn="ctr">
+              <a:pPr marL="0" marR="0" lvl="0" indent="0" algn="ctr" defTabSz="914400" rtl="0" eaLnBrk="1" fontAlgn="auto" latinLnBrk="0" hangingPunct="1">
                 <a:lnSpc>
                   <a:spcPts val="3079"/>
                 </a:lnSpc>
+                <a:spcBef>
+                  <a:spcPts val="0"/>
+                </a:spcBef>
+                <a:spcAft>
+                  <a:spcPts val="0"/>
+                </a:spcAft>
+                <a:buClrTx/>
+                <a:buSzTx/>
+                <a:buFontTx/>
+                <a:buNone/>
+                <a:tabLst/>
+                <a:defRPr/>
               </a:pPr>
-              <a:endParaRPr>
-                <a:latin typeface="KoPub바탕체 Medium" panose="02020603020101020101" pitchFamily="18" charset="-127"/>
-                <a:ea typeface="KoPub바탕체 Medium" panose="02020603020101020101" pitchFamily="18" charset="-127"/>
+              <a:endParaRPr kumimoji="0" sz="1800" b="0" i="0" u="none" strike="noStrike" kern="1200" cap="none" spc="0" normalizeH="0" baseline="0" noProof="0">
+                <a:ln>
+                  <a:noFill/>
+                </a:ln>
+                <a:solidFill>
+                  <a:prstClr val="black"/>
+                </a:solidFill>
+                <a:effectLst/>
+                <a:uLnTx/>
+                <a:uFillTx/>
+                <a:latin typeface="KoPub바탕체 Medium" panose="02020603020101020101" pitchFamily="18" charset="-127"/>
+                <a:ea typeface="KoPub바탕체 Medium" panose="02020603020101020101" pitchFamily="18" charset="-127"/>
+                <a:cs typeface="+mn-cs"/>
               </a:endParaRPr>
             </a:p>
           </p:txBody>
         </p:sp>
       </p:grpSp>
-      <p:sp>
-        <p:nvSpPr>
-          <p:cNvPr id="17" name="TextBox 17"/>
-          <p:cNvSpPr txBox="1"/>
-          <p:nvPr/>
-        </p:nvSpPr>
-        <p:spPr>
-          <a:xfrm>
-            <a:off x="10657600" y="5606700"/>
-            <a:ext cx="1549301" cy="872931"/>
-          </a:xfrm>
-          <a:prstGeom prst="rect">
-            <a:avLst/>
-          </a:prstGeom>
-        </p:spPr>
-        <p:txBody>
-          <a:bodyPr lIns="0" tIns="0" rIns="0" bIns="0" rtlCol="0" anchor="t">
-            <a:spAutoFit/>
-          </a:bodyPr>
-          <a:lstStyle/>
-          <a:p>
-            <a:pPr algn="ctr">
-              <a:lnSpc>
-                <a:spcPts val="3499"/>
-              </a:lnSpc>
-              <a:spcBef>
-                <a:spcPct val="0"/>
-              </a:spcBef>
-            </a:pPr>
-            <a:r>
-              <a:rPr lang="en-US" sz="2499" b="1">
-                <a:solidFill>
-                  <a:srgbClr val="FEFBEE"/>
-                </a:solidFill>
-                <a:latin typeface="KoPub바탕체 Medium" panose="02020603020101020101" pitchFamily="18" charset="-127"/>
-                <a:ea typeface="KoPub바탕체 Medium" panose="02020603020101020101" pitchFamily="18" charset="-127"/>
-                <a:cs typeface="Source Han Sans KR Bold"/>
-                <a:sym typeface="Source Han Sans KR Bold"/>
-              </a:rPr>
-              <a:t>데이터 분석</a:t>
-            </a:r>
-          </a:p>
-        </p:txBody>
-      </p:sp>
       <p:grpSp>
         <p:nvGrpSpPr>
-          <p:cNvPr id="18" name="Group 18"/>
+          <p:cNvPr id="11" name="Group 11">
+            <a:extLst>
+              <a:ext uri="{FF2B5EF4-FFF2-40B4-BE49-F238E27FC236}">
+                <a16:creationId xmlns:a16="http://schemas.microsoft.com/office/drawing/2014/main" id="{EB0D7B89-EE32-765A-E069-9933E2667A08}"/>
+              </a:ext>
+            </a:extLst>
+          </p:cNvPr>
           <p:cNvGrpSpPr/>
           <p:nvPr/>
         </p:nvGrpSpPr>
         <p:grpSpPr>
           <a:xfrm>
-            <a:off x="5404880" y="5492464"/>
-            <a:ext cx="3292329" cy="698372"/>
+            <a:off x="1819108" y="6074710"/>
+            <a:ext cx="2247971" cy="698372"/>
             <a:chOff x="0" y="0"/>
-            <a:chExt cx="867115" cy="183933"/>
+            <a:chExt cx="592058" cy="183933"/>
           </a:xfrm>
         </p:grpSpPr>
         <p:sp>
           <p:nvSpPr>
-            <p:cNvPr id="19" name="Freeform 19"/>
+            <p:cNvPr id="12" name="Freeform 12">
+              <a:extLst>
+                <a:ext uri="{FF2B5EF4-FFF2-40B4-BE49-F238E27FC236}">
+                  <a16:creationId xmlns:a16="http://schemas.microsoft.com/office/drawing/2014/main" id="{5CA345C7-5231-3222-C835-3D704EE05284}"/>
+                </a:ext>
+              </a:extLst>
+            </p:cNvPr>
             <p:cNvSpPr/>
             <p:nvPr/>
           </p:nvSpPr>
           <p:spPr>
             <a:xfrm>
               <a:off x="0" y="0"/>
-              <a:ext cx="867115" cy="183933"/>
+              <a:ext cx="592058" cy="183933"/>
             </a:xfrm>
             <a:custGeom>
               <a:avLst/>
@@ -16546,35 +19287,35 @@
               <a:cxnLst/>
               <a:rect l="l" t="t" r="r" b="b"/>
               <a:pathLst>
-                <a:path w="867115" h="183933">
+                <a:path w="592058" h="183933">
                   <a:moveTo>
                     <a:pt x="91967" y="0"/>
                   </a:moveTo>
                   <a:lnTo>
-                    <a:pt x="775149" y="0"/>
+                    <a:pt x="500091" y="0"/>
                   </a:lnTo>
                   <a:cubicBezTo>
-                    <a:pt x="799540" y="0"/>
-                    <a:pt x="822932" y="9689"/>
-                    <a:pt x="840179" y="26936"/>
+                    <a:pt x="524483" y="0"/>
+                    <a:pt x="547875" y="9689"/>
+                    <a:pt x="565122" y="26936"/>
                   </a:cubicBezTo>
                   <a:cubicBezTo>
-                    <a:pt x="857426" y="44184"/>
-                    <a:pt x="867115" y="67576"/>
-                    <a:pt x="867115" y="91967"/>
+                    <a:pt x="582369" y="44184"/>
+                    <a:pt x="592058" y="67576"/>
+                    <a:pt x="592058" y="91967"/>
                   </a:cubicBezTo>
                   <a:lnTo>
-                    <a:pt x="867115" y="91967"/>
+                    <a:pt x="592058" y="91967"/>
                   </a:lnTo>
                   <a:cubicBezTo>
-                    <a:pt x="867115" y="116358"/>
-                    <a:pt x="857426" y="139750"/>
-                    <a:pt x="840179" y="156997"/>
+                    <a:pt x="592058" y="116358"/>
+                    <a:pt x="582369" y="139750"/>
+                    <a:pt x="565122" y="156997"/>
                   </a:cubicBezTo>
                   <a:cubicBezTo>
-                    <a:pt x="822932" y="174244"/>
-                    <a:pt x="799540" y="183933"/>
-                    <a:pt x="775149" y="183933"/>
+                    <a:pt x="547875" y="174244"/>
+                    <a:pt x="524483" y="183933"/>
+                    <a:pt x="500091" y="183933"/>
                   </a:cubicBezTo>
                   <a:lnTo>
                     <a:pt x="91967" y="183933"/>
@@ -16614,23 +19355,56 @@
             <a:bodyPr/>
             <a:lstStyle/>
             <a:p>
-              <a:endParaRPr lang="ko-KR" altLang="en-US">
-                <a:latin typeface="KoPub바탕체 Medium" panose="02020603020101020101" pitchFamily="18" charset="-127"/>
-                <a:ea typeface="KoPub바탕체 Medium" panose="02020603020101020101" pitchFamily="18" charset="-127"/>
+              <a:pPr marL="0" marR="0" lvl="0" indent="0" algn="l" defTabSz="914400" rtl="0" eaLnBrk="1" fontAlgn="auto" latinLnBrk="0" hangingPunct="1">
+                <a:lnSpc>
+                  <a:spcPct val="100000"/>
+                </a:lnSpc>
+                <a:spcBef>
+                  <a:spcPts val="0"/>
+                </a:spcBef>
+                <a:spcAft>
+                  <a:spcPts val="0"/>
+                </a:spcAft>
+                <a:buClrTx/>
+                <a:buSzTx/>
+                <a:buFontTx/>
+                <a:buNone/>
+                <a:tabLst/>
+                <a:defRPr/>
+              </a:pPr>
+              <a:endParaRPr kumimoji="0" lang="ko-KR" altLang="en-US" sz="1800" b="0" i="0" u="none" strike="noStrike" kern="1200" cap="none" spc="0" normalizeH="0" baseline="0" noProof="0">
+                <a:ln>
+                  <a:noFill/>
+                </a:ln>
+                <a:solidFill>
+                  <a:prstClr val="black"/>
+                </a:solidFill>
+                <a:effectLst/>
+                <a:uLnTx/>
+                <a:uFillTx/>
+                <a:latin typeface="KoPub바탕체 Medium" panose="02020603020101020101" pitchFamily="18" charset="-127"/>
+                <a:ea typeface="KoPub바탕체 Medium" panose="02020603020101020101" pitchFamily="18" charset="-127"/>
+                <a:cs typeface="+mn-cs"/>
               </a:endParaRPr>
             </a:p>
           </p:txBody>
         </p:sp>
         <p:sp>
           <p:nvSpPr>
-            <p:cNvPr id="20" name="TextBox 20"/>
+            <p:cNvPr id="13" name="TextBox 13">
+              <a:extLst>
+                <a:ext uri="{FF2B5EF4-FFF2-40B4-BE49-F238E27FC236}">
+                  <a16:creationId xmlns:a16="http://schemas.microsoft.com/office/drawing/2014/main" id="{802F40AF-9AD2-2A9C-A01D-1434EE41B21C}"/>
+                </a:ext>
+              </a:extLst>
+            </p:cNvPr>
             <p:cNvSpPr txBox="1"/>
             <p:nvPr/>
           </p:nvSpPr>
           <p:spPr>
             <a:xfrm>
               <a:off x="0" y="-38100"/>
-              <a:ext cx="867115" cy="222033"/>
+              <a:ext cx="592058" cy="222033"/>
             </a:xfrm>
             <a:prstGeom prst="rect">
               <a:avLst/>
@@ -16640,14 +19414,36 @@
             <a:bodyPr lIns="50800" tIns="50800" rIns="50800" bIns="50800" rtlCol="0" anchor="ctr"/>
             <a:lstStyle/>
             <a:p>
-              <a:pPr algn="ctr">
+              <a:pPr marL="0" marR="0" lvl="0" indent="0" algn="ctr" defTabSz="914400" rtl="0" eaLnBrk="1" fontAlgn="auto" latinLnBrk="0" hangingPunct="1">
                 <a:lnSpc>
                   <a:spcPts val="3079"/>
                 </a:lnSpc>
+                <a:spcBef>
+                  <a:spcPts val="0"/>
+                </a:spcBef>
+                <a:spcAft>
+                  <a:spcPts val="0"/>
+                </a:spcAft>
+                <a:buClrTx/>
+                <a:buSzTx/>
+                <a:buFontTx/>
+                <a:buNone/>
+                <a:tabLst/>
+                <a:defRPr/>
               </a:pPr>
-              <a:endParaRPr>
-                <a:latin typeface="KoPub바탕체 Medium" panose="02020603020101020101" pitchFamily="18" charset="-127"/>
-                <a:ea typeface="KoPub바탕체 Medium" panose="02020603020101020101" pitchFamily="18" charset="-127"/>
+              <a:endParaRPr kumimoji="0" sz="1800" b="0" i="0" u="none" strike="noStrike" kern="1200" cap="none" spc="0" normalizeH="0" baseline="0" noProof="0">
+                <a:ln>
+                  <a:noFill/>
+                </a:ln>
+                <a:solidFill>
+                  <a:prstClr val="black"/>
+                </a:solidFill>
+                <a:effectLst/>
+                <a:uLnTx/>
+                <a:uFillTx/>
+                <a:latin typeface="KoPub바탕체 Medium" panose="02020603020101020101" pitchFamily="18" charset="-127"/>
+                <a:ea typeface="KoPub바탕체 Medium" panose="02020603020101020101" pitchFamily="18" charset="-127"/>
+                <a:cs typeface="+mn-cs"/>
               </a:endParaRPr>
             </a:p>
           </p:txBody>
@@ -16655,14 +19451,20 @@
       </p:grpSp>
       <p:sp>
         <p:nvSpPr>
-          <p:cNvPr id="21" name="TextBox 21"/>
+          <p:cNvPr id="14" name="TextBox 14">
+            <a:extLst>
+              <a:ext uri="{FF2B5EF4-FFF2-40B4-BE49-F238E27FC236}">
+                <a16:creationId xmlns:a16="http://schemas.microsoft.com/office/drawing/2014/main" id="{5EE95A60-F99B-27A7-AC8D-AF2545639F15}"/>
+              </a:ext>
+            </a:extLst>
+          </p:cNvPr>
           <p:cNvSpPr txBox="1"/>
           <p:nvPr/>
         </p:nvSpPr>
         <p:spPr>
           <a:xfrm>
-            <a:off x="5895432" y="5606700"/>
-            <a:ext cx="2311226" cy="872931"/>
+            <a:off x="1819108" y="4016671"/>
+            <a:ext cx="7035690" cy="1123950"/>
           </a:xfrm>
           <a:prstGeom prst="rect">
             <a:avLst/>
@@ -16674,53 +19476,593 @@
           </a:bodyPr>
           <a:lstStyle/>
           <a:p>
-            <a:pPr algn="ctr">
+            <a:pPr marL="0" marR="0" lvl="0" indent="0" algn="l" defTabSz="914400" rtl="0" eaLnBrk="1" fontAlgn="auto" latinLnBrk="0" hangingPunct="1">
+              <a:lnSpc>
+                <a:spcPts val="3000"/>
+              </a:lnSpc>
+              <a:spcBef>
+                <a:spcPts val="0"/>
+              </a:spcBef>
+              <a:spcAft>
+                <a:spcPts val="0"/>
+              </a:spcAft>
+              <a:buClrTx/>
+              <a:buSzTx/>
+              <a:buFontTx/>
+              <a:buNone/>
+              <a:tabLst/>
+              <a:defRPr/>
+            </a:pPr>
+            <a:r>
+              <a:rPr kumimoji="0" lang="en-US" sz="2000" b="0" i="0" u="none" strike="noStrike" kern="1200" cap="none" spc="0" normalizeH="0" baseline="0" noProof="0">
+                <a:ln>
+                  <a:noFill/>
+                </a:ln>
+                <a:solidFill>
+                  <a:srgbClr val="090807"/>
+                </a:solidFill>
+                <a:effectLst/>
+                <a:uLnTx/>
+                <a:uFillTx/>
+                <a:latin typeface="KoPub바탕체 Medium" panose="02020603020101020101" pitchFamily="18" charset="-127"/>
+                <a:ea typeface="KoPub바탕체 Medium" panose="02020603020101020101" pitchFamily="18" charset="-127"/>
+                <a:cs typeface="Source Han Sans KR"/>
+                <a:sym typeface="Source Han Sans KR"/>
+              </a:rPr>
+              <a:t>Lorem ipsum dolor sit amet, consectetur adipiscing elit. Fusce mattis, lorem in venenatis porttitor nibh urna vestibulum tortor, ac placerat.</a:t>
+            </a:r>
+          </a:p>
+        </p:txBody>
+      </p:sp>
+      <p:sp>
+        <p:nvSpPr>
+          <p:cNvPr id="15" name="TextBox 15">
+            <a:extLst>
+              <a:ext uri="{FF2B5EF4-FFF2-40B4-BE49-F238E27FC236}">
+                <a16:creationId xmlns:a16="http://schemas.microsoft.com/office/drawing/2014/main" id="{9260C1CD-3A44-7168-DA98-D4A7BE96490B}"/>
+              </a:ext>
+            </a:extLst>
+          </p:cNvPr>
+          <p:cNvSpPr txBox="1"/>
+          <p:nvPr/>
+        </p:nvSpPr>
+        <p:spPr>
+          <a:xfrm>
+            <a:off x="1819108" y="7010565"/>
+            <a:ext cx="7035690" cy="1123950"/>
+          </a:xfrm>
+          <a:prstGeom prst="rect">
+            <a:avLst/>
+          </a:prstGeom>
+        </p:spPr>
+        <p:txBody>
+          <a:bodyPr lIns="0" tIns="0" rIns="0" bIns="0" rtlCol="0" anchor="t">
+            <a:spAutoFit/>
+          </a:bodyPr>
+          <a:lstStyle/>
+          <a:p>
+            <a:pPr marL="0" marR="0" lvl="0" indent="0" algn="l" defTabSz="914400" rtl="0" eaLnBrk="1" fontAlgn="auto" latinLnBrk="0" hangingPunct="1">
+              <a:lnSpc>
+                <a:spcPts val="3000"/>
+              </a:lnSpc>
+              <a:spcBef>
+                <a:spcPts val="0"/>
+              </a:spcBef>
+              <a:spcAft>
+                <a:spcPts val="0"/>
+              </a:spcAft>
+              <a:buClrTx/>
+              <a:buSzTx/>
+              <a:buFontTx/>
+              <a:buNone/>
+              <a:tabLst/>
+              <a:defRPr/>
+            </a:pPr>
+            <a:r>
+              <a:rPr kumimoji="0" lang="en-US" sz="2000" b="0" i="0" u="none" strike="noStrike" kern="1200" cap="none" spc="0" normalizeH="0" baseline="0" noProof="0">
+                <a:ln>
+                  <a:noFill/>
+                </a:ln>
+                <a:solidFill>
+                  <a:srgbClr val="090807"/>
+                </a:solidFill>
+                <a:effectLst/>
+                <a:uLnTx/>
+                <a:uFillTx/>
+                <a:latin typeface="KoPub바탕체 Medium" panose="02020603020101020101" pitchFamily="18" charset="-127"/>
+                <a:ea typeface="KoPub바탕체 Medium" panose="02020603020101020101" pitchFamily="18" charset="-127"/>
+                <a:cs typeface="Source Han Sans KR"/>
+                <a:sym typeface="Source Han Sans KR"/>
+              </a:rPr>
+              <a:t>Lorem ipsum dolor sit amet, consectetur adipiscing elit. Fusce mattis, lorem in venenatis porttitor nibh urna vestibulum tortor, ac placerat.</a:t>
+            </a:r>
+          </a:p>
+        </p:txBody>
+      </p:sp>
+      <p:sp>
+        <p:nvSpPr>
+          <p:cNvPr id="16" name="TextBox 16">
+            <a:extLst>
+              <a:ext uri="{FF2B5EF4-FFF2-40B4-BE49-F238E27FC236}">
+                <a16:creationId xmlns:a16="http://schemas.microsoft.com/office/drawing/2014/main" id="{19042A93-0619-4CA6-A53E-F71577F22EFD}"/>
+              </a:ext>
+            </a:extLst>
+          </p:cNvPr>
+          <p:cNvSpPr txBox="1"/>
+          <p:nvPr/>
+        </p:nvSpPr>
+        <p:spPr>
+          <a:xfrm>
+            <a:off x="2314480" y="3195052"/>
+            <a:ext cx="1257226" cy="872931"/>
+          </a:xfrm>
+          <a:prstGeom prst="rect">
+            <a:avLst/>
+          </a:prstGeom>
+        </p:spPr>
+        <p:txBody>
+          <a:bodyPr lIns="0" tIns="0" rIns="0" bIns="0" rtlCol="0" anchor="t">
+            <a:spAutoFit/>
+          </a:bodyPr>
+          <a:lstStyle/>
+          <a:p>
+            <a:pPr marL="0" marR="0" lvl="0" indent="0" algn="ctr" defTabSz="914400" rtl="0" eaLnBrk="1" fontAlgn="auto" latinLnBrk="0" hangingPunct="1">
               <a:lnSpc>
                 <a:spcPts val="3499"/>
               </a:lnSpc>
               <a:spcBef>
                 <a:spcPct val="0"/>
               </a:spcBef>
+              <a:spcAft>
+                <a:spcPts val="0"/>
+              </a:spcAft>
+              <a:buClrTx/>
+              <a:buSzTx/>
+              <a:buFontTx/>
+              <a:buNone/>
+              <a:tabLst/>
+              <a:defRPr/>
             </a:pPr>
             <a:r>
-              <a:rPr lang="en-US" sz="2499" b="1">
+              <a:rPr kumimoji="0" lang="en-US" sz="2499" b="1" i="0" u="none" strike="noStrike" kern="1200" cap="none" spc="0" normalizeH="0" baseline="0" noProof="0">
+                <a:ln>
+                  <a:noFill/>
+                </a:ln>
                 <a:solidFill>
                   <a:srgbClr val="FEFBEE"/>
                 </a:solidFill>
+                <a:effectLst/>
+                <a:uLnTx/>
+                <a:uFillTx/>
                 <a:latin typeface="KoPub바탕체 Medium" panose="02020603020101020101" pitchFamily="18" charset="-127"/>
                 <a:ea typeface="KoPub바탕체 Medium" panose="02020603020101020101" pitchFamily="18" charset="-127"/>
                 <a:cs typeface="Source Han Sans KR Bold"/>
                 <a:sym typeface="Source Han Sans KR Bold"/>
               </a:rPr>
-              <a:t>변수 및 요인 분석</a:t>
-            </a:r>
+              <a:t>주제 소개</a:t>
+            </a:r>
+          </a:p>
+        </p:txBody>
+      </p:sp>
+      <p:sp>
+        <p:nvSpPr>
+          <p:cNvPr id="17" name="TextBox 17">
+            <a:extLst>
+              <a:ext uri="{FF2B5EF4-FFF2-40B4-BE49-F238E27FC236}">
+                <a16:creationId xmlns:a16="http://schemas.microsoft.com/office/drawing/2014/main" id="{D24F7022-5666-950A-C5C9-76161E43B808}"/>
+              </a:ext>
+            </a:extLst>
+          </p:cNvPr>
+          <p:cNvSpPr txBox="1"/>
+          <p:nvPr/>
+        </p:nvSpPr>
+        <p:spPr>
+          <a:xfrm>
+            <a:off x="2314480" y="6188946"/>
+            <a:ext cx="1257226" cy="872931"/>
+          </a:xfrm>
+          <a:prstGeom prst="rect">
+            <a:avLst/>
+          </a:prstGeom>
+        </p:spPr>
+        <p:txBody>
+          <a:bodyPr lIns="0" tIns="0" rIns="0" bIns="0" rtlCol="0" anchor="t">
+            <a:spAutoFit/>
+          </a:bodyPr>
+          <a:lstStyle/>
+          <a:p>
+            <a:pPr marL="0" marR="0" lvl="0" indent="0" algn="ctr" defTabSz="914400" rtl="0" eaLnBrk="1" fontAlgn="auto" latinLnBrk="0" hangingPunct="1">
+              <a:lnSpc>
+                <a:spcPts val="3499"/>
+              </a:lnSpc>
+              <a:spcBef>
+                <a:spcPct val="0"/>
+              </a:spcBef>
+              <a:spcAft>
+                <a:spcPts val="0"/>
+              </a:spcAft>
+              <a:buClrTx/>
+              <a:buSzTx/>
+              <a:buFontTx/>
+              <a:buNone/>
+              <a:tabLst/>
+              <a:defRPr/>
+            </a:pPr>
+            <a:r>
+              <a:rPr kumimoji="0" lang="en-US" sz="2499" b="1" i="0" u="none" strike="noStrike" kern="1200" cap="none" spc="0" normalizeH="0" baseline="0" noProof="0">
+                <a:ln>
+                  <a:noFill/>
+                </a:ln>
+                <a:solidFill>
+                  <a:srgbClr val="FEFBEE"/>
+                </a:solidFill>
+                <a:effectLst/>
+                <a:uLnTx/>
+                <a:uFillTx/>
+                <a:latin typeface="KoPub바탕체 Medium" panose="02020603020101020101" pitchFamily="18" charset="-127"/>
+                <a:ea typeface="KoPub바탕체 Medium" panose="02020603020101020101" pitchFamily="18" charset="-127"/>
+                <a:cs typeface="Source Han Sans KR Bold"/>
+                <a:sym typeface="Source Han Sans KR Bold"/>
+              </a:rPr>
+              <a:t>문제 제기</a:t>
+            </a:r>
+          </a:p>
+        </p:txBody>
+      </p:sp>
+      <p:pic>
+        <p:nvPicPr>
+          <p:cNvPr id="6" name="그림 5" descr="텍스트, 도표, 라인, 평면도이(가) 표시된 사진&#10;&#10;자동 생성된 설명">
+            <a:extLst>
+              <a:ext uri="{FF2B5EF4-FFF2-40B4-BE49-F238E27FC236}">
+                <a16:creationId xmlns:a16="http://schemas.microsoft.com/office/drawing/2014/main" id="{CCF70E62-4C97-9281-070A-6D783F345678}"/>
+              </a:ext>
+            </a:extLst>
+          </p:cNvPr>
+          <p:cNvPicPr>
+            <a:picLocks noChangeAspect="1"/>
+          </p:cNvPicPr>
+          <p:nvPr/>
+        </p:nvPicPr>
+        <p:blipFill>
+          <a:blip r:embed="rId2">
+            <a:extLst>
+              <a:ext uri="{28A0092B-C50C-407E-A947-70E740481C1C}">
+                <a14:useLocalDpi xmlns:a14="http://schemas.microsoft.com/office/drawing/2010/main" val="0"/>
+              </a:ext>
+            </a:extLst>
+          </a:blip>
+          <a:stretch>
+            <a:fillRect/>
+          </a:stretch>
+        </p:blipFill>
+        <p:spPr>
+          <a:xfrm>
+            <a:off x="9970547" y="1179208"/>
+            <a:ext cx="8317453" cy="7928585"/>
+          </a:xfrm>
+          <a:prstGeom prst="rect">
+            <a:avLst/>
+          </a:prstGeom>
+          <a:ln w="38100" cap="sq">
+            <a:solidFill>
+              <a:srgbClr val="000000"/>
+            </a:solidFill>
+            <a:prstDash val="solid"/>
+            <a:miter lim="800000"/>
+          </a:ln>
+          <a:effectLst>
+            <a:outerShdw blurRad="50800" dist="38100" dir="2700000" algn="tl" rotWithShape="0">
+              <a:srgbClr val="000000">
+                <a:alpha val="43000"/>
+              </a:srgbClr>
+            </a:outerShdw>
+          </a:effectLst>
+        </p:spPr>
+      </p:pic>
+    </p:spTree>
+    <p:extLst>
+      <p:ext uri="{BB962C8B-B14F-4D97-AF65-F5344CB8AC3E}">
+        <p14:creationId xmlns:p14="http://schemas.microsoft.com/office/powerpoint/2010/main" val="1403165725"/>
+      </p:ext>
+    </p:extLst>
+  </p:cSld>
+  <p:clrMapOvr>
+    <a:masterClrMapping/>
+  </p:clrMapOvr>
+</p:sld>
+</file>
+
+<file path=ppt/slides/slide9.xml><?xml version="1.0" encoding="utf-8"?>
+<p:sld xmlns:a="http://schemas.openxmlformats.org/drawingml/2006/main" xmlns:r="http://schemas.openxmlformats.org/officeDocument/2006/relationships" xmlns:p="http://schemas.openxmlformats.org/presentationml/2006/main">
+  <p:cSld>
+    <p:bg>
+      <p:bgPr>
+        <a:solidFill>
+          <a:srgbClr val="FEFBEE"/>
+        </a:solidFill>
+        <a:effectLst/>
+      </p:bgPr>
+    </p:bg>
+    <p:spTree>
+      <p:nvGrpSpPr>
+        <p:cNvPr id="1" name="">
+          <a:extLst>
+            <a:ext uri="{FF2B5EF4-FFF2-40B4-BE49-F238E27FC236}">
+              <a16:creationId xmlns:a16="http://schemas.microsoft.com/office/drawing/2014/main" id="{173F45C9-CA2C-AD0A-45A8-2FC5A054D7C6}"/>
+            </a:ext>
+          </a:extLst>
+        </p:cNvPr>
+        <p:cNvGrpSpPr/>
+        <p:nvPr/>
+      </p:nvGrpSpPr>
+      <p:grpSpPr>
+        <a:xfrm>
+          <a:off x="0" y="0"/>
+          <a:ext cx="0" cy="0"/>
+          <a:chOff x="0" y="0"/>
+          <a:chExt cx="0" cy="0"/>
+        </a:xfrm>
+      </p:grpSpPr>
+      <p:sp>
+        <p:nvSpPr>
+          <p:cNvPr id="2" name="AutoShape 2">
+            <a:extLst>
+              <a:ext uri="{FF2B5EF4-FFF2-40B4-BE49-F238E27FC236}">
+                <a16:creationId xmlns:a16="http://schemas.microsoft.com/office/drawing/2014/main" id="{709346E9-7084-46BA-934B-CD0897A0D233}"/>
+              </a:ext>
+            </a:extLst>
+          </p:cNvPr>
+          <p:cNvSpPr/>
+          <p:nvPr/>
+        </p:nvSpPr>
+        <p:spPr>
+          <a:xfrm>
+            <a:off x="860320" y="1347066"/>
+            <a:ext cx="1233818" cy="0"/>
+          </a:xfrm>
+          <a:prstGeom prst="line">
+            <a:avLst/>
+          </a:prstGeom>
+          <a:ln w="38100" cap="flat">
+            <a:solidFill>
+              <a:srgbClr val="090807"/>
+            </a:solidFill>
+            <a:prstDash val="solid"/>
+            <a:headEnd type="none" w="sm" len="sm"/>
+            <a:tailEnd type="none" w="sm" len="sm"/>
+          </a:ln>
+        </p:spPr>
+        <p:txBody>
+          <a:bodyPr/>
+          <a:lstStyle/>
+          <a:p>
+            <a:pPr marL="0" marR="0" lvl="0" indent="0" algn="l" defTabSz="914400" rtl="0" eaLnBrk="1" fontAlgn="auto" latinLnBrk="0" hangingPunct="1">
+              <a:lnSpc>
+                <a:spcPct val="100000"/>
+              </a:lnSpc>
+              <a:spcBef>
+                <a:spcPts val="0"/>
+              </a:spcBef>
+              <a:spcAft>
+                <a:spcPts val="0"/>
+              </a:spcAft>
+              <a:buClrTx/>
+              <a:buSzTx/>
+              <a:buFontTx/>
+              <a:buNone/>
+              <a:tabLst/>
+              <a:defRPr/>
+            </a:pPr>
+            <a:endParaRPr kumimoji="0" lang="ko-KR" altLang="en-US" sz="1800" b="0" i="0" u="none" strike="noStrike" kern="1200" cap="none" spc="0" normalizeH="0" baseline="0" noProof="0">
+              <a:ln>
+                <a:noFill/>
+              </a:ln>
+              <a:solidFill>
+                <a:prstClr val="black"/>
+              </a:solidFill>
+              <a:effectLst/>
+              <a:uLnTx/>
+              <a:uFillTx/>
+              <a:latin typeface="KoPub바탕체 Medium" panose="02020603020101020101" pitchFamily="18" charset="-127"/>
+              <a:ea typeface="KoPub바탕체 Medium" panose="02020603020101020101" pitchFamily="18" charset="-127"/>
+              <a:cs typeface="+mn-cs"/>
+            </a:endParaRPr>
+          </a:p>
+        </p:txBody>
+      </p:sp>
+      <p:sp>
+        <p:nvSpPr>
+          <p:cNvPr id="5" name="TextBox 5">
+            <a:extLst>
+              <a:ext uri="{FF2B5EF4-FFF2-40B4-BE49-F238E27FC236}">
+                <a16:creationId xmlns:a16="http://schemas.microsoft.com/office/drawing/2014/main" id="{94363181-83DF-BBBD-0EC0-052ABDD61506}"/>
+              </a:ext>
+            </a:extLst>
+          </p:cNvPr>
+          <p:cNvSpPr txBox="1"/>
+          <p:nvPr/>
+        </p:nvSpPr>
+        <p:spPr>
+          <a:xfrm>
+            <a:off x="9838000" y="2123700"/>
+            <a:ext cx="6630892" cy="6703614"/>
+          </a:xfrm>
+          <a:prstGeom prst="rect">
+            <a:avLst/>
+          </a:prstGeom>
+        </p:spPr>
+        <p:txBody>
+          <a:bodyPr lIns="50800" tIns="50800" rIns="50800" bIns="50800" rtlCol="0" anchor="ctr"/>
+          <a:lstStyle/>
+          <a:p>
+            <a:pPr marL="0" marR="0" lvl="0" indent="0" algn="ctr" defTabSz="914400" rtl="0" eaLnBrk="1" fontAlgn="auto" latinLnBrk="0" hangingPunct="1">
+              <a:lnSpc>
+                <a:spcPts val="3079"/>
+              </a:lnSpc>
+              <a:spcBef>
+                <a:spcPts val="0"/>
+              </a:spcBef>
+              <a:spcAft>
+                <a:spcPts val="0"/>
+              </a:spcAft>
+              <a:buClrTx/>
+              <a:buSzTx/>
+              <a:buFontTx/>
+              <a:buNone/>
+              <a:tabLst/>
+              <a:defRPr/>
+            </a:pPr>
+            <a:endParaRPr kumimoji="0" sz="1800" b="0" i="0" u="none" strike="noStrike" kern="1200" cap="none" spc="0" normalizeH="0" baseline="0" noProof="0">
+              <a:ln>
+                <a:noFill/>
+              </a:ln>
+              <a:solidFill>
+                <a:prstClr val="black"/>
+              </a:solidFill>
+              <a:effectLst/>
+              <a:uLnTx/>
+              <a:uFillTx/>
+              <a:latin typeface="KoPub바탕체 Medium" panose="02020603020101020101" pitchFamily="18" charset="-127"/>
+              <a:ea typeface="KoPub바탕체 Medium" panose="02020603020101020101" pitchFamily="18" charset="-127"/>
+              <a:cs typeface="+mn-cs"/>
+            </a:endParaRPr>
+          </a:p>
+        </p:txBody>
+      </p:sp>
+      <p:sp>
+        <p:nvSpPr>
+          <p:cNvPr id="7" name="TextBox 7">
+            <a:extLst>
+              <a:ext uri="{FF2B5EF4-FFF2-40B4-BE49-F238E27FC236}">
+                <a16:creationId xmlns:a16="http://schemas.microsoft.com/office/drawing/2014/main" id="{B798CE48-6D3A-BE03-4982-59CEB358F5FE}"/>
+              </a:ext>
+            </a:extLst>
+          </p:cNvPr>
+          <p:cNvSpPr txBox="1"/>
+          <p:nvPr/>
+        </p:nvSpPr>
+        <p:spPr>
+          <a:xfrm>
+            <a:off x="923832" y="765070"/>
+            <a:ext cx="6238968" cy="422275"/>
+          </a:xfrm>
+          <a:prstGeom prst="rect">
+            <a:avLst/>
+          </a:prstGeom>
+        </p:spPr>
+        <p:txBody>
+          <a:bodyPr wrap="square" lIns="0" tIns="0" rIns="0" bIns="0" rtlCol="0" anchor="t">
+            <a:spAutoFit/>
+          </a:bodyPr>
+          <a:lstStyle/>
+          <a:p>
+            <a:pPr marL="0" marR="0" lvl="0" indent="0" algn="l" defTabSz="914400" rtl="0" eaLnBrk="1" fontAlgn="auto" latinLnBrk="0" hangingPunct="1">
+              <a:lnSpc>
+                <a:spcPts val="3499"/>
+              </a:lnSpc>
+              <a:spcBef>
+                <a:spcPct val="0"/>
+              </a:spcBef>
+              <a:spcAft>
+                <a:spcPts val="0"/>
+              </a:spcAft>
+              <a:buClrTx/>
+              <a:buSzTx/>
+              <a:buFontTx/>
+              <a:buNone/>
+              <a:tabLst/>
+              <a:defRPr/>
+            </a:pPr>
+            <a:r>
+              <a:rPr kumimoji="0" lang="en-US" sz="2499" b="1" i="0" u="none" strike="noStrike" kern="1200" cap="none" spc="0" normalizeH="0" baseline="0" noProof="0" dirty="0">
+                <a:ln>
+                  <a:noFill/>
+                </a:ln>
+                <a:solidFill>
+                  <a:srgbClr val="090807"/>
+                </a:solidFill>
+                <a:effectLst/>
+                <a:uLnTx/>
+                <a:uFillTx/>
+                <a:latin typeface="KoPub바탕체 Medium" panose="02020603020101020101" pitchFamily="18" charset="-127"/>
+                <a:ea typeface="KoPub바탕체 Medium" panose="02020603020101020101" pitchFamily="18" charset="-127"/>
+                <a:cs typeface="Source Han Sans KR Bold"/>
+                <a:sym typeface="Source Han Sans KR Bold"/>
+              </a:rPr>
+              <a:t>01 </a:t>
+            </a:r>
+            <a:r>
+              <a:rPr kumimoji="0" lang="ko-KR" altLang="en-US" sz="2499" b="1" i="0" u="none" strike="noStrike" kern="1200" cap="none" spc="0" normalizeH="0" baseline="0" noProof="0" dirty="0" err="1">
+                <a:ln>
+                  <a:noFill/>
+                </a:ln>
+                <a:solidFill>
+                  <a:srgbClr val="090807"/>
+                </a:solidFill>
+                <a:effectLst/>
+                <a:uLnTx/>
+                <a:uFillTx/>
+                <a:latin typeface="KoPub바탕체 Medium" panose="02020603020101020101" pitchFamily="18" charset="-127"/>
+                <a:ea typeface="KoPub바탕체 Medium" panose="02020603020101020101" pitchFamily="18" charset="-127"/>
+                <a:cs typeface="Source Han Sans KR Bold"/>
+                <a:sym typeface="Source Han Sans KR Bold"/>
+              </a:rPr>
+              <a:t>조영범</a:t>
+            </a:r>
+            <a:endParaRPr kumimoji="0" lang="en-US" sz="2499" b="1" i="0" u="none" strike="noStrike" kern="1200" cap="none" spc="0" normalizeH="0" baseline="0" noProof="0" dirty="0">
+              <a:ln>
+                <a:noFill/>
+              </a:ln>
+              <a:solidFill>
+                <a:srgbClr val="090807"/>
+              </a:solidFill>
+              <a:effectLst/>
+              <a:uLnTx/>
+              <a:uFillTx/>
+              <a:latin typeface="KoPub바탕체 Medium" panose="02020603020101020101" pitchFamily="18" charset="-127"/>
+              <a:ea typeface="KoPub바탕체 Medium" panose="02020603020101020101" pitchFamily="18" charset="-127"/>
+              <a:cs typeface="Source Han Sans KR Bold"/>
+              <a:sym typeface="Source Han Sans KR Bold"/>
+            </a:endParaRPr>
           </a:p>
         </p:txBody>
       </p:sp>
       <p:grpSp>
         <p:nvGrpSpPr>
-          <p:cNvPr id="22" name="Group 22"/>
+          <p:cNvPr id="8" name="Group 8">
+            <a:extLst>
+              <a:ext uri="{FF2B5EF4-FFF2-40B4-BE49-F238E27FC236}">
+                <a16:creationId xmlns:a16="http://schemas.microsoft.com/office/drawing/2014/main" id="{9C4FADD8-F86F-64C0-094D-D8F10ACB467E}"/>
+              </a:ext>
+            </a:extLst>
+          </p:cNvPr>
           <p:cNvGrpSpPr/>
           <p:nvPr/>
         </p:nvGrpSpPr>
         <p:grpSpPr>
           <a:xfrm>
-            <a:off x="14311391" y="5492464"/>
-            <a:ext cx="2311226" cy="698372"/>
+            <a:off x="1819108" y="3080817"/>
+            <a:ext cx="2247971" cy="698372"/>
             <a:chOff x="0" y="0"/>
-            <a:chExt cx="608718" cy="183933"/>
+            <a:chExt cx="592058" cy="183933"/>
           </a:xfrm>
         </p:grpSpPr>
         <p:sp>
           <p:nvSpPr>
-            <p:cNvPr id="23" name="Freeform 23"/>
+            <p:cNvPr id="9" name="Freeform 9">
+              <a:extLst>
+                <a:ext uri="{FF2B5EF4-FFF2-40B4-BE49-F238E27FC236}">
+                  <a16:creationId xmlns:a16="http://schemas.microsoft.com/office/drawing/2014/main" id="{1C613DBA-0DD6-065A-A262-E86252938C91}"/>
+                </a:ext>
+              </a:extLst>
+            </p:cNvPr>
             <p:cNvSpPr/>
             <p:nvPr/>
           </p:nvSpPr>
           <p:spPr>
             <a:xfrm>
               <a:off x="0" y="0"/>
-              <a:ext cx="608718" cy="183933"/>
+              <a:ext cx="592058" cy="183933"/>
             </a:xfrm>
             <a:custGeom>
               <a:avLst/>
@@ -16729,35 +20071,35 @@
               <a:cxnLst/>
               <a:rect l="l" t="t" r="r" b="b"/>
               <a:pathLst>
-                <a:path w="608718" h="183933">
+                <a:path w="592058" h="183933">
                   <a:moveTo>
                     <a:pt x="91967" y="0"/>
                   </a:moveTo>
                   <a:lnTo>
-                    <a:pt x="516751" y="0"/>
+                    <a:pt x="500091" y="0"/>
                   </a:lnTo>
                   <a:cubicBezTo>
-                    <a:pt x="541143" y="0"/>
-                    <a:pt x="564535" y="9689"/>
-                    <a:pt x="581782" y="26936"/>
+                    <a:pt x="524483" y="0"/>
+                    <a:pt x="547875" y="9689"/>
+                    <a:pt x="565122" y="26936"/>
                   </a:cubicBezTo>
                   <a:cubicBezTo>
-                    <a:pt x="599029" y="44184"/>
-                    <a:pt x="608718" y="67576"/>
-                    <a:pt x="608718" y="91967"/>
+                    <a:pt x="582369" y="44184"/>
+                    <a:pt x="592058" y="67576"/>
+                    <a:pt x="592058" y="91967"/>
                   </a:cubicBezTo>
                   <a:lnTo>
-                    <a:pt x="608718" y="91967"/>
+                    <a:pt x="592058" y="91967"/>
                   </a:lnTo>
                   <a:cubicBezTo>
-                    <a:pt x="608718" y="116358"/>
-                    <a:pt x="599029" y="139750"/>
-                    <a:pt x="581782" y="156997"/>
+                    <a:pt x="592058" y="116358"/>
+                    <a:pt x="582369" y="139750"/>
+                    <a:pt x="565122" y="156997"/>
                   </a:cubicBezTo>
                   <a:cubicBezTo>
-                    <a:pt x="564535" y="174244"/>
-                    <a:pt x="541143" y="183933"/>
-                    <a:pt x="516751" y="183933"/>
+                    <a:pt x="547875" y="174244"/>
+                    <a:pt x="524483" y="183933"/>
+                    <a:pt x="500091" y="183933"/>
                   </a:cubicBezTo>
                   <a:lnTo>
                     <a:pt x="91967" y="183933"/>
@@ -16797,23 +20139,56 @@
             <a:bodyPr/>
             <a:lstStyle/>
             <a:p>
-              <a:endParaRPr lang="ko-KR" altLang="en-US">
-                <a:latin typeface="KoPub바탕체 Medium" panose="02020603020101020101" pitchFamily="18" charset="-127"/>
-                <a:ea typeface="KoPub바탕체 Medium" panose="02020603020101020101" pitchFamily="18" charset="-127"/>
+              <a:pPr marL="0" marR="0" lvl="0" indent="0" algn="l" defTabSz="914400" rtl="0" eaLnBrk="1" fontAlgn="auto" latinLnBrk="0" hangingPunct="1">
+                <a:lnSpc>
+                  <a:spcPct val="100000"/>
+                </a:lnSpc>
+                <a:spcBef>
+                  <a:spcPts val="0"/>
+                </a:spcBef>
+                <a:spcAft>
+                  <a:spcPts val="0"/>
+                </a:spcAft>
+                <a:buClrTx/>
+                <a:buSzTx/>
+                <a:buFontTx/>
+                <a:buNone/>
+                <a:tabLst/>
+                <a:defRPr/>
+              </a:pPr>
+              <a:endParaRPr kumimoji="0" lang="ko-KR" altLang="en-US" sz="1800" b="0" i="0" u="none" strike="noStrike" kern="1200" cap="none" spc="0" normalizeH="0" baseline="0" noProof="0">
+                <a:ln>
+                  <a:noFill/>
+                </a:ln>
+                <a:solidFill>
+                  <a:prstClr val="black"/>
+                </a:solidFill>
+                <a:effectLst/>
+                <a:uLnTx/>
+                <a:uFillTx/>
+                <a:latin typeface="KoPub바탕체 Medium" panose="02020603020101020101" pitchFamily="18" charset="-127"/>
+                <a:ea typeface="KoPub바탕체 Medium" panose="02020603020101020101" pitchFamily="18" charset="-127"/>
+                <a:cs typeface="+mn-cs"/>
               </a:endParaRPr>
             </a:p>
           </p:txBody>
         </p:sp>
         <p:sp>
           <p:nvSpPr>
-            <p:cNvPr id="24" name="TextBox 24"/>
+            <p:cNvPr id="10" name="TextBox 10">
+              <a:extLst>
+                <a:ext uri="{FF2B5EF4-FFF2-40B4-BE49-F238E27FC236}">
+                  <a16:creationId xmlns:a16="http://schemas.microsoft.com/office/drawing/2014/main" id="{FFA7296E-EEDB-B4A8-9CB4-3F46E067D048}"/>
+                </a:ext>
+              </a:extLst>
+            </p:cNvPr>
             <p:cNvSpPr txBox="1"/>
             <p:nvPr/>
           </p:nvSpPr>
           <p:spPr>
             <a:xfrm>
               <a:off x="0" y="-38100"/>
-              <a:ext cx="608718" cy="222033"/>
+              <a:ext cx="592058" cy="222033"/>
             </a:xfrm>
             <a:prstGeom prst="rect">
               <a:avLst/>
@@ -16823,14 +20198,242 @@
             <a:bodyPr lIns="50800" tIns="50800" rIns="50800" bIns="50800" rtlCol="0" anchor="ctr"/>
             <a:lstStyle/>
             <a:p>
-              <a:pPr algn="ctr">
+              <a:pPr marL="0" marR="0" lvl="0" indent="0" algn="ctr" defTabSz="914400" rtl="0" eaLnBrk="1" fontAlgn="auto" latinLnBrk="0" hangingPunct="1">
                 <a:lnSpc>
                   <a:spcPts val="3079"/>
                 </a:lnSpc>
+                <a:spcBef>
+                  <a:spcPts val="0"/>
+                </a:spcBef>
+                <a:spcAft>
+                  <a:spcPts val="0"/>
+                </a:spcAft>
+                <a:buClrTx/>
+                <a:buSzTx/>
+                <a:buFontTx/>
+                <a:buNone/>
+                <a:tabLst/>
+                <a:defRPr/>
               </a:pPr>
-              <a:endParaRPr>
-                <a:latin typeface="KoPub바탕체 Medium" panose="02020603020101020101" pitchFamily="18" charset="-127"/>
-                <a:ea typeface="KoPub바탕체 Medium" panose="02020603020101020101" pitchFamily="18" charset="-127"/>
+              <a:endParaRPr kumimoji="0" sz="1800" b="0" i="0" u="none" strike="noStrike" kern="1200" cap="none" spc="0" normalizeH="0" baseline="0" noProof="0">
+                <a:ln>
+                  <a:noFill/>
+                </a:ln>
+                <a:solidFill>
+                  <a:prstClr val="black"/>
+                </a:solidFill>
+                <a:effectLst/>
+                <a:uLnTx/>
+                <a:uFillTx/>
+                <a:latin typeface="KoPub바탕체 Medium" panose="02020603020101020101" pitchFamily="18" charset="-127"/>
+                <a:ea typeface="KoPub바탕체 Medium" panose="02020603020101020101" pitchFamily="18" charset="-127"/>
+                <a:cs typeface="+mn-cs"/>
+              </a:endParaRPr>
+            </a:p>
+          </p:txBody>
+        </p:sp>
+      </p:grpSp>
+      <p:grpSp>
+        <p:nvGrpSpPr>
+          <p:cNvPr id="11" name="Group 11">
+            <a:extLst>
+              <a:ext uri="{FF2B5EF4-FFF2-40B4-BE49-F238E27FC236}">
+                <a16:creationId xmlns:a16="http://schemas.microsoft.com/office/drawing/2014/main" id="{85931ED6-493A-658D-A885-B2A446965566}"/>
+              </a:ext>
+            </a:extLst>
+          </p:cNvPr>
+          <p:cNvGrpSpPr/>
+          <p:nvPr/>
+        </p:nvGrpSpPr>
+        <p:grpSpPr>
+          <a:xfrm>
+            <a:off x="1819108" y="6074710"/>
+            <a:ext cx="2247971" cy="698372"/>
+            <a:chOff x="0" y="0"/>
+            <a:chExt cx="592058" cy="183933"/>
+          </a:xfrm>
+        </p:grpSpPr>
+        <p:sp>
+          <p:nvSpPr>
+            <p:cNvPr id="12" name="Freeform 12">
+              <a:extLst>
+                <a:ext uri="{FF2B5EF4-FFF2-40B4-BE49-F238E27FC236}">
+                  <a16:creationId xmlns:a16="http://schemas.microsoft.com/office/drawing/2014/main" id="{FB9985DB-46DC-7D55-6B26-F3D8363083D1}"/>
+                </a:ext>
+              </a:extLst>
+            </p:cNvPr>
+            <p:cNvSpPr/>
+            <p:nvPr/>
+          </p:nvSpPr>
+          <p:spPr>
+            <a:xfrm>
+              <a:off x="0" y="0"/>
+              <a:ext cx="592058" cy="183933"/>
+            </a:xfrm>
+            <a:custGeom>
+              <a:avLst/>
+              <a:gdLst/>
+              <a:ahLst/>
+              <a:cxnLst/>
+              <a:rect l="l" t="t" r="r" b="b"/>
+              <a:pathLst>
+                <a:path w="592058" h="183933">
+                  <a:moveTo>
+                    <a:pt x="91967" y="0"/>
+                  </a:moveTo>
+                  <a:lnTo>
+                    <a:pt x="500091" y="0"/>
+                  </a:lnTo>
+                  <a:cubicBezTo>
+                    <a:pt x="524483" y="0"/>
+                    <a:pt x="547875" y="9689"/>
+                    <a:pt x="565122" y="26936"/>
+                  </a:cubicBezTo>
+                  <a:cubicBezTo>
+                    <a:pt x="582369" y="44184"/>
+                    <a:pt x="592058" y="67576"/>
+                    <a:pt x="592058" y="91967"/>
+                  </a:cubicBezTo>
+                  <a:lnTo>
+                    <a:pt x="592058" y="91967"/>
+                  </a:lnTo>
+                  <a:cubicBezTo>
+                    <a:pt x="592058" y="116358"/>
+                    <a:pt x="582369" y="139750"/>
+                    <a:pt x="565122" y="156997"/>
+                  </a:cubicBezTo>
+                  <a:cubicBezTo>
+                    <a:pt x="547875" y="174244"/>
+                    <a:pt x="524483" y="183933"/>
+                    <a:pt x="500091" y="183933"/>
+                  </a:cubicBezTo>
+                  <a:lnTo>
+                    <a:pt x="91967" y="183933"/>
+                  </a:lnTo>
+                  <a:cubicBezTo>
+                    <a:pt x="67576" y="183933"/>
+                    <a:pt x="44184" y="174244"/>
+                    <a:pt x="26936" y="156997"/>
+                  </a:cubicBezTo>
+                  <a:cubicBezTo>
+                    <a:pt x="9689" y="139750"/>
+                    <a:pt x="0" y="116358"/>
+                    <a:pt x="0" y="91967"/>
+                  </a:cubicBezTo>
+                  <a:lnTo>
+                    <a:pt x="0" y="91967"/>
+                  </a:lnTo>
+                  <a:cubicBezTo>
+                    <a:pt x="0" y="67576"/>
+                    <a:pt x="9689" y="44184"/>
+                    <a:pt x="26936" y="26936"/>
+                  </a:cubicBezTo>
+                  <a:cubicBezTo>
+                    <a:pt x="44184" y="9689"/>
+                    <a:pt x="67576" y="0"/>
+                    <a:pt x="91967" y="0"/>
+                  </a:cubicBezTo>
+                  <a:close/>
+                </a:path>
+              </a:pathLst>
+            </a:custGeom>
+            <a:solidFill>
+              <a:srgbClr val="090807"/>
+            </a:solidFill>
+          </p:spPr>
+          <p:txBody>
+            <a:bodyPr/>
+            <a:lstStyle/>
+            <a:p>
+              <a:pPr marL="0" marR="0" lvl="0" indent="0" algn="l" defTabSz="914400" rtl="0" eaLnBrk="1" fontAlgn="auto" latinLnBrk="0" hangingPunct="1">
+                <a:lnSpc>
+                  <a:spcPct val="100000"/>
+                </a:lnSpc>
+                <a:spcBef>
+                  <a:spcPts val="0"/>
+                </a:spcBef>
+                <a:spcAft>
+                  <a:spcPts val="0"/>
+                </a:spcAft>
+                <a:buClrTx/>
+                <a:buSzTx/>
+                <a:buFontTx/>
+                <a:buNone/>
+                <a:tabLst/>
+                <a:defRPr/>
+              </a:pPr>
+              <a:endParaRPr kumimoji="0" lang="ko-KR" altLang="en-US" sz="1800" b="0" i="0" u="none" strike="noStrike" kern="1200" cap="none" spc="0" normalizeH="0" baseline="0" noProof="0">
+                <a:ln>
+                  <a:noFill/>
+                </a:ln>
+                <a:solidFill>
+                  <a:prstClr val="black"/>
+                </a:solidFill>
+                <a:effectLst/>
+                <a:uLnTx/>
+                <a:uFillTx/>
+                <a:latin typeface="KoPub바탕체 Medium" panose="02020603020101020101" pitchFamily="18" charset="-127"/>
+                <a:ea typeface="KoPub바탕체 Medium" panose="02020603020101020101" pitchFamily="18" charset="-127"/>
+                <a:cs typeface="+mn-cs"/>
+              </a:endParaRPr>
+            </a:p>
+          </p:txBody>
+        </p:sp>
+        <p:sp>
+          <p:nvSpPr>
+            <p:cNvPr id="13" name="TextBox 13">
+              <a:extLst>
+                <a:ext uri="{FF2B5EF4-FFF2-40B4-BE49-F238E27FC236}">
+                  <a16:creationId xmlns:a16="http://schemas.microsoft.com/office/drawing/2014/main" id="{00DDD025-9F78-96E8-144B-ECFF161611D1}"/>
+                </a:ext>
+              </a:extLst>
+            </p:cNvPr>
+            <p:cNvSpPr txBox="1"/>
+            <p:nvPr/>
+          </p:nvSpPr>
+          <p:spPr>
+            <a:xfrm>
+              <a:off x="0" y="-38100"/>
+              <a:ext cx="592058" cy="222033"/>
+            </a:xfrm>
+            <a:prstGeom prst="rect">
+              <a:avLst/>
+            </a:prstGeom>
+          </p:spPr>
+          <p:txBody>
+            <a:bodyPr lIns="50800" tIns="50800" rIns="50800" bIns="50800" rtlCol="0" anchor="ctr"/>
+            <a:lstStyle/>
+            <a:p>
+              <a:pPr marL="0" marR="0" lvl="0" indent="0" algn="ctr" defTabSz="914400" rtl="0" eaLnBrk="1" fontAlgn="auto" latinLnBrk="0" hangingPunct="1">
+                <a:lnSpc>
+                  <a:spcPts val="3079"/>
+                </a:lnSpc>
+                <a:spcBef>
+                  <a:spcPts val="0"/>
+                </a:spcBef>
+                <a:spcAft>
+                  <a:spcPts val="0"/>
+                </a:spcAft>
+                <a:buClrTx/>
+                <a:buSzTx/>
+                <a:buFontTx/>
+                <a:buNone/>
+                <a:tabLst/>
+                <a:defRPr/>
+              </a:pPr>
+              <a:endParaRPr kumimoji="0" sz="1800" b="0" i="0" u="none" strike="noStrike" kern="1200" cap="none" spc="0" normalizeH="0" baseline="0" noProof="0">
+                <a:ln>
+                  <a:noFill/>
+                </a:ln>
+                <a:solidFill>
+                  <a:prstClr val="black"/>
+                </a:solidFill>
+                <a:effectLst/>
+                <a:uLnTx/>
+                <a:uFillTx/>
+                <a:latin typeface="KoPub바탕체 Medium" panose="02020603020101020101" pitchFamily="18" charset="-127"/>
+                <a:ea typeface="KoPub바탕체 Medium" panose="02020603020101020101" pitchFamily="18" charset="-127"/>
+                <a:cs typeface="+mn-cs"/>
               </a:endParaRPr>
             </a:p>
           </p:txBody>
@@ -16838,13 +20441,149 @@
       </p:grpSp>
       <p:sp>
         <p:nvSpPr>
-          <p:cNvPr id="25" name="TextBox 25"/>
+          <p:cNvPr id="14" name="TextBox 14">
+            <a:extLst>
+              <a:ext uri="{FF2B5EF4-FFF2-40B4-BE49-F238E27FC236}">
+                <a16:creationId xmlns:a16="http://schemas.microsoft.com/office/drawing/2014/main" id="{1F6A12E1-9BD4-A720-D408-89F65B5DB6F2}"/>
+              </a:ext>
+            </a:extLst>
+          </p:cNvPr>
           <p:cNvSpPr txBox="1"/>
           <p:nvPr/>
         </p:nvSpPr>
         <p:spPr>
           <a:xfrm>
-            <a:off x="14838391" y="5606700"/>
+            <a:off x="1819108" y="4016671"/>
+            <a:ext cx="7035690" cy="1123950"/>
+          </a:xfrm>
+          <a:prstGeom prst="rect">
+            <a:avLst/>
+          </a:prstGeom>
+        </p:spPr>
+        <p:txBody>
+          <a:bodyPr lIns="0" tIns="0" rIns="0" bIns="0" rtlCol="0" anchor="t">
+            <a:spAutoFit/>
+          </a:bodyPr>
+          <a:lstStyle/>
+          <a:p>
+            <a:pPr marL="0" marR="0" lvl="0" indent="0" algn="l" defTabSz="914400" rtl="0" eaLnBrk="1" fontAlgn="auto" latinLnBrk="0" hangingPunct="1">
+              <a:lnSpc>
+                <a:spcPts val="3000"/>
+              </a:lnSpc>
+              <a:spcBef>
+                <a:spcPts val="0"/>
+              </a:spcBef>
+              <a:spcAft>
+                <a:spcPts val="0"/>
+              </a:spcAft>
+              <a:buClrTx/>
+              <a:buSzTx/>
+              <a:buFontTx/>
+              <a:buNone/>
+              <a:tabLst/>
+              <a:defRPr/>
+            </a:pPr>
+            <a:r>
+              <a:rPr kumimoji="0" lang="en-US" sz="2000" b="0" i="0" u="none" strike="noStrike" kern="1200" cap="none" spc="0" normalizeH="0" baseline="0" noProof="0">
+                <a:ln>
+                  <a:noFill/>
+                </a:ln>
+                <a:solidFill>
+                  <a:srgbClr val="090807"/>
+                </a:solidFill>
+                <a:effectLst/>
+                <a:uLnTx/>
+                <a:uFillTx/>
+                <a:latin typeface="KoPub바탕체 Medium" panose="02020603020101020101" pitchFamily="18" charset="-127"/>
+                <a:ea typeface="KoPub바탕체 Medium" panose="02020603020101020101" pitchFamily="18" charset="-127"/>
+                <a:cs typeface="Source Han Sans KR"/>
+                <a:sym typeface="Source Han Sans KR"/>
+              </a:rPr>
+              <a:t>Lorem ipsum dolor sit amet, consectetur adipiscing elit. Fusce mattis, lorem in venenatis porttitor nibh urna vestibulum tortor, ac placerat.</a:t>
+            </a:r>
+          </a:p>
+        </p:txBody>
+      </p:sp>
+      <p:sp>
+        <p:nvSpPr>
+          <p:cNvPr id="15" name="TextBox 15">
+            <a:extLst>
+              <a:ext uri="{FF2B5EF4-FFF2-40B4-BE49-F238E27FC236}">
+                <a16:creationId xmlns:a16="http://schemas.microsoft.com/office/drawing/2014/main" id="{C76EC90E-7650-B740-35E8-1A925001F582}"/>
+              </a:ext>
+            </a:extLst>
+          </p:cNvPr>
+          <p:cNvSpPr txBox="1"/>
+          <p:nvPr/>
+        </p:nvSpPr>
+        <p:spPr>
+          <a:xfrm>
+            <a:off x="1819108" y="7010565"/>
+            <a:ext cx="7035690" cy="1123950"/>
+          </a:xfrm>
+          <a:prstGeom prst="rect">
+            <a:avLst/>
+          </a:prstGeom>
+        </p:spPr>
+        <p:txBody>
+          <a:bodyPr lIns="0" tIns="0" rIns="0" bIns="0" rtlCol="0" anchor="t">
+            <a:spAutoFit/>
+          </a:bodyPr>
+          <a:lstStyle/>
+          <a:p>
+            <a:pPr marL="0" marR="0" lvl="0" indent="0" algn="l" defTabSz="914400" rtl="0" eaLnBrk="1" fontAlgn="auto" latinLnBrk="0" hangingPunct="1">
+              <a:lnSpc>
+                <a:spcPts val="3000"/>
+              </a:lnSpc>
+              <a:spcBef>
+                <a:spcPts val="0"/>
+              </a:spcBef>
+              <a:spcAft>
+                <a:spcPts val="0"/>
+              </a:spcAft>
+              <a:buClrTx/>
+              <a:buSzTx/>
+              <a:buFontTx/>
+              <a:buNone/>
+              <a:tabLst/>
+              <a:defRPr/>
+            </a:pPr>
+            <a:r>
+              <a:rPr kumimoji="0" lang="en-US" sz="2000" b="0" i="0" u="none" strike="noStrike" kern="1200" cap="none" spc="0" normalizeH="0" baseline="0" noProof="0">
+                <a:ln>
+                  <a:noFill/>
+                </a:ln>
+                <a:solidFill>
+                  <a:srgbClr val="090807"/>
+                </a:solidFill>
+                <a:effectLst/>
+                <a:uLnTx/>
+                <a:uFillTx/>
+                <a:latin typeface="KoPub바탕체 Medium" panose="02020603020101020101" pitchFamily="18" charset="-127"/>
+                <a:ea typeface="KoPub바탕체 Medium" panose="02020603020101020101" pitchFamily="18" charset="-127"/>
+                <a:cs typeface="Source Han Sans KR"/>
+                <a:sym typeface="Source Han Sans KR"/>
+              </a:rPr>
+              <a:t>Lorem ipsum dolor sit amet, consectetur adipiscing elit. Fusce mattis, lorem in venenatis porttitor nibh urna vestibulum tortor, ac placerat.</a:t>
+            </a:r>
+          </a:p>
+        </p:txBody>
+      </p:sp>
+      <p:sp>
+        <p:nvSpPr>
+          <p:cNvPr id="16" name="TextBox 16">
+            <a:extLst>
+              <a:ext uri="{FF2B5EF4-FFF2-40B4-BE49-F238E27FC236}">
+                <a16:creationId xmlns:a16="http://schemas.microsoft.com/office/drawing/2014/main" id="{F1DC20E9-1CCE-2D3B-277C-C26C1F965ADA}"/>
+              </a:ext>
+            </a:extLst>
+          </p:cNvPr>
+          <p:cNvSpPr txBox="1"/>
+          <p:nvPr/>
+        </p:nvSpPr>
+        <p:spPr>
+          <a:xfrm>
+            <a:off x="2314480" y="3195052"/>
             <a:ext cx="1257226" cy="872931"/>
           </a:xfrm>
           <a:prstGeom prst="rect">
@@ -16857,39 +20596,60 @@
           </a:bodyPr>
           <a:lstStyle/>
           <a:p>
-            <a:pPr algn="ctr">
+            <a:pPr marL="0" marR="0" lvl="0" indent="0" algn="ctr" defTabSz="914400" rtl="0" eaLnBrk="1" fontAlgn="auto" latinLnBrk="0" hangingPunct="1">
               <a:lnSpc>
                 <a:spcPts val="3499"/>
               </a:lnSpc>
               <a:spcBef>
                 <a:spcPct val="0"/>
               </a:spcBef>
+              <a:spcAft>
+                <a:spcPts val="0"/>
+              </a:spcAft>
+              <a:buClrTx/>
+              <a:buSzTx/>
+              <a:buFontTx/>
+              <a:buNone/>
+              <a:tabLst/>
+              <a:defRPr/>
             </a:pPr>
             <a:r>
-              <a:rPr lang="en-US" sz="2499" b="1">
+              <a:rPr kumimoji="0" lang="en-US" sz="2499" b="1" i="0" u="none" strike="noStrike" kern="1200" cap="none" spc="0" normalizeH="0" baseline="0" noProof="0">
+                <a:ln>
+                  <a:noFill/>
+                </a:ln>
                 <a:solidFill>
                   <a:srgbClr val="FEFBEE"/>
                 </a:solidFill>
+                <a:effectLst/>
+                <a:uLnTx/>
+                <a:uFillTx/>
                 <a:latin typeface="KoPub바탕체 Medium" panose="02020603020101020101" pitchFamily="18" charset="-127"/>
                 <a:ea typeface="KoPub바탕체 Medium" panose="02020603020101020101" pitchFamily="18" charset="-127"/>
                 <a:cs typeface="Source Han Sans KR Bold"/>
                 <a:sym typeface="Source Han Sans KR Bold"/>
               </a:rPr>
-              <a:t>비교 분석</a:t>
+              <a:t>주제 소개</a:t>
             </a:r>
           </a:p>
         </p:txBody>
       </p:sp>
       <p:sp>
         <p:nvSpPr>
-          <p:cNvPr id="26" name="TextBox 26"/>
+          <p:cNvPr id="17" name="TextBox 17">
+            <a:extLst>
+              <a:ext uri="{FF2B5EF4-FFF2-40B4-BE49-F238E27FC236}">
+                <a16:creationId xmlns:a16="http://schemas.microsoft.com/office/drawing/2014/main" id="{5704EF60-586A-200C-9615-F9AE6846984C}"/>
+              </a:ext>
+            </a:extLst>
+          </p:cNvPr>
           <p:cNvSpPr txBox="1"/>
           <p:nvPr/>
         </p:nvSpPr>
         <p:spPr>
           <a:xfrm>
-            <a:off x="923832" y="765070"/>
-            <a:ext cx="1047080" cy="422275"/>
+            <a:off x="2314480" y="6188946"/>
+            <a:ext cx="1257226" cy="872931"/>
           </a:xfrm>
           <a:prstGeom prst="rect">
             <a:avLst/>
@@ -16901,194 +20661,100 @@
           </a:bodyPr>
           <a:lstStyle/>
           <a:p>
-            <a:pPr algn="l">
+            <a:pPr marL="0" marR="0" lvl="0" indent="0" algn="ctr" defTabSz="914400" rtl="0" eaLnBrk="1" fontAlgn="auto" latinLnBrk="0" hangingPunct="1">
               <a:lnSpc>
                 <a:spcPts val="3499"/>
               </a:lnSpc>
               <a:spcBef>
                 <a:spcPct val="0"/>
               </a:spcBef>
+              <a:spcAft>
+                <a:spcPts val="0"/>
+              </a:spcAft>
+              <a:buClrTx/>
+              <a:buSzTx/>
+              <a:buFontTx/>
+              <a:buNone/>
+              <a:tabLst/>
+              <a:defRPr/>
             </a:pPr>
             <a:r>
-              <a:rPr lang="en-US" sz="2499" b="1">
-                <a:solidFill>
-                  <a:srgbClr val="090807"/>
-                </a:solidFill>
+              <a:rPr kumimoji="0" lang="en-US" sz="2499" b="1" i="0" u="none" strike="noStrike" kern="1200" cap="none" spc="0" normalizeH="0" baseline="0" noProof="0">
+                <a:ln>
+                  <a:noFill/>
+                </a:ln>
+                <a:solidFill>
+                  <a:srgbClr val="FEFBEE"/>
+                </a:solidFill>
+                <a:effectLst/>
+                <a:uLnTx/>
+                <a:uFillTx/>
                 <a:latin typeface="KoPub바탕체 Medium" panose="02020603020101020101" pitchFamily="18" charset="-127"/>
                 <a:ea typeface="KoPub바탕체 Medium" panose="02020603020101020101" pitchFamily="18" charset="-127"/>
                 <a:cs typeface="Source Han Sans KR Bold"/>
                 <a:sym typeface="Source Han Sans KR Bold"/>
               </a:rPr>
-              <a:t>03 분석</a:t>
+              <a:t>문제 제기</a:t>
             </a:r>
           </a:p>
         </p:txBody>
       </p:sp>
-      <p:sp>
-        <p:nvSpPr>
-          <p:cNvPr id="27" name="TextBox 27"/>
-          <p:cNvSpPr txBox="1"/>
+      <p:pic>
+        <p:nvPicPr>
+          <p:cNvPr id="19" name="그림 18" descr="텍스트, 도표, 라인, 평면도이(가) 표시된 사진&#10;&#10;자동 생성된 설명">
+            <a:extLst>
+              <a:ext uri="{FF2B5EF4-FFF2-40B4-BE49-F238E27FC236}">
+                <a16:creationId xmlns:a16="http://schemas.microsoft.com/office/drawing/2014/main" id="{AF5EBB50-774A-FFD1-E3F8-0F4B0E0065C8}"/>
+              </a:ext>
+            </a:extLst>
+          </p:cNvPr>
+          <p:cNvPicPr>
+            <a:picLocks noChangeAspect="1"/>
+          </p:cNvPicPr>
           <p:nvPr/>
-        </p:nvSpPr>
+        </p:nvPicPr>
+        <p:blipFill>
+          <a:blip r:embed="rId2">
+            <a:extLst>
+              <a:ext uri="{28A0092B-C50C-407E-A947-70E740481C1C}">
+                <a14:useLocalDpi xmlns:a14="http://schemas.microsoft.com/office/drawing/2010/main" val="0"/>
+              </a:ext>
+            </a:extLst>
+          </a:blip>
+          <a:stretch>
+            <a:fillRect/>
+          </a:stretch>
+        </p:blipFill>
         <p:spPr>
           <a:xfrm>
-            <a:off x="1006631" y="6639053"/>
-            <a:ext cx="3628731" cy="2282100"/>
+            <a:off x="11314940" y="322092"/>
+            <a:ext cx="6973060" cy="9642817"/>
           </a:xfrm>
           <a:prstGeom prst="rect">
             <a:avLst/>
           </a:prstGeom>
+          <a:ln w="38100" cap="sq">
+            <a:solidFill>
+              <a:srgbClr val="000000"/>
+            </a:solidFill>
+            <a:prstDash val="solid"/>
+            <a:miter lim="800000"/>
+          </a:ln>
+          <a:effectLst>
+            <a:outerShdw blurRad="50800" dist="38100" dir="2700000" algn="tl" rotWithShape="0">
+              <a:srgbClr val="000000">
+                <a:alpha val="43000"/>
+              </a:srgbClr>
+            </a:outerShdw>
+          </a:effectLst>
         </p:spPr>
-        <p:txBody>
-          <a:bodyPr lIns="0" tIns="0" rIns="0" bIns="0" rtlCol="0" anchor="t">
-            <a:spAutoFit/>
-          </a:bodyPr>
-          <a:lstStyle/>
-          <a:p>
-            <a:pPr algn="ctr">
-              <a:lnSpc>
-                <a:spcPts val="3000"/>
-              </a:lnSpc>
-            </a:pPr>
-            <a:r>
-              <a:rPr lang="en-US" sz="2000">
-                <a:solidFill>
-                  <a:srgbClr val="090807"/>
-                </a:solidFill>
-                <a:latin typeface="KoPub바탕체 Medium" panose="02020603020101020101" pitchFamily="18" charset="-127"/>
-                <a:ea typeface="KoPub바탕체 Medium" panose="02020603020101020101" pitchFamily="18" charset="-127"/>
-                <a:cs typeface="Source Han Sans KR"/>
-                <a:sym typeface="Source Han Sans KR"/>
-              </a:rPr>
-              <a:t>Lorem ipsum dolor sit amet, consectetur adipiscing elit. Fusce mattis, lorem in venenatis porttitor nibh urna vestibulum tortor, ac placerat.</a:t>
-            </a:r>
-          </a:p>
-        </p:txBody>
-      </p:sp>
-      <p:sp>
-        <p:nvSpPr>
-          <p:cNvPr id="28" name="TextBox 28"/>
-          <p:cNvSpPr txBox="1"/>
-          <p:nvPr/>
-        </p:nvSpPr>
-        <p:spPr>
-          <a:xfrm>
-            <a:off x="5236680" y="6639053"/>
-            <a:ext cx="3628731" cy="2282100"/>
-          </a:xfrm>
-          <a:prstGeom prst="rect">
-            <a:avLst/>
-          </a:prstGeom>
-        </p:spPr>
-        <p:txBody>
-          <a:bodyPr lIns="0" tIns="0" rIns="0" bIns="0" rtlCol="0" anchor="t">
-            <a:spAutoFit/>
-          </a:bodyPr>
-          <a:lstStyle/>
-          <a:p>
-            <a:pPr algn="ctr">
-              <a:lnSpc>
-                <a:spcPts val="3000"/>
-              </a:lnSpc>
-            </a:pPr>
-            <a:r>
-              <a:rPr lang="en-US" sz="2000">
-                <a:solidFill>
-                  <a:srgbClr val="090807"/>
-                </a:solidFill>
-                <a:latin typeface="KoPub바탕체 Medium" panose="02020603020101020101" pitchFamily="18" charset="-127"/>
-                <a:ea typeface="KoPub바탕체 Medium" panose="02020603020101020101" pitchFamily="18" charset="-127"/>
-                <a:cs typeface="Source Han Sans KR"/>
-                <a:sym typeface="Source Han Sans KR"/>
-              </a:rPr>
-              <a:t>Lorem ipsum dolor sit amet, consectetur adipiscing elit. Fusce mattis, lorem in venenatis porttitor nibh urna vestibulum tortor, ac placerat.</a:t>
-            </a:r>
-          </a:p>
-        </p:txBody>
-      </p:sp>
-      <p:sp>
-        <p:nvSpPr>
-          <p:cNvPr id="29" name="TextBox 29"/>
-          <p:cNvSpPr txBox="1"/>
-          <p:nvPr/>
-        </p:nvSpPr>
-        <p:spPr>
-          <a:xfrm>
-            <a:off x="9617885" y="6639053"/>
-            <a:ext cx="3628731" cy="2282100"/>
-          </a:xfrm>
-          <a:prstGeom prst="rect">
-            <a:avLst/>
-          </a:prstGeom>
-        </p:spPr>
-        <p:txBody>
-          <a:bodyPr lIns="0" tIns="0" rIns="0" bIns="0" rtlCol="0" anchor="t">
-            <a:spAutoFit/>
-          </a:bodyPr>
-          <a:lstStyle/>
-          <a:p>
-            <a:pPr algn="ctr">
-              <a:lnSpc>
-                <a:spcPts val="3000"/>
-              </a:lnSpc>
-            </a:pPr>
-            <a:r>
-              <a:rPr lang="en-US" sz="2000">
-                <a:solidFill>
-                  <a:srgbClr val="090807"/>
-                </a:solidFill>
-                <a:latin typeface="KoPub바탕체 Medium" panose="02020603020101020101" pitchFamily="18" charset="-127"/>
-                <a:ea typeface="KoPub바탕체 Medium" panose="02020603020101020101" pitchFamily="18" charset="-127"/>
-                <a:cs typeface="Source Han Sans KR"/>
-                <a:sym typeface="Source Han Sans KR"/>
-              </a:rPr>
-              <a:t>Lorem ipsum dolor sit amet, consectetur adipiscing elit. Fusce mattis, lorem in venenatis porttitor nibh urna vestibulum tortor, ac placerat.</a:t>
-            </a:r>
-          </a:p>
-        </p:txBody>
-      </p:sp>
-      <p:sp>
-        <p:nvSpPr>
-          <p:cNvPr id="30" name="TextBox 30"/>
-          <p:cNvSpPr txBox="1"/>
-          <p:nvPr/>
-        </p:nvSpPr>
-        <p:spPr>
-          <a:xfrm>
-            <a:off x="13652639" y="6639053"/>
-            <a:ext cx="3628731" cy="2282100"/>
-          </a:xfrm>
-          <a:prstGeom prst="rect">
-            <a:avLst/>
-          </a:prstGeom>
-        </p:spPr>
-        <p:txBody>
-          <a:bodyPr lIns="0" tIns="0" rIns="0" bIns="0" rtlCol="0" anchor="t">
-            <a:spAutoFit/>
-          </a:bodyPr>
-          <a:lstStyle/>
-          <a:p>
-            <a:pPr algn="ctr">
-              <a:lnSpc>
-                <a:spcPts val="3000"/>
-              </a:lnSpc>
-            </a:pPr>
-            <a:r>
-              <a:rPr lang="en-US" sz="2000">
-                <a:solidFill>
-                  <a:srgbClr val="090807"/>
-                </a:solidFill>
-                <a:latin typeface="KoPub바탕체 Medium" panose="02020603020101020101" pitchFamily="18" charset="-127"/>
-                <a:ea typeface="KoPub바탕체 Medium" panose="02020603020101020101" pitchFamily="18" charset="-127"/>
-                <a:cs typeface="Source Han Sans KR"/>
-                <a:sym typeface="Source Han Sans KR"/>
-              </a:rPr>
-              <a:t>Lorem ipsum dolor sit amet, consectetur adipiscing elit. Fusce mattis, lorem in venenatis porttitor nibh urna vestibulum tortor, ac placerat.</a:t>
-            </a:r>
-          </a:p>
-        </p:txBody>
-      </p:sp>
+      </p:pic>
     </p:spTree>
+    <p:extLst>
+      <p:ext uri="{BB962C8B-B14F-4D97-AF65-F5344CB8AC3E}">
+        <p14:creationId xmlns:p14="http://schemas.microsoft.com/office/powerpoint/2010/main" val="934186770"/>
+      </p:ext>
+    </p:extLst>
   </p:cSld>
   <p:clrMapOvr>
     <a:masterClrMapping/>

--- a/알고리즘 3팀 화물차 알고리즘.pptx
+++ b/알고리즘 3팀 화물차 알고리즘.pptx
@@ -3776,7 +3776,7 @@
                 <a:cs typeface="Source Han Sans KR Bold"/>
                 <a:sym typeface="Source Han Sans KR Bold"/>
               </a:rPr>
-              <a:t>01 </a:t>
+              <a:t>05 </a:t>
             </a:r>
             <a:r>
               <a:rPr lang="ko-KR" altLang="en-US" sz="2499" b="1" dirty="0">
@@ -5643,8 +5643,8 @@
           </p:txBody>
         </p:sp>
       </p:grpSp>
-      <mc:AlternateContent xmlns:mc="http://schemas.openxmlformats.org/markup-compatibility/2006">
-        <mc:Choice xmlns:a14="http://schemas.microsoft.com/office/drawing/2010/main" Requires="a14">
+      <mc:AlternateContent xmlns:mc="http://schemas.openxmlformats.org/markup-compatibility/2006" xmlns:a14="http://schemas.microsoft.com/office/drawing/2010/main">
+        <mc:Choice Requires="a14">
           <p:sp>
             <p:nvSpPr>
               <p:cNvPr id="14" name="TextBox 14">
@@ -5968,7 +5968,7 @@
             </p:txBody>
           </p:sp>
         </mc:Choice>
-        <mc:Fallback>
+        <mc:Fallback xmlns="">
           <p:sp>
             <p:nvSpPr>
               <p:cNvPr id="14" name="TextBox 14">
@@ -6013,8 +6013,8 @@
           </p:sp>
         </mc:Fallback>
       </mc:AlternateContent>
-      <mc:AlternateContent xmlns:mc="http://schemas.openxmlformats.org/markup-compatibility/2006">
-        <mc:Choice xmlns:a14="http://schemas.microsoft.com/office/drawing/2010/main" Requires="a14">
+      <mc:AlternateContent xmlns:mc="http://schemas.openxmlformats.org/markup-compatibility/2006" xmlns:a14="http://schemas.microsoft.com/office/drawing/2010/main">
+        <mc:Choice Requires="a14">
           <p:sp>
             <p:nvSpPr>
               <p:cNvPr id="15" name="TextBox 15">
@@ -6194,7 +6194,7 @@
             </p:txBody>
           </p:sp>
         </mc:Choice>
-        <mc:Fallback>
+        <mc:Fallback xmlns="">
           <p:sp>
             <p:nvSpPr>
               <p:cNvPr id="15" name="TextBox 15">
@@ -8986,8 +8986,8 @@
           </a:p>
         </p:txBody>
       </p:sp>
-      <mc:AlternateContent xmlns:mc="http://schemas.openxmlformats.org/markup-compatibility/2006">
-        <mc:Choice xmlns:a14="http://schemas.microsoft.com/office/drawing/2010/main" Requires="a14">
+      <mc:AlternateContent xmlns:mc="http://schemas.openxmlformats.org/markup-compatibility/2006" xmlns:a14="http://schemas.microsoft.com/office/drawing/2010/main">
+        <mc:Choice Requires="a14">
           <p:sp>
             <p:nvSpPr>
               <p:cNvPr id="15" name="TextBox 15">
@@ -9178,7 +9178,7 @@
             </p:txBody>
           </p:sp>
         </mc:Choice>
-        <mc:Fallback>
+        <mc:Fallback xmlns="">
           <p:sp>
             <p:nvSpPr>
               <p:cNvPr id="15" name="TextBox 15">
@@ -18184,8 +18184,8 @@
           </a:p>
         </p:txBody>
       </p:sp>
-      <mc:AlternateContent xmlns:mc="http://schemas.openxmlformats.org/markup-compatibility/2006">
-        <mc:Choice xmlns:a14="http://schemas.microsoft.com/office/drawing/2010/main" Requires="a14">
+      <mc:AlternateContent xmlns:mc="http://schemas.openxmlformats.org/markup-compatibility/2006" xmlns:a14="http://schemas.microsoft.com/office/drawing/2010/main">
+        <mc:Choice Requires="a14">
           <p:sp>
             <p:nvSpPr>
               <p:cNvPr id="15" name="TextBox 15">
@@ -18330,7 +18330,7 @@
             </p:txBody>
           </p:sp>
         </mc:Choice>
-        <mc:Fallback>
+        <mc:Fallback xmlns="">
           <p:sp>
             <p:nvSpPr>
               <p:cNvPr id="15" name="TextBox 15">
@@ -19923,8 +19923,8 @@
           </a:p>
         </p:txBody>
       </p:sp>
-      <mc:AlternateContent xmlns:mc="http://schemas.openxmlformats.org/markup-compatibility/2006">
-        <mc:Choice xmlns:a14="http://schemas.microsoft.com/office/drawing/2010/main" Requires="a14">
+      <mc:AlternateContent xmlns:mc="http://schemas.openxmlformats.org/markup-compatibility/2006" xmlns:a14="http://schemas.microsoft.com/office/drawing/2010/main">
+        <mc:Choice Requires="a14">
           <p:sp>
             <p:nvSpPr>
               <p:cNvPr id="15" name="TextBox 15">
@@ -20129,7 +20129,7 @@
             </p:txBody>
           </p:sp>
         </mc:Choice>
-        <mc:Fallback>
+        <mc:Fallback xmlns="">
           <p:sp>
             <p:nvSpPr>
               <p:cNvPr id="15" name="TextBox 15">

--- a/알고리즘 3팀 화물차 알고리즘.pptx
+++ b/알고리즘 3팀 화물차 알고리즘.pptx
@@ -4,36 +4,48 @@
   <p:sldMasterIdLst>
     <p:sldMasterId id="2147483648" r:id="rId1"/>
   </p:sldMasterIdLst>
+  <p:notesMasterIdLst>
+    <p:notesMasterId r:id="rId21"/>
+  </p:notesMasterIdLst>
+  <p:handoutMasterIdLst>
+    <p:handoutMasterId r:id="rId22"/>
+  </p:handoutMasterIdLst>
   <p:sldIdLst>
     <p:sldId id="256" r:id="rId2"/>
     <p:sldId id="258" r:id="rId3"/>
     <p:sldId id="269" r:id="rId4"/>
     <p:sldId id="268" r:id="rId5"/>
     <p:sldId id="266" r:id="rId6"/>
-    <p:sldId id="272" r:id="rId7"/>
-    <p:sldId id="273" r:id="rId8"/>
-    <p:sldId id="271" r:id="rId9"/>
-    <p:sldId id="276" r:id="rId10"/>
-    <p:sldId id="279" r:id="rId11"/>
-    <p:sldId id="270" r:id="rId12"/>
-    <p:sldId id="275" r:id="rId13"/>
-    <p:sldId id="278" r:id="rId14"/>
-    <p:sldId id="267" r:id="rId15"/>
-    <p:sldId id="274" r:id="rId16"/>
-    <p:sldId id="277" r:id="rId17"/>
-    <p:sldId id="264" r:id="rId18"/>
-    <p:sldId id="265" r:id="rId19"/>
+    <p:sldId id="280" r:id="rId7"/>
+    <p:sldId id="272" r:id="rId8"/>
+    <p:sldId id="273" r:id="rId9"/>
+    <p:sldId id="271" r:id="rId10"/>
+    <p:sldId id="276" r:id="rId11"/>
+    <p:sldId id="279" r:id="rId12"/>
+    <p:sldId id="270" r:id="rId13"/>
+    <p:sldId id="275" r:id="rId14"/>
+    <p:sldId id="278" r:id="rId15"/>
+    <p:sldId id="267" r:id="rId16"/>
+    <p:sldId id="274" r:id="rId17"/>
+    <p:sldId id="277" r:id="rId18"/>
+    <p:sldId id="264" r:id="rId19"/>
+    <p:sldId id="265" r:id="rId20"/>
   </p:sldIdLst>
   <p:sldSz cx="18288000" cy="10287000"/>
   <p:notesSz cx="6858000" cy="9144000"/>
   <p:embeddedFontLst>
     <p:embeddedFont>
       <p:font typeface="Cambria Math" panose="02040503050406030204" pitchFamily="18" charset="0"/>
-      <p:regular r:id="rId20"/>
+      <p:regular r:id="rId23"/>
     </p:embeddedFont>
     <p:embeddedFont>
       <p:font typeface="KoPub바탕체 Medium" panose="02020603020101020101" pitchFamily="18" charset="-127"/>
-      <p:regular r:id="rId21"/>
+      <p:regular r:id="rId24"/>
+    </p:embeddedFont>
+    <p:embeddedFont>
+      <p:font typeface="맑은 고딕" panose="020B0503020000020004" pitchFamily="50" charset="-127"/>
+      <p:regular r:id="rId25"/>
+      <p:bold r:id="rId26"/>
     </p:embeddedFont>
   </p:embeddedFontLst>
   <p:defaultTextStyle>
@@ -150,6 +162,546 @@
 </p:presentation>
 </file>
 
+<file path=ppt/handoutMasters/handoutMaster1.xml><?xml version="1.0" encoding="utf-8"?>
+<p:handoutMaster xmlns:a="http://schemas.openxmlformats.org/drawingml/2006/main" xmlns:r="http://schemas.openxmlformats.org/officeDocument/2006/relationships" xmlns:p="http://schemas.openxmlformats.org/presentationml/2006/main">
+  <p:cSld>
+    <p:bg>
+      <p:bgRef idx="1001">
+        <a:schemeClr val="bg1"/>
+      </p:bgRef>
+    </p:bg>
+    <p:spTree>
+      <p:nvGrpSpPr>
+        <p:cNvPr id="1" name=""/>
+        <p:cNvGrpSpPr/>
+        <p:nvPr/>
+      </p:nvGrpSpPr>
+      <p:grpSpPr>
+        <a:xfrm>
+          <a:off x="0" y="0"/>
+          <a:ext cx="0" cy="0"/>
+          <a:chOff x="0" y="0"/>
+          <a:chExt cx="0" cy="0"/>
+        </a:xfrm>
+      </p:grpSpPr>
+      <p:sp>
+        <p:nvSpPr>
+          <p:cNvPr id="2" name="머리글 개체 틀 1">
+            <a:extLst>
+              <a:ext uri="{FF2B5EF4-FFF2-40B4-BE49-F238E27FC236}">
+                <a16:creationId xmlns:a16="http://schemas.microsoft.com/office/drawing/2014/main" id="{DBA98D77-67E3-4F04-823D-AAA9BD1597D4}"/>
+              </a:ext>
+            </a:extLst>
+          </p:cNvPr>
+          <p:cNvSpPr>
+            <a:spLocks noGrp="1"/>
+          </p:cNvSpPr>
+          <p:nvPr>
+            <p:ph type="hdr" sz="quarter"/>
+          </p:nvPr>
+        </p:nvSpPr>
+        <p:spPr>
+          <a:xfrm>
+            <a:off x="0" y="0"/>
+            <a:ext cx="2971800" cy="458788"/>
+          </a:xfrm>
+          <a:prstGeom prst="rect">
+            <a:avLst/>
+          </a:prstGeom>
+        </p:spPr>
+        <p:txBody>
+          <a:bodyPr vert="horz" lIns="91440" tIns="45720" rIns="91440" bIns="45720" rtlCol="0"/>
+          <a:lstStyle>
+            <a:lvl1pPr algn="l">
+              <a:defRPr sz="1200"/>
+            </a:lvl1pPr>
+          </a:lstStyle>
+          <a:p>
+            <a:endParaRPr lang="ko-KR" altLang="en-US"/>
+          </a:p>
+        </p:txBody>
+      </p:sp>
+      <p:sp>
+        <p:nvSpPr>
+          <p:cNvPr id="3" name="날짜 개체 틀 2">
+            <a:extLst>
+              <a:ext uri="{FF2B5EF4-FFF2-40B4-BE49-F238E27FC236}">
+                <a16:creationId xmlns:a16="http://schemas.microsoft.com/office/drawing/2014/main" id="{6D4F40FF-790B-0C3B-FF71-50587D4809E6}"/>
+              </a:ext>
+            </a:extLst>
+          </p:cNvPr>
+          <p:cNvSpPr>
+            <a:spLocks noGrp="1"/>
+          </p:cNvSpPr>
+          <p:nvPr>
+            <p:ph type="dt" sz="quarter" idx="1"/>
+          </p:nvPr>
+        </p:nvSpPr>
+        <p:spPr>
+          <a:xfrm>
+            <a:off x="3884613" y="0"/>
+            <a:ext cx="2971800" cy="458788"/>
+          </a:xfrm>
+          <a:prstGeom prst="rect">
+            <a:avLst/>
+          </a:prstGeom>
+        </p:spPr>
+        <p:txBody>
+          <a:bodyPr vert="horz" lIns="91440" tIns="45720" rIns="91440" bIns="45720" rtlCol="0"/>
+          <a:lstStyle>
+            <a:lvl1pPr algn="r">
+              <a:defRPr sz="1200"/>
+            </a:lvl1pPr>
+          </a:lstStyle>
+          <a:p>
+            <a:fld id="{EEA518B5-571E-4946-96B1-657D125ABE96}" type="datetimeFigureOut">
+              <a:rPr lang="ko-KR" altLang="en-US" smtClean="0"/>
+              <a:t>2024-11-25(Mon)</a:t>
+            </a:fld>
+            <a:endParaRPr lang="ko-KR" altLang="en-US"/>
+          </a:p>
+        </p:txBody>
+      </p:sp>
+      <p:sp>
+        <p:nvSpPr>
+          <p:cNvPr id="4" name="바닥글 개체 틀 3">
+            <a:extLst>
+              <a:ext uri="{FF2B5EF4-FFF2-40B4-BE49-F238E27FC236}">
+                <a16:creationId xmlns:a16="http://schemas.microsoft.com/office/drawing/2014/main" id="{118E3D5B-2644-238F-0429-8F64142DC482}"/>
+              </a:ext>
+            </a:extLst>
+          </p:cNvPr>
+          <p:cNvSpPr>
+            <a:spLocks noGrp="1"/>
+          </p:cNvSpPr>
+          <p:nvPr>
+            <p:ph type="ftr" sz="quarter" idx="2"/>
+          </p:nvPr>
+        </p:nvSpPr>
+        <p:spPr>
+          <a:xfrm>
+            <a:off x="0" y="8685213"/>
+            <a:ext cx="2971800" cy="458787"/>
+          </a:xfrm>
+          <a:prstGeom prst="rect">
+            <a:avLst/>
+          </a:prstGeom>
+        </p:spPr>
+        <p:txBody>
+          <a:bodyPr vert="horz" lIns="91440" tIns="45720" rIns="91440" bIns="45720" rtlCol="0" anchor="b"/>
+          <a:lstStyle>
+            <a:lvl1pPr algn="l">
+              <a:defRPr sz="1200"/>
+            </a:lvl1pPr>
+          </a:lstStyle>
+          <a:p>
+            <a:endParaRPr lang="ko-KR" altLang="en-US"/>
+          </a:p>
+        </p:txBody>
+      </p:sp>
+      <p:sp>
+        <p:nvSpPr>
+          <p:cNvPr id="5" name="슬라이드 번호 개체 틀 4">
+            <a:extLst>
+              <a:ext uri="{FF2B5EF4-FFF2-40B4-BE49-F238E27FC236}">
+                <a16:creationId xmlns:a16="http://schemas.microsoft.com/office/drawing/2014/main" id="{8686D5DD-8B4A-D980-CF30-F13E35DC51E1}"/>
+              </a:ext>
+            </a:extLst>
+          </p:cNvPr>
+          <p:cNvSpPr>
+            <a:spLocks noGrp="1"/>
+          </p:cNvSpPr>
+          <p:nvPr>
+            <p:ph type="sldNum" sz="quarter" idx="3"/>
+          </p:nvPr>
+        </p:nvSpPr>
+        <p:spPr>
+          <a:xfrm>
+            <a:off x="3884613" y="8685213"/>
+            <a:ext cx="2971800" cy="458787"/>
+          </a:xfrm>
+          <a:prstGeom prst="rect">
+            <a:avLst/>
+          </a:prstGeom>
+        </p:spPr>
+        <p:txBody>
+          <a:bodyPr vert="horz" lIns="91440" tIns="45720" rIns="91440" bIns="45720" rtlCol="0" anchor="b"/>
+          <a:lstStyle>
+            <a:lvl1pPr algn="r">
+              <a:defRPr sz="1200"/>
+            </a:lvl1pPr>
+          </a:lstStyle>
+          <a:p>
+            <a:fld id="{F5AB28E8-25A6-4A8A-9382-B06A83A90690}" type="slidenum">
+              <a:rPr lang="ko-KR" altLang="en-US" smtClean="0"/>
+              <a:t>‹#›</a:t>
+            </a:fld>
+            <a:endParaRPr lang="ko-KR" altLang="en-US"/>
+          </a:p>
+        </p:txBody>
+      </p:sp>
+    </p:spTree>
+    <p:extLst>
+      <p:ext uri="{BB962C8B-B14F-4D97-AF65-F5344CB8AC3E}">
+        <p14:creationId xmlns:p14="http://schemas.microsoft.com/office/powerpoint/2010/main" val="3856707959"/>
+      </p:ext>
+    </p:extLst>
+  </p:cSld>
+  <p:clrMap bg1="lt1" tx1="dk1" bg2="lt2" tx2="dk2" accent1="accent1" accent2="accent2" accent3="accent3" accent4="accent4" accent5="accent5" accent6="accent6" hlink="hlink" folHlink="folHlink"/>
+  <p:hf hdr="0" ftr="0" dt="0"/>
+</p:handoutMaster>
+</file>
+
+<file path=ppt/notesMasters/notesMaster1.xml><?xml version="1.0" encoding="utf-8"?>
+<p:notesMaster xmlns:a="http://schemas.openxmlformats.org/drawingml/2006/main" xmlns:r="http://schemas.openxmlformats.org/officeDocument/2006/relationships" xmlns:p="http://schemas.openxmlformats.org/presentationml/2006/main">
+  <p:cSld>
+    <p:bg>
+      <p:bgRef idx="1001">
+        <a:schemeClr val="bg1"/>
+      </p:bgRef>
+    </p:bg>
+    <p:spTree>
+      <p:nvGrpSpPr>
+        <p:cNvPr id="1" name=""/>
+        <p:cNvGrpSpPr/>
+        <p:nvPr/>
+      </p:nvGrpSpPr>
+      <p:grpSpPr>
+        <a:xfrm>
+          <a:off x="0" y="0"/>
+          <a:ext cx="0" cy="0"/>
+          <a:chOff x="0" y="0"/>
+          <a:chExt cx="0" cy="0"/>
+        </a:xfrm>
+      </p:grpSpPr>
+      <p:sp>
+        <p:nvSpPr>
+          <p:cNvPr id="2" name="머리글 개체 틀 1"/>
+          <p:cNvSpPr>
+            <a:spLocks noGrp="1"/>
+          </p:cNvSpPr>
+          <p:nvPr>
+            <p:ph type="hdr" sz="quarter"/>
+          </p:nvPr>
+        </p:nvSpPr>
+        <p:spPr>
+          <a:xfrm>
+            <a:off x="0" y="0"/>
+            <a:ext cx="2971800" cy="458788"/>
+          </a:xfrm>
+          <a:prstGeom prst="rect">
+            <a:avLst/>
+          </a:prstGeom>
+        </p:spPr>
+        <p:txBody>
+          <a:bodyPr vert="horz" lIns="91440" tIns="45720" rIns="91440" bIns="45720" rtlCol="0"/>
+          <a:lstStyle>
+            <a:lvl1pPr algn="l">
+              <a:defRPr sz="1200"/>
+            </a:lvl1pPr>
+          </a:lstStyle>
+          <a:p>
+            <a:endParaRPr lang="ko-KR" altLang="en-US"/>
+          </a:p>
+        </p:txBody>
+      </p:sp>
+      <p:sp>
+        <p:nvSpPr>
+          <p:cNvPr id="3" name="날짜 개체 틀 2"/>
+          <p:cNvSpPr>
+            <a:spLocks noGrp="1"/>
+          </p:cNvSpPr>
+          <p:nvPr>
+            <p:ph type="dt" idx="1"/>
+          </p:nvPr>
+        </p:nvSpPr>
+        <p:spPr>
+          <a:xfrm>
+            <a:off x="3884613" y="0"/>
+            <a:ext cx="2971800" cy="458788"/>
+          </a:xfrm>
+          <a:prstGeom prst="rect">
+            <a:avLst/>
+          </a:prstGeom>
+        </p:spPr>
+        <p:txBody>
+          <a:bodyPr vert="horz" lIns="91440" tIns="45720" rIns="91440" bIns="45720" rtlCol="0"/>
+          <a:lstStyle>
+            <a:lvl1pPr algn="r">
+              <a:defRPr sz="1200"/>
+            </a:lvl1pPr>
+          </a:lstStyle>
+          <a:p>
+            <a:fld id="{F66EB067-7100-4CF5-B1F6-734139AD92A7}" type="datetimeFigureOut">
+              <a:rPr lang="ko-KR" altLang="en-US" smtClean="0"/>
+              <a:t>2024-11-25(Mon)</a:t>
+            </a:fld>
+            <a:endParaRPr lang="ko-KR" altLang="en-US"/>
+          </a:p>
+        </p:txBody>
+      </p:sp>
+      <p:sp>
+        <p:nvSpPr>
+          <p:cNvPr id="4" name="슬라이드 이미지 개체 틀 3"/>
+          <p:cNvSpPr>
+            <a:spLocks noGrp="1" noRot="1" noChangeAspect="1"/>
+          </p:cNvSpPr>
+          <p:nvPr>
+            <p:ph type="sldImg" idx="2"/>
+          </p:nvPr>
+        </p:nvSpPr>
+        <p:spPr>
+          <a:xfrm>
+            <a:off x="685800" y="1143000"/>
+            <a:ext cx="5486400" cy="3086100"/>
+          </a:xfrm>
+          <a:prstGeom prst="rect">
+            <a:avLst/>
+          </a:prstGeom>
+          <a:noFill/>
+          <a:ln w="12700">
+            <a:solidFill>
+              <a:prstClr val="black"/>
+            </a:solidFill>
+          </a:ln>
+        </p:spPr>
+        <p:txBody>
+          <a:bodyPr vert="horz" lIns="91440" tIns="45720" rIns="91440" bIns="45720" rtlCol="0" anchor="ctr"/>
+          <a:lstStyle/>
+          <a:p>
+            <a:endParaRPr lang="ko-KR" altLang="en-US"/>
+          </a:p>
+        </p:txBody>
+      </p:sp>
+      <p:sp>
+        <p:nvSpPr>
+          <p:cNvPr id="5" name="슬라이드 노트 개체 틀 4"/>
+          <p:cNvSpPr>
+            <a:spLocks noGrp="1"/>
+          </p:cNvSpPr>
+          <p:nvPr>
+            <p:ph type="body" sz="quarter" idx="3"/>
+          </p:nvPr>
+        </p:nvSpPr>
+        <p:spPr>
+          <a:xfrm>
+            <a:off x="685800" y="4400550"/>
+            <a:ext cx="5486400" cy="3600450"/>
+          </a:xfrm>
+          <a:prstGeom prst="rect">
+            <a:avLst/>
+          </a:prstGeom>
+        </p:spPr>
+        <p:txBody>
+          <a:bodyPr vert="horz" lIns="91440" tIns="45720" rIns="91440" bIns="45720" rtlCol="0"/>
+          <a:lstStyle/>
+          <a:p>
+            <a:pPr lvl="0"/>
+            <a:r>
+              <a:rPr lang="ko-KR" altLang="en-US"/>
+              <a:t>마스터 텍스트 스타일을 편집하려면 클릭</a:t>
+            </a:r>
+          </a:p>
+          <a:p>
+            <a:pPr lvl="1"/>
+            <a:r>
+              <a:rPr lang="ko-KR" altLang="en-US"/>
+              <a:t>두 번째 수준</a:t>
+            </a:r>
+          </a:p>
+          <a:p>
+            <a:pPr lvl="2"/>
+            <a:r>
+              <a:rPr lang="ko-KR" altLang="en-US"/>
+              <a:t>세 번째 수준</a:t>
+            </a:r>
+          </a:p>
+          <a:p>
+            <a:pPr lvl="3"/>
+            <a:r>
+              <a:rPr lang="ko-KR" altLang="en-US"/>
+              <a:t>네 번째 수준</a:t>
+            </a:r>
+          </a:p>
+          <a:p>
+            <a:pPr lvl="4"/>
+            <a:r>
+              <a:rPr lang="ko-KR" altLang="en-US"/>
+              <a:t>다섯 번째 수준</a:t>
+            </a:r>
+          </a:p>
+        </p:txBody>
+      </p:sp>
+      <p:sp>
+        <p:nvSpPr>
+          <p:cNvPr id="6" name="바닥글 개체 틀 5"/>
+          <p:cNvSpPr>
+            <a:spLocks noGrp="1"/>
+          </p:cNvSpPr>
+          <p:nvPr>
+            <p:ph type="ftr" sz="quarter" idx="4"/>
+          </p:nvPr>
+        </p:nvSpPr>
+        <p:spPr>
+          <a:xfrm>
+            <a:off x="0" y="8685213"/>
+            <a:ext cx="2971800" cy="458787"/>
+          </a:xfrm>
+          <a:prstGeom prst="rect">
+            <a:avLst/>
+          </a:prstGeom>
+        </p:spPr>
+        <p:txBody>
+          <a:bodyPr vert="horz" lIns="91440" tIns="45720" rIns="91440" bIns="45720" rtlCol="0" anchor="b"/>
+          <a:lstStyle>
+            <a:lvl1pPr algn="l">
+              <a:defRPr sz="1200"/>
+            </a:lvl1pPr>
+          </a:lstStyle>
+          <a:p>
+            <a:endParaRPr lang="ko-KR" altLang="en-US"/>
+          </a:p>
+        </p:txBody>
+      </p:sp>
+      <p:sp>
+        <p:nvSpPr>
+          <p:cNvPr id="7" name="슬라이드 번호 개체 틀 6"/>
+          <p:cNvSpPr>
+            <a:spLocks noGrp="1"/>
+          </p:cNvSpPr>
+          <p:nvPr>
+            <p:ph type="sldNum" sz="quarter" idx="5"/>
+          </p:nvPr>
+        </p:nvSpPr>
+        <p:spPr>
+          <a:xfrm>
+            <a:off x="3884613" y="8685213"/>
+            <a:ext cx="2971800" cy="458787"/>
+          </a:xfrm>
+          <a:prstGeom prst="rect">
+            <a:avLst/>
+          </a:prstGeom>
+        </p:spPr>
+        <p:txBody>
+          <a:bodyPr vert="horz" lIns="91440" tIns="45720" rIns="91440" bIns="45720" rtlCol="0" anchor="b"/>
+          <a:lstStyle>
+            <a:lvl1pPr algn="r">
+              <a:defRPr sz="1200"/>
+            </a:lvl1pPr>
+          </a:lstStyle>
+          <a:p>
+            <a:fld id="{C05E3792-9DC5-4EF3-8633-9B391D825D9D}" type="slidenum">
+              <a:rPr lang="ko-KR" altLang="en-US" smtClean="0"/>
+              <a:t>‹#›</a:t>
+            </a:fld>
+            <a:endParaRPr lang="ko-KR" altLang="en-US"/>
+          </a:p>
+        </p:txBody>
+      </p:sp>
+    </p:spTree>
+    <p:extLst>
+      <p:ext uri="{BB962C8B-B14F-4D97-AF65-F5344CB8AC3E}">
+        <p14:creationId xmlns:p14="http://schemas.microsoft.com/office/powerpoint/2010/main" val="1854656894"/>
+      </p:ext>
+    </p:extLst>
+  </p:cSld>
+  <p:clrMap bg1="lt1" tx1="dk1" bg2="lt2" tx2="dk2" accent1="accent1" accent2="accent2" accent3="accent3" accent4="accent4" accent5="accent5" accent6="accent6" hlink="hlink" folHlink="folHlink"/>
+  <p:hf hdr="0" ftr="0" dt="0"/>
+  <p:notesStyle>
+    <a:lvl1pPr marL="0" algn="l" defTabSz="914400" rtl="0" eaLnBrk="1" latinLnBrk="1" hangingPunct="1">
+      <a:defRPr sz="1200" kern="1200">
+        <a:solidFill>
+          <a:schemeClr val="tx1"/>
+        </a:solidFill>
+        <a:latin typeface="+mn-lt"/>
+        <a:ea typeface="+mn-ea"/>
+        <a:cs typeface="+mn-cs"/>
+      </a:defRPr>
+    </a:lvl1pPr>
+    <a:lvl2pPr marL="457200" algn="l" defTabSz="914400" rtl="0" eaLnBrk="1" latinLnBrk="1" hangingPunct="1">
+      <a:defRPr sz="1200" kern="1200">
+        <a:solidFill>
+          <a:schemeClr val="tx1"/>
+        </a:solidFill>
+        <a:latin typeface="+mn-lt"/>
+        <a:ea typeface="+mn-ea"/>
+        <a:cs typeface="+mn-cs"/>
+      </a:defRPr>
+    </a:lvl2pPr>
+    <a:lvl3pPr marL="914400" algn="l" defTabSz="914400" rtl="0" eaLnBrk="1" latinLnBrk="1" hangingPunct="1">
+      <a:defRPr sz="1200" kern="1200">
+        <a:solidFill>
+          <a:schemeClr val="tx1"/>
+        </a:solidFill>
+        <a:latin typeface="+mn-lt"/>
+        <a:ea typeface="+mn-ea"/>
+        <a:cs typeface="+mn-cs"/>
+      </a:defRPr>
+    </a:lvl3pPr>
+    <a:lvl4pPr marL="1371600" algn="l" defTabSz="914400" rtl="0" eaLnBrk="1" latinLnBrk="1" hangingPunct="1">
+      <a:defRPr sz="1200" kern="1200">
+        <a:solidFill>
+          <a:schemeClr val="tx1"/>
+        </a:solidFill>
+        <a:latin typeface="+mn-lt"/>
+        <a:ea typeface="+mn-ea"/>
+        <a:cs typeface="+mn-cs"/>
+      </a:defRPr>
+    </a:lvl4pPr>
+    <a:lvl5pPr marL="1828800" algn="l" defTabSz="914400" rtl="0" eaLnBrk="1" latinLnBrk="1" hangingPunct="1">
+      <a:defRPr sz="1200" kern="1200">
+        <a:solidFill>
+          <a:schemeClr val="tx1"/>
+        </a:solidFill>
+        <a:latin typeface="+mn-lt"/>
+        <a:ea typeface="+mn-ea"/>
+        <a:cs typeface="+mn-cs"/>
+      </a:defRPr>
+    </a:lvl5pPr>
+    <a:lvl6pPr marL="2286000" algn="l" defTabSz="914400" rtl="0" eaLnBrk="1" latinLnBrk="1" hangingPunct="1">
+      <a:defRPr sz="1200" kern="1200">
+        <a:solidFill>
+          <a:schemeClr val="tx1"/>
+        </a:solidFill>
+        <a:latin typeface="+mn-lt"/>
+        <a:ea typeface="+mn-ea"/>
+        <a:cs typeface="+mn-cs"/>
+      </a:defRPr>
+    </a:lvl6pPr>
+    <a:lvl7pPr marL="2743200" algn="l" defTabSz="914400" rtl="0" eaLnBrk="1" latinLnBrk="1" hangingPunct="1">
+      <a:defRPr sz="1200" kern="1200">
+        <a:solidFill>
+          <a:schemeClr val="tx1"/>
+        </a:solidFill>
+        <a:latin typeface="+mn-lt"/>
+        <a:ea typeface="+mn-ea"/>
+        <a:cs typeface="+mn-cs"/>
+      </a:defRPr>
+    </a:lvl7pPr>
+    <a:lvl8pPr marL="3200400" algn="l" defTabSz="914400" rtl="0" eaLnBrk="1" latinLnBrk="1" hangingPunct="1">
+      <a:defRPr sz="1200" kern="1200">
+        <a:solidFill>
+          <a:schemeClr val="tx1"/>
+        </a:solidFill>
+        <a:latin typeface="+mn-lt"/>
+        <a:ea typeface="+mn-ea"/>
+        <a:cs typeface="+mn-cs"/>
+      </a:defRPr>
+    </a:lvl8pPr>
+    <a:lvl9pPr marL="3657600" algn="l" defTabSz="914400" rtl="0" eaLnBrk="1" latinLnBrk="1" hangingPunct="1">
+      <a:defRPr sz="1200" kern="1200">
+        <a:solidFill>
+          <a:schemeClr val="tx1"/>
+        </a:solidFill>
+        <a:latin typeface="+mn-lt"/>
+        <a:ea typeface="+mn-ea"/>
+        <a:cs typeface="+mn-cs"/>
+      </a:defRPr>
+    </a:lvl9pPr>
+  </p:notesStyle>
+</p:notesMaster>
+</file>
+
 <file path=ppt/slideLayouts/slideLayout1.xml><?xml version="1.0" encoding="utf-8"?>
 <p:sldLayout xmlns:a="http://schemas.openxmlformats.org/drawingml/2006/main" xmlns:r="http://schemas.openxmlformats.org/officeDocument/2006/relationships" xmlns:p="http://schemas.openxmlformats.org/presentationml/2006/main" type="title" preserve="1">
   <p:cSld name="Title Slide">
@@ -327,9 +879,8 @@
           <a:bodyPr/>
           <a:lstStyle/>
           <a:p>
-            <a:fld id="{1D8BD707-D9CF-40AE-B4C6-C98DA3205C09}" type="datetimeFigureOut">
-              <a:rPr lang="en-US" smtClean="0"/>
-              <a:pPr/>
+            <a:fld id="{E94733BE-1FFE-4D00-AC3C-3887F8851D1B}" type="datetime1">
+              <a:rPr lang="en-US" altLang="ko-KR" smtClean="0"/>
               <a:t>11/25/2024</a:t>
             </a:fld>
             <a:endParaRPr lang="en-US"/>
@@ -492,9 +1043,8 @@
           <a:bodyPr/>
           <a:lstStyle/>
           <a:p>
-            <a:fld id="{1D8BD707-D9CF-40AE-B4C6-C98DA3205C09}" type="datetimeFigureOut">
-              <a:rPr lang="en-US" smtClean="0"/>
-              <a:pPr/>
+            <a:fld id="{535CBD4C-0024-4880-A8E3-B09B65468C24}" type="datetime1">
+              <a:rPr lang="en-US" altLang="ko-KR" smtClean="0"/>
               <a:t>11/25/2024</a:t>
             </a:fld>
             <a:endParaRPr lang="en-US"/>
@@ -667,9 +1217,8 @@
           <a:bodyPr/>
           <a:lstStyle/>
           <a:p>
-            <a:fld id="{1D8BD707-D9CF-40AE-B4C6-C98DA3205C09}" type="datetimeFigureOut">
-              <a:rPr lang="en-US" smtClean="0"/>
-              <a:pPr/>
+            <a:fld id="{05A553C1-EBFC-42A1-8FA9-E44AAED7D36F}" type="datetime1">
+              <a:rPr lang="en-US" altLang="ko-KR" smtClean="0"/>
               <a:t>11/25/2024</a:t>
             </a:fld>
             <a:endParaRPr lang="en-US"/>
@@ -832,9 +1381,8 @@
           <a:bodyPr/>
           <a:lstStyle/>
           <a:p>
-            <a:fld id="{1D8BD707-D9CF-40AE-B4C6-C98DA3205C09}" type="datetimeFigureOut">
-              <a:rPr lang="en-US" smtClean="0"/>
-              <a:pPr/>
+            <a:fld id="{10FF459D-20DD-411F-85CF-1F304AAE0C4B}" type="datetime1">
+              <a:rPr lang="en-US" altLang="ko-KR" smtClean="0"/>
               <a:t>11/25/2024</a:t>
             </a:fld>
             <a:endParaRPr lang="en-US"/>
@@ -1074,9 +1622,8 @@
           <a:bodyPr/>
           <a:lstStyle/>
           <a:p>
-            <a:fld id="{1D8BD707-D9CF-40AE-B4C6-C98DA3205C09}" type="datetimeFigureOut">
-              <a:rPr lang="en-US" smtClean="0"/>
-              <a:pPr/>
+            <a:fld id="{37F309B1-94F0-45FB-96F9-9E45FFCC60DC}" type="datetime1">
+              <a:rPr lang="en-US" altLang="ko-KR" smtClean="0"/>
               <a:t>11/25/2024</a:t>
             </a:fld>
             <a:endParaRPr lang="en-US"/>
@@ -1356,9 +1903,8 @@
           <a:bodyPr/>
           <a:lstStyle/>
           <a:p>
-            <a:fld id="{1D8BD707-D9CF-40AE-B4C6-C98DA3205C09}" type="datetimeFigureOut">
-              <a:rPr lang="en-US" smtClean="0"/>
-              <a:pPr/>
+            <a:fld id="{45CF3603-C7C6-4317-A41E-54CEEC099154}" type="datetime1">
+              <a:rPr lang="en-US" altLang="ko-KR" smtClean="0"/>
               <a:t>11/25/2024</a:t>
             </a:fld>
             <a:endParaRPr lang="en-US"/>
@@ -1772,9 +2318,8 @@
           <a:bodyPr/>
           <a:lstStyle/>
           <a:p>
-            <a:fld id="{1D8BD707-D9CF-40AE-B4C6-C98DA3205C09}" type="datetimeFigureOut">
-              <a:rPr lang="en-US" smtClean="0"/>
-              <a:pPr/>
+            <a:fld id="{EA765433-BF90-4385-9FBD-523AD525EA6A}" type="datetime1">
+              <a:rPr lang="en-US" altLang="ko-KR" smtClean="0"/>
               <a:t>11/25/2024</a:t>
             </a:fld>
             <a:endParaRPr lang="en-US"/>
@@ -1886,9 +2431,8 @@
           <a:bodyPr/>
           <a:lstStyle/>
           <a:p>
-            <a:fld id="{1D8BD707-D9CF-40AE-B4C6-C98DA3205C09}" type="datetimeFigureOut">
-              <a:rPr lang="en-US" smtClean="0"/>
-              <a:pPr/>
+            <a:fld id="{3C6A90C4-0509-4E7D-8ABF-1F58E01E979A}" type="datetime1">
+              <a:rPr lang="en-US" altLang="ko-KR" smtClean="0"/>
               <a:t>11/25/2024</a:t>
             </a:fld>
             <a:endParaRPr lang="en-US"/>
@@ -1978,9 +2522,8 @@
           <a:bodyPr/>
           <a:lstStyle/>
           <a:p>
-            <a:fld id="{1D8BD707-D9CF-40AE-B4C6-C98DA3205C09}" type="datetimeFigureOut">
-              <a:rPr lang="en-US" smtClean="0"/>
-              <a:pPr/>
+            <a:fld id="{40AB6067-192E-4813-A3B2-1F5AD50CDC92}" type="datetime1">
+              <a:rPr lang="en-US" altLang="ko-KR" smtClean="0"/>
               <a:t>11/25/2024</a:t>
             </a:fld>
             <a:endParaRPr lang="en-US"/>
@@ -2250,9 +2793,8 @@
           <a:bodyPr/>
           <a:lstStyle/>
           <a:p>
-            <a:fld id="{1D8BD707-D9CF-40AE-B4C6-C98DA3205C09}" type="datetimeFigureOut">
-              <a:rPr lang="en-US" smtClean="0"/>
-              <a:pPr/>
+            <a:fld id="{44AB223F-FC5B-467E-96BD-91FFA863AABA}" type="datetime1">
+              <a:rPr lang="en-US" altLang="ko-KR" smtClean="0"/>
               <a:t>11/25/2024</a:t>
             </a:fld>
             <a:endParaRPr lang="en-US"/>
@@ -2499,9 +3041,8 @@
           <a:bodyPr/>
           <a:lstStyle/>
           <a:p>
-            <a:fld id="{1D8BD707-D9CF-40AE-B4C6-C98DA3205C09}" type="datetimeFigureOut">
-              <a:rPr lang="en-US" smtClean="0"/>
-              <a:pPr/>
+            <a:fld id="{3F259E59-50EB-4227-91E5-483F2D950E80}" type="datetime1">
+              <a:rPr lang="en-US" altLang="ko-KR" smtClean="0"/>
               <a:t>11/25/2024</a:t>
             </a:fld>
             <a:endParaRPr lang="en-US"/>
@@ -2707,9 +3248,8 @@
             </a:lvl1pPr>
           </a:lstStyle>
           <a:p>
-            <a:fld id="{1D8BD707-D9CF-40AE-B4C6-C98DA3205C09}" type="datetimeFigureOut">
-              <a:rPr lang="en-US" smtClean="0"/>
-              <a:pPr/>
+            <a:fld id="{F3B73FA4-39D9-4906-AE42-FC51D6BD30F9}" type="datetime1">
+              <a:rPr lang="en-US" altLang="ko-KR" smtClean="0"/>
               <a:t>11/25/2024</a:t>
             </a:fld>
             <a:endParaRPr lang="en-US"/>
@@ -2765,7 +3305,7 @@
         </p:nvSpPr>
         <p:spPr>
           <a:xfrm>
-            <a:off x="6553200" y="6356350"/>
+            <a:off x="16141700" y="6350"/>
             <a:ext cx="2133600" cy="365125"/>
           </a:xfrm>
           <a:prstGeom prst="rect">
@@ -2776,11 +3316,9 @@
           <a:bodyPr vert="horz" lIns="91440" tIns="45720" rIns="91440" bIns="45720" rtlCol="0" anchor="ctr"/>
           <a:lstStyle>
             <a:lvl1pPr algn="r">
-              <a:defRPr sz="1200">
-                <a:solidFill>
-                  <a:schemeClr val="tx1">
-                    <a:tint val="75000"/>
-                  </a:schemeClr>
+              <a:defRPr sz="3200" b="1">
+                <a:solidFill>
+                  <a:schemeClr val="tx1"/>
                 </a:solidFill>
               </a:defRPr>
             </a:lvl1pPr>
@@ -2811,6 +3349,7 @@
     <p:sldLayoutId id="2147483658" r:id="rId10"/>
     <p:sldLayoutId id="2147483659" r:id="rId11"/>
   </p:sldLayoutIdLst>
+  <p:hf hdr="0" ftr="0" dt="0"/>
   <p:txStyles>
     <p:titleStyle>
       <a:lvl1pPr algn="ctr" defTabSz="914400" rtl="0" eaLnBrk="1" latinLnBrk="0" hangingPunct="1">
@@ -3551,6 +4090,36 @@
           </a:p>
         </p:txBody>
       </p:sp>
+      <p:sp>
+        <p:nvSpPr>
+          <p:cNvPr id="10" name="슬라이드 번호 개체 틀 9">
+            <a:extLst>
+              <a:ext uri="{FF2B5EF4-FFF2-40B4-BE49-F238E27FC236}">
+                <a16:creationId xmlns:a16="http://schemas.microsoft.com/office/drawing/2014/main" id="{2A895A97-38F9-072B-D78B-F0F85A1BE05D}"/>
+              </a:ext>
+            </a:extLst>
+          </p:cNvPr>
+          <p:cNvSpPr>
+            <a:spLocks noGrp="1"/>
+          </p:cNvSpPr>
+          <p:nvPr>
+            <p:ph type="sldNum" sz="quarter" idx="12"/>
+          </p:nvPr>
+        </p:nvSpPr>
+        <p:spPr/>
+        <p:txBody>
+          <a:bodyPr/>
+          <a:lstStyle/>
+          <a:p>
+            <a:fld id="{B6F15528-21DE-4FAA-801E-634DDDAF4B2B}" type="slidenum">
+              <a:rPr lang="en-US" smtClean="0"/>
+              <a:pPr/>
+              <a:t>1</a:t>
+            </a:fld>
+            <a:endParaRPr lang="en-US"/>
+          </a:p>
+        </p:txBody>
+      </p:sp>
     </p:spTree>
   </p:cSld>
   <p:clrMapOvr>
@@ -3560,6 +4129,399 @@
 </file>
 
 <file path=ppt/slides/slide10.xml><?xml version="1.0" encoding="utf-8"?>
+<p:sld xmlns:a="http://schemas.openxmlformats.org/drawingml/2006/main" xmlns:r="http://schemas.openxmlformats.org/officeDocument/2006/relationships" xmlns:p="http://schemas.openxmlformats.org/presentationml/2006/main">
+  <p:cSld>
+    <p:bg>
+      <p:bgPr>
+        <a:solidFill>
+          <a:srgbClr val="FEFBEE"/>
+        </a:solidFill>
+        <a:effectLst/>
+      </p:bgPr>
+    </p:bg>
+    <p:spTree>
+      <p:nvGrpSpPr>
+        <p:cNvPr id="1" name="">
+          <a:extLst>
+            <a:ext uri="{FF2B5EF4-FFF2-40B4-BE49-F238E27FC236}">
+              <a16:creationId xmlns:a16="http://schemas.microsoft.com/office/drawing/2014/main" id="{FB501CBE-3CFA-C324-EE5C-73432297FE34}"/>
+            </a:ext>
+          </a:extLst>
+        </p:cNvPr>
+        <p:cNvGrpSpPr/>
+        <p:nvPr/>
+      </p:nvGrpSpPr>
+      <p:grpSpPr>
+        <a:xfrm>
+          <a:off x="0" y="0"/>
+          <a:ext cx="0" cy="0"/>
+          <a:chOff x="0" y="0"/>
+          <a:chExt cx="0" cy="0"/>
+        </a:xfrm>
+      </p:grpSpPr>
+      <p:sp>
+        <p:nvSpPr>
+          <p:cNvPr id="2" name="AutoShape 2">
+            <a:extLst>
+              <a:ext uri="{FF2B5EF4-FFF2-40B4-BE49-F238E27FC236}">
+                <a16:creationId xmlns:a16="http://schemas.microsoft.com/office/drawing/2014/main" id="{C04F405E-582C-0779-66CB-3315993F4F2D}"/>
+              </a:ext>
+            </a:extLst>
+          </p:cNvPr>
+          <p:cNvSpPr/>
+          <p:nvPr/>
+        </p:nvSpPr>
+        <p:spPr>
+          <a:xfrm>
+            <a:off x="860320" y="1347066"/>
+            <a:ext cx="1233818" cy="0"/>
+          </a:xfrm>
+          <a:prstGeom prst="line">
+            <a:avLst/>
+          </a:prstGeom>
+          <a:ln w="38100" cap="flat">
+            <a:solidFill>
+              <a:srgbClr val="090807"/>
+            </a:solidFill>
+            <a:prstDash val="solid"/>
+            <a:headEnd type="none" w="sm" len="sm"/>
+            <a:tailEnd type="none" w="sm" len="sm"/>
+          </a:ln>
+        </p:spPr>
+        <p:txBody>
+          <a:bodyPr/>
+          <a:lstStyle/>
+          <a:p>
+            <a:pPr marL="0" marR="0" lvl="0" indent="0" algn="l" defTabSz="914400" rtl="0" eaLnBrk="1" fontAlgn="auto" latinLnBrk="0" hangingPunct="1">
+              <a:lnSpc>
+                <a:spcPct val="100000"/>
+              </a:lnSpc>
+              <a:spcBef>
+                <a:spcPts val="0"/>
+              </a:spcBef>
+              <a:spcAft>
+                <a:spcPts val="0"/>
+              </a:spcAft>
+              <a:buClrTx/>
+              <a:buSzTx/>
+              <a:buFontTx/>
+              <a:buNone/>
+              <a:tabLst/>
+              <a:defRPr/>
+            </a:pPr>
+            <a:endParaRPr kumimoji="0" lang="ko-KR" altLang="en-US" sz="1800" b="0" i="0" u="none" strike="noStrike" kern="1200" cap="none" spc="0" normalizeH="0" baseline="0" noProof="0">
+              <a:ln>
+                <a:noFill/>
+              </a:ln>
+              <a:solidFill>
+                <a:prstClr val="black"/>
+              </a:solidFill>
+              <a:effectLst/>
+              <a:uLnTx/>
+              <a:uFillTx/>
+              <a:latin typeface="KoPub바탕체 Medium" panose="02020603020101020101" pitchFamily="18" charset="-127"/>
+              <a:ea typeface="KoPub바탕체 Medium" panose="02020603020101020101" pitchFamily="18" charset="-127"/>
+              <a:cs typeface="+mn-cs"/>
+            </a:endParaRPr>
+          </a:p>
+        </p:txBody>
+      </p:sp>
+      <p:sp>
+        <p:nvSpPr>
+          <p:cNvPr id="5" name="TextBox 5">
+            <a:extLst>
+              <a:ext uri="{FF2B5EF4-FFF2-40B4-BE49-F238E27FC236}">
+                <a16:creationId xmlns:a16="http://schemas.microsoft.com/office/drawing/2014/main" id="{D4569BE5-7BC2-D3A5-7B48-AE4665B50561}"/>
+              </a:ext>
+            </a:extLst>
+          </p:cNvPr>
+          <p:cNvSpPr txBox="1"/>
+          <p:nvPr/>
+        </p:nvSpPr>
+        <p:spPr>
+          <a:xfrm>
+            <a:off x="9838000" y="2123700"/>
+            <a:ext cx="6630892" cy="6703614"/>
+          </a:xfrm>
+          <a:prstGeom prst="rect">
+            <a:avLst/>
+          </a:prstGeom>
+        </p:spPr>
+        <p:txBody>
+          <a:bodyPr lIns="50800" tIns="50800" rIns="50800" bIns="50800" rtlCol="0" anchor="ctr"/>
+          <a:lstStyle/>
+          <a:p>
+            <a:pPr marL="0" marR="0" lvl="0" indent="0" algn="ctr" defTabSz="914400" rtl="0" eaLnBrk="1" fontAlgn="auto" latinLnBrk="0" hangingPunct="1">
+              <a:lnSpc>
+                <a:spcPts val="3079"/>
+              </a:lnSpc>
+              <a:spcBef>
+                <a:spcPts val="0"/>
+              </a:spcBef>
+              <a:spcAft>
+                <a:spcPts val="0"/>
+              </a:spcAft>
+              <a:buClrTx/>
+              <a:buSzTx/>
+              <a:buFontTx/>
+              <a:buNone/>
+              <a:tabLst/>
+              <a:defRPr/>
+            </a:pPr>
+            <a:endParaRPr kumimoji="0" sz="1800" b="0" i="0" u="none" strike="noStrike" kern="1200" cap="none" spc="0" normalizeH="0" baseline="0" noProof="0">
+              <a:ln>
+                <a:noFill/>
+              </a:ln>
+              <a:solidFill>
+                <a:prstClr val="black"/>
+              </a:solidFill>
+              <a:effectLst/>
+              <a:uLnTx/>
+              <a:uFillTx/>
+              <a:latin typeface="KoPub바탕체 Medium" panose="02020603020101020101" pitchFamily="18" charset="-127"/>
+              <a:ea typeface="KoPub바탕체 Medium" panose="02020603020101020101" pitchFamily="18" charset="-127"/>
+              <a:cs typeface="+mn-cs"/>
+            </a:endParaRPr>
+          </a:p>
+        </p:txBody>
+      </p:sp>
+      <p:sp>
+        <p:nvSpPr>
+          <p:cNvPr id="7" name="TextBox 7">
+            <a:extLst>
+              <a:ext uri="{FF2B5EF4-FFF2-40B4-BE49-F238E27FC236}">
+                <a16:creationId xmlns:a16="http://schemas.microsoft.com/office/drawing/2014/main" id="{96E31FF0-B016-0F06-10F2-2809E46C461C}"/>
+              </a:ext>
+            </a:extLst>
+          </p:cNvPr>
+          <p:cNvSpPr txBox="1"/>
+          <p:nvPr/>
+        </p:nvSpPr>
+        <p:spPr>
+          <a:xfrm>
+            <a:off x="923832" y="765070"/>
+            <a:ext cx="3876768" cy="422275"/>
+          </a:xfrm>
+          <a:prstGeom prst="rect">
+            <a:avLst/>
+          </a:prstGeom>
+        </p:spPr>
+        <p:txBody>
+          <a:bodyPr wrap="square" lIns="0" tIns="0" rIns="0" bIns="0" rtlCol="0" anchor="t">
+            <a:spAutoFit/>
+          </a:bodyPr>
+          <a:lstStyle/>
+          <a:p>
+            <a:pPr marL="0" marR="0" lvl="0" indent="0" algn="l" defTabSz="914400" rtl="0" eaLnBrk="1" fontAlgn="auto" latinLnBrk="0" hangingPunct="1">
+              <a:lnSpc>
+                <a:spcPts val="3499"/>
+              </a:lnSpc>
+              <a:spcBef>
+                <a:spcPct val="0"/>
+              </a:spcBef>
+              <a:spcAft>
+                <a:spcPts val="0"/>
+              </a:spcAft>
+              <a:buClrTx/>
+              <a:buSzTx/>
+              <a:buFontTx/>
+              <a:buNone/>
+              <a:tabLst/>
+              <a:defRPr/>
+            </a:pPr>
+            <a:r>
+              <a:rPr kumimoji="0" lang="en-US" altLang="ko-KR" sz="2499" b="1" i="0" u="none" strike="noStrike" kern="1200" cap="none" spc="0" normalizeH="0" baseline="0" noProof="0">
+                <a:ln>
+                  <a:noFill/>
+                </a:ln>
+                <a:solidFill>
+                  <a:srgbClr val="090807"/>
+                </a:solidFill>
+                <a:effectLst/>
+                <a:uLnTx/>
+                <a:uFillTx/>
+                <a:latin typeface="KoPub바탕체 Medium" panose="02020603020101020101" pitchFamily="18" charset="-127"/>
+                <a:ea typeface="KoPub바탕체 Medium" panose="02020603020101020101" pitchFamily="18" charset="-127"/>
+                <a:cs typeface="Source Han Sans KR Bold"/>
+                <a:sym typeface="Source Han Sans KR Bold"/>
+              </a:rPr>
+              <a:t>05 </a:t>
+            </a:r>
+            <a:r>
+              <a:rPr lang="ko-KR" altLang="en-US" sz="2499" b="1">
+                <a:solidFill>
+                  <a:srgbClr val="090807"/>
+                </a:solidFill>
+                <a:latin typeface="KoPub바탕체 Medium" panose="02020603020101020101" pitchFamily="18" charset="-127"/>
+                <a:ea typeface="KoPub바탕체 Medium" panose="02020603020101020101" pitchFamily="18" charset="-127"/>
+                <a:cs typeface="Source Han Sans KR Bold"/>
+                <a:sym typeface="Source Han Sans KR Bold"/>
+              </a:rPr>
+              <a:t>초기 코드</a:t>
+            </a:r>
+            <a:r>
+              <a:rPr lang="en-US" altLang="ko-KR" sz="2499" b="1">
+                <a:solidFill>
+                  <a:srgbClr val="090807"/>
+                </a:solidFill>
+                <a:latin typeface="KoPub바탕체 Medium" panose="02020603020101020101" pitchFamily="18" charset="-127"/>
+                <a:ea typeface="KoPub바탕체 Medium" panose="02020603020101020101" pitchFamily="18" charset="-127"/>
+                <a:cs typeface="Source Han Sans KR Bold"/>
+                <a:sym typeface="Source Han Sans KR Bold"/>
+              </a:rPr>
+              <a:t> </a:t>
+            </a:r>
+            <a:r>
+              <a:rPr kumimoji="0" lang="en-US" altLang="ko-KR" sz="2499" b="1" i="0" u="none" strike="noStrike" kern="1200" cap="none" spc="0" normalizeH="0" baseline="0" noProof="0" dirty="0">
+                <a:ln>
+                  <a:noFill/>
+                </a:ln>
+                <a:solidFill>
+                  <a:srgbClr val="090807"/>
+                </a:solidFill>
+                <a:effectLst/>
+                <a:uLnTx/>
+                <a:uFillTx/>
+                <a:latin typeface="KoPub바탕체 Medium" panose="02020603020101020101" pitchFamily="18" charset="-127"/>
+                <a:ea typeface="KoPub바탕체 Medium" panose="02020603020101020101" pitchFamily="18" charset="-127"/>
+                <a:cs typeface="Source Han Sans KR Bold"/>
+                <a:sym typeface="Source Han Sans KR Bold"/>
+              </a:rPr>
+              <a:t>(</a:t>
+            </a:r>
+            <a:r>
+              <a:rPr kumimoji="0" lang="ko-KR" altLang="en-US" sz="2499" b="1" i="0" u="none" strike="noStrike" kern="1200" cap="none" spc="0" normalizeH="0" baseline="0" noProof="0" dirty="0">
+                <a:ln>
+                  <a:noFill/>
+                </a:ln>
+                <a:solidFill>
+                  <a:srgbClr val="090807"/>
+                </a:solidFill>
+                <a:effectLst/>
+                <a:uLnTx/>
+                <a:uFillTx/>
+                <a:latin typeface="KoPub바탕체 Medium" panose="02020603020101020101" pitchFamily="18" charset="-127"/>
+                <a:ea typeface="KoPub바탕체 Medium" panose="02020603020101020101" pitchFamily="18" charset="-127"/>
+                <a:cs typeface="Source Han Sans KR Bold"/>
+                <a:sym typeface="Source Han Sans KR Bold"/>
+              </a:rPr>
+              <a:t>코드</a:t>
+            </a:r>
+            <a:r>
+              <a:rPr kumimoji="0" lang="en-US" altLang="ko-KR" sz="2499" b="1" i="0" u="none" strike="noStrike" kern="1200" cap="none" spc="0" normalizeH="0" baseline="0" noProof="0" dirty="0">
+                <a:ln>
+                  <a:noFill/>
+                </a:ln>
+                <a:solidFill>
+                  <a:srgbClr val="090807"/>
+                </a:solidFill>
+                <a:effectLst/>
+                <a:uLnTx/>
+                <a:uFillTx/>
+                <a:latin typeface="KoPub바탕체 Medium" panose="02020603020101020101" pitchFamily="18" charset="-127"/>
+                <a:ea typeface="KoPub바탕체 Medium" panose="02020603020101020101" pitchFamily="18" charset="-127"/>
+                <a:cs typeface="Source Han Sans KR Bold"/>
+                <a:sym typeface="Source Han Sans KR Bold"/>
+              </a:rPr>
+              <a:t>)</a:t>
+            </a:r>
+          </a:p>
+        </p:txBody>
+      </p:sp>
+      <p:pic>
+        <p:nvPicPr>
+          <p:cNvPr id="21" name="그림 20" descr="텍스트, 스크린샷, 소프트웨어, 디스플레이이(가) 표시된 사진&#10;&#10;자동 생성된 설명">
+            <a:extLst>
+              <a:ext uri="{FF2B5EF4-FFF2-40B4-BE49-F238E27FC236}">
+                <a16:creationId xmlns:a16="http://schemas.microsoft.com/office/drawing/2014/main" id="{A8650C3B-0B8B-58D2-8FFF-2AB5A387BA7F}"/>
+              </a:ext>
+            </a:extLst>
+          </p:cNvPr>
+          <p:cNvPicPr>
+            <a:picLocks noChangeAspect="1"/>
+          </p:cNvPicPr>
+          <p:nvPr/>
+        </p:nvPicPr>
+        <p:blipFill>
+          <a:blip r:embed="rId2">
+            <a:extLst>
+              <a:ext uri="{28A0092B-C50C-407E-A947-70E740481C1C}">
+                <a14:useLocalDpi xmlns:a14="http://schemas.microsoft.com/office/drawing/2010/main" val="0"/>
+              </a:ext>
+            </a:extLst>
+          </a:blip>
+          <a:stretch>
+            <a:fillRect/>
+          </a:stretch>
+        </p:blipFill>
+        <p:spPr>
+          <a:xfrm>
+            <a:off x="5183676" y="1347067"/>
+            <a:ext cx="13104324" cy="8939934"/>
+          </a:xfrm>
+          <a:prstGeom prst="rect">
+            <a:avLst/>
+          </a:prstGeom>
+          <a:ln w="38100" cap="sq">
+            <a:solidFill>
+              <a:srgbClr val="000000"/>
+            </a:solidFill>
+            <a:prstDash val="solid"/>
+            <a:miter lim="800000"/>
+          </a:ln>
+          <a:effectLst>
+            <a:outerShdw blurRad="50800" dist="38100" dir="2700000" algn="tl" rotWithShape="0">
+              <a:srgbClr val="000000">
+                <a:alpha val="43000"/>
+              </a:srgbClr>
+            </a:outerShdw>
+          </a:effectLst>
+        </p:spPr>
+      </p:pic>
+      <p:sp>
+        <p:nvSpPr>
+          <p:cNvPr id="3" name="슬라이드 번호 개체 틀 2">
+            <a:extLst>
+              <a:ext uri="{FF2B5EF4-FFF2-40B4-BE49-F238E27FC236}">
+                <a16:creationId xmlns:a16="http://schemas.microsoft.com/office/drawing/2014/main" id="{402BE8EA-AF41-9973-E3BF-953322107327}"/>
+              </a:ext>
+            </a:extLst>
+          </p:cNvPr>
+          <p:cNvSpPr>
+            <a:spLocks noGrp="1"/>
+          </p:cNvSpPr>
+          <p:nvPr>
+            <p:ph type="sldNum" sz="quarter" idx="12"/>
+          </p:nvPr>
+        </p:nvSpPr>
+        <p:spPr/>
+        <p:txBody>
+          <a:bodyPr/>
+          <a:lstStyle/>
+          <a:p>
+            <a:fld id="{B6F15528-21DE-4FAA-801E-634DDDAF4B2B}" type="slidenum">
+              <a:rPr lang="en-US" smtClean="0"/>
+              <a:pPr/>
+              <a:t>10</a:t>
+            </a:fld>
+            <a:endParaRPr lang="en-US"/>
+          </a:p>
+        </p:txBody>
+      </p:sp>
+    </p:spTree>
+    <p:extLst>
+      <p:ext uri="{BB962C8B-B14F-4D97-AF65-F5344CB8AC3E}">
+        <p14:creationId xmlns:p14="http://schemas.microsoft.com/office/powerpoint/2010/main" val="3903987883"/>
+      </p:ext>
+    </p:extLst>
+  </p:cSld>
+  <p:clrMapOvr>
+    <a:masterClrMapping/>
+  </p:clrMapOvr>
+</p:sld>
+</file>
+
+<file path=ppt/slides/slide11.xml><?xml version="1.0" encoding="utf-8"?>
 <p:sld xmlns:a="http://schemas.openxmlformats.org/drawingml/2006/main" xmlns:r="http://schemas.openxmlformats.org/officeDocument/2006/relationships" xmlns:p="http://schemas.openxmlformats.org/presentationml/2006/main">
   <p:cSld>
     <p:bg>
@@ -3761,7 +4723,7 @@
               <a:defRPr/>
             </a:pPr>
             <a:r>
-              <a:rPr kumimoji="0" lang="en-US" altLang="ko-KR" sz="2499" b="1" i="0" u="none" strike="noStrike" kern="1200" cap="none" spc="0" normalizeH="0" baseline="0" noProof="0" dirty="0">
+              <a:rPr kumimoji="0" lang="en-US" altLang="ko-KR" sz="2499" b="1" i="0" u="none" strike="noStrike" kern="1200" cap="none" spc="0" normalizeH="0" baseline="0" noProof="0">
                 <a:ln>
                   <a:noFill/>
                 </a:ln>
@@ -3779,7 +4741,7 @@
               <a:t>05 </a:t>
             </a:r>
             <a:r>
-              <a:rPr lang="ko-KR" altLang="en-US" sz="2499" b="1" dirty="0">
+              <a:rPr lang="ko-KR" altLang="en-US" sz="2499" b="1">
                 <a:solidFill>
                   <a:srgbClr val="090807"/>
                 </a:solidFill>
@@ -3788,22 +4750,10 @@
                 <a:cs typeface="Source Han Sans KR Bold"/>
                 <a:sym typeface="Source Han Sans KR Bold"/>
               </a:rPr>
-              <a:t>코드 개선 </a:t>
-            </a:r>
-            <a:r>
-              <a:rPr lang="en-US" altLang="ko-KR" sz="2499" b="1" dirty="0">
-                <a:solidFill>
-                  <a:srgbClr val="090807"/>
-                </a:solidFill>
-                <a:latin typeface="KoPub바탕체 Medium" panose="02020603020101020101" pitchFamily="18" charset="-127"/>
-                <a:ea typeface="KoPub바탕체 Medium" panose="02020603020101020101" pitchFamily="18" charset="-127"/>
-                <a:cs typeface="Source Han Sans KR Bold"/>
-                <a:sym typeface="Source Han Sans KR Bold"/>
-              </a:rPr>
-              <a:t>1 </a:t>
-            </a:r>
-            <a:r>
-              <a:rPr kumimoji="0" lang="en-US" altLang="ko-KR" sz="2499" b="1" i="0" u="none" strike="noStrike" kern="1200" cap="none" spc="0" normalizeH="0" baseline="0" noProof="0" dirty="0">
+              <a:t>초기 코드 </a:t>
+            </a:r>
+            <a:r>
+              <a:rPr kumimoji="0" lang="en-US" altLang="ko-KR" sz="2499" b="1" i="0" u="none" strike="noStrike" kern="1200" cap="none" spc="0" normalizeH="0" baseline="0" noProof="0">
                 <a:ln>
                   <a:noFill/>
                 </a:ln>
@@ -4286,7 +5236,7 @@
         <p:spPr>
           <a:xfrm>
             <a:off x="923832" y="4019550"/>
-            <a:ext cx="7035690" cy="358496"/>
+            <a:ext cx="7035690" cy="743217"/>
           </a:xfrm>
           <a:prstGeom prst="rect">
             <a:avLst/>
@@ -4316,7 +5266,7 @@
               <a:defRPr/>
             </a:pPr>
             <a:r>
-              <a:rPr kumimoji="0" lang="ko-KR" altLang="en-US" sz="2000" b="0" i="0" u="none" strike="noStrike" kern="1200" cap="none" spc="0" normalizeH="0" baseline="0" noProof="0" dirty="0">
+              <a:rPr kumimoji="0" lang="ko-KR" altLang="en-US" sz="2000" b="0" i="0" u="none" strike="noStrike" kern="1200" cap="none" spc="0" normalizeH="0" baseline="0" noProof="0">
                 <a:ln>
                   <a:noFill/>
                 </a:ln>
@@ -4334,7 +5284,7 @@
               <a:t>총 </a:t>
             </a:r>
             <a:r>
-              <a:rPr kumimoji="0" lang="en-US" altLang="ko-KR" sz="2000" b="0" i="0" u="none" strike="noStrike" kern="1200" cap="none" spc="0" normalizeH="0" baseline="0" noProof="0" dirty="0">
+              <a:rPr kumimoji="0" lang="en-US" altLang="ko-KR" sz="2000" b="0" i="0" u="none" strike="noStrike" kern="1200" cap="none" spc="0" normalizeH="0" baseline="0" noProof="0">
                 <a:ln>
                   <a:noFill/>
                 </a:ln>
@@ -4349,10 +5299,10 @@
                 <a:cs typeface="Source Han Sans KR"/>
                 <a:sym typeface="Source Han Sans KR"/>
               </a:rPr>
-              <a:t>185</a:t>
-            </a:r>
-            <a:r>
-              <a:rPr kumimoji="0" lang="ko-KR" altLang="en-US" sz="2000" b="0" i="0" u="none" strike="noStrike" kern="1200" cap="none" spc="0" normalizeH="0" baseline="0" noProof="0" dirty="0">
+              <a:t>CPU </a:t>
+            </a:r>
+            <a:r>
+              <a:rPr kumimoji="0" lang="ko-KR" altLang="en-US" sz="2000" b="0" i="0" u="none" strike="noStrike" kern="1200" cap="none" spc="0" normalizeH="0" baseline="0" noProof="0">
                 <a:ln>
                   <a:noFill/>
                 </a:ln>
@@ -4367,10 +5317,10 @@
                 <a:cs typeface="Source Han Sans KR"/>
                 <a:sym typeface="Source Han Sans KR"/>
               </a:rPr>
-              <a:t>의 </a:t>
-            </a:r>
-            <a:r>
-              <a:rPr kumimoji="0" lang="en-US" altLang="ko-KR" sz="2000" b="0" i="0" u="none" strike="noStrike" kern="1200" cap="none" spc="0" normalizeH="0" baseline="0" noProof="0" dirty="0">
+              <a:t>사용량 </a:t>
+            </a:r>
+            <a:r>
+              <a:rPr kumimoji="0" lang="en-US" altLang="ko-KR" sz="2000" b="0" i="0" u="none" strike="noStrike" kern="1200" cap="none" spc="0" normalizeH="0" baseline="0" noProof="0">
                 <a:ln>
                   <a:noFill/>
                 </a:ln>
@@ -4385,43 +5335,62 @@
                 <a:cs typeface="Source Han Sans KR"/>
                 <a:sym typeface="Source Han Sans KR"/>
               </a:rPr>
-              <a:t>CPU </a:t>
-            </a:r>
-            <a:r>
-              <a:rPr kumimoji="0" lang="ko-KR" altLang="en-US" sz="2000" b="0" i="0" u="none" strike="noStrike" kern="1200" cap="none" spc="0" normalizeH="0" baseline="0" noProof="0" dirty="0">
-                <a:ln>
-                  <a:noFill/>
-                </a:ln>
-                <a:solidFill>
-                  <a:srgbClr val="090807"/>
-                </a:solidFill>
-                <a:effectLst/>
-                <a:uLnTx/>
-                <a:uFillTx/>
+              <a:t>185</a:t>
+            </a:r>
+          </a:p>
+          <a:p>
+            <a:pPr marL="0" marR="0" lvl="0" indent="0" algn="l" defTabSz="914400" rtl="0" eaLnBrk="1" fontAlgn="auto" latinLnBrk="0" hangingPunct="1">
+              <a:lnSpc>
+                <a:spcPts val="3000"/>
+              </a:lnSpc>
+              <a:spcBef>
+                <a:spcPts val="0"/>
+              </a:spcBef>
+              <a:spcAft>
+                <a:spcPts val="0"/>
+              </a:spcAft>
+              <a:buClrTx/>
+              <a:buSzTx/>
+              <a:buFontTx/>
+              <a:buNone/>
+              <a:tabLst/>
+              <a:defRPr/>
+            </a:pPr>
+            <a:r>
+              <a:rPr lang="ko-KR" altLang="en-US" sz="2000">
+                <a:solidFill>
+                  <a:srgbClr val="090807"/>
+                </a:solidFill>
                 <a:latin typeface="KoPub바탕체 Medium" panose="02020603020101020101" pitchFamily="18" charset="-127"/>
                 <a:ea typeface="KoPub바탕체 Medium" panose="02020603020101020101" pitchFamily="18" charset="-127"/>
                 <a:cs typeface="Source Han Sans KR"/>
                 <a:sym typeface="Source Han Sans KR"/>
               </a:rPr>
-              <a:t>사용</a:t>
-            </a:r>
-            <a:r>
-              <a:rPr kumimoji="0" lang="en-US" altLang="ko-KR" sz="2000" b="0" i="0" u="none" strike="noStrike" kern="1200" cap="none" spc="0" normalizeH="0" baseline="0" noProof="0" dirty="0">
-                <a:ln>
-                  <a:noFill/>
-                </a:ln>
-                <a:solidFill>
-                  <a:srgbClr val="090807"/>
-                </a:solidFill>
-                <a:effectLst/>
-                <a:uLnTx/>
-                <a:uFillTx/>
+              <a:t>함수 실행 시간 </a:t>
+            </a:r>
+            <a:r>
+              <a:rPr lang="en-US" altLang="ko-KR" sz="2000">
+                <a:solidFill>
+                  <a:srgbClr val="090807"/>
+                </a:solidFill>
                 <a:latin typeface="KoPub바탕체 Medium" panose="02020603020101020101" pitchFamily="18" charset="-127"/>
                 <a:ea typeface="KoPub바탕체 Medium" panose="02020603020101020101" pitchFamily="18" charset="-127"/>
                 <a:cs typeface="Source Han Sans KR"/>
                 <a:sym typeface="Source Han Sans KR"/>
               </a:rPr>
-              <a:t>.</a:t>
+              <a:t>41.08</a:t>
+            </a:r>
+            <a:r>
+              <a:rPr lang="ko-KR" altLang="en-US" sz="2000">
+                <a:solidFill>
+                  <a:srgbClr val="090807"/>
+                </a:solidFill>
+                <a:latin typeface="KoPub바탕체 Medium" panose="02020603020101020101" pitchFamily="18" charset="-127"/>
+                <a:ea typeface="KoPub바탕체 Medium" panose="02020603020101020101" pitchFamily="18" charset="-127"/>
+                <a:cs typeface="Source Han Sans KR"/>
+                <a:sym typeface="Source Han Sans KR"/>
+              </a:rPr>
+              <a:t>초</a:t>
             </a:r>
             <a:endParaRPr kumimoji="0" lang="en-US" sz="2000" b="0" i="0" u="none" strike="noStrike" kern="1200" cap="none" spc="0" normalizeH="0" baseline="0" noProof="0" dirty="0">
               <a:ln>
@@ -4456,14 +5425,14 @@
         <p:spPr>
           <a:xfrm>
             <a:off x="923832" y="7013444"/>
-            <a:ext cx="7035690" cy="743217"/>
+            <a:ext cx="5400768" cy="1127937"/>
           </a:xfrm>
           <a:prstGeom prst="rect">
             <a:avLst/>
           </a:prstGeom>
         </p:spPr>
         <p:txBody>
-          <a:bodyPr lIns="0" tIns="0" rIns="0" bIns="0" rtlCol="0" anchor="t">
+          <a:bodyPr wrap="square" lIns="0" tIns="0" rIns="0" bIns="0" rtlCol="0" anchor="t">
             <a:spAutoFit/>
           </a:bodyPr>
           <a:lstStyle/>
@@ -4504,7 +5473,7 @@
               <a:t>호출하는 함수의 </a:t>
             </a:r>
             <a:r>
-              <a:rPr lang="ko-KR" altLang="en-US" sz="2000" dirty="0">
+              <a:rPr lang="ko-KR" altLang="en-US" sz="2000">
                 <a:solidFill>
                   <a:srgbClr val="090807"/>
                 </a:solidFill>
@@ -4514,6 +5483,54 @@
                 <a:sym typeface="Source Han Sans KR"/>
               </a:rPr>
               <a:t>개</a:t>
+            </a:r>
+            <a:r>
+              <a:rPr kumimoji="0" lang="ko-KR" altLang="en-US" sz="2000" b="0" i="0" u="none" strike="noStrike" kern="1200" cap="none" spc="0" normalizeH="0" baseline="0" noProof="0">
+                <a:ln>
+                  <a:noFill/>
+                </a:ln>
+                <a:solidFill>
+                  <a:srgbClr val="090807"/>
+                </a:solidFill>
+                <a:effectLst/>
+                <a:uLnTx/>
+                <a:uFillTx/>
+                <a:latin typeface="KoPub바탕체 Medium" panose="02020603020101020101" pitchFamily="18" charset="-127"/>
+                <a:ea typeface="KoPub바탕체 Medium" panose="02020603020101020101" pitchFamily="18" charset="-127"/>
+                <a:cs typeface="Source Han Sans KR"/>
+                <a:sym typeface="Source Han Sans KR"/>
+              </a:rPr>
+              <a:t>수가 </a:t>
+            </a:r>
+            <a:r>
+              <a:rPr lang="ko-KR" altLang="en-US" sz="2000">
+                <a:solidFill>
+                  <a:srgbClr val="090807"/>
+                </a:solidFill>
+                <a:latin typeface="KoPub바탕체 Medium" panose="02020603020101020101" pitchFamily="18" charset="-127"/>
+                <a:ea typeface="KoPub바탕체 Medium" panose="02020603020101020101" pitchFamily="18" charset="-127"/>
+                <a:cs typeface="Source Han Sans KR"/>
+                <a:sym typeface="Source Han Sans KR"/>
+              </a:rPr>
+              <a:t>많고 </a:t>
+            </a:r>
+            <a:r>
+              <a:rPr kumimoji="0" lang="ko-KR" altLang="en-US" sz="2000" b="0" i="0" u="none" strike="noStrike" kern="1200" cap="none" spc="0" normalizeH="0" baseline="0" noProof="0">
+                <a:ln>
+                  <a:noFill/>
+                </a:ln>
+                <a:solidFill>
+                  <a:srgbClr val="090807"/>
+                </a:solidFill>
+                <a:effectLst/>
+                <a:uLnTx/>
+                <a:uFillTx/>
+                <a:latin typeface="KoPub바탕체 Medium" panose="02020603020101020101" pitchFamily="18" charset="-127"/>
+                <a:ea typeface="KoPub바탕체 Medium" panose="02020603020101020101" pitchFamily="18" charset="-127"/>
+                <a:cs typeface="Source Han Sans KR"/>
+                <a:sym typeface="Source Han Sans KR"/>
+              </a:rPr>
+              <a:t>각 </a:t>
             </a:r>
             <a:r>
               <a:rPr kumimoji="0" lang="ko-KR" altLang="en-US" sz="2000" b="0" i="0" u="none" strike="noStrike" kern="1200" cap="none" spc="0" normalizeH="0" baseline="0" noProof="0" dirty="0">
@@ -4531,22 +5548,58 @@
                 <a:cs typeface="Source Han Sans KR"/>
                 <a:sym typeface="Source Han Sans KR"/>
               </a:rPr>
-              <a:t>수가 </a:t>
-            </a:r>
-            <a:r>
-              <a:rPr lang="ko-KR" altLang="en-US" sz="2000" dirty="0">
-                <a:solidFill>
-                  <a:srgbClr val="090807"/>
-                </a:solidFill>
+              <a:t>함수가 사용하는 </a:t>
+            </a:r>
+            <a:r>
+              <a:rPr kumimoji="0" lang="en-US" altLang="ko-KR" sz="2000" b="0" i="0" u="none" strike="noStrike" kern="1200" cap="none" spc="0" normalizeH="0" baseline="0" noProof="0" dirty="0">
+                <a:ln>
+                  <a:noFill/>
+                </a:ln>
+                <a:solidFill>
+                  <a:srgbClr val="090807"/>
+                </a:solidFill>
+                <a:effectLst/>
+                <a:uLnTx/>
+                <a:uFillTx/>
                 <a:latin typeface="KoPub바탕체 Medium" panose="02020603020101020101" pitchFamily="18" charset="-127"/>
                 <a:ea typeface="KoPub바탕체 Medium" panose="02020603020101020101" pitchFamily="18" charset="-127"/>
                 <a:cs typeface="Source Han Sans KR"/>
                 <a:sym typeface="Source Han Sans KR"/>
               </a:rPr>
+              <a:t>CPU </a:t>
+            </a:r>
+            <a:r>
+              <a:rPr kumimoji="0" lang="ko-KR" altLang="en-US" sz="2000" b="0" i="0" u="none" strike="noStrike" kern="1200" cap="none" spc="0" normalizeH="0" baseline="0" noProof="0">
+                <a:ln>
+                  <a:noFill/>
+                </a:ln>
+                <a:solidFill>
+                  <a:srgbClr val="090807"/>
+                </a:solidFill>
+                <a:effectLst/>
+                <a:uLnTx/>
+                <a:uFillTx/>
+                <a:latin typeface="KoPub바탕체 Medium" panose="02020603020101020101" pitchFamily="18" charset="-127"/>
+                <a:ea typeface="KoPub바탕체 Medium" panose="02020603020101020101" pitchFamily="18" charset="-127"/>
+                <a:cs typeface="Source Han Sans KR"/>
+                <a:sym typeface="Source Han Sans KR"/>
+              </a:rPr>
+              <a:t>또한 </a:t>
+            </a:r>
+            <a:r>
+              <a:rPr lang="ko-KR" altLang="en-US" sz="2000">
+                <a:solidFill>
+                  <a:srgbClr val="090807"/>
+                </a:solidFill>
+                <a:latin typeface="KoPub바탕체 Medium" panose="02020603020101020101" pitchFamily="18" charset="-127"/>
+                <a:ea typeface="KoPub바탕체 Medium" panose="02020603020101020101" pitchFamily="18" charset="-127"/>
+                <a:cs typeface="Source Han Sans KR"/>
+                <a:sym typeface="Source Han Sans KR"/>
+              </a:rPr>
               <a:t>많음</a:t>
             </a:r>
             <a:r>
-              <a:rPr lang="en-US" altLang="ko-KR" sz="2000" dirty="0">
+              <a:rPr lang="en-US" altLang="ko-KR" sz="2000">
                 <a:solidFill>
                   <a:srgbClr val="090807"/>
                 </a:solidFill>
@@ -4577,7 +5630,7 @@
               <a:defRPr/>
             </a:pPr>
             <a:r>
-              <a:rPr kumimoji="0" lang="ko-KR" altLang="en-US" sz="2000" b="0" i="0" u="none" strike="noStrike" kern="1200" cap="none" spc="0" normalizeH="0" baseline="0" noProof="0" dirty="0">
+              <a:rPr kumimoji="0" lang="ko-KR" altLang="en-US" sz="2000" b="0" i="0" u="none" strike="noStrike" kern="1200" cap="none" spc="0" normalizeH="0" baseline="0" noProof="0">
                 <a:ln>
                   <a:noFill/>
                 </a:ln>
@@ -4595,7 +5648,7 @@
               <a:t>또한</a:t>
             </a:r>
             <a:r>
-              <a:rPr kumimoji="0" lang="en-US" altLang="ko-KR" sz="2000" b="0" i="0" u="none" strike="noStrike" kern="1200" cap="none" spc="0" normalizeH="0" baseline="0" noProof="0" dirty="0">
+              <a:rPr kumimoji="0" lang="en-US" altLang="ko-KR" sz="2000" b="0" i="0" u="none" strike="noStrike" kern="1200" cap="none" spc="0" normalizeH="0" baseline="0" noProof="0">
                 <a:ln>
                   <a:noFill/>
                 </a:ln>
@@ -4613,7 +5666,7 @@
               <a:t>, </a:t>
             </a:r>
             <a:r>
-              <a:rPr kumimoji="0" lang="ko-KR" altLang="en-US" sz="2000" b="0" i="0" u="none" strike="noStrike" kern="1200" cap="none" spc="0" normalizeH="0" baseline="0" noProof="0" dirty="0">
+              <a:rPr kumimoji="0" lang="ko-KR" altLang="en-US" sz="2000" b="0" i="0" u="none" strike="noStrike" kern="1200" cap="none" spc="0" normalizeH="0" baseline="0" noProof="0">
                 <a:ln>
                   <a:noFill/>
                 </a:ln>
@@ -4628,10 +5681,10 @@
                 <a:cs typeface="Source Han Sans KR"/>
                 <a:sym typeface="Source Han Sans KR"/>
               </a:rPr>
-              <a:t>각 함수가 사용하는 </a:t>
-            </a:r>
-            <a:r>
-              <a:rPr kumimoji="0" lang="en-US" altLang="ko-KR" sz="2000" b="0" i="0" u="none" strike="noStrike" kern="1200" cap="none" spc="0" normalizeH="0" baseline="0" noProof="0" dirty="0">
+              <a:t>실행 시간도 오래 걸림을 알 수 있음</a:t>
+            </a:r>
+            <a:r>
+              <a:rPr kumimoji="0" lang="en-US" altLang="ko-KR" sz="2000" b="0" i="0" u="none" strike="noStrike" kern="1200" cap="none" spc="0" normalizeH="0" baseline="0" noProof="0">
                 <a:ln>
                   <a:noFill/>
                 </a:ln>
@@ -4641,48 +5694,6 @@
                 <a:effectLst/>
                 <a:uLnTx/>
                 <a:uFillTx/>
-                <a:latin typeface="KoPub바탕체 Medium" panose="02020603020101020101" pitchFamily="18" charset="-127"/>
-                <a:ea typeface="KoPub바탕체 Medium" panose="02020603020101020101" pitchFamily="18" charset="-127"/>
-                <a:cs typeface="Source Han Sans KR"/>
-                <a:sym typeface="Source Han Sans KR"/>
-              </a:rPr>
-              <a:t>CPU </a:t>
-            </a:r>
-            <a:r>
-              <a:rPr kumimoji="0" lang="ko-KR" altLang="en-US" sz="2000" b="0" i="0" u="none" strike="noStrike" kern="1200" cap="none" spc="0" normalizeH="0" baseline="0" noProof="0" dirty="0">
-                <a:ln>
-                  <a:noFill/>
-                </a:ln>
-                <a:solidFill>
-                  <a:srgbClr val="090807"/>
-                </a:solidFill>
-                <a:effectLst/>
-                <a:uLnTx/>
-                <a:uFillTx/>
-                <a:latin typeface="KoPub바탕체 Medium" panose="02020603020101020101" pitchFamily="18" charset="-127"/>
-                <a:ea typeface="KoPub바탕체 Medium" panose="02020603020101020101" pitchFamily="18" charset="-127"/>
-                <a:cs typeface="Source Han Sans KR"/>
-                <a:sym typeface="Source Han Sans KR"/>
-              </a:rPr>
-              <a:t>또한 </a:t>
-            </a:r>
-            <a:r>
-              <a:rPr lang="ko-KR" altLang="en-US" sz="2000" dirty="0">
-                <a:solidFill>
-                  <a:srgbClr val="090807"/>
-                </a:solidFill>
-                <a:latin typeface="KoPub바탕체 Medium" panose="02020603020101020101" pitchFamily="18" charset="-127"/>
-                <a:ea typeface="KoPub바탕체 Medium" panose="02020603020101020101" pitchFamily="18" charset="-127"/>
-                <a:cs typeface="Source Han Sans KR"/>
-                <a:sym typeface="Source Han Sans KR"/>
-              </a:rPr>
-              <a:t>많음을 볼 수 있음</a:t>
-            </a:r>
-            <a:r>
-              <a:rPr lang="en-US" altLang="ko-KR" sz="2000" dirty="0">
-                <a:solidFill>
-                  <a:srgbClr val="090807"/>
-                </a:solidFill>
                 <a:latin typeface="KoPub바탕체 Medium" panose="02020603020101020101" pitchFamily="18" charset="-127"/>
                 <a:ea typeface="KoPub바탕체 Medium" panose="02020603020101020101" pitchFamily="18" charset="-127"/>
                 <a:cs typeface="Source Han Sans KR"/>
@@ -4868,6 +5879,86 @@
           </a:p>
         </p:txBody>
       </p:sp>
+      <p:sp>
+        <p:nvSpPr>
+          <p:cNvPr id="3" name="슬라이드 번호 개체 틀 2">
+            <a:extLst>
+              <a:ext uri="{FF2B5EF4-FFF2-40B4-BE49-F238E27FC236}">
+                <a16:creationId xmlns:a16="http://schemas.microsoft.com/office/drawing/2014/main" id="{5B59D86B-072F-F8DD-9D53-6C6D2C35A8AB}"/>
+              </a:ext>
+            </a:extLst>
+          </p:cNvPr>
+          <p:cNvSpPr>
+            <a:spLocks noGrp="1"/>
+          </p:cNvSpPr>
+          <p:nvPr>
+            <p:ph type="sldNum" sz="quarter" idx="12"/>
+          </p:nvPr>
+        </p:nvSpPr>
+        <p:spPr/>
+        <p:txBody>
+          <a:bodyPr/>
+          <a:lstStyle/>
+          <a:p>
+            <a:fld id="{B6F15528-21DE-4FAA-801E-634DDDAF4B2B}" type="slidenum">
+              <a:rPr lang="en-US" smtClean="0"/>
+              <a:pPr/>
+              <a:t>11</a:t>
+            </a:fld>
+            <a:endParaRPr lang="en-US"/>
+          </a:p>
+        </p:txBody>
+      </p:sp>
+      <p:pic>
+        <p:nvPicPr>
+          <p:cNvPr id="18" name="그림 17" descr="텍스트, 스크린샷, 컴퓨터, 소프트웨어이(가) 표시된 사진&#10;&#10;자동 생성된 설명">
+            <a:extLst>
+              <a:ext uri="{FF2B5EF4-FFF2-40B4-BE49-F238E27FC236}">
+                <a16:creationId xmlns:a16="http://schemas.microsoft.com/office/drawing/2014/main" id="{55724157-0139-9997-EEFB-CD8EB0E2DF58}"/>
+              </a:ext>
+            </a:extLst>
+          </p:cNvPr>
+          <p:cNvPicPr>
+            <a:picLocks noChangeAspect="1"/>
+          </p:cNvPicPr>
+          <p:nvPr/>
+        </p:nvPicPr>
+        <p:blipFill>
+          <a:blip r:embed="rId2">
+            <a:extLst>
+              <a:ext uri="{28A0092B-C50C-407E-A947-70E740481C1C}">
+                <a14:useLocalDpi xmlns:a14="http://schemas.microsoft.com/office/drawing/2010/main" val="0"/>
+              </a:ext>
+            </a:extLst>
+          </a:blip>
+          <a:stretch>
+            <a:fillRect/>
+          </a:stretch>
+        </p:blipFill>
+        <p:spPr>
+          <a:xfrm>
+            <a:off x="6649760" y="1347066"/>
+            <a:ext cx="10558740" cy="5946986"/>
+          </a:xfrm>
+          <a:prstGeom prst="rect">
+            <a:avLst/>
+          </a:prstGeom>
+          <a:ln w="38100" cap="sq">
+            <a:solidFill>
+              <a:srgbClr val="000000"/>
+            </a:solidFill>
+            <a:prstDash val="solid"/>
+            <a:miter lim="800000"/>
+          </a:ln>
+          <a:effectLst>
+            <a:outerShdw blurRad="50800" dist="38100" dir="2700000" algn="tl" rotWithShape="0">
+              <a:srgbClr val="000000">
+                <a:alpha val="43000"/>
+              </a:srgbClr>
+            </a:outerShdw>
+          </a:effectLst>
+        </p:spPr>
+      </p:pic>
       <p:pic>
         <p:nvPicPr>
           <p:cNvPr id="4" name="그림 3" descr="스크린샷, 텍스트, 멀티미디어 소프트웨어, 소프트웨어이(가) 표시된 사진&#10;&#10;자동 생성된 설명">
@@ -4883,7 +5974,7 @@
           <p:nvPr/>
         </p:nvPicPr>
         <p:blipFill>
-          <a:blip r:embed="rId2" cstate="print">
+          <a:blip r:embed="rId3" cstate="print">
             <a:extLst>
               <a:ext uri="{28A0092B-C50C-407E-A947-70E740481C1C}">
                 <a14:useLocalDpi xmlns:a14="http://schemas.microsoft.com/office/drawing/2010/main" val="0"/>
@@ -4896,7 +5987,7 @@
         </p:blipFill>
         <p:spPr>
           <a:xfrm>
-            <a:off x="7729260" y="2322337"/>
+            <a:off x="7729260" y="4644673"/>
             <a:ext cx="10558740" cy="5642327"/>
           </a:xfrm>
           <a:prstGeom prst="rect">
@@ -4931,7 +6022,7 @@
 </p:sld>
 </file>
 
-<file path=ppt/slides/slide11.xml><?xml version="1.0" encoding="utf-8"?>
+<file path=ppt/slides/slide12.xml><?xml version="1.0" encoding="utf-8"?>
 <p:sld xmlns:a="http://schemas.openxmlformats.org/drawingml/2006/main" xmlns:r="http://schemas.openxmlformats.org/officeDocument/2006/relationships" xmlns:p="http://schemas.openxmlformats.org/presentationml/2006/main">
   <p:cSld>
     <p:bg>
@@ -5160,10 +6251,10 @@
                 <a:cs typeface="Source Han Sans KR Bold"/>
                 <a:sym typeface="Source Han Sans KR Bold"/>
               </a:rPr>
-              <a:t>코드 개선 </a:t>
-            </a:r>
-            <a:r>
-              <a:rPr lang="en-US" altLang="ko-KR" sz="2499" b="1" dirty="0">
+              <a:t>코드 </a:t>
+            </a:r>
+            <a:r>
+              <a:rPr lang="ko-KR" altLang="en-US" sz="2499" b="1">
                 <a:solidFill>
                   <a:srgbClr val="090807"/>
                 </a:solidFill>
@@ -5172,7 +6263,19 @@
                 <a:cs typeface="Source Han Sans KR Bold"/>
                 <a:sym typeface="Source Han Sans KR Bold"/>
               </a:rPr>
-              <a:t>2 </a:t>
+              <a:t>개선 </a:t>
+            </a:r>
+            <a:r>
+              <a:rPr lang="en-US" altLang="ko-KR" sz="2499" b="1">
+                <a:solidFill>
+                  <a:srgbClr val="090807"/>
+                </a:solidFill>
+                <a:latin typeface="KoPub바탕체 Medium" panose="02020603020101020101" pitchFamily="18" charset="-127"/>
+                <a:ea typeface="KoPub바탕체 Medium" panose="02020603020101020101" pitchFamily="18" charset="-127"/>
+                <a:cs typeface="Source Han Sans KR Bold"/>
+                <a:sym typeface="Source Han Sans KR Bold"/>
+              </a:rPr>
+              <a:t>1 </a:t>
             </a:r>
             <a:r>
               <a:rPr kumimoji="0" lang="en-US" altLang="ko-KR" sz="2499" b="1" i="0" u="none" strike="noStrike" kern="1200" cap="none" spc="0" normalizeH="0" baseline="0" noProof="0" dirty="0">
@@ -6013,8 +7116,8 @@
           </p:sp>
         </mc:Fallback>
       </mc:AlternateContent>
-      <mc:AlternateContent xmlns:mc="http://schemas.openxmlformats.org/markup-compatibility/2006" xmlns:a14="http://schemas.microsoft.com/office/drawing/2010/main">
-        <mc:Choice Requires="a14">
+      <mc:AlternateContent xmlns:mc="http://schemas.openxmlformats.org/markup-compatibility/2006">
+        <mc:Choice xmlns:a14="http://schemas.microsoft.com/office/drawing/2010/main" Requires="a14">
           <p:sp>
             <p:nvSpPr>
               <p:cNvPr id="15" name="TextBox 15">
@@ -6029,20 +7132,20 @@
             </p:nvSpPr>
             <p:spPr>
               <a:xfrm>
-                <a:off x="923832" y="7013444"/>
-                <a:ext cx="7035690" cy="355867"/>
+                <a:off x="1209616" y="7013444"/>
+                <a:ext cx="6749905" cy="355867"/>
               </a:xfrm>
               <a:prstGeom prst="rect">
                 <a:avLst/>
               </a:prstGeom>
             </p:spPr>
             <p:txBody>
-              <a:bodyPr lIns="0" tIns="0" rIns="0" bIns="0" rtlCol="0" anchor="t">
+              <a:bodyPr wrap="square" lIns="0" tIns="0" rIns="0" bIns="0" rtlCol="0" anchor="t">
                 <a:spAutoFit/>
               </a:bodyPr>
               <a:lstStyle/>
               <a:p>
-                <a:pPr marL="0" marR="0" lvl="0" indent="0" algn="ctr" defTabSz="914400" rtl="0" eaLnBrk="1" fontAlgn="auto" latinLnBrk="0" hangingPunct="1">
+                <a:pPr marL="0" marR="0" lvl="0" indent="0" defTabSz="914400" rtl="0" eaLnBrk="1" fontAlgn="auto" latinLnBrk="0" hangingPunct="1">
                   <a:lnSpc>
                     <a:spcPts val="3000"/>
                   </a:lnSpc>
@@ -6194,7 +7297,7 @@
             </p:txBody>
           </p:sp>
         </mc:Choice>
-        <mc:Fallback xmlns="">
+        <mc:Fallback>
           <p:sp>
             <p:nvSpPr>
               <p:cNvPr id="15" name="TextBox 15">
@@ -6211,8 +7314,8 @@
             </p:nvSpPr>
             <p:spPr>
               <a:xfrm>
-                <a:off x="923832" y="7013444"/>
-                <a:ext cx="7035690" cy="355867"/>
+                <a:off x="1209616" y="7013444"/>
+                <a:ext cx="6749905" cy="355867"/>
               </a:xfrm>
               <a:prstGeom prst="rect">
                 <a:avLst/>
@@ -6220,7 +7323,7 @@
               <a:blipFill>
                 <a:blip r:embed="rId3"/>
                 <a:stretch>
-                  <a:fillRect t="-10169" b="-44068"/>
+                  <a:fillRect l="-2256" t="-10169" b="-44068"/>
                 </a:stretch>
               </a:blipFill>
             </p:spPr>
@@ -6443,6 +7546,36 @@
           </a:effectLst>
         </p:spPr>
       </p:pic>
+      <p:sp>
+        <p:nvSpPr>
+          <p:cNvPr id="3" name="슬라이드 번호 개체 틀 2">
+            <a:extLst>
+              <a:ext uri="{FF2B5EF4-FFF2-40B4-BE49-F238E27FC236}">
+                <a16:creationId xmlns:a16="http://schemas.microsoft.com/office/drawing/2014/main" id="{C77BDDB5-BC73-89C8-AA9C-9DA9A4E60829}"/>
+              </a:ext>
+            </a:extLst>
+          </p:cNvPr>
+          <p:cNvSpPr>
+            <a:spLocks noGrp="1"/>
+          </p:cNvSpPr>
+          <p:nvPr>
+            <p:ph type="sldNum" sz="quarter" idx="12"/>
+          </p:nvPr>
+        </p:nvSpPr>
+        <p:spPr/>
+        <p:txBody>
+          <a:bodyPr/>
+          <a:lstStyle/>
+          <a:p>
+            <a:fld id="{B6F15528-21DE-4FAA-801E-634DDDAF4B2B}" type="slidenum">
+              <a:rPr lang="en-US" smtClean="0"/>
+              <a:pPr/>
+              <a:t>12</a:t>
+            </a:fld>
+            <a:endParaRPr lang="en-US"/>
+          </a:p>
+        </p:txBody>
+      </p:sp>
     </p:spTree>
     <p:extLst>
       <p:ext uri="{BB962C8B-B14F-4D97-AF65-F5344CB8AC3E}">
@@ -6456,7 +7589,7 @@
 </p:sld>
 </file>
 
-<file path=ppt/slides/slide12.xml><?xml version="1.0" encoding="utf-8"?>
+<file path=ppt/slides/slide13.xml><?xml version="1.0" encoding="utf-8"?>
 <p:sld xmlns:a="http://schemas.openxmlformats.org/drawingml/2006/main" xmlns:r="http://schemas.openxmlformats.org/officeDocument/2006/relationships" xmlns:p="http://schemas.openxmlformats.org/presentationml/2006/main">
   <p:cSld>
     <p:bg>
@@ -6685,10 +7818,10 @@
                 <a:cs typeface="Source Han Sans KR Bold"/>
                 <a:sym typeface="Source Han Sans KR Bold"/>
               </a:rPr>
-              <a:t>코드 개선 </a:t>
-            </a:r>
-            <a:r>
-              <a:rPr lang="en-US" altLang="ko-KR" sz="2499" b="1" dirty="0">
+              <a:t>코드 </a:t>
+            </a:r>
+            <a:r>
+              <a:rPr lang="ko-KR" altLang="en-US" sz="2499" b="1">
                 <a:solidFill>
                   <a:srgbClr val="090807"/>
                 </a:solidFill>
@@ -6697,7 +7830,19 @@
                 <a:cs typeface="Source Han Sans KR Bold"/>
                 <a:sym typeface="Source Han Sans KR Bold"/>
               </a:rPr>
-              <a:t>2 </a:t>
+              <a:t>개선 </a:t>
+            </a:r>
+            <a:r>
+              <a:rPr lang="en-US" altLang="ko-KR" sz="2499" b="1">
+                <a:solidFill>
+                  <a:srgbClr val="090807"/>
+                </a:solidFill>
+                <a:latin typeface="KoPub바탕체 Medium" panose="02020603020101020101" pitchFamily="18" charset="-127"/>
+                <a:ea typeface="KoPub바탕체 Medium" panose="02020603020101020101" pitchFamily="18" charset="-127"/>
+                <a:cs typeface="Source Han Sans KR Bold"/>
+                <a:sym typeface="Source Han Sans KR Bold"/>
+              </a:rPr>
+              <a:t>1 </a:t>
             </a:r>
             <a:r>
               <a:rPr kumimoji="0" lang="en-US" altLang="ko-KR" sz="2499" b="1" i="0" u="none" strike="noStrike" kern="1200" cap="none" spc="0" normalizeH="0" baseline="0" noProof="0" dirty="0">
@@ -6806,6 +7951,36 @@
           </a:effectLst>
         </p:spPr>
       </p:pic>
+      <p:sp>
+        <p:nvSpPr>
+          <p:cNvPr id="3" name="슬라이드 번호 개체 틀 2">
+            <a:extLst>
+              <a:ext uri="{FF2B5EF4-FFF2-40B4-BE49-F238E27FC236}">
+                <a16:creationId xmlns:a16="http://schemas.microsoft.com/office/drawing/2014/main" id="{E43BAB37-5DD7-B2FD-CB5B-A494C16EEA3C}"/>
+              </a:ext>
+            </a:extLst>
+          </p:cNvPr>
+          <p:cNvSpPr>
+            <a:spLocks noGrp="1"/>
+          </p:cNvSpPr>
+          <p:nvPr>
+            <p:ph type="sldNum" sz="quarter" idx="12"/>
+          </p:nvPr>
+        </p:nvSpPr>
+        <p:spPr/>
+        <p:txBody>
+          <a:bodyPr/>
+          <a:lstStyle/>
+          <a:p>
+            <a:fld id="{B6F15528-21DE-4FAA-801E-634DDDAF4B2B}" type="slidenum">
+              <a:rPr lang="en-US" smtClean="0"/>
+              <a:pPr/>
+              <a:t>13</a:t>
+            </a:fld>
+            <a:endParaRPr lang="en-US"/>
+          </a:p>
+        </p:txBody>
+      </p:sp>
     </p:spTree>
     <p:extLst>
       <p:ext uri="{BB962C8B-B14F-4D97-AF65-F5344CB8AC3E}">
@@ -6819,7 +7994,7 @@
 </p:sld>
 </file>
 
-<file path=ppt/slides/slide13.xml><?xml version="1.0" encoding="utf-8"?>
+<file path=ppt/slides/slide14.xml><?xml version="1.0" encoding="utf-8"?>
 <p:sld xmlns:a="http://schemas.openxmlformats.org/drawingml/2006/main" xmlns:r="http://schemas.openxmlformats.org/officeDocument/2006/relationships" xmlns:p="http://schemas.openxmlformats.org/presentationml/2006/main">
   <p:cSld>
     <p:bg>
@@ -7048,10 +8223,10 @@
                 <a:cs typeface="Source Han Sans KR Bold"/>
                 <a:sym typeface="Source Han Sans KR Bold"/>
               </a:rPr>
-              <a:t>코드 개선 </a:t>
-            </a:r>
-            <a:r>
-              <a:rPr lang="en-US" altLang="ko-KR" sz="2499" b="1" dirty="0">
+              <a:t>코드 </a:t>
+            </a:r>
+            <a:r>
+              <a:rPr lang="ko-KR" altLang="en-US" sz="2499" b="1">
                 <a:solidFill>
                   <a:srgbClr val="090807"/>
                 </a:solidFill>
@@ -7060,7 +8235,19 @@
                 <a:cs typeface="Source Han Sans KR Bold"/>
                 <a:sym typeface="Source Han Sans KR Bold"/>
               </a:rPr>
-              <a:t>2 </a:t>
+              <a:t>개선 </a:t>
+            </a:r>
+            <a:r>
+              <a:rPr lang="en-US" altLang="ko-KR" sz="2499" b="1">
+                <a:solidFill>
+                  <a:srgbClr val="090807"/>
+                </a:solidFill>
+                <a:latin typeface="KoPub바탕체 Medium" panose="02020603020101020101" pitchFamily="18" charset="-127"/>
+                <a:ea typeface="KoPub바탕체 Medium" panose="02020603020101020101" pitchFamily="18" charset="-127"/>
+                <a:cs typeface="Source Han Sans KR Bold"/>
+                <a:sym typeface="Source Han Sans KR Bold"/>
+              </a:rPr>
+              <a:t>1 </a:t>
             </a:r>
             <a:r>
               <a:rPr kumimoji="0" lang="en-US" altLang="ko-KR" sz="2499" b="1" i="0" u="none" strike="noStrike" kern="1200" cap="none" spc="0" normalizeH="0" baseline="0" noProof="0" dirty="0">
@@ -7340,7 +8527,7 @@
         <p:spPr>
           <a:xfrm>
             <a:off x="923832" y="4019550"/>
-            <a:ext cx="7035690" cy="358496"/>
+            <a:ext cx="7035690" cy="743217"/>
           </a:xfrm>
           <a:prstGeom prst="rect">
             <a:avLst/>
@@ -7370,7 +8557,7 @@
               <a:defRPr/>
             </a:pPr>
             <a:r>
-              <a:rPr kumimoji="0" lang="ko-KR" altLang="en-US" sz="2000" b="0" i="0" u="none" strike="noStrike" kern="1200" cap="none" spc="0" normalizeH="0" baseline="0" noProof="0" dirty="0">
+              <a:rPr kumimoji="0" lang="ko-KR" altLang="en-US" sz="2000" b="0" i="0" u="none" strike="noStrike" kern="1200" cap="none" spc="0" normalizeH="0" baseline="0" noProof="0">
                 <a:ln>
                   <a:noFill/>
                 </a:ln>
@@ -7388,7 +8575,62 @@
               <a:t>총 </a:t>
             </a:r>
             <a:r>
-              <a:rPr kumimoji="0" lang="en-US" altLang="ko-KR" sz="2000" b="0" i="0" u="none" strike="noStrike" kern="1200" cap="none" spc="0" normalizeH="0" baseline="0" noProof="0" dirty="0">
+              <a:rPr lang="en-US" altLang="ko-KR" sz="2000">
+                <a:solidFill>
+                  <a:srgbClr val="090807"/>
+                </a:solidFill>
+                <a:latin typeface="KoPub바탕체 Medium" panose="02020603020101020101" pitchFamily="18" charset="-127"/>
+                <a:ea typeface="KoPub바탕체 Medium" panose="02020603020101020101" pitchFamily="18" charset="-127"/>
+                <a:cs typeface="Source Han Sans KR"/>
+                <a:sym typeface="Source Han Sans KR"/>
+              </a:rPr>
+              <a:t>CPU </a:t>
+            </a:r>
+            <a:r>
+              <a:rPr lang="ko-KR" altLang="en-US" sz="2000">
+                <a:solidFill>
+                  <a:srgbClr val="090807"/>
+                </a:solidFill>
+                <a:latin typeface="KoPub바탕체 Medium" panose="02020603020101020101" pitchFamily="18" charset="-127"/>
+                <a:ea typeface="KoPub바탕체 Medium" panose="02020603020101020101" pitchFamily="18" charset="-127"/>
+                <a:cs typeface="Source Han Sans KR"/>
+                <a:sym typeface="Source Han Sans KR"/>
+              </a:rPr>
+              <a:t>사용량 </a:t>
+            </a:r>
+            <a:r>
+              <a:rPr lang="en-US" altLang="ko-KR" sz="2000">
+                <a:solidFill>
+                  <a:srgbClr val="090807"/>
+                </a:solidFill>
+                <a:latin typeface="KoPub바탕체 Medium" panose="02020603020101020101" pitchFamily="18" charset="-127"/>
+                <a:ea typeface="KoPub바탕체 Medium" panose="02020603020101020101" pitchFamily="18" charset="-127"/>
+                <a:cs typeface="Source Han Sans KR"/>
+                <a:sym typeface="Source Han Sans KR"/>
+              </a:rPr>
+              <a:t>47</a:t>
+            </a:r>
+          </a:p>
+          <a:p>
+            <a:pPr marL="0" marR="0" lvl="0" indent="0" algn="l" defTabSz="914400" rtl="0" eaLnBrk="1" fontAlgn="auto" latinLnBrk="0" hangingPunct="1">
+              <a:lnSpc>
+                <a:spcPts val="3000"/>
+              </a:lnSpc>
+              <a:spcBef>
+                <a:spcPts val="0"/>
+              </a:spcBef>
+              <a:spcAft>
+                <a:spcPts val="0"/>
+              </a:spcAft>
+              <a:buClrTx/>
+              <a:buSzTx/>
+              <a:buFontTx/>
+              <a:buNone/>
+              <a:tabLst/>
+              <a:defRPr/>
+            </a:pPr>
+            <a:r>
+              <a:rPr kumimoji="0" lang="ko-KR" altLang="en-US" sz="2000" b="0" i="0" u="none" strike="noStrike" kern="1200" cap="none" spc="0" normalizeH="0" baseline="0" noProof="0">
                 <a:ln>
                   <a:noFill/>
                 </a:ln>
@@ -7403,55 +8645,43 @@
                 <a:cs typeface="Source Han Sans KR"/>
                 <a:sym typeface="Source Han Sans KR"/>
               </a:rPr>
-              <a:t>47</a:t>
-            </a:r>
-            <a:r>
-              <a:rPr lang="ko-KR" altLang="en-US" sz="2000" dirty="0">
-                <a:solidFill>
-                  <a:srgbClr val="090807"/>
-                </a:solidFill>
+              <a:t>함수 실행 시간 </a:t>
+            </a:r>
+            <a:r>
+              <a:rPr kumimoji="0" lang="en-US" altLang="ko-KR" sz="2000" b="0" i="0" u="none" strike="noStrike" kern="1200" cap="none" spc="0" normalizeH="0" baseline="0" noProof="0">
+                <a:ln>
+                  <a:noFill/>
+                </a:ln>
+                <a:solidFill>
+                  <a:srgbClr val="090807"/>
+                </a:solidFill>
+                <a:effectLst/>
+                <a:uLnTx/>
+                <a:uFillTx/>
                 <a:latin typeface="KoPub바탕체 Medium" panose="02020603020101020101" pitchFamily="18" charset="-127"/>
                 <a:ea typeface="KoPub바탕체 Medium" panose="02020603020101020101" pitchFamily="18" charset="-127"/>
                 <a:cs typeface="Source Han Sans KR"/>
                 <a:sym typeface="Source Han Sans KR"/>
               </a:rPr>
-              <a:t>의 </a:t>
-            </a:r>
-            <a:r>
-              <a:rPr lang="en-US" altLang="ko-KR" sz="2000" dirty="0">
-                <a:solidFill>
-                  <a:srgbClr val="090807"/>
-                </a:solidFill>
+              <a:t>0.001</a:t>
+            </a:r>
+            <a:r>
+              <a:rPr kumimoji="0" lang="ko-KR" altLang="en-US" sz="2000" b="0" i="0" u="none" strike="noStrike" kern="1200" cap="none" spc="0" normalizeH="0" baseline="0" noProof="0">
+                <a:ln>
+                  <a:noFill/>
+                </a:ln>
+                <a:solidFill>
+                  <a:srgbClr val="090807"/>
+                </a:solidFill>
+                <a:effectLst/>
+                <a:uLnTx/>
+                <a:uFillTx/>
                 <a:latin typeface="KoPub바탕체 Medium" panose="02020603020101020101" pitchFamily="18" charset="-127"/>
                 <a:ea typeface="KoPub바탕체 Medium" panose="02020603020101020101" pitchFamily="18" charset="-127"/>
                 <a:cs typeface="Source Han Sans KR"/>
                 <a:sym typeface="Source Han Sans KR"/>
               </a:rPr>
-              <a:t>CPU </a:t>
-            </a:r>
-            <a:r>
-              <a:rPr lang="ko-KR" altLang="en-US" sz="2000" dirty="0">
-                <a:solidFill>
-                  <a:srgbClr val="090807"/>
-                </a:solidFill>
-                <a:latin typeface="KoPub바탕체 Medium" panose="02020603020101020101" pitchFamily="18" charset="-127"/>
-                <a:ea typeface="KoPub바탕체 Medium" panose="02020603020101020101" pitchFamily="18" charset="-127"/>
-                <a:cs typeface="Source Han Sans KR"/>
-                <a:sym typeface="Source Han Sans KR"/>
-              </a:rPr>
-              <a:t>사용</a:t>
-            </a:r>
-            <a:r>
-              <a:rPr lang="en-US" altLang="ko-KR" sz="2000" dirty="0">
-                <a:solidFill>
-                  <a:srgbClr val="090807"/>
-                </a:solidFill>
-                <a:latin typeface="KoPub바탕체 Medium" panose="02020603020101020101" pitchFamily="18" charset="-127"/>
-                <a:ea typeface="KoPub바탕체 Medium" panose="02020603020101020101" pitchFamily="18" charset="-127"/>
-                <a:cs typeface="Source Han Sans KR"/>
-                <a:sym typeface="Source Han Sans KR"/>
-              </a:rPr>
-              <a:t>.</a:t>
+              <a:t>초</a:t>
             </a:r>
             <a:endParaRPr kumimoji="0" lang="en-US" sz="2000" b="0" i="0" u="none" strike="noStrike" kern="1200" cap="none" spc="0" normalizeH="0" baseline="0" noProof="0" dirty="0">
               <a:ln>
@@ -7545,56 +8775,6 @@
           </a:p>
         </p:txBody>
       </p:sp>
-      <p:pic>
-        <p:nvPicPr>
-          <p:cNvPr id="6" name="그림 5" descr="스크린샷, 텍스트, 멀티미디어 소프트웨어, 소프트웨어이(가) 표시된 사진&#10;&#10;자동 생성된 설명">
-            <a:extLst>
-              <a:ext uri="{FF2B5EF4-FFF2-40B4-BE49-F238E27FC236}">
-                <a16:creationId xmlns:a16="http://schemas.microsoft.com/office/drawing/2014/main" id="{37899BE7-E41C-EDB5-E213-61C78C8D501E}"/>
-              </a:ext>
-            </a:extLst>
-          </p:cNvPr>
-          <p:cNvPicPr>
-            <a:picLocks noChangeAspect="1"/>
-          </p:cNvPicPr>
-          <p:nvPr/>
-        </p:nvPicPr>
-        <p:blipFill>
-          <a:blip r:embed="rId2" cstate="print">
-            <a:extLst>
-              <a:ext uri="{28A0092B-C50C-407E-A947-70E740481C1C}">
-                <a14:useLocalDpi xmlns:a14="http://schemas.microsoft.com/office/drawing/2010/main" val="0"/>
-              </a:ext>
-            </a:extLst>
-          </a:blip>
-          <a:stretch>
-            <a:fillRect/>
-          </a:stretch>
-        </p:blipFill>
-        <p:spPr>
-          <a:xfrm>
-            <a:off x="7772400" y="2333863"/>
-            <a:ext cx="10515600" cy="5619274"/>
-          </a:xfrm>
-          <a:prstGeom prst="rect">
-            <a:avLst/>
-          </a:prstGeom>
-          <a:ln w="38100" cap="sq">
-            <a:solidFill>
-              <a:srgbClr val="000000"/>
-            </a:solidFill>
-            <a:prstDash val="solid"/>
-            <a:miter lim="800000"/>
-          </a:ln>
-          <a:effectLst>
-            <a:outerShdw blurRad="50800" dist="38100" dir="2700000" algn="tl" rotWithShape="0">
-              <a:srgbClr val="000000">
-                <a:alpha val="43000"/>
-              </a:srgbClr>
-            </a:outerShdw>
-          </a:effectLst>
-        </p:spPr>
-      </p:pic>
       <p:grpSp>
         <p:nvGrpSpPr>
           <p:cNvPr id="18" name="Group 11">
@@ -7816,14 +8996,14 @@
         <p:spPr>
           <a:xfrm>
             <a:off x="923832" y="7013444"/>
-            <a:ext cx="7035690" cy="743217"/>
+            <a:ext cx="5476968" cy="1127937"/>
           </a:xfrm>
           <a:prstGeom prst="rect">
             <a:avLst/>
           </a:prstGeom>
         </p:spPr>
         <p:txBody>
-          <a:bodyPr lIns="0" tIns="0" rIns="0" bIns="0" rtlCol="0" anchor="t">
+          <a:bodyPr wrap="square" lIns="0" tIns="0" rIns="0" bIns="0" rtlCol="0" anchor="t">
             <a:spAutoFit/>
           </a:bodyPr>
           <a:lstStyle/>
@@ -7891,10 +9071,65 @@
                 <a:cs typeface="Source Han Sans KR"/>
                 <a:sym typeface="Source Han Sans KR"/>
               </a:rPr>
-              <a:t> 사용률 또한 줄어들었음</a:t>
-            </a:r>
-            <a:r>
-              <a:rPr lang="en-US" altLang="ko-KR" sz="2000" dirty="0">
+              <a:t> 사용률 또한 </a:t>
+            </a:r>
+            <a:r>
+              <a:rPr lang="ko-KR" altLang="en-US" sz="2000">
+                <a:solidFill>
+                  <a:srgbClr val="090807"/>
+                </a:solidFill>
+                <a:latin typeface="KoPub바탕체 Medium" panose="02020603020101020101" pitchFamily="18" charset="-127"/>
+                <a:ea typeface="KoPub바탕체 Medium" panose="02020603020101020101" pitchFamily="18" charset="-127"/>
+                <a:cs typeface="Source Han Sans KR"/>
+                <a:sym typeface="Source Han Sans KR"/>
+              </a:rPr>
+              <a:t>줄어들었음</a:t>
+            </a:r>
+            <a:r>
+              <a:rPr lang="en-US" altLang="ko-KR" sz="2000">
+                <a:solidFill>
+                  <a:srgbClr val="090807"/>
+                </a:solidFill>
+                <a:latin typeface="KoPub바탕체 Medium" panose="02020603020101020101" pitchFamily="18" charset="-127"/>
+                <a:ea typeface="KoPub바탕체 Medium" panose="02020603020101020101" pitchFamily="18" charset="-127"/>
+                <a:cs typeface="Source Han Sans KR"/>
+                <a:sym typeface="Source Han Sans KR"/>
+              </a:rPr>
+              <a:t>.</a:t>
+            </a:r>
+          </a:p>
+          <a:p>
+            <a:pPr marL="0" marR="0" lvl="0" indent="0" algn="l" defTabSz="914400" rtl="0" eaLnBrk="1" fontAlgn="auto" latinLnBrk="0" hangingPunct="1">
+              <a:lnSpc>
+                <a:spcPts val="3000"/>
+              </a:lnSpc>
+              <a:spcBef>
+                <a:spcPts val="0"/>
+              </a:spcBef>
+              <a:spcAft>
+                <a:spcPts val="0"/>
+              </a:spcAft>
+              <a:buClrTx/>
+              <a:buSzTx/>
+              <a:buFontTx/>
+              <a:buNone/>
+              <a:tabLst/>
+              <a:defRPr/>
+            </a:pPr>
+            <a:r>
+              <a:rPr lang="ko-KR" altLang="en-US" sz="2000">
+                <a:solidFill>
+                  <a:srgbClr val="090807"/>
+                </a:solidFill>
+                <a:latin typeface="KoPub바탕체 Medium" panose="02020603020101020101" pitchFamily="18" charset="-127"/>
+                <a:ea typeface="KoPub바탕체 Medium" panose="02020603020101020101" pitchFamily="18" charset="-127"/>
+                <a:cs typeface="Source Han Sans KR"/>
+                <a:sym typeface="Source Han Sans KR"/>
+              </a:rPr>
+              <a:t>실행 시간 또한 매우 짧아짐</a:t>
+            </a:r>
+            <a:r>
+              <a:rPr lang="en-US" altLang="ko-KR" sz="2000">
                 <a:solidFill>
                   <a:srgbClr val="090807"/>
                 </a:solidFill>
@@ -8003,6 +9238,136 @@
           </a:p>
         </p:txBody>
       </p:sp>
+      <p:sp>
+        <p:nvSpPr>
+          <p:cNvPr id="3" name="슬라이드 번호 개체 틀 2">
+            <a:extLst>
+              <a:ext uri="{FF2B5EF4-FFF2-40B4-BE49-F238E27FC236}">
+                <a16:creationId xmlns:a16="http://schemas.microsoft.com/office/drawing/2014/main" id="{B044A004-EB9D-48DE-29F0-35EDB298EDAD}"/>
+              </a:ext>
+            </a:extLst>
+          </p:cNvPr>
+          <p:cNvSpPr>
+            <a:spLocks noGrp="1"/>
+          </p:cNvSpPr>
+          <p:nvPr>
+            <p:ph type="sldNum" sz="quarter" idx="12"/>
+          </p:nvPr>
+        </p:nvSpPr>
+        <p:spPr/>
+        <p:txBody>
+          <a:bodyPr/>
+          <a:lstStyle/>
+          <a:p>
+            <a:fld id="{B6F15528-21DE-4FAA-801E-634DDDAF4B2B}" type="slidenum">
+              <a:rPr lang="en-US" smtClean="0"/>
+              <a:pPr/>
+              <a:t>14</a:t>
+            </a:fld>
+            <a:endParaRPr lang="en-US"/>
+          </a:p>
+        </p:txBody>
+      </p:sp>
+      <p:pic>
+        <p:nvPicPr>
+          <p:cNvPr id="4" name="그림 3" descr="텍스트, 스크린샷, 컴퓨터, 소프트웨어이(가) 표시된 사진&#10;&#10;자동 생성된 설명">
+            <a:extLst>
+              <a:ext uri="{FF2B5EF4-FFF2-40B4-BE49-F238E27FC236}">
+                <a16:creationId xmlns:a16="http://schemas.microsoft.com/office/drawing/2014/main" id="{BBDC612F-322F-FF09-2AA3-B4B5D774AC67}"/>
+              </a:ext>
+            </a:extLst>
+          </p:cNvPr>
+          <p:cNvPicPr>
+            <a:picLocks noChangeAspect="1"/>
+          </p:cNvPicPr>
+          <p:nvPr/>
+        </p:nvPicPr>
+        <p:blipFill>
+          <a:blip r:embed="rId2">
+            <a:extLst>
+              <a:ext uri="{28A0092B-C50C-407E-A947-70E740481C1C}">
+                <a14:useLocalDpi xmlns:a14="http://schemas.microsoft.com/office/drawing/2010/main" val="0"/>
+              </a:ext>
+            </a:extLst>
+          </a:blip>
+          <a:stretch>
+            <a:fillRect/>
+          </a:stretch>
+        </p:blipFill>
+        <p:spPr>
+          <a:xfrm>
+            <a:off x="6679999" y="1347066"/>
+            <a:ext cx="10621857" cy="5982535"/>
+          </a:xfrm>
+          <a:prstGeom prst="rect">
+            <a:avLst/>
+          </a:prstGeom>
+          <a:ln w="38100" cap="sq">
+            <a:solidFill>
+              <a:srgbClr val="000000"/>
+            </a:solidFill>
+            <a:prstDash val="solid"/>
+            <a:miter lim="800000"/>
+          </a:ln>
+          <a:effectLst>
+            <a:outerShdw blurRad="50800" dist="38100" dir="2700000" algn="tl" rotWithShape="0">
+              <a:srgbClr val="000000">
+                <a:alpha val="43000"/>
+              </a:srgbClr>
+            </a:outerShdw>
+          </a:effectLst>
+        </p:spPr>
+      </p:pic>
+      <p:pic>
+        <p:nvPicPr>
+          <p:cNvPr id="6" name="그림 5" descr="스크린샷, 텍스트, 멀티미디어 소프트웨어, 소프트웨어이(가) 표시된 사진&#10;&#10;자동 생성된 설명">
+            <a:extLst>
+              <a:ext uri="{FF2B5EF4-FFF2-40B4-BE49-F238E27FC236}">
+                <a16:creationId xmlns:a16="http://schemas.microsoft.com/office/drawing/2014/main" id="{37899BE7-E41C-EDB5-E213-61C78C8D501E}"/>
+              </a:ext>
+            </a:extLst>
+          </p:cNvPr>
+          <p:cNvPicPr>
+            <a:picLocks noChangeAspect="1"/>
+          </p:cNvPicPr>
+          <p:nvPr/>
+        </p:nvPicPr>
+        <p:blipFill>
+          <a:blip r:embed="rId3" cstate="print">
+            <a:extLst>
+              <a:ext uri="{28A0092B-C50C-407E-A947-70E740481C1C}">
+                <a14:useLocalDpi xmlns:a14="http://schemas.microsoft.com/office/drawing/2010/main" val="0"/>
+              </a:ext>
+            </a:extLst>
+          </a:blip>
+          <a:stretch>
+            <a:fillRect/>
+          </a:stretch>
+        </p:blipFill>
+        <p:spPr>
+          <a:xfrm>
+            <a:off x="7772400" y="4667726"/>
+            <a:ext cx="10515600" cy="5619274"/>
+          </a:xfrm>
+          <a:prstGeom prst="rect">
+            <a:avLst/>
+          </a:prstGeom>
+          <a:ln w="38100" cap="sq">
+            <a:solidFill>
+              <a:srgbClr val="000000"/>
+            </a:solidFill>
+            <a:prstDash val="solid"/>
+            <a:miter lim="800000"/>
+          </a:ln>
+          <a:effectLst>
+            <a:outerShdw blurRad="50800" dist="38100" dir="2700000" algn="tl" rotWithShape="0">
+              <a:srgbClr val="000000">
+                <a:alpha val="43000"/>
+              </a:srgbClr>
+            </a:outerShdw>
+          </a:effectLst>
+        </p:spPr>
+      </p:pic>
     </p:spTree>
     <p:extLst>
       <p:ext uri="{BB962C8B-B14F-4D97-AF65-F5344CB8AC3E}">
@@ -8016,7 +9381,7 @@
 </p:sld>
 </file>
 
-<file path=ppt/slides/slide14.xml><?xml version="1.0" encoding="utf-8"?>
+<file path=ppt/slides/slide15.xml><?xml version="1.0" encoding="utf-8"?>
 <p:sld xmlns:a="http://schemas.openxmlformats.org/drawingml/2006/main" xmlns:r="http://schemas.openxmlformats.org/officeDocument/2006/relationships" xmlns:p="http://schemas.openxmlformats.org/presentationml/2006/main">
   <p:cSld>
     <p:bg>
@@ -8245,10 +9610,10 @@
                 <a:cs typeface="Source Han Sans KR Bold"/>
                 <a:sym typeface="Source Han Sans KR Bold"/>
               </a:rPr>
-              <a:t>코드 개선 </a:t>
-            </a:r>
-            <a:r>
-              <a:rPr lang="en-US" altLang="ko-KR" sz="2499" b="1" dirty="0">
+              <a:t>코드 </a:t>
+            </a:r>
+            <a:r>
+              <a:rPr lang="ko-KR" altLang="en-US" sz="2499" b="1">
                 <a:solidFill>
                   <a:srgbClr val="090807"/>
                 </a:solidFill>
@@ -8257,7 +9622,19 @@
                 <a:cs typeface="Source Han Sans KR Bold"/>
                 <a:sym typeface="Source Han Sans KR Bold"/>
               </a:rPr>
-              <a:t>3 </a:t>
+              <a:t>개선 </a:t>
+            </a:r>
+            <a:r>
+              <a:rPr lang="en-US" altLang="ko-KR" sz="2499" b="1">
+                <a:solidFill>
+                  <a:srgbClr val="090807"/>
+                </a:solidFill>
+                <a:latin typeface="KoPub바탕체 Medium" panose="02020603020101020101" pitchFamily="18" charset="-127"/>
+                <a:ea typeface="KoPub바탕체 Medium" panose="02020603020101020101" pitchFamily="18" charset="-127"/>
+                <a:cs typeface="Source Han Sans KR Bold"/>
+                <a:sym typeface="Source Han Sans KR Bold"/>
+              </a:rPr>
+              <a:t>2 </a:t>
             </a:r>
             <a:r>
               <a:rPr kumimoji="0" lang="en-US" sz="2499" b="1" i="0" u="none" strike="noStrike" kern="1200" cap="none" spc="0" normalizeH="0" baseline="0" noProof="0" dirty="0">
@@ -8986,8 +10363,8 @@
           </a:p>
         </p:txBody>
       </p:sp>
-      <mc:AlternateContent xmlns:mc="http://schemas.openxmlformats.org/markup-compatibility/2006" xmlns:a14="http://schemas.microsoft.com/office/drawing/2010/main">
-        <mc:Choice Requires="a14">
+      <mc:AlternateContent xmlns:mc="http://schemas.openxmlformats.org/markup-compatibility/2006">
+        <mc:Choice xmlns:a14="http://schemas.microsoft.com/office/drawing/2010/main" Requires="a14">
           <p:sp>
             <p:nvSpPr>
               <p:cNvPr id="15" name="TextBox 15">
@@ -9002,15 +10379,15 @@
             </p:nvSpPr>
             <p:spPr>
               <a:xfrm>
-                <a:off x="923832" y="7013444"/>
-                <a:ext cx="7035690" cy="384721"/>
+                <a:off x="1233418" y="7013444"/>
+                <a:ext cx="6726103" cy="384721"/>
               </a:xfrm>
               <a:prstGeom prst="rect">
                 <a:avLst/>
               </a:prstGeom>
             </p:spPr>
             <p:txBody>
-              <a:bodyPr lIns="0" tIns="0" rIns="0" bIns="0" rtlCol="0" anchor="t">
+              <a:bodyPr wrap="square" lIns="0" tIns="0" rIns="0" bIns="0" rtlCol="0" anchor="t">
                 <a:spAutoFit/>
               </a:bodyPr>
               <a:lstStyle/>
@@ -9035,7 +10412,7 @@
                 <a14:m>
                   <m:oMathPara xmlns:m="http://schemas.openxmlformats.org/officeDocument/2006/math">
                     <m:oMathParaPr>
-                      <m:jc m:val="centerGroup"/>
+                      <m:jc m:val="left"/>
                     </m:oMathParaPr>
                     <m:oMath xmlns:m="http://schemas.openxmlformats.org/officeDocument/2006/math">
                       <m:r>
@@ -9178,7 +10555,7 @@
             </p:txBody>
           </p:sp>
         </mc:Choice>
-        <mc:Fallback xmlns="">
+        <mc:Fallback>
           <p:sp>
             <p:nvSpPr>
               <p:cNvPr id="15" name="TextBox 15">
@@ -9195,8 +10572,8 @@
             </p:nvSpPr>
             <p:spPr>
               <a:xfrm>
-                <a:off x="923832" y="7013444"/>
-                <a:ext cx="7035690" cy="384721"/>
+                <a:off x="1233418" y="7013444"/>
+                <a:ext cx="6726103" cy="384721"/>
               </a:xfrm>
               <a:prstGeom prst="rect">
                 <a:avLst/>
@@ -9427,6 +10804,36 @@
           </a:effectLst>
         </p:spPr>
       </p:pic>
+      <p:sp>
+        <p:nvSpPr>
+          <p:cNvPr id="3" name="슬라이드 번호 개체 틀 2">
+            <a:extLst>
+              <a:ext uri="{FF2B5EF4-FFF2-40B4-BE49-F238E27FC236}">
+                <a16:creationId xmlns:a16="http://schemas.microsoft.com/office/drawing/2014/main" id="{85BB8F58-E281-0A42-FF41-45EB8A9ACF20}"/>
+              </a:ext>
+            </a:extLst>
+          </p:cNvPr>
+          <p:cNvSpPr>
+            <a:spLocks noGrp="1"/>
+          </p:cNvSpPr>
+          <p:nvPr>
+            <p:ph type="sldNum" sz="quarter" idx="12"/>
+          </p:nvPr>
+        </p:nvSpPr>
+        <p:spPr/>
+        <p:txBody>
+          <a:bodyPr/>
+          <a:lstStyle/>
+          <a:p>
+            <a:fld id="{B6F15528-21DE-4FAA-801E-634DDDAF4B2B}" type="slidenum">
+              <a:rPr lang="en-US" smtClean="0"/>
+              <a:pPr/>
+              <a:t>15</a:t>
+            </a:fld>
+            <a:endParaRPr lang="en-US"/>
+          </a:p>
+        </p:txBody>
+      </p:sp>
     </p:spTree>
     <p:extLst>
       <p:ext uri="{BB962C8B-B14F-4D97-AF65-F5344CB8AC3E}">
@@ -9440,7 +10847,7 @@
 </p:sld>
 </file>
 
-<file path=ppt/slides/slide15.xml><?xml version="1.0" encoding="utf-8"?>
+<file path=ppt/slides/slide16.xml><?xml version="1.0" encoding="utf-8"?>
 <p:sld xmlns:a="http://schemas.openxmlformats.org/drawingml/2006/main" xmlns:r="http://schemas.openxmlformats.org/officeDocument/2006/relationships" xmlns:p="http://schemas.openxmlformats.org/presentationml/2006/main">
   <p:cSld>
     <p:bg>
@@ -9669,10 +11076,10 @@
                 <a:cs typeface="Source Han Sans KR Bold"/>
                 <a:sym typeface="Source Han Sans KR Bold"/>
               </a:rPr>
-              <a:t>코드 개선 </a:t>
-            </a:r>
-            <a:r>
-              <a:rPr lang="en-US" altLang="ko-KR" sz="2499" b="1" dirty="0">
+              <a:t>코드 </a:t>
+            </a:r>
+            <a:r>
+              <a:rPr lang="ko-KR" altLang="en-US" sz="2499" b="1">
                 <a:solidFill>
                   <a:srgbClr val="090807"/>
                 </a:solidFill>
@@ -9681,7 +11088,19 @@
                 <a:cs typeface="Source Han Sans KR Bold"/>
                 <a:sym typeface="Source Han Sans KR Bold"/>
               </a:rPr>
-              <a:t>3 </a:t>
+              <a:t>개선 </a:t>
+            </a:r>
+            <a:r>
+              <a:rPr lang="en-US" altLang="ko-KR" sz="2499" b="1">
+                <a:solidFill>
+                  <a:srgbClr val="090807"/>
+                </a:solidFill>
+                <a:latin typeface="KoPub바탕체 Medium" panose="02020603020101020101" pitchFamily="18" charset="-127"/>
+                <a:ea typeface="KoPub바탕체 Medium" panose="02020603020101020101" pitchFamily="18" charset="-127"/>
+                <a:cs typeface="Source Han Sans KR Bold"/>
+                <a:sym typeface="Source Han Sans KR Bold"/>
+              </a:rPr>
+              <a:t>2 </a:t>
             </a:r>
             <a:r>
               <a:rPr kumimoji="0" lang="en-US" altLang="ko-KR" sz="2499" b="1" i="0" u="none" strike="noStrike" kern="1200" cap="none" spc="0" normalizeH="0" baseline="0" noProof="0" dirty="0">
@@ -9790,6 +11209,36 @@
           </a:effectLst>
         </p:spPr>
       </p:pic>
+      <p:sp>
+        <p:nvSpPr>
+          <p:cNvPr id="3" name="슬라이드 번호 개체 틀 2">
+            <a:extLst>
+              <a:ext uri="{FF2B5EF4-FFF2-40B4-BE49-F238E27FC236}">
+                <a16:creationId xmlns:a16="http://schemas.microsoft.com/office/drawing/2014/main" id="{06A8EADC-82D6-F850-CECD-FAA2CEAC2333}"/>
+              </a:ext>
+            </a:extLst>
+          </p:cNvPr>
+          <p:cNvSpPr>
+            <a:spLocks noGrp="1"/>
+          </p:cNvSpPr>
+          <p:nvPr>
+            <p:ph type="sldNum" sz="quarter" idx="12"/>
+          </p:nvPr>
+        </p:nvSpPr>
+        <p:spPr/>
+        <p:txBody>
+          <a:bodyPr/>
+          <a:lstStyle/>
+          <a:p>
+            <a:fld id="{B6F15528-21DE-4FAA-801E-634DDDAF4B2B}" type="slidenum">
+              <a:rPr lang="en-US" smtClean="0"/>
+              <a:pPr/>
+              <a:t>16</a:t>
+            </a:fld>
+            <a:endParaRPr lang="en-US"/>
+          </a:p>
+        </p:txBody>
+      </p:sp>
     </p:spTree>
     <p:extLst>
       <p:ext uri="{BB962C8B-B14F-4D97-AF65-F5344CB8AC3E}">
@@ -9803,7 +11252,7 @@
 </p:sld>
 </file>
 
-<file path=ppt/slides/slide16.xml><?xml version="1.0" encoding="utf-8"?>
+<file path=ppt/slides/slide17.xml><?xml version="1.0" encoding="utf-8"?>
 <p:sld xmlns:a="http://schemas.openxmlformats.org/drawingml/2006/main" xmlns:r="http://schemas.openxmlformats.org/officeDocument/2006/relationships" xmlns:p="http://schemas.openxmlformats.org/presentationml/2006/main">
   <p:cSld>
     <p:bg>
@@ -10032,10 +11481,10 @@
                 <a:cs typeface="Source Han Sans KR Bold"/>
                 <a:sym typeface="Source Han Sans KR Bold"/>
               </a:rPr>
-              <a:t>코드 개선 </a:t>
-            </a:r>
-            <a:r>
-              <a:rPr lang="en-US" altLang="ko-KR" sz="2499" b="1" dirty="0">
+              <a:t>코드 </a:t>
+            </a:r>
+            <a:r>
+              <a:rPr lang="ko-KR" altLang="en-US" sz="2499" b="1">
                 <a:solidFill>
                   <a:srgbClr val="090807"/>
                 </a:solidFill>
@@ -10044,7 +11493,19 @@
                 <a:cs typeface="Source Han Sans KR Bold"/>
                 <a:sym typeface="Source Han Sans KR Bold"/>
               </a:rPr>
-              <a:t>3 </a:t>
+              <a:t>개선 </a:t>
+            </a:r>
+            <a:r>
+              <a:rPr lang="en-US" altLang="ko-KR" sz="2499" b="1">
+                <a:solidFill>
+                  <a:srgbClr val="090807"/>
+                </a:solidFill>
+                <a:latin typeface="KoPub바탕체 Medium" panose="02020603020101020101" pitchFamily="18" charset="-127"/>
+                <a:ea typeface="KoPub바탕체 Medium" panose="02020603020101020101" pitchFamily="18" charset="-127"/>
+                <a:cs typeface="Source Han Sans KR Bold"/>
+                <a:sym typeface="Source Han Sans KR Bold"/>
+              </a:rPr>
+              <a:t>2 </a:t>
             </a:r>
             <a:r>
               <a:rPr kumimoji="0" lang="en-US" altLang="ko-KR" sz="2499" b="1" i="0" u="none" strike="noStrike" kern="1200" cap="none" spc="0" normalizeH="0" baseline="0" noProof="0" dirty="0">
@@ -10530,7 +11991,7 @@
         <p:spPr>
           <a:xfrm>
             <a:off x="923832" y="4019550"/>
-            <a:ext cx="7035690" cy="358496"/>
+            <a:ext cx="7035690" cy="743217"/>
           </a:xfrm>
           <a:prstGeom prst="rect">
             <a:avLst/>
@@ -10560,7 +12021,7 @@
               <a:defRPr/>
             </a:pPr>
             <a:r>
-              <a:rPr kumimoji="0" lang="ko-KR" altLang="en-US" sz="2000" b="0" i="0" u="none" strike="noStrike" kern="1200" cap="none" spc="0" normalizeH="0" baseline="0" noProof="0" dirty="0">
+              <a:rPr kumimoji="0" lang="ko-KR" altLang="en-US" sz="2000" b="0" i="0" u="none" strike="noStrike" kern="1200" cap="none" spc="0" normalizeH="0" baseline="0" noProof="0">
                 <a:ln>
                   <a:noFill/>
                 </a:ln>
@@ -10578,7 +12039,7 @@
               <a:t>총 </a:t>
             </a:r>
             <a:r>
-              <a:rPr kumimoji="0" lang="en-US" altLang="ko-KR" sz="2000" b="0" i="0" u="none" strike="noStrike" kern="1200" cap="none" spc="0" normalizeH="0" baseline="0" noProof="0" dirty="0">
+              <a:rPr kumimoji="0" lang="en-US" altLang="ko-KR" sz="2000" b="0" i="0" u="none" strike="noStrike" kern="1200" cap="none" spc="0" normalizeH="0" baseline="0" noProof="0">
                 <a:ln>
                   <a:noFill/>
                 </a:ln>
@@ -10593,10 +12054,53 @@
                 <a:cs typeface="Source Han Sans KR"/>
                 <a:sym typeface="Source Han Sans KR"/>
               </a:rPr>
+              <a:t>CPU</a:t>
+            </a:r>
+            <a:r>
+              <a:rPr lang="ko-KR" altLang="en-US" sz="2000">
+                <a:solidFill>
+                  <a:srgbClr val="090807"/>
+                </a:solidFill>
+                <a:latin typeface="KoPub바탕체 Medium" panose="02020603020101020101" pitchFamily="18" charset="-127"/>
+                <a:ea typeface="KoPub바탕체 Medium" panose="02020603020101020101" pitchFamily="18" charset="-127"/>
+                <a:cs typeface="Source Han Sans KR"/>
+                <a:sym typeface="Source Han Sans KR"/>
+              </a:rPr>
+              <a:t> 사용량 </a:t>
+            </a:r>
+            <a:r>
+              <a:rPr lang="en-US" altLang="ko-KR" sz="2000">
+                <a:solidFill>
+                  <a:srgbClr val="090807"/>
+                </a:solidFill>
+                <a:latin typeface="KoPub바탕체 Medium" panose="02020603020101020101" pitchFamily="18" charset="-127"/>
+                <a:ea typeface="KoPub바탕체 Medium" panose="02020603020101020101" pitchFamily="18" charset="-127"/>
+                <a:cs typeface="Source Han Sans KR"/>
+                <a:sym typeface="Source Han Sans KR"/>
+              </a:rPr>
               <a:t>43</a:t>
             </a:r>
-            <a:r>
-              <a:rPr kumimoji="0" lang="ko-KR" altLang="en-US" sz="2000" b="0" i="0" u="none" strike="noStrike" kern="1200" cap="none" spc="0" normalizeH="0" baseline="0" noProof="0" dirty="0">
+          </a:p>
+          <a:p>
+            <a:pPr marL="0" marR="0" lvl="0" indent="0" algn="l" defTabSz="914400" rtl="0" eaLnBrk="1" fontAlgn="auto" latinLnBrk="0" hangingPunct="1">
+              <a:lnSpc>
+                <a:spcPts val="3000"/>
+              </a:lnSpc>
+              <a:spcBef>
+                <a:spcPts val="0"/>
+              </a:spcBef>
+              <a:spcAft>
+                <a:spcPts val="0"/>
+              </a:spcAft>
+              <a:buClrTx/>
+              <a:buSzTx/>
+              <a:buFontTx/>
+              <a:buNone/>
+              <a:tabLst/>
+              <a:defRPr/>
+            </a:pPr>
+            <a:r>
+              <a:rPr kumimoji="0" lang="ko-KR" altLang="en-US" sz="2000" b="0" i="0" u="none" strike="noStrike" kern="1200" cap="none" spc="0" normalizeH="0" baseline="0" noProof="0">
                 <a:ln>
                   <a:noFill/>
                 </a:ln>
@@ -10611,10 +12115,10 @@
                 <a:cs typeface="Source Han Sans KR"/>
                 <a:sym typeface="Source Han Sans KR"/>
               </a:rPr>
-              <a:t>의 </a:t>
-            </a:r>
-            <a:r>
-              <a:rPr kumimoji="0" lang="en-US" altLang="ko-KR" sz="2000" b="0" i="0" u="none" strike="noStrike" kern="1200" cap="none" spc="0" normalizeH="0" baseline="0" noProof="0" dirty="0">
+              <a:t>함수 실행 시간 </a:t>
+            </a:r>
+            <a:r>
+              <a:rPr kumimoji="0" lang="en-US" altLang="ko-KR" sz="2000" b="0" i="0" u="none" strike="noStrike" kern="1200" cap="none" spc="0" normalizeH="0" baseline="0" noProof="0">
                 <a:ln>
                   <a:noFill/>
                 </a:ln>
@@ -10629,31 +12133,25 @@
                 <a:cs typeface="Source Han Sans KR"/>
                 <a:sym typeface="Source Han Sans KR"/>
               </a:rPr>
-              <a:t>CPU</a:t>
-            </a:r>
-            <a:r>
-              <a:rPr lang="ko-KR" altLang="en-US" sz="2000" dirty="0">
-                <a:solidFill>
-                  <a:srgbClr val="090807"/>
-                </a:solidFill>
+              <a:t>0.000...</a:t>
+            </a:r>
+            <a:r>
+              <a:rPr kumimoji="0" lang="ko-KR" altLang="en-US" sz="2000" b="0" i="0" u="none" strike="noStrike" kern="1200" cap="none" spc="0" normalizeH="0" baseline="0" noProof="0">
+                <a:ln>
+                  <a:noFill/>
+                </a:ln>
+                <a:solidFill>
+                  <a:srgbClr val="090807"/>
+                </a:solidFill>
+                <a:effectLst/>
+                <a:uLnTx/>
+                <a:uFillTx/>
                 <a:latin typeface="KoPub바탕체 Medium" panose="02020603020101020101" pitchFamily="18" charset="-127"/>
                 <a:ea typeface="KoPub바탕체 Medium" panose="02020603020101020101" pitchFamily="18" charset="-127"/>
                 <a:cs typeface="Source Han Sans KR"/>
                 <a:sym typeface="Source Han Sans KR"/>
               </a:rPr>
-              <a:t>를 사용</a:t>
-            </a:r>
-            <a:r>
-              <a:rPr lang="en-US" altLang="ko-KR" sz="2000" dirty="0">
-                <a:solidFill>
-                  <a:srgbClr val="090807"/>
-                </a:solidFill>
-                <a:latin typeface="KoPub바탕체 Medium" panose="02020603020101020101" pitchFamily="18" charset="-127"/>
-                <a:ea typeface="KoPub바탕체 Medium" panose="02020603020101020101" pitchFamily="18" charset="-127"/>
-                <a:cs typeface="Source Han Sans KR"/>
-                <a:sym typeface="Source Han Sans KR"/>
-              </a:rPr>
-              <a:t>.</a:t>
+              <a:t>초</a:t>
             </a:r>
             <a:endParaRPr kumimoji="0" lang="en-US" sz="2000" b="0" i="0" u="none" strike="noStrike" kern="1200" cap="none" spc="0" normalizeH="0" baseline="0" noProof="0" dirty="0">
               <a:ln>
@@ -10688,14 +12186,14 @@
         <p:spPr>
           <a:xfrm>
             <a:off x="923832" y="7013444"/>
-            <a:ext cx="7035690" cy="358496"/>
+            <a:ext cx="5470792" cy="1127937"/>
           </a:xfrm>
           <a:prstGeom prst="rect">
             <a:avLst/>
           </a:prstGeom>
         </p:spPr>
         <p:txBody>
-          <a:bodyPr lIns="0" tIns="0" rIns="0" bIns="0" rtlCol="0" anchor="t">
+          <a:bodyPr wrap="square" lIns="0" tIns="0" rIns="0" bIns="0" rtlCol="0" anchor="t">
             <a:spAutoFit/>
           </a:bodyPr>
           <a:lstStyle/>
@@ -10751,13 +12249,116 @@
                 <a:cs typeface="Source Han Sans KR"/>
                 <a:sym typeface="Source Han Sans KR"/>
               </a:rPr>
-              <a:t>의 사용률이 줄어들었음</a:t>
-            </a:r>
-            <a:r>
-              <a:rPr lang="en-US" altLang="ko-KR" sz="2000" dirty="0">
-                <a:solidFill>
-                  <a:srgbClr val="090807"/>
-                </a:solidFill>
+              <a:t>의 </a:t>
+            </a:r>
+            <a:r>
+              <a:rPr lang="ko-KR" altLang="en-US" sz="2000">
+                <a:solidFill>
+                  <a:srgbClr val="090807"/>
+                </a:solidFill>
+                <a:latin typeface="KoPub바탕체 Medium" panose="02020603020101020101" pitchFamily="18" charset="-127"/>
+                <a:ea typeface="KoPub바탕체 Medium" panose="02020603020101020101" pitchFamily="18" charset="-127"/>
+                <a:cs typeface="Source Han Sans KR"/>
+                <a:sym typeface="Source Han Sans KR"/>
+              </a:rPr>
+              <a:t>사용률이 소량 줄어들었음</a:t>
+            </a:r>
+            <a:r>
+              <a:rPr lang="en-US" altLang="ko-KR" sz="2000">
+                <a:solidFill>
+                  <a:srgbClr val="090807"/>
+                </a:solidFill>
+                <a:latin typeface="KoPub바탕체 Medium" panose="02020603020101020101" pitchFamily="18" charset="-127"/>
+                <a:ea typeface="KoPub바탕체 Medium" panose="02020603020101020101" pitchFamily="18" charset="-127"/>
+                <a:cs typeface="Source Han Sans KR"/>
+                <a:sym typeface="Source Han Sans KR"/>
+              </a:rPr>
+              <a:t>.</a:t>
+            </a:r>
+          </a:p>
+          <a:p>
+            <a:pPr marL="0" marR="0" lvl="0" indent="0" algn="l" defTabSz="914400" rtl="0" eaLnBrk="1" fontAlgn="auto" latinLnBrk="0" hangingPunct="1">
+              <a:lnSpc>
+                <a:spcPts val="3000"/>
+              </a:lnSpc>
+              <a:spcBef>
+                <a:spcPts val="0"/>
+              </a:spcBef>
+              <a:spcAft>
+                <a:spcPts val="0"/>
+              </a:spcAft>
+              <a:buClrTx/>
+              <a:buSzTx/>
+              <a:buFontTx/>
+              <a:buNone/>
+              <a:tabLst/>
+              <a:defRPr/>
+            </a:pPr>
+            <a:r>
+              <a:rPr kumimoji="0" lang="ko-KR" altLang="en-US" sz="2000" b="0" i="0" u="none" strike="noStrike" kern="1200" cap="none" spc="0" normalizeH="0" baseline="0" noProof="0">
+                <a:ln>
+                  <a:noFill/>
+                </a:ln>
+                <a:solidFill>
+                  <a:srgbClr val="090807"/>
+                </a:solidFill>
+                <a:effectLst/>
+                <a:uLnTx/>
+                <a:uFillTx/>
+                <a:latin typeface="KoPub바탕체 Medium" panose="02020603020101020101" pitchFamily="18" charset="-127"/>
+                <a:ea typeface="KoPub바탕체 Medium" panose="02020603020101020101" pitchFamily="18" charset="-127"/>
+                <a:cs typeface="Source Han Sans KR"/>
+                <a:sym typeface="Source Han Sans KR"/>
+              </a:rPr>
+              <a:t>함수 실행 시간은 </a:t>
+            </a:r>
+            <a:r>
+              <a:rPr kumimoji="0" lang="en-US" altLang="ko-KR" sz="2000" b="0" i="0" u="none" strike="noStrike" kern="1200" cap="none" spc="0" normalizeH="0" baseline="0" noProof="0">
+                <a:ln>
+                  <a:noFill/>
+                </a:ln>
+                <a:solidFill>
+                  <a:srgbClr val="090807"/>
+                </a:solidFill>
+                <a:effectLst/>
+                <a:uLnTx/>
+                <a:uFillTx/>
+                <a:latin typeface="KoPub바탕체 Medium" panose="02020603020101020101" pitchFamily="18" charset="-127"/>
+                <a:ea typeface="KoPub바탕체 Medium" panose="02020603020101020101" pitchFamily="18" charset="-127"/>
+                <a:cs typeface="Source Han Sans KR"/>
+                <a:sym typeface="Source Han Sans KR"/>
+              </a:rPr>
+              <a:t>0</a:t>
+            </a:r>
+            <a:r>
+              <a:rPr kumimoji="0" lang="ko-KR" altLang="en-US" sz="2000" b="0" i="0" u="none" strike="noStrike" kern="1200" cap="none" spc="0" normalizeH="0" baseline="0" noProof="0">
+                <a:ln>
+                  <a:noFill/>
+                </a:ln>
+                <a:solidFill>
+                  <a:srgbClr val="090807"/>
+                </a:solidFill>
+                <a:effectLst/>
+                <a:uLnTx/>
+                <a:uFillTx/>
+                <a:latin typeface="KoPub바탕체 Medium" panose="02020603020101020101" pitchFamily="18" charset="-127"/>
+                <a:ea typeface="KoPub바탕체 Medium" panose="02020603020101020101" pitchFamily="18" charset="-127"/>
+                <a:cs typeface="Source Han Sans KR"/>
+                <a:sym typeface="Source Han Sans KR"/>
+              </a:rPr>
+              <a:t>초로 출력될 만큼 줄어들었음</a:t>
+            </a:r>
+            <a:r>
+              <a:rPr kumimoji="0" lang="en-US" altLang="ko-KR" sz="2000" b="0" i="0" u="none" strike="noStrike" kern="1200" cap="none" spc="0" normalizeH="0" baseline="0" noProof="0">
+                <a:ln>
+                  <a:noFill/>
+                </a:ln>
+                <a:solidFill>
+                  <a:srgbClr val="090807"/>
+                </a:solidFill>
+                <a:effectLst/>
+                <a:uLnTx/>
+                <a:uFillTx/>
                 <a:latin typeface="KoPub바탕체 Medium" panose="02020603020101020101" pitchFamily="18" charset="-127"/>
                 <a:ea typeface="KoPub바탕체 Medium" panose="02020603020101020101" pitchFamily="18" charset="-127"/>
                 <a:cs typeface="Source Han Sans KR"/>
@@ -10943,6 +12544,72 @@
           </a:p>
         </p:txBody>
       </p:sp>
+      <p:sp>
+        <p:nvSpPr>
+          <p:cNvPr id="3" name="슬라이드 번호 개체 틀 2">
+            <a:extLst>
+              <a:ext uri="{FF2B5EF4-FFF2-40B4-BE49-F238E27FC236}">
+                <a16:creationId xmlns:a16="http://schemas.microsoft.com/office/drawing/2014/main" id="{0B178686-3CEF-B45C-0F72-33A0225FBA80}"/>
+              </a:ext>
+            </a:extLst>
+          </p:cNvPr>
+          <p:cNvSpPr>
+            <a:spLocks noGrp="1"/>
+          </p:cNvSpPr>
+          <p:nvPr>
+            <p:ph type="sldNum" sz="quarter" idx="12"/>
+          </p:nvPr>
+        </p:nvSpPr>
+        <p:spPr/>
+        <p:txBody>
+          <a:bodyPr/>
+          <a:lstStyle/>
+          <a:p>
+            <a:fld id="{B6F15528-21DE-4FAA-801E-634DDDAF4B2B}" type="slidenum">
+              <a:rPr lang="en-US" smtClean="0"/>
+              <a:pPr/>
+              <a:t>17</a:t>
+            </a:fld>
+            <a:endParaRPr lang="en-US"/>
+          </a:p>
+        </p:txBody>
+      </p:sp>
+      <p:pic>
+        <p:nvPicPr>
+          <p:cNvPr id="20" name="그림 19" descr="텍스트, 전자제품, 스크린샷, 디스플레이이(가) 표시된 사진&#10;&#10;자동 생성된 설명">
+            <a:extLst>
+              <a:ext uri="{FF2B5EF4-FFF2-40B4-BE49-F238E27FC236}">
+                <a16:creationId xmlns:a16="http://schemas.microsoft.com/office/drawing/2014/main" id="{962F7ADF-087B-F692-4AAF-4207CCBE5F6F}"/>
+              </a:ext>
+            </a:extLst>
+          </p:cNvPr>
+          <p:cNvPicPr>
+            <a:picLocks noChangeAspect="1"/>
+          </p:cNvPicPr>
+          <p:nvPr/>
+        </p:nvPicPr>
+        <p:blipFill>
+          <a:blip r:embed="rId2">
+            <a:extLst>
+              <a:ext uri="{28A0092B-C50C-407E-A947-70E740481C1C}">
+                <a14:useLocalDpi xmlns:a14="http://schemas.microsoft.com/office/drawing/2010/main" val="0"/>
+              </a:ext>
+            </a:extLst>
+          </a:blip>
+          <a:stretch>
+            <a:fillRect/>
+          </a:stretch>
+        </p:blipFill>
+        <p:spPr>
+          <a:xfrm>
+            <a:off x="6394624" y="154796"/>
+            <a:ext cx="10621857" cy="5982535"/>
+          </a:xfrm>
+          <a:prstGeom prst="rect">
+            <a:avLst/>
+          </a:prstGeom>
+        </p:spPr>
+      </p:pic>
       <p:pic>
         <p:nvPicPr>
           <p:cNvPr id="19" name="그림 18" descr="스크린샷, 텍스트, 소프트웨어, 멀티미디어 소프트웨어이(가) 표시된 사진&#10;&#10;자동 생성된 설명">
@@ -10958,7 +12625,7 @@
           <p:nvPr/>
         </p:nvPicPr>
         <p:blipFill>
-          <a:blip r:embed="rId2" cstate="print">
+          <a:blip r:embed="rId3" cstate="print">
             <a:extLst>
               <a:ext uri="{28A0092B-C50C-407E-A947-70E740481C1C}">
                 <a14:useLocalDpi xmlns:a14="http://schemas.microsoft.com/office/drawing/2010/main" val="0"/>
@@ -10971,7 +12638,7 @@
         </p:blipFill>
         <p:spPr>
           <a:xfrm>
-            <a:off x="7798247" y="2340769"/>
+            <a:off x="7785547" y="4675188"/>
             <a:ext cx="10489753" cy="5605462"/>
           </a:xfrm>
           <a:prstGeom prst="rect">
@@ -11006,7 +12673,7 @@
 </p:sld>
 </file>
 
-<file path=ppt/slides/slide17.xml><?xml version="1.0" encoding="utf-8"?>
+<file path=ppt/slides/slide18.xml><?xml version="1.0" encoding="utf-8"?>
 <p:sld xmlns:a="http://schemas.openxmlformats.org/drawingml/2006/main" xmlns:r="http://schemas.openxmlformats.org/officeDocument/2006/relationships" xmlns:p="http://schemas.openxmlformats.org/presentationml/2006/main">
   <p:cSld>
     <p:bg>
@@ -11867,6 +13534,36 @@
           </a:p>
         </p:txBody>
       </p:sp>
+      <p:sp>
+        <p:nvSpPr>
+          <p:cNvPr id="5" name="슬라이드 번호 개체 틀 4">
+            <a:extLst>
+              <a:ext uri="{FF2B5EF4-FFF2-40B4-BE49-F238E27FC236}">
+                <a16:creationId xmlns:a16="http://schemas.microsoft.com/office/drawing/2014/main" id="{9FA984A0-36BD-556E-C941-5987170E8E8A}"/>
+              </a:ext>
+            </a:extLst>
+          </p:cNvPr>
+          <p:cNvSpPr>
+            <a:spLocks noGrp="1"/>
+          </p:cNvSpPr>
+          <p:nvPr>
+            <p:ph type="sldNum" sz="quarter" idx="12"/>
+          </p:nvPr>
+        </p:nvSpPr>
+        <p:spPr/>
+        <p:txBody>
+          <a:bodyPr/>
+          <a:lstStyle/>
+          <a:p>
+            <a:fld id="{B6F15528-21DE-4FAA-801E-634DDDAF4B2B}" type="slidenum">
+              <a:rPr lang="en-US" smtClean="0"/>
+              <a:pPr/>
+              <a:t>18</a:t>
+            </a:fld>
+            <a:endParaRPr lang="en-US"/>
+          </a:p>
+        </p:txBody>
+      </p:sp>
     </p:spTree>
   </p:cSld>
   <p:clrMapOvr>
@@ -11875,7 +13572,7 @@
 </p:sld>
 </file>
 
-<file path=ppt/slides/slide18.xml><?xml version="1.0" encoding="utf-8"?>
+<file path=ppt/slides/slide19.xml><?xml version="1.0" encoding="utf-8"?>
 <p:sld xmlns:a="http://schemas.openxmlformats.org/drawingml/2006/main" xmlns:r="http://schemas.openxmlformats.org/officeDocument/2006/relationships" xmlns:p="http://schemas.openxmlformats.org/presentationml/2006/main">
   <p:cSld>
     <p:bg>
@@ -12170,6 +13867,36 @@
               <a:cs typeface="Raleway Bold"/>
               <a:sym typeface="Raleway Bold"/>
             </a:endParaRPr>
+          </a:p>
+        </p:txBody>
+      </p:sp>
+      <p:sp>
+        <p:nvSpPr>
+          <p:cNvPr id="4" name="슬라이드 번호 개체 틀 3">
+            <a:extLst>
+              <a:ext uri="{FF2B5EF4-FFF2-40B4-BE49-F238E27FC236}">
+                <a16:creationId xmlns:a16="http://schemas.microsoft.com/office/drawing/2014/main" id="{957CBB39-37CA-C7B1-E90F-789162DF2FB9}"/>
+              </a:ext>
+            </a:extLst>
+          </p:cNvPr>
+          <p:cNvSpPr>
+            <a:spLocks noGrp="1"/>
+          </p:cNvSpPr>
+          <p:nvPr>
+            <p:ph type="sldNum" sz="quarter" idx="12"/>
+          </p:nvPr>
+        </p:nvSpPr>
+        <p:spPr/>
+        <p:txBody>
+          <a:bodyPr/>
+          <a:lstStyle/>
+          <a:p>
+            <a:fld id="{B6F15528-21DE-4FAA-801E-634DDDAF4B2B}" type="slidenum">
+              <a:rPr lang="en-US" smtClean="0"/>
+              <a:pPr/>
+              <a:t>19</a:t>
+            </a:fld>
+            <a:endParaRPr lang="en-US"/>
           </a:p>
         </p:txBody>
       </p:sp>
@@ -13046,6 +14773,36 @@
               <a:cs typeface="Source Han Sans KR Bold"/>
               <a:sym typeface="Source Han Sans KR Bold"/>
             </a:endParaRPr>
+          </a:p>
+        </p:txBody>
+      </p:sp>
+      <p:sp>
+        <p:nvSpPr>
+          <p:cNvPr id="14" name="슬라이드 번호 개체 틀 13">
+            <a:extLst>
+              <a:ext uri="{FF2B5EF4-FFF2-40B4-BE49-F238E27FC236}">
+                <a16:creationId xmlns:a16="http://schemas.microsoft.com/office/drawing/2014/main" id="{09C40D98-FC39-43BD-F333-DC7468FD2124}"/>
+              </a:ext>
+            </a:extLst>
+          </p:cNvPr>
+          <p:cNvSpPr>
+            <a:spLocks noGrp="1"/>
+          </p:cNvSpPr>
+          <p:nvPr>
+            <p:ph type="sldNum" sz="quarter" idx="12"/>
+          </p:nvPr>
+        </p:nvSpPr>
+        <p:spPr/>
+        <p:txBody>
+          <a:bodyPr/>
+          <a:lstStyle/>
+          <a:p>
+            <a:fld id="{B6F15528-21DE-4FAA-801E-634DDDAF4B2B}" type="slidenum">
+              <a:rPr lang="en-US" smtClean="0"/>
+              <a:pPr/>
+              <a:t>2</a:t>
+            </a:fld>
+            <a:endParaRPr lang="en-US"/>
           </a:p>
         </p:txBody>
       </p:sp>
@@ -15078,6 +16835,36 @@
           </p:txBody>
         </p:sp>
       </p:grpSp>
+      <p:sp>
+        <p:nvSpPr>
+          <p:cNvPr id="9" name="슬라이드 번호 개체 틀 8">
+            <a:extLst>
+              <a:ext uri="{FF2B5EF4-FFF2-40B4-BE49-F238E27FC236}">
+                <a16:creationId xmlns:a16="http://schemas.microsoft.com/office/drawing/2014/main" id="{FEC71E19-BAA9-7DF2-B02D-A3DF1E009493}"/>
+              </a:ext>
+            </a:extLst>
+          </p:cNvPr>
+          <p:cNvSpPr>
+            <a:spLocks noGrp="1"/>
+          </p:cNvSpPr>
+          <p:nvPr>
+            <p:ph type="sldNum" sz="quarter" idx="12"/>
+          </p:nvPr>
+        </p:nvSpPr>
+        <p:spPr/>
+        <p:txBody>
+          <a:bodyPr/>
+          <a:lstStyle/>
+          <a:p>
+            <a:fld id="{B6F15528-21DE-4FAA-801E-634DDDAF4B2B}" type="slidenum">
+              <a:rPr lang="en-US" smtClean="0"/>
+              <a:pPr/>
+              <a:t>3</a:t>
+            </a:fld>
+            <a:endParaRPr lang="en-US"/>
+          </a:p>
+        </p:txBody>
+      </p:sp>
     </p:spTree>
     <p:extLst>
       <p:ext uri="{BB962C8B-B14F-4D97-AF65-F5344CB8AC3E}">
@@ -16457,6 +18244,36 @@
           </a:effectLst>
         </p:spPr>
       </p:pic>
+      <p:sp>
+        <p:nvSpPr>
+          <p:cNvPr id="3" name="슬라이드 번호 개체 틀 2">
+            <a:extLst>
+              <a:ext uri="{FF2B5EF4-FFF2-40B4-BE49-F238E27FC236}">
+                <a16:creationId xmlns:a16="http://schemas.microsoft.com/office/drawing/2014/main" id="{67DF66F5-B9B1-2261-3C66-081D85FD68ED}"/>
+              </a:ext>
+            </a:extLst>
+          </p:cNvPr>
+          <p:cNvSpPr>
+            <a:spLocks noGrp="1"/>
+          </p:cNvSpPr>
+          <p:nvPr>
+            <p:ph type="sldNum" sz="quarter" idx="12"/>
+          </p:nvPr>
+        </p:nvSpPr>
+        <p:spPr/>
+        <p:txBody>
+          <a:bodyPr/>
+          <a:lstStyle/>
+          <a:p>
+            <a:fld id="{B6F15528-21DE-4FAA-801E-634DDDAF4B2B}" type="slidenum">
+              <a:rPr lang="en-US" smtClean="0"/>
+              <a:pPr/>
+              <a:t>4</a:t>
+            </a:fld>
+            <a:endParaRPr lang="en-US"/>
+          </a:p>
+        </p:txBody>
+      </p:sp>
     </p:spTree>
     <p:extLst>
       <p:ext uri="{BB962C8B-B14F-4D97-AF65-F5344CB8AC3E}">
@@ -17285,6 +19102,36 @@
           </a:p>
         </p:txBody>
       </p:sp>
+      <p:sp>
+        <p:nvSpPr>
+          <p:cNvPr id="9" name="슬라이드 번호 개체 틀 8">
+            <a:extLst>
+              <a:ext uri="{FF2B5EF4-FFF2-40B4-BE49-F238E27FC236}">
+                <a16:creationId xmlns:a16="http://schemas.microsoft.com/office/drawing/2014/main" id="{0DEED038-A59C-24F5-F0AB-5A99C96E43C0}"/>
+              </a:ext>
+            </a:extLst>
+          </p:cNvPr>
+          <p:cNvSpPr>
+            <a:spLocks noGrp="1"/>
+          </p:cNvSpPr>
+          <p:nvPr>
+            <p:ph type="sldNum" sz="quarter" idx="12"/>
+          </p:nvPr>
+        </p:nvSpPr>
+        <p:spPr/>
+        <p:txBody>
+          <a:bodyPr/>
+          <a:lstStyle/>
+          <a:p>
+            <a:fld id="{B6F15528-21DE-4FAA-801E-634DDDAF4B2B}" type="slidenum">
+              <a:rPr lang="en-US" smtClean="0"/>
+              <a:pPr/>
+              <a:t>5</a:t>
+            </a:fld>
+            <a:endParaRPr lang="en-US"/>
+          </a:p>
+        </p:txBody>
+      </p:sp>
     </p:spTree>
     <p:extLst>
       <p:ext uri="{BB962C8B-B14F-4D97-AF65-F5344CB8AC3E}">
@@ -17299,6 +19146,1661 @@
 </file>
 
 <file path=ppt/slides/slide6.xml><?xml version="1.0" encoding="utf-8"?>
+<p:sld xmlns:a="http://schemas.openxmlformats.org/drawingml/2006/main" xmlns:r="http://schemas.openxmlformats.org/officeDocument/2006/relationships" xmlns:p="http://schemas.openxmlformats.org/presentationml/2006/main">
+  <p:cSld>
+    <p:bg>
+      <p:bgPr>
+        <a:solidFill>
+          <a:srgbClr val="FEFBEE"/>
+        </a:solidFill>
+        <a:effectLst/>
+      </p:bgPr>
+    </p:bg>
+    <p:spTree>
+      <p:nvGrpSpPr>
+        <p:cNvPr id="1" name="">
+          <a:extLst>
+            <a:ext uri="{FF2B5EF4-FFF2-40B4-BE49-F238E27FC236}">
+              <a16:creationId xmlns:a16="http://schemas.microsoft.com/office/drawing/2014/main" id="{DDE8C909-52C9-ECE8-5A28-54835D66439A}"/>
+            </a:ext>
+          </a:extLst>
+        </p:cNvPr>
+        <p:cNvGrpSpPr/>
+        <p:nvPr/>
+      </p:nvGrpSpPr>
+      <p:grpSpPr>
+        <a:xfrm>
+          <a:off x="0" y="0"/>
+          <a:ext cx="0" cy="0"/>
+          <a:chOff x="0" y="0"/>
+          <a:chExt cx="0" cy="0"/>
+        </a:xfrm>
+      </p:grpSpPr>
+      <p:sp>
+        <p:nvSpPr>
+          <p:cNvPr id="2" name="AutoShape 2">
+            <a:extLst>
+              <a:ext uri="{FF2B5EF4-FFF2-40B4-BE49-F238E27FC236}">
+                <a16:creationId xmlns:a16="http://schemas.microsoft.com/office/drawing/2014/main" id="{06F809FD-4F46-8709-2A1D-F13B71DD4D02}"/>
+              </a:ext>
+            </a:extLst>
+          </p:cNvPr>
+          <p:cNvSpPr/>
+          <p:nvPr/>
+        </p:nvSpPr>
+        <p:spPr>
+          <a:xfrm>
+            <a:off x="860320" y="1347066"/>
+            <a:ext cx="1233818" cy="0"/>
+          </a:xfrm>
+          <a:prstGeom prst="line">
+            <a:avLst/>
+          </a:prstGeom>
+          <a:ln w="38100" cap="flat">
+            <a:solidFill>
+              <a:srgbClr val="090807"/>
+            </a:solidFill>
+            <a:prstDash val="solid"/>
+            <a:headEnd type="none" w="sm" len="sm"/>
+            <a:tailEnd type="none" w="sm" len="sm"/>
+          </a:ln>
+        </p:spPr>
+        <p:txBody>
+          <a:bodyPr/>
+          <a:lstStyle/>
+          <a:p>
+            <a:pPr marL="0" marR="0" lvl="0" indent="0" algn="l" defTabSz="914400" rtl="0" eaLnBrk="1" fontAlgn="auto" latinLnBrk="0" hangingPunct="1">
+              <a:lnSpc>
+                <a:spcPct val="100000"/>
+              </a:lnSpc>
+              <a:spcBef>
+                <a:spcPts val="0"/>
+              </a:spcBef>
+              <a:spcAft>
+                <a:spcPts val="0"/>
+              </a:spcAft>
+              <a:buClrTx/>
+              <a:buSzTx/>
+              <a:buFontTx/>
+              <a:buNone/>
+              <a:tabLst/>
+              <a:defRPr/>
+            </a:pPr>
+            <a:endParaRPr kumimoji="0" lang="ko-KR" altLang="en-US" sz="1800" b="0" i="0" u="none" strike="noStrike" kern="1200" cap="none" spc="0" normalizeH="0" baseline="0" noProof="0">
+              <a:ln>
+                <a:noFill/>
+              </a:ln>
+              <a:solidFill>
+                <a:prstClr val="black"/>
+              </a:solidFill>
+              <a:effectLst/>
+              <a:uLnTx/>
+              <a:uFillTx/>
+              <a:latin typeface="KoPub바탕체 Medium" panose="02020603020101020101" pitchFamily="18" charset="-127"/>
+              <a:ea typeface="KoPub바탕체 Medium" panose="02020603020101020101" pitchFamily="18" charset="-127"/>
+              <a:cs typeface="+mn-cs"/>
+            </a:endParaRPr>
+          </a:p>
+        </p:txBody>
+      </p:sp>
+      <p:sp>
+        <p:nvSpPr>
+          <p:cNvPr id="7" name="TextBox 7">
+            <a:extLst>
+              <a:ext uri="{FF2B5EF4-FFF2-40B4-BE49-F238E27FC236}">
+                <a16:creationId xmlns:a16="http://schemas.microsoft.com/office/drawing/2014/main" id="{F2C672DE-BA16-84D7-DDE9-4DD51332A5F4}"/>
+              </a:ext>
+            </a:extLst>
+          </p:cNvPr>
+          <p:cNvSpPr txBox="1"/>
+          <p:nvPr/>
+        </p:nvSpPr>
+        <p:spPr>
+          <a:xfrm>
+            <a:off x="923832" y="765070"/>
+            <a:ext cx="1510320" cy="424090"/>
+          </a:xfrm>
+          <a:prstGeom prst="rect">
+            <a:avLst/>
+          </a:prstGeom>
+        </p:spPr>
+        <p:txBody>
+          <a:bodyPr wrap="square" lIns="0" tIns="0" rIns="0" bIns="0" rtlCol="0" anchor="t">
+            <a:spAutoFit/>
+          </a:bodyPr>
+          <a:lstStyle/>
+          <a:p>
+            <a:pPr marL="0" marR="0" lvl="0" indent="0" algn="l" defTabSz="914400" rtl="0" eaLnBrk="1" fontAlgn="auto" latinLnBrk="0" hangingPunct="1">
+              <a:lnSpc>
+                <a:spcPts val="3499"/>
+              </a:lnSpc>
+              <a:spcBef>
+                <a:spcPct val="0"/>
+              </a:spcBef>
+              <a:spcAft>
+                <a:spcPts val="0"/>
+              </a:spcAft>
+              <a:buClrTx/>
+              <a:buSzTx/>
+              <a:buFontTx/>
+              <a:buNone/>
+              <a:tabLst/>
+              <a:defRPr/>
+            </a:pPr>
+            <a:r>
+              <a:rPr kumimoji="0" lang="en-US" sz="2499" b="1" i="0" u="none" strike="noStrike" kern="1200" cap="none" spc="0" normalizeH="0" baseline="0" noProof="0">
+                <a:ln>
+                  <a:noFill/>
+                </a:ln>
+                <a:solidFill>
+                  <a:srgbClr val="090807"/>
+                </a:solidFill>
+                <a:effectLst/>
+                <a:uLnTx/>
+                <a:uFillTx/>
+                <a:latin typeface="KoPub바탕체 Medium" panose="02020603020101020101" pitchFamily="18" charset="-127"/>
+                <a:ea typeface="KoPub바탕체 Medium" panose="02020603020101020101" pitchFamily="18" charset="-127"/>
+                <a:cs typeface="Source Han Sans KR Bold"/>
+                <a:sym typeface="Source Han Sans KR Bold"/>
+              </a:rPr>
+              <a:t>03 </a:t>
+            </a:r>
+            <a:r>
+              <a:rPr kumimoji="0" lang="ko-KR" altLang="en-US" sz="2499" b="1" i="0" u="none" strike="noStrike" kern="1200" cap="none" spc="0" normalizeH="0" baseline="0" noProof="0" dirty="0">
+                <a:ln>
+                  <a:noFill/>
+                </a:ln>
+                <a:solidFill>
+                  <a:srgbClr val="090807"/>
+                </a:solidFill>
+                <a:effectLst/>
+                <a:uLnTx/>
+                <a:uFillTx/>
+                <a:latin typeface="KoPub바탕체 Medium" panose="02020603020101020101" pitchFamily="18" charset="-127"/>
+                <a:ea typeface="KoPub바탕체 Medium" panose="02020603020101020101" pitchFamily="18" charset="-127"/>
+                <a:cs typeface="Source Han Sans KR Bold"/>
+                <a:sym typeface="Source Han Sans KR Bold"/>
+              </a:rPr>
+              <a:t>데이터</a:t>
+            </a:r>
+            <a:endParaRPr kumimoji="0" lang="en-US" sz="2499" b="1" i="0" u="none" strike="noStrike" kern="1200" cap="none" spc="0" normalizeH="0" baseline="0" noProof="0" dirty="0">
+              <a:ln>
+                <a:noFill/>
+              </a:ln>
+              <a:solidFill>
+                <a:srgbClr val="090807"/>
+              </a:solidFill>
+              <a:effectLst/>
+              <a:uLnTx/>
+              <a:uFillTx/>
+              <a:latin typeface="KoPub바탕체 Medium" panose="02020603020101020101" pitchFamily="18" charset="-127"/>
+              <a:ea typeface="KoPub바탕체 Medium" panose="02020603020101020101" pitchFamily="18" charset="-127"/>
+              <a:cs typeface="Source Han Sans KR Bold"/>
+              <a:sym typeface="Source Han Sans KR Bold"/>
+            </a:endParaRPr>
+          </a:p>
+        </p:txBody>
+      </p:sp>
+      <p:sp>
+        <p:nvSpPr>
+          <p:cNvPr id="9" name="슬라이드 번호 개체 틀 8">
+            <a:extLst>
+              <a:ext uri="{FF2B5EF4-FFF2-40B4-BE49-F238E27FC236}">
+                <a16:creationId xmlns:a16="http://schemas.microsoft.com/office/drawing/2014/main" id="{E9696AE8-35B5-6886-BE8A-CC6EBC34CB9B}"/>
+              </a:ext>
+            </a:extLst>
+          </p:cNvPr>
+          <p:cNvSpPr>
+            <a:spLocks noGrp="1"/>
+          </p:cNvSpPr>
+          <p:nvPr>
+            <p:ph type="sldNum" sz="quarter" idx="12"/>
+          </p:nvPr>
+        </p:nvSpPr>
+        <p:spPr/>
+        <p:txBody>
+          <a:bodyPr/>
+          <a:lstStyle/>
+          <a:p>
+            <a:pPr marL="0" marR="0" lvl="0" indent="0" algn="r" defTabSz="914400" rtl="0" eaLnBrk="1" fontAlgn="auto" latinLnBrk="0" hangingPunct="1">
+              <a:lnSpc>
+                <a:spcPct val="100000"/>
+              </a:lnSpc>
+              <a:spcBef>
+                <a:spcPts val="0"/>
+              </a:spcBef>
+              <a:spcAft>
+                <a:spcPts val="0"/>
+              </a:spcAft>
+              <a:buClrTx/>
+              <a:buSzTx/>
+              <a:buFontTx/>
+              <a:buNone/>
+              <a:tabLst/>
+              <a:defRPr/>
+            </a:pPr>
+            <a:fld id="{B6F15528-21DE-4FAA-801E-634DDDAF4B2B}" type="slidenum">
+              <a:rPr kumimoji="0" lang="en-US" sz="3200" b="1" i="0" u="none" strike="noStrike" kern="1200" cap="none" spc="0" normalizeH="0" baseline="0" noProof="0" smtClean="0">
+                <a:ln>
+                  <a:noFill/>
+                </a:ln>
+                <a:solidFill>
+                  <a:prstClr val="black"/>
+                </a:solidFill>
+                <a:effectLst/>
+                <a:uLnTx/>
+                <a:uFillTx/>
+                <a:latin typeface="Calibri"/>
+                <a:ea typeface="+mn-ea"/>
+                <a:cs typeface="+mn-cs"/>
+              </a:rPr>
+              <a:pPr marL="0" marR="0" lvl="0" indent="0" algn="r" defTabSz="914400" rtl="0" eaLnBrk="1" fontAlgn="auto" latinLnBrk="0" hangingPunct="1">
+                <a:lnSpc>
+                  <a:spcPct val="100000"/>
+                </a:lnSpc>
+                <a:spcBef>
+                  <a:spcPts val="0"/>
+                </a:spcBef>
+                <a:spcAft>
+                  <a:spcPts val="0"/>
+                </a:spcAft>
+                <a:buClrTx/>
+                <a:buSzTx/>
+                <a:buFontTx/>
+                <a:buNone/>
+                <a:tabLst/>
+                <a:defRPr/>
+              </a:pPr>
+              <a:t>6</a:t>
+            </a:fld>
+            <a:endParaRPr kumimoji="0" lang="en-US" sz="3200" b="1" i="0" u="none" strike="noStrike" kern="1200" cap="none" spc="0" normalizeH="0" baseline="0" noProof="0">
+              <a:ln>
+                <a:noFill/>
+              </a:ln>
+              <a:solidFill>
+                <a:prstClr val="black"/>
+              </a:solidFill>
+              <a:effectLst/>
+              <a:uLnTx/>
+              <a:uFillTx/>
+              <a:latin typeface="Calibri"/>
+              <a:ea typeface="+mn-ea"/>
+              <a:cs typeface="+mn-cs"/>
+            </a:endParaRPr>
+          </a:p>
+        </p:txBody>
+      </p:sp>
+      <p:pic>
+        <p:nvPicPr>
+          <p:cNvPr id="11" name="그림 10" descr="텍스트, 스크린샷, 소프트웨어, 컴퓨터이(가) 표시된 사진&#10;&#10;자동 생성된 설명">
+            <a:extLst>
+              <a:ext uri="{FF2B5EF4-FFF2-40B4-BE49-F238E27FC236}">
+                <a16:creationId xmlns:a16="http://schemas.microsoft.com/office/drawing/2014/main" id="{8ADC8E6B-151F-748C-63A1-BBC57861C062}"/>
+              </a:ext>
+            </a:extLst>
+          </p:cNvPr>
+          <p:cNvPicPr>
+            <a:picLocks noChangeAspect="1"/>
+          </p:cNvPicPr>
+          <p:nvPr/>
+        </p:nvPicPr>
+        <p:blipFill>
+          <a:blip r:embed="rId2">
+            <a:extLst>
+              <a:ext uri="{28A0092B-C50C-407E-A947-70E740481C1C}">
+                <a14:useLocalDpi xmlns:a14="http://schemas.microsoft.com/office/drawing/2010/main" val="0"/>
+              </a:ext>
+            </a:extLst>
+          </a:blip>
+          <a:stretch>
+            <a:fillRect/>
+          </a:stretch>
+        </p:blipFill>
+        <p:spPr>
+          <a:xfrm>
+            <a:off x="10609778" y="1594943"/>
+            <a:ext cx="7678222" cy="7097115"/>
+          </a:xfrm>
+          <a:prstGeom prst="rect">
+            <a:avLst/>
+          </a:prstGeom>
+          <a:ln w="38100" cap="sq">
+            <a:solidFill>
+              <a:srgbClr val="000000"/>
+            </a:solidFill>
+            <a:prstDash val="solid"/>
+            <a:miter lim="800000"/>
+          </a:ln>
+          <a:effectLst>
+            <a:outerShdw blurRad="50800" dist="38100" dir="2700000" algn="tl" rotWithShape="0">
+              <a:srgbClr val="000000">
+                <a:alpha val="43000"/>
+              </a:srgbClr>
+            </a:outerShdw>
+          </a:effectLst>
+        </p:spPr>
+      </p:pic>
+      <p:grpSp>
+        <p:nvGrpSpPr>
+          <p:cNvPr id="12" name="Group 8">
+            <a:extLst>
+              <a:ext uri="{FF2B5EF4-FFF2-40B4-BE49-F238E27FC236}">
+                <a16:creationId xmlns:a16="http://schemas.microsoft.com/office/drawing/2014/main" id="{2B2430D9-2EEF-52B2-1082-8B520EA21601}"/>
+              </a:ext>
+            </a:extLst>
+          </p:cNvPr>
+          <p:cNvGrpSpPr/>
+          <p:nvPr/>
+        </p:nvGrpSpPr>
+        <p:grpSpPr>
+          <a:xfrm>
+            <a:off x="1819108" y="3080817"/>
+            <a:ext cx="2247971" cy="698372"/>
+            <a:chOff x="0" y="0"/>
+            <a:chExt cx="592058" cy="183933"/>
+          </a:xfrm>
+        </p:grpSpPr>
+        <p:sp>
+          <p:nvSpPr>
+            <p:cNvPr id="13" name="Freeform 9">
+              <a:extLst>
+                <a:ext uri="{FF2B5EF4-FFF2-40B4-BE49-F238E27FC236}">
+                  <a16:creationId xmlns:a16="http://schemas.microsoft.com/office/drawing/2014/main" id="{D473B975-31EB-F66B-96A0-A5B470856466}"/>
+                </a:ext>
+              </a:extLst>
+            </p:cNvPr>
+            <p:cNvSpPr/>
+            <p:nvPr/>
+          </p:nvSpPr>
+          <p:spPr>
+            <a:xfrm>
+              <a:off x="0" y="0"/>
+              <a:ext cx="592058" cy="183933"/>
+            </a:xfrm>
+            <a:custGeom>
+              <a:avLst/>
+              <a:gdLst/>
+              <a:ahLst/>
+              <a:cxnLst/>
+              <a:rect l="l" t="t" r="r" b="b"/>
+              <a:pathLst>
+                <a:path w="592058" h="183933">
+                  <a:moveTo>
+                    <a:pt x="91967" y="0"/>
+                  </a:moveTo>
+                  <a:lnTo>
+                    <a:pt x="500091" y="0"/>
+                  </a:lnTo>
+                  <a:cubicBezTo>
+                    <a:pt x="524483" y="0"/>
+                    <a:pt x="547875" y="9689"/>
+                    <a:pt x="565122" y="26936"/>
+                  </a:cubicBezTo>
+                  <a:cubicBezTo>
+                    <a:pt x="582369" y="44184"/>
+                    <a:pt x="592058" y="67576"/>
+                    <a:pt x="592058" y="91967"/>
+                  </a:cubicBezTo>
+                  <a:lnTo>
+                    <a:pt x="592058" y="91967"/>
+                  </a:lnTo>
+                  <a:cubicBezTo>
+                    <a:pt x="592058" y="116358"/>
+                    <a:pt x="582369" y="139750"/>
+                    <a:pt x="565122" y="156997"/>
+                  </a:cubicBezTo>
+                  <a:cubicBezTo>
+                    <a:pt x="547875" y="174244"/>
+                    <a:pt x="524483" y="183933"/>
+                    <a:pt x="500091" y="183933"/>
+                  </a:cubicBezTo>
+                  <a:lnTo>
+                    <a:pt x="91967" y="183933"/>
+                  </a:lnTo>
+                  <a:cubicBezTo>
+                    <a:pt x="67576" y="183933"/>
+                    <a:pt x="44184" y="174244"/>
+                    <a:pt x="26936" y="156997"/>
+                  </a:cubicBezTo>
+                  <a:cubicBezTo>
+                    <a:pt x="9689" y="139750"/>
+                    <a:pt x="0" y="116358"/>
+                    <a:pt x="0" y="91967"/>
+                  </a:cubicBezTo>
+                  <a:lnTo>
+                    <a:pt x="0" y="91967"/>
+                  </a:lnTo>
+                  <a:cubicBezTo>
+                    <a:pt x="0" y="67576"/>
+                    <a:pt x="9689" y="44184"/>
+                    <a:pt x="26936" y="26936"/>
+                  </a:cubicBezTo>
+                  <a:cubicBezTo>
+                    <a:pt x="44184" y="9689"/>
+                    <a:pt x="67576" y="0"/>
+                    <a:pt x="91967" y="0"/>
+                  </a:cubicBezTo>
+                  <a:close/>
+                </a:path>
+              </a:pathLst>
+            </a:custGeom>
+            <a:solidFill>
+              <a:srgbClr val="090807"/>
+            </a:solidFill>
+          </p:spPr>
+          <p:txBody>
+            <a:bodyPr/>
+            <a:lstStyle/>
+            <a:p>
+              <a:pPr marL="0" marR="0" lvl="0" indent="0" algn="l" defTabSz="914400" rtl="0" eaLnBrk="1" fontAlgn="auto" latinLnBrk="0" hangingPunct="1">
+                <a:lnSpc>
+                  <a:spcPct val="100000"/>
+                </a:lnSpc>
+                <a:spcBef>
+                  <a:spcPts val="0"/>
+                </a:spcBef>
+                <a:spcAft>
+                  <a:spcPts val="0"/>
+                </a:spcAft>
+                <a:buClrTx/>
+                <a:buSzTx/>
+                <a:buFontTx/>
+                <a:buNone/>
+                <a:tabLst/>
+                <a:defRPr/>
+              </a:pPr>
+              <a:endParaRPr kumimoji="0" lang="ko-KR" altLang="en-US" sz="1800" b="0" i="0" u="none" strike="noStrike" kern="1200" cap="none" spc="0" normalizeH="0" baseline="0" noProof="0">
+                <a:ln>
+                  <a:noFill/>
+                </a:ln>
+                <a:solidFill>
+                  <a:prstClr val="black"/>
+                </a:solidFill>
+                <a:effectLst/>
+                <a:uLnTx/>
+                <a:uFillTx/>
+                <a:latin typeface="KoPub바탕체 Medium" panose="02020603020101020101" pitchFamily="18" charset="-127"/>
+                <a:ea typeface="KoPub바탕체 Medium" panose="02020603020101020101" pitchFamily="18" charset="-127"/>
+                <a:cs typeface="+mn-cs"/>
+              </a:endParaRPr>
+            </a:p>
+          </p:txBody>
+        </p:sp>
+        <p:sp>
+          <p:nvSpPr>
+            <p:cNvPr id="14" name="TextBox 10">
+              <a:extLst>
+                <a:ext uri="{FF2B5EF4-FFF2-40B4-BE49-F238E27FC236}">
+                  <a16:creationId xmlns:a16="http://schemas.microsoft.com/office/drawing/2014/main" id="{9EC95A60-B4F1-DBA6-FB65-9B6CE1711F0E}"/>
+                </a:ext>
+              </a:extLst>
+            </p:cNvPr>
+            <p:cNvSpPr txBox="1"/>
+            <p:nvPr/>
+          </p:nvSpPr>
+          <p:spPr>
+            <a:xfrm>
+              <a:off x="0" y="-38100"/>
+              <a:ext cx="592058" cy="222033"/>
+            </a:xfrm>
+            <a:prstGeom prst="rect">
+              <a:avLst/>
+            </a:prstGeom>
+          </p:spPr>
+          <p:txBody>
+            <a:bodyPr lIns="50800" tIns="50800" rIns="50800" bIns="50800" rtlCol="0" anchor="ctr"/>
+            <a:lstStyle/>
+            <a:p>
+              <a:pPr marL="0" marR="0" lvl="0" indent="0" algn="ctr" defTabSz="914400" rtl="0" eaLnBrk="1" fontAlgn="auto" latinLnBrk="0" hangingPunct="1">
+                <a:lnSpc>
+                  <a:spcPts val="3079"/>
+                </a:lnSpc>
+                <a:spcBef>
+                  <a:spcPts val="0"/>
+                </a:spcBef>
+                <a:spcAft>
+                  <a:spcPts val="0"/>
+                </a:spcAft>
+                <a:buClrTx/>
+                <a:buSzTx/>
+                <a:buFontTx/>
+                <a:buNone/>
+                <a:tabLst/>
+                <a:defRPr/>
+              </a:pPr>
+              <a:endParaRPr kumimoji="0" sz="1800" b="0" i="0" u="none" strike="noStrike" kern="1200" cap="none" spc="0" normalizeH="0" baseline="0" noProof="0">
+                <a:ln>
+                  <a:noFill/>
+                </a:ln>
+                <a:solidFill>
+                  <a:prstClr val="black"/>
+                </a:solidFill>
+                <a:effectLst/>
+                <a:uLnTx/>
+                <a:uFillTx/>
+                <a:latin typeface="KoPub바탕체 Medium" panose="02020603020101020101" pitchFamily="18" charset="-127"/>
+                <a:ea typeface="KoPub바탕체 Medium" panose="02020603020101020101" pitchFamily="18" charset="-127"/>
+                <a:cs typeface="+mn-cs"/>
+              </a:endParaRPr>
+            </a:p>
+          </p:txBody>
+        </p:sp>
+      </p:grpSp>
+      <p:grpSp>
+        <p:nvGrpSpPr>
+          <p:cNvPr id="15" name="Group 11">
+            <a:extLst>
+              <a:ext uri="{FF2B5EF4-FFF2-40B4-BE49-F238E27FC236}">
+                <a16:creationId xmlns:a16="http://schemas.microsoft.com/office/drawing/2014/main" id="{B66EC359-63C7-903A-9460-E186A25CF077}"/>
+              </a:ext>
+            </a:extLst>
+          </p:cNvPr>
+          <p:cNvGrpSpPr/>
+          <p:nvPr/>
+        </p:nvGrpSpPr>
+        <p:grpSpPr>
+          <a:xfrm>
+            <a:off x="1819108" y="6074710"/>
+            <a:ext cx="2247971" cy="698372"/>
+            <a:chOff x="0" y="0"/>
+            <a:chExt cx="592058" cy="183933"/>
+          </a:xfrm>
+        </p:grpSpPr>
+        <p:sp>
+          <p:nvSpPr>
+            <p:cNvPr id="16" name="Freeform 12">
+              <a:extLst>
+                <a:ext uri="{FF2B5EF4-FFF2-40B4-BE49-F238E27FC236}">
+                  <a16:creationId xmlns:a16="http://schemas.microsoft.com/office/drawing/2014/main" id="{3E8BB559-CB8A-057D-FA6B-0A988B6EA348}"/>
+                </a:ext>
+              </a:extLst>
+            </p:cNvPr>
+            <p:cNvSpPr/>
+            <p:nvPr/>
+          </p:nvSpPr>
+          <p:spPr>
+            <a:xfrm>
+              <a:off x="0" y="0"/>
+              <a:ext cx="592058" cy="183933"/>
+            </a:xfrm>
+            <a:custGeom>
+              <a:avLst/>
+              <a:gdLst/>
+              <a:ahLst/>
+              <a:cxnLst/>
+              <a:rect l="l" t="t" r="r" b="b"/>
+              <a:pathLst>
+                <a:path w="592058" h="183933">
+                  <a:moveTo>
+                    <a:pt x="91967" y="0"/>
+                  </a:moveTo>
+                  <a:lnTo>
+                    <a:pt x="500091" y="0"/>
+                  </a:lnTo>
+                  <a:cubicBezTo>
+                    <a:pt x="524483" y="0"/>
+                    <a:pt x="547875" y="9689"/>
+                    <a:pt x="565122" y="26936"/>
+                  </a:cubicBezTo>
+                  <a:cubicBezTo>
+                    <a:pt x="582369" y="44184"/>
+                    <a:pt x="592058" y="67576"/>
+                    <a:pt x="592058" y="91967"/>
+                  </a:cubicBezTo>
+                  <a:lnTo>
+                    <a:pt x="592058" y="91967"/>
+                  </a:lnTo>
+                  <a:cubicBezTo>
+                    <a:pt x="592058" y="116358"/>
+                    <a:pt x="582369" y="139750"/>
+                    <a:pt x="565122" y="156997"/>
+                  </a:cubicBezTo>
+                  <a:cubicBezTo>
+                    <a:pt x="547875" y="174244"/>
+                    <a:pt x="524483" y="183933"/>
+                    <a:pt x="500091" y="183933"/>
+                  </a:cubicBezTo>
+                  <a:lnTo>
+                    <a:pt x="91967" y="183933"/>
+                  </a:lnTo>
+                  <a:cubicBezTo>
+                    <a:pt x="67576" y="183933"/>
+                    <a:pt x="44184" y="174244"/>
+                    <a:pt x="26936" y="156997"/>
+                  </a:cubicBezTo>
+                  <a:cubicBezTo>
+                    <a:pt x="9689" y="139750"/>
+                    <a:pt x="0" y="116358"/>
+                    <a:pt x="0" y="91967"/>
+                  </a:cubicBezTo>
+                  <a:lnTo>
+                    <a:pt x="0" y="91967"/>
+                  </a:lnTo>
+                  <a:cubicBezTo>
+                    <a:pt x="0" y="67576"/>
+                    <a:pt x="9689" y="44184"/>
+                    <a:pt x="26936" y="26936"/>
+                  </a:cubicBezTo>
+                  <a:cubicBezTo>
+                    <a:pt x="44184" y="9689"/>
+                    <a:pt x="67576" y="0"/>
+                    <a:pt x="91967" y="0"/>
+                  </a:cubicBezTo>
+                  <a:close/>
+                </a:path>
+              </a:pathLst>
+            </a:custGeom>
+            <a:solidFill>
+              <a:srgbClr val="090807"/>
+            </a:solidFill>
+          </p:spPr>
+          <p:txBody>
+            <a:bodyPr/>
+            <a:lstStyle/>
+            <a:p>
+              <a:pPr marL="0" marR="0" lvl="0" indent="0" algn="l" defTabSz="914400" rtl="0" eaLnBrk="1" fontAlgn="auto" latinLnBrk="0" hangingPunct="1">
+                <a:lnSpc>
+                  <a:spcPct val="100000"/>
+                </a:lnSpc>
+                <a:spcBef>
+                  <a:spcPts val="0"/>
+                </a:spcBef>
+                <a:spcAft>
+                  <a:spcPts val="0"/>
+                </a:spcAft>
+                <a:buClrTx/>
+                <a:buSzTx/>
+                <a:buFontTx/>
+                <a:buNone/>
+                <a:tabLst/>
+                <a:defRPr/>
+              </a:pPr>
+              <a:endParaRPr kumimoji="0" lang="ko-KR" altLang="en-US" sz="1800" b="0" i="0" u="none" strike="noStrike" kern="1200" cap="none" spc="0" normalizeH="0" baseline="0" noProof="0">
+                <a:ln>
+                  <a:noFill/>
+                </a:ln>
+                <a:solidFill>
+                  <a:prstClr val="black"/>
+                </a:solidFill>
+                <a:effectLst/>
+                <a:uLnTx/>
+                <a:uFillTx/>
+                <a:latin typeface="KoPub바탕체 Medium" panose="02020603020101020101" pitchFamily="18" charset="-127"/>
+                <a:ea typeface="KoPub바탕체 Medium" panose="02020603020101020101" pitchFamily="18" charset="-127"/>
+                <a:cs typeface="+mn-cs"/>
+              </a:endParaRPr>
+            </a:p>
+          </p:txBody>
+        </p:sp>
+        <p:sp>
+          <p:nvSpPr>
+            <p:cNvPr id="17" name="TextBox 13">
+              <a:extLst>
+                <a:ext uri="{FF2B5EF4-FFF2-40B4-BE49-F238E27FC236}">
+                  <a16:creationId xmlns:a16="http://schemas.microsoft.com/office/drawing/2014/main" id="{927BFF04-A60D-D837-3AB5-B3E547D44E4E}"/>
+                </a:ext>
+              </a:extLst>
+            </p:cNvPr>
+            <p:cNvSpPr txBox="1"/>
+            <p:nvPr/>
+          </p:nvSpPr>
+          <p:spPr>
+            <a:xfrm>
+              <a:off x="0" y="-38100"/>
+              <a:ext cx="592058" cy="222033"/>
+            </a:xfrm>
+            <a:prstGeom prst="rect">
+              <a:avLst/>
+            </a:prstGeom>
+          </p:spPr>
+          <p:txBody>
+            <a:bodyPr lIns="50800" tIns="50800" rIns="50800" bIns="50800" rtlCol="0" anchor="ctr"/>
+            <a:lstStyle/>
+            <a:p>
+              <a:pPr marL="0" marR="0" lvl="0" indent="0" algn="ctr" defTabSz="914400" rtl="0" eaLnBrk="1" fontAlgn="auto" latinLnBrk="0" hangingPunct="1">
+                <a:lnSpc>
+                  <a:spcPts val="3079"/>
+                </a:lnSpc>
+                <a:spcBef>
+                  <a:spcPts val="0"/>
+                </a:spcBef>
+                <a:spcAft>
+                  <a:spcPts val="0"/>
+                </a:spcAft>
+                <a:buClrTx/>
+                <a:buSzTx/>
+                <a:buFontTx/>
+                <a:buNone/>
+                <a:tabLst/>
+                <a:defRPr/>
+              </a:pPr>
+              <a:endParaRPr kumimoji="0" sz="1800" b="0" i="0" u="none" strike="noStrike" kern="1200" cap="none" spc="0" normalizeH="0" baseline="0" noProof="0">
+                <a:ln>
+                  <a:noFill/>
+                </a:ln>
+                <a:solidFill>
+                  <a:prstClr val="black"/>
+                </a:solidFill>
+                <a:effectLst/>
+                <a:uLnTx/>
+                <a:uFillTx/>
+                <a:latin typeface="KoPub바탕체 Medium" panose="02020603020101020101" pitchFamily="18" charset="-127"/>
+                <a:ea typeface="KoPub바탕체 Medium" panose="02020603020101020101" pitchFamily="18" charset="-127"/>
+                <a:cs typeface="+mn-cs"/>
+              </a:endParaRPr>
+            </a:p>
+          </p:txBody>
+        </p:sp>
+      </p:grpSp>
+      <p:sp>
+        <p:nvSpPr>
+          <p:cNvPr id="18" name="TextBox 14">
+            <a:extLst>
+              <a:ext uri="{FF2B5EF4-FFF2-40B4-BE49-F238E27FC236}">
+                <a16:creationId xmlns:a16="http://schemas.microsoft.com/office/drawing/2014/main" id="{3163810A-D9A0-8759-D215-6AC44B4B0CAD}"/>
+              </a:ext>
+            </a:extLst>
+          </p:cNvPr>
+          <p:cNvSpPr txBox="1"/>
+          <p:nvPr/>
+        </p:nvSpPr>
+        <p:spPr>
+          <a:xfrm>
+            <a:off x="1819108" y="4016671"/>
+            <a:ext cx="7035690" cy="1127937"/>
+          </a:xfrm>
+          <a:prstGeom prst="rect">
+            <a:avLst/>
+          </a:prstGeom>
+        </p:spPr>
+        <p:txBody>
+          <a:bodyPr lIns="0" tIns="0" rIns="0" bIns="0" rtlCol="0" anchor="t">
+            <a:spAutoFit/>
+          </a:bodyPr>
+          <a:lstStyle/>
+          <a:p>
+            <a:pPr marL="0" marR="0" lvl="0" indent="0" algn="l" defTabSz="914400" rtl="0" eaLnBrk="1" fontAlgn="auto" latinLnBrk="0" hangingPunct="1">
+              <a:lnSpc>
+                <a:spcPts val="3000"/>
+              </a:lnSpc>
+              <a:spcBef>
+                <a:spcPts val="0"/>
+              </a:spcBef>
+              <a:spcAft>
+                <a:spcPts val="0"/>
+              </a:spcAft>
+              <a:buClrTx/>
+              <a:buSzTx/>
+              <a:buFontTx/>
+              <a:buNone/>
+              <a:tabLst/>
+              <a:defRPr/>
+            </a:pPr>
+            <a:r>
+              <a:rPr kumimoji="0" lang="ko-KR" altLang="en-US" sz="2000" b="0" i="0" u="none" strike="noStrike" kern="1200" cap="none" spc="0" normalizeH="0" baseline="0" noProof="0">
+                <a:ln>
+                  <a:noFill/>
+                </a:ln>
+                <a:solidFill>
+                  <a:srgbClr val="090807"/>
+                </a:solidFill>
+                <a:effectLst/>
+                <a:uLnTx/>
+                <a:uFillTx/>
+                <a:latin typeface="KoPub바탕체 Medium" panose="02020603020101020101" pitchFamily="18" charset="-127"/>
+                <a:ea typeface="KoPub바탕체 Medium" panose="02020603020101020101" pitchFamily="18" charset="-127"/>
+                <a:cs typeface="Source Han Sans KR"/>
+                <a:sym typeface="Source Han Sans KR"/>
+              </a:rPr>
+              <a:t>원래 프로그램은 </a:t>
+            </a:r>
+            <a:r>
+              <a:rPr kumimoji="0" lang="en-US" altLang="ko-KR" sz="2000" b="0" i="0" u="none" strike="noStrike" kern="1200" cap="none" spc="0" normalizeH="0" baseline="0" noProof="0">
+                <a:ln>
+                  <a:noFill/>
+                </a:ln>
+                <a:solidFill>
+                  <a:srgbClr val="090807"/>
+                </a:solidFill>
+                <a:effectLst/>
+                <a:uLnTx/>
+                <a:uFillTx/>
+                <a:latin typeface="KoPub바탕체 Medium" panose="02020603020101020101" pitchFamily="18" charset="-127"/>
+                <a:ea typeface="KoPub바탕체 Medium" panose="02020603020101020101" pitchFamily="18" charset="-127"/>
+                <a:cs typeface="Source Han Sans KR"/>
+                <a:sym typeface="Source Han Sans KR"/>
+              </a:rPr>
+              <a:t>GQM </a:t>
+            </a:r>
+            <a:r>
+              <a:rPr kumimoji="0" lang="ko-KR" altLang="en-US" sz="2000" b="0" i="0" u="none" strike="noStrike" kern="1200" cap="none" spc="0" normalizeH="0" baseline="0" noProof="0">
+                <a:ln>
+                  <a:noFill/>
+                </a:ln>
+                <a:solidFill>
+                  <a:srgbClr val="090807"/>
+                </a:solidFill>
+                <a:effectLst/>
+                <a:uLnTx/>
+                <a:uFillTx/>
+                <a:latin typeface="KoPub바탕체 Medium" panose="02020603020101020101" pitchFamily="18" charset="-127"/>
+                <a:ea typeface="KoPub바탕체 Medium" panose="02020603020101020101" pitchFamily="18" charset="-127"/>
+                <a:cs typeface="Source Han Sans KR"/>
+                <a:sym typeface="Source Han Sans KR"/>
+              </a:rPr>
+              <a:t>방식을 적용해 사용자에게 직접 묻는 방식이지만</a:t>
+            </a:r>
+            <a:r>
+              <a:rPr kumimoji="0" lang="en-US" altLang="ko-KR" sz="2000" b="0" i="0" u="none" strike="noStrike" kern="1200" cap="none" spc="0" normalizeH="0" baseline="0" noProof="0">
+                <a:ln>
+                  <a:noFill/>
+                </a:ln>
+                <a:solidFill>
+                  <a:srgbClr val="090807"/>
+                </a:solidFill>
+                <a:effectLst/>
+                <a:uLnTx/>
+                <a:uFillTx/>
+                <a:latin typeface="KoPub바탕체 Medium" panose="02020603020101020101" pitchFamily="18" charset="-127"/>
+                <a:ea typeface="KoPub바탕체 Medium" panose="02020603020101020101" pitchFamily="18" charset="-127"/>
+                <a:cs typeface="Source Han Sans KR"/>
+                <a:sym typeface="Source Han Sans KR"/>
+              </a:rPr>
+              <a:t>, </a:t>
+            </a:r>
+            <a:r>
+              <a:rPr kumimoji="0" lang="ko-KR" altLang="en-US" sz="2000" b="0" i="0" u="none" strike="noStrike" kern="1200" cap="none" spc="0" normalizeH="0" baseline="0" noProof="0">
+                <a:ln>
+                  <a:noFill/>
+                </a:ln>
+                <a:solidFill>
+                  <a:srgbClr val="090807"/>
+                </a:solidFill>
+                <a:effectLst/>
+                <a:uLnTx/>
+                <a:uFillTx/>
+                <a:latin typeface="KoPub바탕체 Medium" panose="02020603020101020101" pitchFamily="18" charset="-127"/>
+                <a:ea typeface="KoPub바탕체 Medium" panose="02020603020101020101" pitchFamily="18" charset="-127"/>
+                <a:cs typeface="Source Han Sans KR"/>
+                <a:sym typeface="Source Han Sans KR"/>
+              </a:rPr>
+              <a:t>테스트를 위해 </a:t>
+            </a:r>
+            <a:r>
+              <a:rPr kumimoji="0" lang="en-US" altLang="ko-KR" sz="2000" b="0" i="0" u="none" strike="noStrike" kern="1200" cap="none" spc="0" normalizeH="0" baseline="0" noProof="0">
+                <a:ln>
+                  <a:noFill/>
+                </a:ln>
+                <a:solidFill>
+                  <a:srgbClr val="090807"/>
+                </a:solidFill>
+                <a:effectLst/>
+                <a:uLnTx/>
+                <a:uFillTx/>
+                <a:latin typeface="KoPub바탕체 Medium" panose="02020603020101020101" pitchFamily="18" charset="-127"/>
+                <a:ea typeface="KoPub바탕체 Medium" panose="02020603020101020101" pitchFamily="18" charset="-127"/>
+                <a:cs typeface="Source Han Sans KR"/>
+                <a:sym typeface="Source Han Sans KR"/>
+              </a:rPr>
+              <a:t>AA</a:t>
+            </a:r>
+            <a:r>
+              <a:rPr kumimoji="0" lang="ko-KR" altLang="en-US" sz="2000" b="0" i="0" u="none" strike="noStrike" kern="1200" cap="none" spc="0" normalizeH="0" baseline="0" noProof="0">
+                <a:ln>
+                  <a:noFill/>
+                </a:ln>
+                <a:solidFill>
+                  <a:srgbClr val="090807"/>
+                </a:solidFill>
+                <a:effectLst/>
+                <a:uLnTx/>
+                <a:uFillTx/>
+                <a:latin typeface="KoPub바탕체 Medium" panose="02020603020101020101" pitchFamily="18" charset="-127"/>
+                <a:ea typeface="KoPub바탕체 Medium" panose="02020603020101020101" pitchFamily="18" charset="-127"/>
+                <a:cs typeface="Source Han Sans KR"/>
+                <a:sym typeface="Source Han Sans KR"/>
+              </a:rPr>
+              <a:t>부터 </a:t>
+            </a:r>
+            <a:r>
+              <a:rPr kumimoji="0" lang="en-US" altLang="ko-KR" sz="2000" b="0" i="0" u="none" strike="noStrike" kern="1200" cap="none" spc="0" normalizeH="0" baseline="0" noProof="0">
+                <a:ln>
+                  <a:noFill/>
+                </a:ln>
+                <a:solidFill>
+                  <a:srgbClr val="090807"/>
+                </a:solidFill>
+                <a:effectLst/>
+                <a:uLnTx/>
+                <a:uFillTx/>
+                <a:latin typeface="KoPub바탕체 Medium" panose="02020603020101020101" pitchFamily="18" charset="-127"/>
+                <a:ea typeface="KoPub바탕체 Medium" panose="02020603020101020101" pitchFamily="18" charset="-127"/>
+                <a:cs typeface="Source Han Sans KR"/>
+                <a:sym typeface="Source Han Sans KR"/>
+              </a:rPr>
+              <a:t>BZ</a:t>
+            </a:r>
+            <a:r>
+              <a:rPr kumimoji="0" lang="ko-KR" altLang="en-US" sz="2000" b="0" i="0" u="none" strike="noStrike" kern="1200" cap="none" spc="0" normalizeH="0" baseline="0" noProof="0">
+                <a:ln>
+                  <a:noFill/>
+                </a:ln>
+                <a:solidFill>
+                  <a:srgbClr val="090807"/>
+                </a:solidFill>
+                <a:effectLst/>
+                <a:uLnTx/>
+                <a:uFillTx/>
+                <a:latin typeface="KoPub바탕체 Medium" panose="02020603020101020101" pitchFamily="18" charset="-127"/>
+                <a:ea typeface="KoPub바탕체 Medium" panose="02020603020101020101" pitchFamily="18" charset="-127"/>
+                <a:cs typeface="Source Han Sans KR"/>
+                <a:sym typeface="Source Han Sans KR"/>
+              </a:rPr>
+              <a:t>까지 </a:t>
+            </a:r>
+            <a:r>
+              <a:rPr kumimoji="0" lang="en-US" altLang="ko-KR" sz="2000" b="0" i="0" u="none" strike="noStrike" kern="1200" cap="none" spc="0" normalizeH="0" baseline="0" noProof="0">
+                <a:ln>
+                  <a:noFill/>
+                </a:ln>
+                <a:solidFill>
+                  <a:srgbClr val="090807"/>
+                </a:solidFill>
+                <a:effectLst/>
+                <a:uLnTx/>
+                <a:uFillTx/>
+                <a:latin typeface="KoPub바탕체 Medium" panose="02020603020101020101" pitchFamily="18" charset="-127"/>
+                <a:ea typeface="KoPub바탕체 Medium" panose="02020603020101020101" pitchFamily="18" charset="-127"/>
+                <a:cs typeface="Source Han Sans KR"/>
+                <a:sym typeface="Source Han Sans KR"/>
+              </a:rPr>
+              <a:t>52</a:t>
+            </a:r>
+            <a:r>
+              <a:rPr kumimoji="0" lang="ko-KR" altLang="en-US" sz="2000" b="0" i="0" u="none" strike="noStrike" kern="1200" cap="none" spc="0" normalizeH="0" baseline="0" noProof="0">
+                <a:ln>
+                  <a:noFill/>
+                </a:ln>
+                <a:solidFill>
+                  <a:srgbClr val="090807"/>
+                </a:solidFill>
+                <a:effectLst/>
+                <a:uLnTx/>
+                <a:uFillTx/>
+                <a:latin typeface="KoPub바탕체 Medium" panose="02020603020101020101" pitchFamily="18" charset="-127"/>
+                <a:ea typeface="KoPub바탕체 Medium" panose="02020603020101020101" pitchFamily="18" charset="-127"/>
+                <a:cs typeface="Source Han Sans KR"/>
+                <a:sym typeface="Source Han Sans KR"/>
+              </a:rPr>
+              <a:t>개의 데이터를 담은 </a:t>
+            </a:r>
+            <a:r>
+              <a:rPr lang="en-US" altLang="ko-KR" sz="2000">
+                <a:solidFill>
+                  <a:srgbClr val="090807"/>
+                </a:solidFill>
+                <a:latin typeface="KoPub바탕체 Medium" panose="02020603020101020101" pitchFamily="18" charset="-127"/>
+                <a:ea typeface="KoPub바탕체 Medium" panose="02020603020101020101" pitchFamily="18" charset="-127"/>
+                <a:cs typeface="Source Han Sans KR"/>
+                <a:sym typeface="Source Han Sans KR"/>
+              </a:rPr>
+              <a:t>cargo_data.txt </a:t>
+            </a:r>
+            <a:r>
+              <a:rPr lang="ko-KR" altLang="en-US" sz="2000">
+                <a:solidFill>
+                  <a:srgbClr val="090807"/>
+                </a:solidFill>
+                <a:latin typeface="KoPub바탕체 Medium" panose="02020603020101020101" pitchFamily="18" charset="-127"/>
+                <a:ea typeface="KoPub바탕체 Medium" panose="02020603020101020101" pitchFamily="18" charset="-127"/>
+                <a:cs typeface="Source Han Sans KR"/>
+                <a:sym typeface="Source Han Sans KR"/>
+              </a:rPr>
+              <a:t>파일을 사용했음</a:t>
+            </a:r>
+            <a:r>
+              <a:rPr lang="en-US" altLang="ko-KR" sz="2000">
+                <a:solidFill>
+                  <a:srgbClr val="090807"/>
+                </a:solidFill>
+                <a:latin typeface="KoPub바탕체 Medium" panose="02020603020101020101" pitchFamily="18" charset="-127"/>
+                <a:ea typeface="KoPub바탕체 Medium" panose="02020603020101020101" pitchFamily="18" charset="-127"/>
+                <a:cs typeface="Source Han Sans KR"/>
+                <a:sym typeface="Source Han Sans KR"/>
+              </a:rPr>
+              <a:t>.</a:t>
+            </a:r>
+            <a:endParaRPr kumimoji="0" lang="en-US" altLang="ko-KR" sz="2000" b="0" i="0" u="none" strike="noStrike" kern="1200" cap="none" spc="0" normalizeH="0" baseline="0" noProof="0" dirty="0">
+              <a:ln>
+                <a:noFill/>
+              </a:ln>
+              <a:solidFill>
+                <a:srgbClr val="090807"/>
+              </a:solidFill>
+              <a:effectLst/>
+              <a:uLnTx/>
+              <a:uFillTx/>
+              <a:latin typeface="KoPub바탕체 Medium" panose="02020603020101020101" pitchFamily="18" charset="-127"/>
+              <a:ea typeface="KoPub바탕체 Medium" panose="02020603020101020101" pitchFamily="18" charset="-127"/>
+              <a:cs typeface="Source Han Sans KR"/>
+              <a:sym typeface="Source Han Sans KR"/>
+            </a:endParaRPr>
+          </a:p>
+        </p:txBody>
+      </p:sp>
+      <p:sp>
+        <p:nvSpPr>
+          <p:cNvPr id="19" name="TextBox 15">
+            <a:extLst>
+              <a:ext uri="{FF2B5EF4-FFF2-40B4-BE49-F238E27FC236}">
+                <a16:creationId xmlns:a16="http://schemas.microsoft.com/office/drawing/2014/main" id="{CE518B9D-851E-D5FB-85BD-BF776754C46C}"/>
+              </a:ext>
+            </a:extLst>
+          </p:cNvPr>
+          <p:cNvSpPr txBox="1"/>
+          <p:nvPr/>
+        </p:nvSpPr>
+        <p:spPr>
+          <a:xfrm>
+            <a:off x="1819108" y="7010565"/>
+            <a:ext cx="7035690" cy="1127937"/>
+          </a:xfrm>
+          <a:prstGeom prst="rect">
+            <a:avLst/>
+          </a:prstGeom>
+        </p:spPr>
+        <p:txBody>
+          <a:bodyPr lIns="0" tIns="0" rIns="0" bIns="0" rtlCol="0" anchor="t">
+            <a:spAutoFit/>
+          </a:bodyPr>
+          <a:lstStyle/>
+          <a:p>
+            <a:pPr marL="0" marR="0" lvl="0" indent="0" algn="l" defTabSz="914400" rtl="0" eaLnBrk="1" fontAlgn="auto" latinLnBrk="0" hangingPunct="1">
+              <a:lnSpc>
+                <a:spcPts val="3000"/>
+              </a:lnSpc>
+              <a:spcBef>
+                <a:spcPts val="0"/>
+              </a:spcBef>
+              <a:spcAft>
+                <a:spcPts val="0"/>
+              </a:spcAft>
+              <a:buClrTx/>
+              <a:buSzTx/>
+              <a:buFontTx/>
+              <a:buNone/>
+              <a:tabLst/>
+              <a:defRPr/>
+            </a:pPr>
+            <a:r>
+              <a:rPr lang="ko-KR" altLang="en-US" sz="2000">
+                <a:solidFill>
+                  <a:srgbClr val="090807"/>
+                </a:solidFill>
+                <a:latin typeface="KoPub바탕체 Medium" panose="02020603020101020101" pitchFamily="18" charset="-127"/>
+                <a:ea typeface="KoPub바탕체 Medium" panose="02020603020101020101" pitchFamily="18" charset="-127"/>
+                <a:cs typeface="Source Han Sans KR"/>
+                <a:sym typeface="Source Han Sans KR"/>
+              </a:rPr>
+              <a:t>파일의 내용은 앞에서부터 </a:t>
+            </a:r>
+            <a:endParaRPr lang="en-US" altLang="ko-KR" sz="2000">
+              <a:solidFill>
+                <a:srgbClr val="090807"/>
+              </a:solidFill>
+              <a:latin typeface="KoPub바탕체 Medium" panose="02020603020101020101" pitchFamily="18" charset="-127"/>
+              <a:ea typeface="KoPub바탕체 Medium" panose="02020603020101020101" pitchFamily="18" charset="-127"/>
+              <a:cs typeface="Source Han Sans KR"/>
+              <a:sym typeface="Source Han Sans KR"/>
+            </a:endParaRPr>
+          </a:p>
+          <a:p>
+            <a:pPr marL="0" marR="0" lvl="0" indent="0" algn="l" defTabSz="914400" rtl="0" eaLnBrk="1" fontAlgn="auto" latinLnBrk="0" hangingPunct="1">
+              <a:lnSpc>
+                <a:spcPts val="3000"/>
+              </a:lnSpc>
+              <a:spcBef>
+                <a:spcPts val="0"/>
+              </a:spcBef>
+              <a:spcAft>
+                <a:spcPts val="0"/>
+              </a:spcAft>
+              <a:buClrTx/>
+              <a:buSzTx/>
+              <a:buFontTx/>
+              <a:buNone/>
+              <a:tabLst/>
+              <a:defRPr/>
+            </a:pPr>
+            <a:r>
+              <a:rPr kumimoji="0" lang="en-US" altLang="ko-KR" sz="2000" b="0" i="0" u="none" strike="noStrike" kern="1200" cap="none" spc="0" normalizeH="0" baseline="0" noProof="0">
+                <a:ln>
+                  <a:noFill/>
+                </a:ln>
+                <a:solidFill>
+                  <a:srgbClr val="090807"/>
+                </a:solidFill>
+                <a:effectLst/>
+                <a:uLnTx/>
+                <a:uFillTx/>
+                <a:latin typeface="KoPub바탕체 Medium" panose="02020603020101020101" pitchFamily="18" charset="-127"/>
+                <a:ea typeface="KoPub바탕체 Medium" panose="02020603020101020101" pitchFamily="18" charset="-127"/>
+                <a:cs typeface="Source Han Sans KR"/>
+                <a:sym typeface="Source Han Sans KR"/>
+              </a:rPr>
+              <a:t>‘</a:t>
+            </a:r>
+            <a:r>
+              <a:rPr kumimoji="0" lang="ko-KR" altLang="en-US" sz="2000" b="0" i="0" u="none" strike="noStrike" kern="1200" cap="none" spc="0" normalizeH="0" baseline="0" noProof="0">
+                <a:ln>
+                  <a:noFill/>
+                </a:ln>
+                <a:solidFill>
+                  <a:srgbClr val="090807"/>
+                </a:solidFill>
+                <a:effectLst/>
+                <a:uLnTx/>
+                <a:uFillTx/>
+                <a:latin typeface="KoPub바탕체 Medium" panose="02020603020101020101" pitchFamily="18" charset="-127"/>
+                <a:ea typeface="KoPub바탕체 Medium" panose="02020603020101020101" pitchFamily="18" charset="-127"/>
+                <a:cs typeface="Source Han Sans KR"/>
+                <a:sym typeface="Source Han Sans KR"/>
+              </a:rPr>
+              <a:t>화물이름</a:t>
+            </a:r>
+            <a:r>
+              <a:rPr kumimoji="0" lang="en-US" altLang="ko-KR" sz="2000" b="0" i="0" u="none" strike="noStrike" kern="1200" cap="none" spc="0" normalizeH="0" baseline="0" noProof="0">
+                <a:ln>
+                  <a:noFill/>
+                </a:ln>
+                <a:solidFill>
+                  <a:srgbClr val="090807"/>
+                </a:solidFill>
+                <a:effectLst/>
+                <a:uLnTx/>
+                <a:uFillTx/>
+                <a:latin typeface="KoPub바탕체 Medium" panose="02020603020101020101" pitchFamily="18" charset="-127"/>
+                <a:ea typeface="KoPub바탕체 Medium" panose="02020603020101020101" pitchFamily="18" charset="-127"/>
+                <a:cs typeface="Source Han Sans KR"/>
+                <a:sym typeface="Source Han Sans KR"/>
+              </a:rPr>
+              <a:t>’,</a:t>
+            </a:r>
+            <a:r>
+              <a:rPr kumimoji="0" lang="ko-KR" altLang="en-US" sz="2000" b="0" i="0" u="none" strike="noStrike" kern="1200" cap="none" spc="0" normalizeH="0" baseline="0" noProof="0">
+                <a:ln>
+                  <a:noFill/>
+                </a:ln>
+                <a:solidFill>
+                  <a:srgbClr val="090807"/>
+                </a:solidFill>
+                <a:effectLst/>
+                <a:uLnTx/>
+                <a:uFillTx/>
+                <a:latin typeface="KoPub바탕체 Medium" panose="02020603020101020101" pitchFamily="18" charset="-127"/>
+                <a:ea typeface="KoPub바탕체 Medium" panose="02020603020101020101" pitchFamily="18" charset="-127"/>
+                <a:cs typeface="Source Han Sans KR"/>
+                <a:sym typeface="Source Han Sans KR"/>
+              </a:rPr>
+              <a:t> </a:t>
+            </a:r>
+            <a:r>
+              <a:rPr kumimoji="0" lang="en-US" altLang="ko-KR" sz="2000" b="0" i="0" u="none" strike="noStrike" kern="1200" cap="none" spc="0" normalizeH="0" baseline="0" noProof="0">
+                <a:ln>
+                  <a:noFill/>
+                </a:ln>
+                <a:solidFill>
+                  <a:srgbClr val="090807"/>
+                </a:solidFill>
+                <a:effectLst/>
+                <a:uLnTx/>
+                <a:uFillTx/>
+                <a:latin typeface="KoPub바탕체 Medium" panose="02020603020101020101" pitchFamily="18" charset="-127"/>
+                <a:ea typeface="KoPub바탕체 Medium" panose="02020603020101020101" pitchFamily="18" charset="-127"/>
+                <a:cs typeface="Source Han Sans KR"/>
+                <a:sym typeface="Source Han Sans KR"/>
+              </a:rPr>
+              <a:t>‘</a:t>
+            </a:r>
+            <a:r>
+              <a:rPr kumimoji="0" lang="ko-KR" altLang="en-US" sz="2000" b="0" i="0" u="none" strike="noStrike" kern="1200" cap="none" spc="0" normalizeH="0" baseline="0" noProof="0">
+                <a:ln>
+                  <a:noFill/>
+                </a:ln>
+                <a:solidFill>
+                  <a:srgbClr val="090807"/>
+                </a:solidFill>
+                <a:effectLst/>
+                <a:uLnTx/>
+                <a:uFillTx/>
+                <a:latin typeface="KoPub바탕체 Medium" panose="02020603020101020101" pitchFamily="18" charset="-127"/>
+                <a:ea typeface="KoPub바탕체 Medium" panose="02020603020101020101" pitchFamily="18" charset="-127"/>
+                <a:cs typeface="Source Han Sans KR"/>
+                <a:sym typeface="Source Han Sans KR"/>
+              </a:rPr>
+              <a:t>무게</a:t>
+            </a:r>
+            <a:r>
+              <a:rPr kumimoji="0" lang="en-US" altLang="ko-KR" sz="2000" b="0" i="0" u="none" strike="noStrike" kern="1200" cap="none" spc="0" normalizeH="0" baseline="0" noProof="0">
+                <a:ln>
+                  <a:noFill/>
+                </a:ln>
+                <a:solidFill>
+                  <a:srgbClr val="090807"/>
+                </a:solidFill>
+                <a:effectLst/>
+                <a:uLnTx/>
+                <a:uFillTx/>
+                <a:latin typeface="KoPub바탕체 Medium" panose="02020603020101020101" pitchFamily="18" charset="-127"/>
+                <a:ea typeface="KoPub바탕체 Medium" panose="02020603020101020101" pitchFamily="18" charset="-127"/>
+                <a:cs typeface="Source Han Sans KR"/>
+                <a:sym typeface="Source Han Sans KR"/>
+              </a:rPr>
+              <a:t>’,</a:t>
+            </a:r>
+            <a:r>
+              <a:rPr kumimoji="0" lang="ko-KR" altLang="en-US" sz="2000" b="0" i="0" u="none" strike="noStrike" kern="1200" cap="none" spc="0" normalizeH="0" baseline="0" noProof="0">
+                <a:ln>
+                  <a:noFill/>
+                </a:ln>
+                <a:solidFill>
+                  <a:srgbClr val="090807"/>
+                </a:solidFill>
+                <a:effectLst/>
+                <a:uLnTx/>
+                <a:uFillTx/>
+                <a:latin typeface="KoPub바탕체 Medium" panose="02020603020101020101" pitchFamily="18" charset="-127"/>
+                <a:ea typeface="KoPub바탕체 Medium" panose="02020603020101020101" pitchFamily="18" charset="-127"/>
+                <a:cs typeface="Source Han Sans KR"/>
+                <a:sym typeface="Source Han Sans KR"/>
+              </a:rPr>
+              <a:t> </a:t>
+            </a:r>
+            <a:r>
+              <a:rPr kumimoji="0" lang="en-US" altLang="ko-KR" sz="2000" b="0" i="0" u="none" strike="noStrike" kern="1200" cap="none" spc="0" normalizeH="0" baseline="0" noProof="0">
+                <a:ln>
+                  <a:noFill/>
+                </a:ln>
+                <a:solidFill>
+                  <a:srgbClr val="090807"/>
+                </a:solidFill>
+                <a:effectLst/>
+                <a:uLnTx/>
+                <a:uFillTx/>
+                <a:latin typeface="KoPub바탕체 Medium" panose="02020603020101020101" pitchFamily="18" charset="-127"/>
+                <a:ea typeface="KoPub바탕체 Medium" panose="02020603020101020101" pitchFamily="18" charset="-127"/>
+                <a:cs typeface="Source Han Sans KR"/>
+                <a:sym typeface="Source Han Sans KR"/>
+              </a:rPr>
+              <a:t>‘</a:t>
+            </a:r>
+            <a:r>
+              <a:rPr kumimoji="0" lang="ko-KR" altLang="en-US" sz="2000" b="0" i="0" u="none" strike="noStrike" kern="1200" cap="none" spc="0" normalizeH="0" baseline="0" noProof="0">
+                <a:ln>
+                  <a:noFill/>
+                </a:ln>
+                <a:solidFill>
+                  <a:srgbClr val="090807"/>
+                </a:solidFill>
+                <a:effectLst/>
+                <a:uLnTx/>
+                <a:uFillTx/>
+                <a:latin typeface="KoPub바탕체 Medium" panose="02020603020101020101" pitchFamily="18" charset="-127"/>
+                <a:ea typeface="KoPub바탕체 Medium" panose="02020603020101020101" pitchFamily="18" charset="-127"/>
+                <a:cs typeface="Source Han Sans KR"/>
+                <a:sym typeface="Source Han Sans KR"/>
+              </a:rPr>
+              <a:t>이동거리</a:t>
+            </a:r>
+            <a:r>
+              <a:rPr kumimoji="0" lang="en-US" altLang="ko-KR" sz="2000" b="0" i="0" u="none" strike="noStrike" kern="1200" cap="none" spc="0" normalizeH="0" baseline="0" noProof="0">
+                <a:ln>
+                  <a:noFill/>
+                </a:ln>
+                <a:solidFill>
+                  <a:srgbClr val="090807"/>
+                </a:solidFill>
+                <a:effectLst/>
+                <a:uLnTx/>
+                <a:uFillTx/>
+                <a:latin typeface="KoPub바탕체 Medium" panose="02020603020101020101" pitchFamily="18" charset="-127"/>
+                <a:ea typeface="KoPub바탕체 Medium" panose="02020603020101020101" pitchFamily="18" charset="-127"/>
+                <a:cs typeface="Source Han Sans KR"/>
+                <a:sym typeface="Source Han Sans KR"/>
+              </a:rPr>
+              <a:t>’,</a:t>
+            </a:r>
+            <a:r>
+              <a:rPr kumimoji="0" lang="ko-KR" altLang="en-US" sz="2000" b="0" i="0" u="none" strike="noStrike" kern="1200" cap="none" spc="0" normalizeH="0" baseline="0" noProof="0">
+                <a:ln>
+                  <a:noFill/>
+                </a:ln>
+                <a:solidFill>
+                  <a:srgbClr val="090807"/>
+                </a:solidFill>
+                <a:effectLst/>
+                <a:uLnTx/>
+                <a:uFillTx/>
+                <a:latin typeface="KoPub바탕체 Medium" panose="02020603020101020101" pitchFamily="18" charset="-127"/>
+                <a:ea typeface="KoPub바탕체 Medium" panose="02020603020101020101" pitchFamily="18" charset="-127"/>
+                <a:cs typeface="Source Han Sans KR"/>
+                <a:sym typeface="Source Han Sans KR"/>
+              </a:rPr>
+              <a:t> </a:t>
+            </a:r>
+            <a:r>
+              <a:rPr kumimoji="0" lang="en-US" altLang="ko-KR" sz="2000" b="0" i="0" u="none" strike="noStrike" kern="1200" cap="none" spc="0" normalizeH="0" baseline="0" noProof="0">
+                <a:ln>
+                  <a:noFill/>
+                </a:ln>
+                <a:solidFill>
+                  <a:srgbClr val="090807"/>
+                </a:solidFill>
+                <a:effectLst/>
+                <a:uLnTx/>
+                <a:uFillTx/>
+                <a:latin typeface="KoPub바탕체 Medium" panose="02020603020101020101" pitchFamily="18" charset="-127"/>
+                <a:ea typeface="KoPub바탕체 Medium" panose="02020603020101020101" pitchFamily="18" charset="-127"/>
+                <a:cs typeface="Source Han Sans KR"/>
+                <a:sym typeface="Source Han Sans KR"/>
+              </a:rPr>
+              <a:t>‘</a:t>
+            </a:r>
+            <a:r>
+              <a:rPr kumimoji="0" lang="ko-KR" altLang="en-US" sz="2000" b="0" i="0" u="none" strike="noStrike" kern="1200" cap="none" spc="0" normalizeH="0" baseline="0" noProof="0">
+                <a:ln>
+                  <a:noFill/>
+                </a:ln>
+                <a:solidFill>
+                  <a:srgbClr val="090807"/>
+                </a:solidFill>
+                <a:effectLst/>
+                <a:uLnTx/>
+                <a:uFillTx/>
+                <a:latin typeface="KoPub바탕체 Medium" panose="02020603020101020101" pitchFamily="18" charset="-127"/>
+                <a:ea typeface="KoPub바탕체 Medium" panose="02020603020101020101" pitchFamily="18" charset="-127"/>
+                <a:cs typeface="Source Han Sans KR"/>
+                <a:sym typeface="Source Han Sans KR"/>
+              </a:rPr>
+              <a:t>보수</a:t>
+            </a:r>
+            <a:r>
+              <a:rPr kumimoji="0" lang="en-US" altLang="ko-KR" sz="2000" b="0" i="0" u="none" strike="noStrike" kern="1200" cap="none" spc="0" normalizeH="0" baseline="0" noProof="0">
+                <a:ln>
+                  <a:noFill/>
+                </a:ln>
+                <a:solidFill>
+                  <a:srgbClr val="090807"/>
+                </a:solidFill>
+                <a:effectLst/>
+                <a:uLnTx/>
+                <a:uFillTx/>
+                <a:latin typeface="KoPub바탕체 Medium" panose="02020603020101020101" pitchFamily="18" charset="-127"/>
+                <a:ea typeface="KoPub바탕체 Medium" panose="02020603020101020101" pitchFamily="18" charset="-127"/>
+                <a:cs typeface="Source Han Sans KR"/>
+                <a:sym typeface="Source Han Sans KR"/>
+              </a:rPr>
+              <a:t>’</a:t>
+            </a:r>
+          </a:p>
+          <a:p>
+            <a:pPr marL="0" marR="0" lvl="0" indent="0" algn="l" defTabSz="914400" rtl="0" eaLnBrk="1" fontAlgn="auto" latinLnBrk="0" hangingPunct="1">
+              <a:lnSpc>
+                <a:spcPts val="3000"/>
+              </a:lnSpc>
+              <a:spcBef>
+                <a:spcPts val="0"/>
+              </a:spcBef>
+              <a:spcAft>
+                <a:spcPts val="0"/>
+              </a:spcAft>
+              <a:buClrTx/>
+              <a:buSzTx/>
+              <a:buFontTx/>
+              <a:buNone/>
+              <a:tabLst/>
+              <a:defRPr/>
+            </a:pPr>
+            <a:r>
+              <a:rPr lang="ko-KR" altLang="en-US" sz="2000">
+                <a:solidFill>
+                  <a:srgbClr val="090807"/>
+                </a:solidFill>
+                <a:latin typeface="KoPub바탕체 Medium" panose="02020603020101020101" pitchFamily="18" charset="-127"/>
+                <a:ea typeface="KoPub바탕체 Medium" panose="02020603020101020101" pitchFamily="18" charset="-127"/>
+                <a:cs typeface="Source Han Sans KR"/>
+                <a:sym typeface="Source Han Sans KR"/>
+              </a:rPr>
+              <a:t>이며</a:t>
+            </a:r>
+            <a:r>
+              <a:rPr lang="en-US" altLang="ko-KR" sz="2000">
+                <a:solidFill>
+                  <a:srgbClr val="090807"/>
+                </a:solidFill>
+                <a:latin typeface="KoPub바탕체 Medium" panose="02020603020101020101" pitchFamily="18" charset="-127"/>
+                <a:ea typeface="KoPub바탕체 Medium" panose="02020603020101020101" pitchFamily="18" charset="-127"/>
+                <a:cs typeface="Source Han Sans KR"/>
+                <a:sym typeface="Source Han Sans KR"/>
+              </a:rPr>
+              <a:t>, </a:t>
+            </a:r>
+            <a:r>
+              <a:rPr lang="ko-KR" altLang="en-US" sz="2000">
+                <a:solidFill>
+                  <a:srgbClr val="090807"/>
+                </a:solidFill>
+                <a:latin typeface="KoPub바탕체 Medium" panose="02020603020101020101" pitchFamily="18" charset="-127"/>
+                <a:ea typeface="KoPub바탕체 Medium" panose="02020603020101020101" pitchFamily="18" charset="-127"/>
+                <a:cs typeface="Source Han Sans KR"/>
+                <a:sym typeface="Source Han Sans KR"/>
+              </a:rPr>
+              <a:t>공백을 기준으로 구분함</a:t>
+            </a:r>
+            <a:r>
+              <a:rPr lang="en-US" altLang="ko-KR" sz="2000">
+                <a:solidFill>
+                  <a:srgbClr val="090807"/>
+                </a:solidFill>
+                <a:latin typeface="KoPub바탕체 Medium" panose="02020603020101020101" pitchFamily="18" charset="-127"/>
+                <a:ea typeface="KoPub바탕체 Medium" panose="02020603020101020101" pitchFamily="18" charset="-127"/>
+                <a:cs typeface="Source Han Sans KR"/>
+                <a:sym typeface="Source Han Sans KR"/>
+              </a:rPr>
+              <a:t>.</a:t>
+            </a:r>
+            <a:endParaRPr kumimoji="0" lang="en-US" sz="2000" b="0" i="0" u="none" strike="noStrike" kern="1200" cap="none" spc="0" normalizeH="0" baseline="0" noProof="0" dirty="0">
+              <a:ln>
+                <a:noFill/>
+              </a:ln>
+              <a:solidFill>
+                <a:srgbClr val="090807"/>
+              </a:solidFill>
+              <a:effectLst/>
+              <a:uLnTx/>
+              <a:uFillTx/>
+              <a:latin typeface="KoPub바탕체 Medium" panose="02020603020101020101" pitchFamily="18" charset="-127"/>
+              <a:ea typeface="KoPub바탕체 Medium" panose="02020603020101020101" pitchFamily="18" charset="-127"/>
+              <a:cs typeface="Source Han Sans KR"/>
+              <a:sym typeface="Source Han Sans KR"/>
+            </a:endParaRPr>
+          </a:p>
+        </p:txBody>
+      </p:sp>
+      <p:sp>
+        <p:nvSpPr>
+          <p:cNvPr id="21" name="TextBox 16">
+            <a:extLst>
+              <a:ext uri="{FF2B5EF4-FFF2-40B4-BE49-F238E27FC236}">
+                <a16:creationId xmlns:a16="http://schemas.microsoft.com/office/drawing/2014/main" id="{3CEFB8E1-3241-E359-E7BD-4EB4A3DD4735}"/>
+              </a:ext>
+            </a:extLst>
+          </p:cNvPr>
+          <p:cNvSpPr txBox="1"/>
+          <p:nvPr/>
+        </p:nvSpPr>
+        <p:spPr>
+          <a:xfrm>
+            <a:off x="2314480" y="3195052"/>
+            <a:ext cx="1257226" cy="424090"/>
+          </a:xfrm>
+          <a:prstGeom prst="rect">
+            <a:avLst/>
+          </a:prstGeom>
+        </p:spPr>
+        <p:txBody>
+          <a:bodyPr lIns="0" tIns="0" rIns="0" bIns="0" rtlCol="0" anchor="t">
+            <a:spAutoFit/>
+          </a:bodyPr>
+          <a:lstStyle/>
+          <a:p>
+            <a:pPr marL="0" marR="0" lvl="0" indent="0" algn="ctr" defTabSz="914400" rtl="0" eaLnBrk="1" fontAlgn="auto" latinLnBrk="0" hangingPunct="1">
+              <a:lnSpc>
+                <a:spcPts val="3499"/>
+              </a:lnSpc>
+              <a:spcBef>
+                <a:spcPct val="0"/>
+              </a:spcBef>
+              <a:spcAft>
+                <a:spcPts val="0"/>
+              </a:spcAft>
+              <a:buClrTx/>
+              <a:buSzTx/>
+              <a:buFontTx/>
+              <a:buNone/>
+              <a:tabLst/>
+              <a:defRPr/>
+            </a:pPr>
+            <a:r>
+              <a:rPr kumimoji="0" lang="ko-KR" altLang="en-US" sz="2499" b="1" i="0" u="none" strike="noStrike" kern="1200" cap="none" spc="0" normalizeH="0" baseline="0" noProof="0" dirty="0">
+                <a:ln>
+                  <a:noFill/>
+                </a:ln>
+                <a:solidFill>
+                  <a:srgbClr val="FEFBEE"/>
+                </a:solidFill>
+                <a:effectLst/>
+                <a:uLnTx/>
+                <a:uFillTx/>
+                <a:latin typeface="KoPub바탕체 Medium" panose="02020603020101020101" pitchFamily="18" charset="-127"/>
+                <a:ea typeface="KoPub바탕체 Medium" panose="02020603020101020101" pitchFamily="18" charset="-127"/>
+                <a:cs typeface="Source Han Sans KR Bold"/>
+                <a:sym typeface="Source Han Sans KR Bold"/>
+              </a:rPr>
+              <a:t>데이터</a:t>
+            </a:r>
+            <a:endParaRPr kumimoji="0" lang="en-US" sz="2499" b="1" i="0" u="none" strike="noStrike" kern="1200" cap="none" spc="0" normalizeH="0" baseline="0" noProof="0" dirty="0">
+              <a:ln>
+                <a:noFill/>
+              </a:ln>
+              <a:solidFill>
+                <a:srgbClr val="FEFBEE"/>
+              </a:solidFill>
+              <a:effectLst/>
+              <a:uLnTx/>
+              <a:uFillTx/>
+              <a:latin typeface="KoPub바탕체 Medium" panose="02020603020101020101" pitchFamily="18" charset="-127"/>
+              <a:ea typeface="KoPub바탕체 Medium" panose="02020603020101020101" pitchFamily="18" charset="-127"/>
+              <a:cs typeface="Source Han Sans KR Bold"/>
+              <a:sym typeface="Source Han Sans KR Bold"/>
+            </a:endParaRPr>
+          </a:p>
+        </p:txBody>
+      </p:sp>
+      <p:sp>
+        <p:nvSpPr>
+          <p:cNvPr id="25" name="TextBox 17">
+            <a:extLst>
+              <a:ext uri="{FF2B5EF4-FFF2-40B4-BE49-F238E27FC236}">
+                <a16:creationId xmlns:a16="http://schemas.microsoft.com/office/drawing/2014/main" id="{98BAE444-7D63-9D55-06B1-BD2E4E5137C1}"/>
+              </a:ext>
+            </a:extLst>
+          </p:cNvPr>
+          <p:cNvSpPr txBox="1"/>
+          <p:nvPr/>
+        </p:nvSpPr>
+        <p:spPr>
+          <a:xfrm>
+            <a:off x="2314480" y="6188946"/>
+            <a:ext cx="1257226" cy="424090"/>
+          </a:xfrm>
+          <a:prstGeom prst="rect">
+            <a:avLst/>
+          </a:prstGeom>
+        </p:spPr>
+        <p:txBody>
+          <a:bodyPr lIns="0" tIns="0" rIns="0" bIns="0" rtlCol="0" anchor="t">
+            <a:spAutoFit/>
+          </a:bodyPr>
+          <a:lstStyle/>
+          <a:p>
+            <a:pPr marL="0" marR="0" lvl="0" indent="0" algn="ctr" defTabSz="914400" rtl="0" eaLnBrk="1" fontAlgn="auto" latinLnBrk="0" hangingPunct="1">
+              <a:lnSpc>
+                <a:spcPts val="3499"/>
+              </a:lnSpc>
+              <a:spcBef>
+                <a:spcPct val="0"/>
+              </a:spcBef>
+              <a:spcAft>
+                <a:spcPts val="0"/>
+              </a:spcAft>
+              <a:buClrTx/>
+              <a:buSzTx/>
+              <a:buFontTx/>
+              <a:buNone/>
+              <a:tabLst/>
+              <a:defRPr/>
+            </a:pPr>
+            <a:r>
+              <a:rPr kumimoji="0" lang="ko-KR" altLang="en-US" sz="2499" b="1" i="0" u="none" strike="noStrike" kern="1200" cap="none" spc="0" normalizeH="0" baseline="0" noProof="0" dirty="0" err="1">
+                <a:ln>
+                  <a:noFill/>
+                </a:ln>
+                <a:solidFill>
+                  <a:srgbClr val="FEFBEE"/>
+                </a:solidFill>
+                <a:effectLst/>
+                <a:uLnTx/>
+                <a:uFillTx/>
+                <a:latin typeface="KoPub바탕체 Medium" panose="02020603020101020101" pitchFamily="18" charset="-127"/>
+                <a:ea typeface="KoPub바탕체 Medium" panose="02020603020101020101" pitchFamily="18" charset="-127"/>
+                <a:cs typeface="Source Han Sans KR Bold"/>
+                <a:sym typeface="Source Han Sans KR Bold"/>
+              </a:rPr>
+              <a:t>전처리</a:t>
+            </a:r>
+            <a:endParaRPr kumimoji="0" lang="en-US" sz="2499" b="1" i="0" u="none" strike="noStrike" kern="1200" cap="none" spc="0" normalizeH="0" baseline="0" noProof="0" dirty="0">
+              <a:ln>
+                <a:noFill/>
+              </a:ln>
+              <a:solidFill>
+                <a:srgbClr val="FEFBEE"/>
+              </a:solidFill>
+              <a:effectLst/>
+              <a:uLnTx/>
+              <a:uFillTx/>
+              <a:latin typeface="KoPub바탕체 Medium" panose="02020603020101020101" pitchFamily="18" charset="-127"/>
+              <a:ea typeface="KoPub바탕체 Medium" panose="02020603020101020101" pitchFamily="18" charset="-127"/>
+              <a:cs typeface="Source Han Sans KR Bold"/>
+              <a:sym typeface="Source Han Sans KR Bold"/>
+            </a:endParaRPr>
+          </a:p>
+        </p:txBody>
+      </p:sp>
+    </p:spTree>
+    <p:extLst>
+      <p:ext uri="{BB962C8B-B14F-4D97-AF65-F5344CB8AC3E}">
+        <p14:creationId xmlns:p14="http://schemas.microsoft.com/office/powerpoint/2010/main" val="2819856822"/>
+      </p:ext>
+    </p:extLst>
+  </p:cSld>
+  <p:clrMapOvr>
+    <a:masterClrMapping/>
+  </p:clrMapOvr>
+</p:sld>
+</file>
+
+<file path=ppt/slides/slide7.xml><?xml version="1.0" encoding="utf-8"?>
 <p:sld xmlns:a="http://schemas.openxmlformats.org/drawingml/2006/main" xmlns:r="http://schemas.openxmlformats.org/officeDocument/2006/relationships" xmlns:p="http://schemas.openxmlformats.org/presentationml/2006/main">
   <p:cSld>
     <p:bg>
@@ -18184,8 +21686,8 @@
           </a:p>
         </p:txBody>
       </p:sp>
-      <mc:AlternateContent xmlns:mc="http://schemas.openxmlformats.org/markup-compatibility/2006" xmlns:a14="http://schemas.microsoft.com/office/drawing/2010/main">
-        <mc:Choice Requires="a14">
+      <mc:AlternateContent xmlns:mc="http://schemas.openxmlformats.org/markup-compatibility/2006">
+        <mc:Choice xmlns:a14="http://schemas.microsoft.com/office/drawing/2010/main" Requires="a14">
           <p:sp>
             <p:nvSpPr>
               <p:cNvPr id="15" name="TextBox 15">
@@ -18200,15 +21702,15 @@
             </p:nvSpPr>
             <p:spPr>
               <a:xfrm>
-                <a:off x="923832" y="7013444"/>
-                <a:ext cx="7035690" cy="384721"/>
+                <a:off x="1233419" y="7013444"/>
+                <a:ext cx="6726103" cy="384721"/>
               </a:xfrm>
               <a:prstGeom prst="rect">
                 <a:avLst/>
               </a:prstGeom>
             </p:spPr>
             <p:txBody>
-              <a:bodyPr lIns="0" tIns="0" rIns="0" bIns="0" rtlCol="0" anchor="t">
+              <a:bodyPr wrap="square" lIns="0" tIns="0" rIns="0" bIns="0" rtlCol="0" anchor="t">
                 <a:spAutoFit/>
               </a:bodyPr>
               <a:lstStyle/>
@@ -18233,7 +21735,7 @@
                 <a14:m>
                   <m:oMathPara xmlns:m="http://schemas.openxmlformats.org/officeDocument/2006/math">
                     <m:oMathParaPr>
-                      <m:jc m:val="centerGroup"/>
+                      <m:jc m:val="left"/>
                     </m:oMathParaPr>
                     <m:oMath xmlns:m="http://schemas.openxmlformats.org/officeDocument/2006/math">
                       <m:r>
@@ -18330,7 +21832,7 @@
             </p:txBody>
           </p:sp>
         </mc:Choice>
-        <mc:Fallback xmlns="">
+        <mc:Fallback>
           <p:sp>
             <p:nvSpPr>
               <p:cNvPr id="15" name="TextBox 15">
@@ -18347,8 +21849,8 @@
             </p:nvSpPr>
             <p:spPr>
               <a:xfrm>
-                <a:off x="923832" y="7013444"/>
-                <a:ext cx="7035690" cy="384721"/>
+                <a:off x="1233419" y="7013444"/>
+                <a:ext cx="6726103" cy="384721"/>
               </a:xfrm>
               <a:prstGeom prst="rect">
                 <a:avLst/>
@@ -18585,6 +22087,36 @@
           </a:effectLst>
         </p:spPr>
       </p:pic>
+      <p:sp>
+        <p:nvSpPr>
+          <p:cNvPr id="3" name="슬라이드 번호 개체 틀 2">
+            <a:extLst>
+              <a:ext uri="{FF2B5EF4-FFF2-40B4-BE49-F238E27FC236}">
+                <a16:creationId xmlns:a16="http://schemas.microsoft.com/office/drawing/2014/main" id="{763FFC9B-7C3D-5B60-C46D-F82876730FD8}"/>
+              </a:ext>
+            </a:extLst>
+          </p:cNvPr>
+          <p:cNvSpPr>
+            <a:spLocks noGrp="1"/>
+          </p:cNvSpPr>
+          <p:nvPr>
+            <p:ph type="sldNum" sz="quarter" idx="12"/>
+          </p:nvPr>
+        </p:nvSpPr>
+        <p:spPr/>
+        <p:txBody>
+          <a:bodyPr/>
+          <a:lstStyle/>
+          <a:p>
+            <a:fld id="{B6F15528-21DE-4FAA-801E-634DDDAF4B2B}" type="slidenum">
+              <a:rPr lang="en-US" smtClean="0"/>
+              <a:pPr/>
+              <a:t>7</a:t>
+            </a:fld>
+            <a:endParaRPr lang="en-US"/>
+          </a:p>
+        </p:txBody>
+      </p:sp>
     </p:spTree>
     <p:extLst>
       <p:ext uri="{BB962C8B-B14F-4D97-AF65-F5344CB8AC3E}">
@@ -18598,7 +22130,7 @@
 </p:sld>
 </file>
 
-<file path=ppt/slides/slide7.xml><?xml version="1.0" encoding="utf-8"?>
+<file path=ppt/slides/slide8.xml><?xml version="1.0" encoding="utf-8"?>
 <p:sld xmlns:a="http://schemas.openxmlformats.org/drawingml/2006/main" xmlns:r="http://schemas.openxmlformats.org/officeDocument/2006/relationships" xmlns:p="http://schemas.openxmlformats.org/presentationml/2006/main">
   <p:cSld>
     <p:bg>
@@ -19007,6 +22539,36 @@
           </a:effectLst>
         </p:spPr>
       </p:pic>
+      <p:sp>
+        <p:nvSpPr>
+          <p:cNvPr id="3" name="슬라이드 번호 개체 틀 2">
+            <a:extLst>
+              <a:ext uri="{FF2B5EF4-FFF2-40B4-BE49-F238E27FC236}">
+                <a16:creationId xmlns:a16="http://schemas.microsoft.com/office/drawing/2014/main" id="{C473755A-F796-E685-6935-B88DEAC44DDE}"/>
+              </a:ext>
+            </a:extLst>
+          </p:cNvPr>
+          <p:cNvSpPr>
+            <a:spLocks noGrp="1"/>
+          </p:cNvSpPr>
+          <p:nvPr>
+            <p:ph type="sldNum" sz="quarter" idx="12"/>
+          </p:nvPr>
+        </p:nvSpPr>
+        <p:spPr/>
+        <p:txBody>
+          <a:bodyPr/>
+          <a:lstStyle/>
+          <a:p>
+            <a:fld id="{B6F15528-21DE-4FAA-801E-634DDDAF4B2B}" type="slidenum">
+              <a:rPr lang="en-US" smtClean="0"/>
+              <a:pPr/>
+              <a:t>8</a:t>
+            </a:fld>
+            <a:endParaRPr lang="en-US"/>
+          </a:p>
+        </p:txBody>
+      </p:sp>
     </p:spTree>
     <p:extLst>
       <p:ext uri="{BB962C8B-B14F-4D97-AF65-F5344CB8AC3E}">
@@ -19020,7 +22582,7 @@
 </p:sld>
 </file>
 
-<file path=ppt/slides/slide8.xml><?xml version="1.0" encoding="utf-8"?>
+<file path=ppt/slides/slide9.xml><?xml version="1.0" encoding="utf-8"?>
 <p:sld xmlns:a="http://schemas.openxmlformats.org/drawingml/2006/main" xmlns:r="http://schemas.openxmlformats.org/officeDocument/2006/relationships" xmlns:p="http://schemas.openxmlformats.org/presentationml/2006/main">
   <p:cSld>
     <p:bg>
@@ -19222,7 +22784,7 @@
               <a:defRPr/>
             </a:pPr>
             <a:r>
-              <a:rPr kumimoji="0" lang="en-US" altLang="ko-KR" sz="2499" b="1" i="0" u="none" strike="noStrike" kern="1200" cap="none" spc="0" normalizeH="0" baseline="0" noProof="0" dirty="0">
+              <a:rPr kumimoji="0" lang="en-US" altLang="ko-KR" sz="2499" b="1" i="0" u="none" strike="noStrike" kern="1200" cap="none" spc="0" normalizeH="0" baseline="0" noProof="0">
                 <a:ln>
                   <a:noFill/>
                 </a:ln>
@@ -19240,7 +22802,7 @@
               <a:t>05 </a:t>
             </a:r>
             <a:r>
-              <a:rPr lang="ko-KR" altLang="en-US" sz="2499" b="1" dirty="0">
+              <a:rPr lang="ko-KR" altLang="en-US" sz="2499" b="1">
                 <a:solidFill>
                   <a:srgbClr val="090807"/>
                 </a:solidFill>
@@ -19249,22 +22811,10 @@
                 <a:cs typeface="Source Han Sans KR Bold"/>
                 <a:sym typeface="Source Han Sans KR Bold"/>
               </a:rPr>
-              <a:t>코드 개선 </a:t>
-            </a:r>
-            <a:r>
-              <a:rPr lang="en-US" altLang="ko-KR" sz="2499" b="1" dirty="0">
-                <a:solidFill>
-                  <a:srgbClr val="090807"/>
-                </a:solidFill>
-                <a:latin typeface="KoPub바탕체 Medium" panose="02020603020101020101" pitchFamily="18" charset="-127"/>
-                <a:ea typeface="KoPub바탕체 Medium" panose="02020603020101020101" pitchFamily="18" charset="-127"/>
-                <a:cs typeface="Source Han Sans KR Bold"/>
-                <a:sym typeface="Source Han Sans KR Bold"/>
-              </a:rPr>
-              <a:t>1 </a:t>
-            </a:r>
-            <a:r>
-              <a:rPr kumimoji="0" lang="en-US" altLang="ko-KR" sz="2499" b="1" i="0" u="none" strike="noStrike" kern="1200" cap="none" spc="0" normalizeH="0" baseline="0" noProof="0" dirty="0">
+              <a:t>초기 코드 </a:t>
+            </a:r>
+            <a:r>
+              <a:rPr kumimoji="0" lang="en-US" altLang="ko-KR" sz="2499" b="1" i="0" u="none" strike="noStrike" kern="1200" cap="none" spc="0" normalizeH="0" baseline="0" noProof="0">
                 <a:ln>
                   <a:noFill/>
                 </a:ln>
@@ -19923,8 +23473,8 @@
           </a:p>
         </p:txBody>
       </p:sp>
-      <mc:AlternateContent xmlns:mc="http://schemas.openxmlformats.org/markup-compatibility/2006" xmlns:a14="http://schemas.microsoft.com/office/drawing/2010/main">
-        <mc:Choice Requires="a14">
+      <mc:AlternateContent xmlns:mc="http://schemas.openxmlformats.org/markup-compatibility/2006">
+        <mc:Choice xmlns:a14="http://schemas.microsoft.com/office/drawing/2010/main" Requires="a14">
           <p:sp>
             <p:nvSpPr>
               <p:cNvPr id="15" name="TextBox 15">
@@ -19939,15 +23489,15 @@
             </p:nvSpPr>
             <p:spPr>
               <a:xfrm>
-                <a:off x="923832" y="7013444"/>
-                <a:ext cx="7035690" cy="384721"/>
+                <a:off x="1197676" y="7013444"/>
+                <a:ext cx="6761845" cy="384721"/>
               </a:xfrm>
               <a:prstGeom prst="rect">
                 <a:avLst/>
               </a:prstGeom>
             </p:spPr>
             <p:txBody>
-              <a:bodyPr lIns="0" tIns="0" rIns="0" bIns="0" rtlCol="0" anchor="t">
+              <a:bodyPr wrap="square" lIns="0" tIns="0" rIns="0" bIns="0" rtlCol="0" anchor="t">
                 <a:spAutoFit/>
               </a:bodyPr>
               <a:lstStyle/>
@@ -19972,7 +23522,7 @@
                 <a14:m>
                   <m:oMathPara xmlns:m="http://schemas.openxmlformats.org/officeDocument/2006/math">
                     <m:oMathParaPr>
-                      <m:jc m:val="centerGroup"/>
+                      <m:jc m:val="left"/>
                     </m:oMathParaPr>
                     <m:oMath xmlns:m="http://schemas.openxmlformats.org/officeDocument/2006/math">
                       <m:r>
@@ -20129,7 +23679,7 @@
             </p:txBody>
           </p:sp>
         </mc:Choice>
-        <mc:Fallback xmlns="">
+        <mc:Fallback>
           <p:sp>
             <p:nvSpPr>
               <p:cNvPr id="15" name="TextBox 15">
@@ -20146,8 +23696,8 @@
             </p:nvSpPr>
             <p:spPr>
               <a:xfrm>
-                <a:off x="923832" y="7013444"/>
-                <a:ext cx="7035690" cy="384721"/>
+                <a:off x="1197676" y="7013444"/>
+                <a:ext cx="6761845" cy="384721"/>
               </a:xfrm>
               <a:prstGeom prst="rect">
                 <a:avLst/>
@@ -20384,373 +23934,40 @@
           </a:effectLst>
         </p:spPr>
       </p:pic>
+      <p:sp>
+        <p:nvSpPr>
+          <p:cNvPr id="3" name="슬라이드 번호 개체 틀 2">
+            <a:extLst>
+              <a:ext uri="{FF2B5EF4-FFF2-40B4-BE49-F238E27FC236}">
+                <a16:creationId xmlns:a16="http://schemas.microsoft.com/office/drawing/2014/main" id="{13C4607E-B554-C7AD-2336-F73A5C6EC74C}"/>
+              </a:ext>
+            </a:extLst>
+          </p:cNvPr>
+          <p:cNvSpPr>
+            <a:spLocks noGrp="1"/>
+          </p:cNvSpPr>
+          <p:nvPr>
+            <p:ph type="sldNum" sz="quarter" idx="12"/>
+          </p:nvPr>
+        </p:nvSpPr>
+        <p:spPr/>
+        <p:txBody>
+          <a:bodyPr/>
+          <a:lstStyle/>
+          <a:p>
+            <a:fld id="{B6F15528-21DE-4FAA-801E-634DDDAF4B2B}" type="slidenum">
+              <a:rPr lang="en-US" smtClean="0"/>
+              <a:pPr/>
+              <a:t>9</a:t>
+            </a:fld>
+            <a:endParaRPr lang="en-US"/>
+          </a:p>
+        </p:txBody>
+      </p:sp>
     </p:spTree>
     <p:extLst>
       <p:ext uri="{BB962C8B-B14F-4D97-AF65-F5344CB8AC3E}">
         <p14:creationId xmlns:p14="http://schemas.microsoft.com/office/powerpoint/2010/main" val="2491943450"/>
-      </p:ext>
-    </p:extLst>
-  </p:cSld>
-  <p:clrMapOvr>
-    <a:masterClrMapping/>
-  </p:clrMapOvr>
-</p:sld>
-</file>
-
-<file path=ppt/slides/slide9.xml><?xml version="1.0" encoding="utf-8"?>
-<p:sld xmlns:a="http://schemas.openxmlformats.org/drawingml/2006/main" xmlns:r="http://schemas.openxmlformats.org/officeDocument/2006/relationships" xmlns:p="http://schemas.openxmlformats.org/presentationml/2006/main">
-  <p:cSld>
-    <p:bg>
-      <p:bgPr>
-        <a:solidFill>
-          <a:srgbClr val="FEFBEE"/>
-        </a:solidFill>
-        <a:effectLst/>
-      </p:bgPr>
-    </p:bg>
-    <p:spTree>
-      <p:nvGrpSpPr>
-        <p:cNvPr id="1" name="">
-          <a:extLst>
-            <a:ext uri="{FF2B5EF4-FFF2-40B4-BE49-F238E27FC236}">
-              <a16:creationId xmlns:a16="http://schemas.microsoft.com/office/drawing/2014/main" id="{FB501CBE-3CFA-C324-EE5C-73432297FE34}"/>
-            </a:ext>
-          </a:extLst>
-        </p:cNvPr>
-        <p:cNvGrpSpPr/>
-        <p:nvPr/>
-      </p:nvGrpSpPr>
-      <p:grpSpPr>
-        <a:xfrm>
-          <a:off x="0" y="0"/>
-          <a:ext cx="0" cy="0"/>
-          <a:chOff x="0" y="0"/>
-          <a:chExt cx="0" cy="0"/>
-        </a:xfrm>
-      </p:grpSpPr>
-      <p:sp>
-        <p:nvSpPr>
-          <p:cNvPr id="2" name="AutoShape 2">
-            <a:extLst>
-              <a:ext uri="{FF2B5EF4-FFF2-40B4-BE49-F238E27FC236}">
-                <a16:creationId xmlns:a16="http://schemas.microsoft.com/office/drawing/2014/main" id="{C04F405E-582C-0779-66CB-3315993F4F2D}"/>
-              </a:ext>
-            </a:extLst>
-          </p:cNvPr>
-          <p:cNvSpPr/>
-          <p:nvPr/>
-        </p:nvSpPr>
-        <p:spPr>
-          <a:xfrm>
-            <a:off x="860320" y="1347066"/>
-            <a:ext cx="1233818" cy="0"/>
-          </a:xfrm>
-          <a:prstGeom prst="line">
-            <a:avLst/>
-          </a:prstGeom>
-          <a:ln w="38100" cap="flat">
-            <a:solidFill>
-              <a:srgbClr val="090807"/>
-            </a:solidFill>
-            <a:prstDash val="solid"/>
-            <a:headEnd type="none" w="sm" len="sm"/>
-            <a:tailEnd type="none" w="sm" len="sm"/>
-          </a:ln>
-        </p:spPr>
-        <p:txBody>
-          <a:bodyPr/>
-          <a:lstStyle/>
-          <a:p>
-            <a:pPr marL="0" marR="0" lvl="0" indent="0" algn="l" defTabSz="914400" rtl="0" eaLnBrk="1" fontAlgn="auto" latinLnBrk="0" hangingPunct="1">
-              <a:lnSpc>
-                <a:spcPct val="100000"/>
-              </a:lnSpc>
-              <a:spcBef>
-                <a:spcPts val="0"/>
-              </a:spcBef>
-              <a:spcAft>
-                <a:spcPts val="0"/>
-              </a:spcAft>
-              <a:buClrTx/>
-              <a:buSzTx/>
-              <a:buFontTx/>
-              <a:buNone/>
-              <a:tabLst/>
-              <a:defRPr/>
-            </a:pPr>
-            <a:endParaRPr kumimoji="0" lang="ko-KR" altLang="en-US" sz="1800" b="0" i="0" u="none" strike="noStrike" kern="1200" cap="none" spc="0" normalizeH="0" baseline="0" noProof="0">
-              <a:ln>
-                <a:noFill/>
-              </a:ln>
-              <a:solidFill>
-                <a:prstClr val="black"/>
-              </a:solidFill>
-              <a:effectLst/>
-              <a:uLnTx/>
-              <a:uFillTx/>
-              <a:latin typeface="KoPub바탕체 Medium" panose="02020603020101020101" pitchFamily="18" charset="-127"/>
-              <a:ea typeface="KoPub바탕체 Medium" panose="02020603020101020101" pitchFamily="18" charset="-127"/>
-              <a:cs typeface="+mn-cs"/>
-            </a:endParaRPr>
-          </a:p>
-        </p:txBody>
-      </p:sp>
-      <p:sp>
-        <p:nvSpPr>
-          <p:cNvPr id="5" name="TextBox 5">
-            <a:extLst>
-              <a:ext uri="{FF2B5EF4-FFF2-40B4-BE49-F238E27FC236}">
-                <a16:creationId xmlns:a16="http://schemas.microsoft.com/office/drawing/2014/main" id="{D4569BE5-7BC2-D3A5-7B48-AE4665B50561}"/>
-              </a:ext>
-            </a:extLst>
-          </p:cNvPr>
-          <p:cNvSpPr txBox="1"/>
-          <p:nvPr/>
-        </p:nvSpPr>
-        <p:spPr>
-          <a:xfrm>
-            <a:off x="9838000" y="2123700"/>
-            <a:ext cx="6630892" cy="6703614"/>
-          </a:xfrm>
-          <a:prstGeom prst="rect">
-            <a:avLst/>
-          </a:prstGeom>
-        </p:spPr>
-        <p:txBody>
-          <a:bodyPr lIns="50800" tIns="50800" rIns="50800" bIns="50800" rtlCol="0" anchor="ctr"/>
-          <a:lstStyle/>
-          <a:p>
-            <a:pPr marL="0" marR="0" lvl="0" indent="0" algn="ctr" defTabSz="914400" rtl="0" eaLnBrk="1" fontAlgn="auto" latinLnBrk="0" hangingPunct="1">
-              <a:lnSpc>
-                <a:spcPts val="3079"/>
-              </a:lnSpc>
-              <a:spcBef>
-                <a:spcPts val="0"/>
-              </a:spcBef>
-              <a:spcAft>
-                <a:spcPts val="0"/>
-              </a:spcAft>
-              <a:buClrTx/>
-              <a:buSzTx/>
-              <a:buFontTx/>
-              <a:buNone/>
-              <a:tabLst/>
-              <a:defRPr/>
-            </a:pPr>
-            <a:endParaRPr kumimoji="0" sz="1800" b="0" i="0" u="none" strike="noStrike" kern="1200" cap="none" spc="0" normalizeH="0" baseline="0" noProof="0">
-              <a:ln>
-                <a:noFill/>
-              </a:ln>
-              <a:solidFill>
-                <a:prstClr val="black"/>
-              </a:solidFill>
-              <a:effectLst/>
-              <a:uLnTx/>
-              <a:uFillTx/>
-              <a:latin typeface="KoPub바탕체 Medium" panose="02020603020101020101" pitchFamily="18" charset="-127"/>
-              <a:ea typeface="KoPub바탕체 Medium" panose="02020603020101020101" pitchFamily="18" charset="-127"/>
-              <a:cs typeface="+mn-cs"/>
-            </a:endParaRPr>
-          </a:p>
-        </p:txBody>
-      </p:sp>
-      <p:sp>
-        <p:nvSpPr>
-          <p:cNvPr id="7" name="TextBox 7">
-            <a:extLst>
-              <a:ext uri="{FF2B5EF4-FFF2-40B4-BE49-F238E27FC236}">
-                <a16:creationId xmlns:a16="http://schemas.microsoft.com/office/drawing/2014/main" id="{96E31FF0-B016-0F06-10F2-2809E46C461C}"/>
-              </a:ext>
-            </a:extLst>
-          </p:cNvPr>
-          <p:cNvSpPr txBox="1"/>
-          <p:nvPr/>
-        </p:nvSpPr>
-        <p:spPr>
-          <a:xfrm>
-            <a:off x="923832" y="765070"/>
-            <a:ext cx="3876768" cy="422275"/>
-          </a:xfrm>
-          <a:prstGeom prst="rect">
-            <a:avLst/>
-          </a:prstGeom>
-        </p:spPr>
-        <p:txBody>
-          <a:bodyPr wrap="square" lIns="0" tIns="0" rIns="0" bIns="0" rtlCol="0" anchor="t">
-            <a:spAutoFit/>
-          </a:bodyPr>
-          <a:lstStyle/>
-          <a:p>
-            <a:pPr marL="0" marR="0" lvl="0" indent="0" algn="l" defTabSz="914400" rtl="0" eaLnBrk="1" fontAlgn="auto" latinLnBrk="0" hangingPunct="1">
-              <a:lnSpc>
-                <a:spcPts val="3499"/>
-              </a:lnSpc>
-              <a:spcBef>
-                <a:spcPct val="0"/>
-              </a:spcBef>
-              <a:spcAft>
-                <a:spcPts val="0"/>
-              </a:spcAft>
-              <a:buClrTx/>
-              <a:buSzTx/>
-              <a:buFontTx/>
-              <a:buNone/>
-              <a:tabLst/>
-              <a:defRPr/>
-            </a:pPr>
-            <a:r>
-              <a:rPr kumimoji="0" lang="en-US" altLang="ko-KR" sz="2499" b="1" i="0" u="none" strike="noStrike" kern="1200" cap="none" spc="0" normalizeH="0" baseline="0" noProof="0" dirty="0">
-                <a:ln>
-                  <a:noFill/>
-                </a:ln>
-                <a:solidFill>
-                  <a:srgbClr val="090807"/>
-                </a:solidFill>
-                <a:effectLst/>
-                <a:uLnTx/>
-                <a:uFillTx/>
-                <a:latin typeface="KoPub바탕체 Medium" panose="02020603020101020101" pitchFamily="18" charset="-127"/>
-                <a:ea typeface="KoPub바탕체 Medium" panose="02020603020101020101" pitchFamily="18" charset="-127"/>
-                <a:cs typeface="Source Han Sans KR Bold"/>
-                <a:sym typeface="Source Han Sans KR Bold"/>
-              </a:rPr>
-              <a:t>05 </a:t>
-            </a:r>
-            <a:r>
-              <a:rPr lang="ko-KR" altLang="en-US" sz="2499" b="1" dirty="0">
-                <a:solidFill>
-                  <a:srgbClr val="090807"/>
-                </a:solidFill>
-                <a:latin typeface="KoPub바탕체 Medium" panose="02020603020101020101" pitchFamily="18" charset="-127"/>
-                <a:ea typeface="KoPub바탕체 Medium" panose="02020603020101020101" pitchFamily="18" charset="-127"/>
-                <a:cs typeface="Source Han Sans KR Bold"/>
-                <a:sym typeface="Source Han Sans KR Bold"/>
-              </a:rPr>
-              <a:t>코드 개선 </a:t>
-            </a:r>
-            <a:r>
-              <a:rPr lang="en-US" altLang="ko-KR" sz="2499" b="1" dirty="0">
-                <a:solidFill>
-                  <a:srgbClr val="090807"/>
-                </a:solidFill>
-                <a:latin typeface="KoPub바탕체 Medium" panose="02020603020101020101" pitchFamily="18" charset="-127"/>
-                <a:ea typeface="KoPub바탕체 Medium" panose="02020603020101020101" pitchFamily="18" charset="-127"/>
-                <a:cs typeface="Source Han Sans KR Bold"/>
-                <a:sym typeface="Source Han Sans KR Bold"/>
-              </a:rPr>
-              <a:t>1 </a:t>
-            </a:r>
-            <a:r>
-              <a:rPr kumimoji="0" lang="en-US" altLang="ko-KR" sz="2499" b="1" i="0" u="none" strike="noStrike" kern="1200" cap="none" spc="0" normalizeH="0" baseline="0" noProof="0" dirty="0">
-                <a:ln>
-                  <a:noFill/>
-                </a:ln>
-                <a:solidFill>
-                  <a:srgbClr val="090807"/>
-                </a:solidFill>
-                <a:effectLst/>
-                <a:uLnTx/>
-                <a:uFillTx/>
-                <a:latin typeface="KoPub바탕체 Medium" panose="02020603020101020101" pitchFamily="18" charset="-127"/>
-                <a:ea typeface="KoPub바탕체 Medium" panose="02020603020101020101" pitchFamily="18" charset="-127"/>
-                <a:cs typeface="Source Han Sans KR Bold"/>
-                <a:sym typeface="Source Han Sans KR Bold"/>
-              </a:rPr>
-              <a:t>(</a:t>
-            </a:r>
-            <a:r>
-              <a:rPr kumimoji="0" lang="ko-KR" altLang="en-US" sz="2499" b="1" i="0" u="none" strike="noStrike" kern="1200" cap="none" spc="0" normalizeH="0" baseline="0" noProof="0" dirty="0">
-                <a:ln>
-                  <a:noFill/>
-                </a:ln>
-                <a:solidFill>
-                  <a:srgbClr val="090807"/>
-                </a:solidFill>
-                <a:effectLst/>
-                <a:uLnTx/>
-                <a:uFillTx/>
-                <a:latin typeface="KoPub바탕체 Medium" panose="02020603020101020101" pitchFamily="18" charset="-127"/>
-                <a:ea typeface="KoPub바탕체 Medium" panose="02020603020101020101" pitchFamily="18" charset="-127"/>
-                <a:cs typeface="Source Han Sans KR Bold"/>
-                <a:sym typeface="Source Han Sans KR Bold"/>
-              </a:rPr>
-              <a:t>코드</a:t>
-            </a:r>
-            <a:r>
-              <a:rPr kumimoji="0" lang="en-US" altLang="ko-KR" sz="2499" b="1" i="0" u="none" strike="noStrike" kern="1200" cap="none" spc="0" normalizeH="0" baseline="0" noProof="0" dirty="0">
-                <a:ln>
-                  <a:noFill/>
-                </a:ln>
-                <a:solidFill>
-                  <a:srgbClr val="090807"/>
-                </a:solidFill>
-                <a:effectLst/>
-                <a:uLnTx/>
-                <a:uFillTx/>
-                <a:latin typeface="KoPub바탕체 Medium" panose="02020603020101020101" pitchFamily="18" charset="-127"/>
-                <a:ea typeface="KoPub바탕체 Medium" panose="02020603020101020101" pitchFamily="18" charset="-127"/>
-                <a:cs typeface="Source Han Sans KR Bold"/>
-                <a:sym typeface="Source Han Sans KR Bold"/>
-              </a:rPr>
-              <a:t>)</a:t>
-            </a:r>
-          </a:p>
-        </p:txBody>
-      </p:sp>
-      <p:pic>
-        <p:nvPicPr>
-          <p:cNvPr id="21" name="그림 20" descr="텍스트, 스크린샷, 소프트웨어, 디스플레이이(가) 표시된 사진&#10;&#10;자동 생성된 설명">
-            <a:extLst>
-              <a:ext uri="{FF2B5EF4-FFF2-40B4-BE49-F238E27FC236}">
-                <a16:creationId xmlns:a16="http://schemas.microsoft.com/office/drawing/2014/main" id="{A8650C3B-0B8B-58D2-8FFF-2AB5A387BA7F}"/>
-              </a:ext>
-            </a:extLst>
-          </p:cNvPr>
-          <p:cNvPicPr>
-            <a:picLocks noChangeAspect="1"/>
-          </p:cNvPicPr>
-          <p:nvPr/>
-        </p:nvPicPr>
-        <p:blipFill>
-          <a:blip r:embed="rId2">
-            <a:extLst>
-              <a:ext uri="{28A0092B-C50C-407E-A947-70E740481C1C}">
-                <a14:useLocalDpi xmlns:a14="http://schemas.microsoft.com/office/drawing/2010/main" val="0"/>
-              </a:ext>
-            </a:extLst>
-          </a:blip>
-          <a:stretch>
-            <a:fillRect/>
-          </a:stretch>
-        </p:blipFill>
-        <p:spPr>
-          <a:xfrm>
-            <a:off x="5183676" y="1347067"/>
-            <a:ext cx="13104324" cy="8939934"/>
-          </a:xfrm>
-          <a:prstGeom prst="rect">
-            <a:avLst/>
-          </a:prstGeom>
-          <a:ln w="38100" cap="sq">
-            <a:solidFill>
-              <a:srgbClr val="000000"/>
-            </a:solidFill>
-            <a:prstDash val="solid"/>
-            <a:miter lim="800000"/>
-          </a:ln>
-          <a:effectLst>
-            <a:outerShdw blurRad="50800" dist="38100" dir="2700000" algn="tl" rotWithShape="0">
-              <a:srgbClr val="000000">
-                <a:alpha val="43000"/>
-              </a:srgbClr>
-            </a:outerShdw>
-          </a:effectLst>
-        </p:spPr>
-      </p:pic>
-    </p:spTree>
-    <p:extLst>
-      <p:ext uri="{BB962C8B-B14F-4D97-AF65-F5344CB8AC3E}">
-        <p14:creationId xmlns:p14="http://schemas.microsoft.com/office/powerpoint/2010/main" val="3903987883"/>
       </p:ext>
     </p:extLst>
   </p:cSld>
@@ -20771,34 +23988,34 @@
         <a:sysClr val="window" lastClr="FFFFFF"/>
       </a:lt1>
       <a:dk2>
-        <a:srgbClr val="1F497D"/>
+        <a:srgbClr val="0E2841"/>
       </a:dk2>
       <a:lt2>
-        <a:srgbClr val="EEECE1"/>
+        <a:srgbClr val="E8E8E8"/>
       </a:lt2>
       <a:accent1>
-        <a:srgbClr val="4F81BD"/>
+        <a:srgbClr val="156082"/>
       </a:accent1>
       <a:accent2>
-        <a:srgbClr val="C0504D"/>
+        <a:srgbClr val="E97132"/>
       </a:accent2>
       <a:accent3>
-        <a:srgbClr val="9BBB59"/>
+        <a:srgbClr val="196B24"/>
       </a:accent3>
       <a:accent4>
-        <a:srgbClr val="8064A2"/>
+        <a:srgbClr val="0F9ED5"/>
       </a:accent4>
       <a:accent5>
-        <a:srgbClr val="4BACC6"/>
+        <a:srgbClr val="A02B93"/>
       </a:accent5>
       <a:accent6>
-        <a:srgbClr val="F79646"/>
+        <a:srgbClr val="4EA72E"/>
       </a:accent6>
       <a:hlink>
-        <a:srgbClr val="0000FF"/>
+        <a:srgbClr val="467886"/>
       </a:hlink>
       <a:folHlink>
-        <a:srgbClr val="800080"/>
+        <a:srgbClr val="96607D"/>
       </a:folHlink>
     </a:clrScheme>
     <a:fontScheme name="Office">
@@ -21041,4 +24258,634 @@
   <a:objectDefaults/>
   <a:extraClrSchemeLst/>
 </a:theme>
+</file>
+
+<file path=ppt/theme/theme2.xml><?xml version="1.0" encoding="utf-8"?>
+<a:theme xmlns:a="http://schemas.openxmlformats.org/drawingml/2006/main" name="Office 테마">
+  <a:themeElements>
+    <a:clrScheme name="Office">
+      <a:dk1>
+        <a:sysClr val="windowText" lastClr="000000"/>
+      </a:dk1>
+      <a:lt1>
+        <a:sysClr val="window" lastClr="FFFFFF"/>
+      </a:lt1>
+      <a:dk2>
+        <a:srgbClr val="0E2841"/>
+      </a:dk2>
+      <a:lt2>
+        <a:srgbClr val="E8E8E8"/>
+      </a:lt2>
+      <a:accent1>
+        <a:srgbClr val="156082"/>
+      </a:accent1>
+      <a:accent2>
+        <a:srgbClr val="E97132"/>
+      </a:accent2>
+      <a:accent3>
+        <a:srgbClr val="196B24"/>
+      </a:accent3>
+      <a:accent4>
+        <a:srgbClr val="0F9ED5"/>
+      </a:accent4>
+      <a:accent5>
+        <a:srgbClr val="A02B93"/>
+      </a:accent5>
+      <a:accent6>
+        <a:srgbClr val="4EA72E"/>
+      </a:accent6>
+      <a:hlink>
+        <a:srgbClr val="467886"/>
+      </a:hlink>
+      <a:folHlink>
+        <a:srgbClr val="96607D"/>
+      </a:folHlink>
+    </a:clrScheme>
+    <a:fontScheme name="Office">
+      <a:majorFont>
+        <a:latin typeface="맑은 고딕" panose="02110004020202020204"/>
+        <a:ea typeface=""/>
+        <a:cs typeface=""/>
+        <a:font script="Jpan" typeface="游ゴシック Light"/>
+        <a:font script="Hang" typeface="맑은 고딕"/>
+        <a:font script="Hans" typeface="等线 Light"/>
+        <a:font script="Hant" typeface="新細明體"/>
+        <a:font script="Arab" typeface="Times New Roman"/>
+        <a:font script="Hebr" typeface="Times New Roman"/>
+        <a:font script="Thai" typeface="Angsana New"/>
+        <a:font script="Ethi" typeface="Nyala"/>
+        <a:font script="Beng" typeface="Vrinda"/>
+        <a:font script="Gujr" typeface="Shruti"/>
+        <a:font script="Khmr" typeface="MoolBoran"/>
+        <a:font script="Knda" typeface="Tunga"/>
+        <a:font script="Guru" typeface="Raavi"/>
+        <a:font script="Cans" typeface="Euphemia"/>
+        <a:font script="Cher" typeface="Plantagenet Cherokee"/>
+        <a:font script="Yiii" typeface="Microsoft Yi Baiti"/>
+        <a:font script="Tibt" typeface="Microsoft Himalaya"/>
+        <a:font script="Thaa" typeface="MV Boli"/>
+        <a:font script="Deva" typeface="Mangal"/>
+        <a:font script="Telu" typeface="Gautami"/>
+        <a:font script="Taml" typeface="Latha"/>
+        <a:font script="Syrc" typeface="Estrangelo Edessa"/>
+        <a:font script="Orya" typeface="Kalinga"/>
+        <a:font script="Mlym" typeface="Kartika"/>
+        <a:font script="Laoo" typeface="DokChampa"/>
+        <a:font script="Sinh" typeface="Iskoola Pota"/>
+        <a:font script="Mong" typeface="Mongolian Baiti"/>
+        <a:font script="Viet" typeface="Times New Roman"/>
+        <a:font script="Uigh" typeface="Microsoft Uighur"/>
+        <a:font script="Geor" typeface="Sylfaen"/>
+        <a:font script="Armn" typeface="Arial"/>
+        <a:font script="Bugi" typeface="Leelawadee UI"/>
+        <a:font script="Bopo" typeface="Microsoft JhengHei"/>
+        <a:font script="Java" typeface="Javanese Text"/>
+        <a:font script="Lisu" typeface="Segoe UI"/>
+        <a:font script="Mymr" typeface="Myanmar Text"/>
+        <a:font script="Nkoo" typeface="Ebrima"/>
+        <a:font script="Olck" typeface="Nirmala UI"/>
+        <a:font script="Osma" typeface="Ebrima"/>
+        <a:font script="Phag" typeface="Phagspa"/>
+        <a:font script="Syrn" typeface="Estrangelo Edessa"/>
+        <a:font script="Syrj" typeface="Estrangelo Edessa"/>
+        <a:font script="Syre" typeface="Estrangelo Edessa"/>
+        <a:font script="Sora" typeface="Nirmala UI"/>
+        <a:font script="Tale" typeface="Microsoft Tai Le"/>
+        <a:font script="Talu" typeface="Microsoft New Tai Lue"/>
+        <a:font script="Tfng" typeface="Ebrima"/>
+      </a:majorFont>
+      <a:minorFont>
+        <a:latin typeface="맑은 고딕" panose="02110004020202020204"/>
+        <a:ea typeface=""/>
+        <a:cs typeface=""/>
+        <a:font script="Jpan" typeface="游ゴシック"/>
+        <a:font script="Hang" typeface="맑은 고딕"/>
+        <a:font script="Hans" typeface="等线"/>
+        <a:font script="Hant" typeface="新細明體"/>
+        <a:font script="Arab" typeface="Arial"/>
+        <a:font script="Hebr" typeface="Arial"/>
+        <a:font script="Thai" typeface="Cordia New"/>
+        <a:font script="Ethi" typeface="Nyala"/>
+        <a:font script="Beng" typeface="Vrinda"/>
+        <a:font script="Gujr" typeface="Shruti"/>
+        <a:font script="Khmr" typeface="DaunPenh"/>
+        <a:font script="Knda" typeface="Tunga"/>
+        <a:font script="Guru" typeface="Raavi"/>
+        <a:font script="Cans" typeface="Euphemia"/>
+        <a:font script="Cher" typeface="Plantagenet Cherokee"/>
+        <a:font script="Yiii" typeface="Microsoft Yi Baiti"/>
+        <a:font script="Tibt" typeface="Microsoft Himalaya"/>
+        <a:font script="Thaa" typeface="MV Boli"/>
+        <a:font script="Deva" typeface="Mangal"/>
+        <a:font script="Telu" typeface="Gautami"/>
+        <a:font script="Taml" typeface="Latha"/>
+        <a:font script="Syrc" typeface="Estrangelo Edessa"/>
+        <a:font script="Orya" typeface="Kalinga"/>
+        <a:font script="Mlym" typeface="Kartika"/>
+        <a:font script="Laoo" typeface="DokChampa"/>
+        <a:font script="Sinh" typeface="Iskoola Pota"/>
+        <a:font script="Mong" typeface="Mongolian Baiti"/>
+        <a:font script="Viet" typeface="Arial"/>
+        <a:font script="Uigh" typeface="Microsoft Uighur"/>
+        <a:font script="Geor" typeface="Sylfaen"/>
+        <a:font script="Armn" typeface="Arial"/>
+        <a:font script="Bugi" typeface="Leelawadee UI"/>
+        <a:font script="Bopo" typeface="Microsoft JhengHei"/>
+        <a:font script="Java" typeface="Javanese Text"/>
+        <a:font script="Lisu" typeface="Segoe UI"/>
+        <a:font script="Mymr" typeface="Myanmar Text"/>
+        <a:font script="Nkoo" typeface="Ebrima"/>
+        <a:font script="Olck" typeface="Nirmala UI"/>
+        <a:font script="Osma" typeface="Ebrima"/>
+        <a:font script="Phag" typeface="Phagspa"/>
+        <a:font script="Syrn" typeface="Estrangelo Edessa"/>
+        <a:font script="Syrj" typeface="Estrangelo Edessa"/>
+        <a:font script="Syre" typeface="Estrangelo Edessa"/>
+        <a:font script="Sora" typeface="Nirmala UI"/>
+        <a:font script="Tale" typeface="Microsoft Tai Le"/>
+        <a:font script="Talu" typeface="Microsoft New Tai Lue"/>
+        <a:font script="Tfng" typeface="Ebrima"/>
+      </a:minorFont>
+    </a:fontScheme>
+    <a:fmtScheme name="Office">
+      <a:fillStyleLst>
+        <a:solidFill>
+          <a:schemeClr val="phClr"/>
+        </a:solidFill>
+        <a:gradFill rotWithShape="1">
+          <a:gsLst>
+            <a:gs pos="0">
+              <a:schemeClr val="phClr">
+                <a:lumMod val="110000"/>
+                <a:satMod val="105000"/>
+                <a:tint val="67000"/>
+              </a:schemeClr>
+            </a:gs>
+            <a:gs pos="50000">
+              <a:schemeClr val="phClr">
+                <a:lumMod val="105000"/>
+                <a:satMod val="103000"/>
+                <a:tint val="73000"/>
+              </a:schemeClr>
+            </a:gs>
+            <a:gs pos="100000">
+              <a:schemeClr val="phClr">
+                <a:lumMod val="105000"/>
+                <a:satMod val="109000"/>
+                <a:tint val="81000"/>
+              </a:schemeClr>
+            </a:gs>
+          </a:gsLst>
+          <a:lin ang="5400000" scaled="0"/>
+        </a:gradFill>
+        <a:gradFill rotWithShape="1">
+          <a:gsLst>
+            <a:gs pos="0">
+              <a:schemeClr val="phClr">
+                <a:satMod val="103000"/>
+                <a:lumMod val="102000"/>
+                <a:tint val="94000"/>
+              </a:schemeClr>
+            </a:gs>
+            <a:gs pos="50000">
+              <a:schemeClr val="phClr">
+                <a:satMod val="110000"/>
+                <a:lumMod val="100000"/>
+                <a:shade val="100000"/>
+              </a:schemeClr>
+            </a:gs>
+            <a:gs pos="100000">
+              <a:schemeClr val="phClr">
+                <a:lumMod val="99000"/>
+                <a:satMod val="120000"/>
+                <a:shade val="78000"/>
+              </a:schemeClr>
+            </a:gs>
+          </a:gsLst>
+          <a:lin ang="5400000" scaled="0"/>
+        </a:gradFill>
+      </a:fillStyleLst>
+      <a:lnStyleLst>
+        <a:ln w="12700" cap="flat" cmpd="sng" algn="ctr">
+          <a:solidFill>
+            <a:schemeClr val="phClr"/>
+          </a:solidFill>
+          <a:prstDash val="solid"/>
+          <a:miter lim="800000"/>
+        </a:ln>
+        <a:ln w="19050" cap="flat" cmpd="sng" algn="ctr">
+          <a:solidFill>
+            <a:schemeClr val="phClr"/>
+          </a:solidFill>
+          <a:prstDash val="solid"/>
+          <a:miter lim="800000"/>
+        </a:ln>
+        <a:ln w="25400" cap="flat" cmpd="sng" algn="ctr">
+          <a:solidFill>
+            <a:schemeClr val="phClr"/>
+          </a:solidFill>
+          <a:prstDash val="solid"/>
+          <a:miter lim="800000"/>
+        </a:ln>
+      </a:lnStyleLst>
+      <a:effectStyleLst>
+        <a:effectStyle>
+          <a:effectLst/>
+        </a:effectStyle>
+        <a:effectStyle>
+          <a:effectLst/>
+        </a:effectStyle>
+        <a:effectStyle>
+          <a:effectLst>
+            <a:outerShdw blurRad="57150" dist="19050" dir="5400000" algn="ctr" rotWithShape="0">
+              <a:srgbClr val="000000">
+                <a:alpha val="63000"/>
+              </a:srgbClr>
+            </a:outerShdw>
+          </a:effectLst>
+        </a:effectStyle>
+      </a:effectStyleLst>
+      <a:bgFillStyleLst>
+        <a:solidFill>
+          <a:schemeClr val="phClr"/>
+        </a:solidFill>
+        <a:solidFill>
+          <a:schemeClr val="phClr">
+            <a:tint val="95000"/>
+            <a:satMod val="170000"/>
+          </a:schemeClr>
+        </a:solidFill>
+        <a:gradFill rotWithShape="1">
+          <a:gsLst>
+            <a:gs pos="0">
+              <a:schemeClr val="phClr">
+                <a:tint val="93000"/>
+                <a:satMod val="150000"/>
+                <a:shade val="98000"/>
+                <a:lumMod val="102000"/>
+              </a:schemeClr>
+            </a:gs>
+            <a:gs pos="50000">
+              <a:schemeClr val="phClr">
+                <a:tint val="98000"/>
+                <a:satMod val="130000"/>
+                <a:shade val="90000"/>
+                <a:lumMod val="103000"/>
+              </a:schemeClr>
+            </a:gs>
+            <a:gs pos="100000">
+              <a:schemeClr val="phClr">
+                <a:shade val="63000"/>
+                <a:satMod val="120000"/>
+              </a:schemeClr>
+            </a:gs>
+          </a:gsLst>
+          <a:lin ang="5400000" scaled="0"/>
+        </a:gradFill>
+      </a:bgFillStyleLst>
+    </a:fmtScheme>
+  </a:themeElements>
+  <a:objectDefaults>
+    <a:lnDef>
+      <a:spPr/>
+      <a:bodyPr/>
+      <a:lstStyle/>
+      <a:style>
+        <a:lnRef idx="2">
+          <a:schemeClr val="accent1"/>
+        </a:lnRef>
+        <a:fillRef idx="0">
+          <a:schemeClr val="accent1"/>
+        </a:fillRef>
+        <a:effectRef idx="1">
+          <a:schemeClr val="accent1"/>
+        </a:effectRef>
+        <a:fontRef idx="minor">
+          <a:schemeClr val="tx1"/>
+        </a:fontRef>
+      </a:style>
+    </a:lnDef>
+  </a:objectDefaults>
+  <a:extraClrSchemeLst/>
+  <a:extLst>
+    <a:ext uri="{05A4C25C-085E-4340-85A3-A5531E510DB2}">
+      <thm15:themeFamily xmlns:thm15="http://schemas.microsoft.com/office/thememl/2012/main" name="Office Theme" id="{2E142A2C-CD16-42D6-873A-C26D2A0506FA}" vid="{1BDDFF52-6CD6-40A5-AB3C-68EB2F1E4D0A}"/>
+    </a:ext>
+  </a:extLst>
+</a:theme>
+</file>
+
+<file path=ppt/theme/theme3.xml><?xml version="1.0" encoding="utf-8"?>
+<a:theme xmlns:a="http://schemas.openxmlformats.org/drawingml/2006/main" name="Office 테마">
+  <a:themeElements>
+    <a:clrScheme name="Office">
+      <a:dk1>
+        <a:sysClr val="windowText" lastClr="000000"/>
+      </a:dk1>
+      <a:lt1>
+        <a:sysClr val="window" lastClr="FFFFFF"/>
+      </a:lt1>
+      <a:dk2>
+        <a:srgbClr val="0E2841"/>
+      </a:dk2>
+      <a:lt2>
+        <a:srgbClr val="E8E8E8"/>
+      </a:lt2>
+      <a:accent1>
+        <a:srgbClr val="156082"/>
+      </a:accent1>
+      <a:accent2>
+        <a:srgbClr val="E97132"/>
+      </a:accent2>
+      <a:accent3>
+        <a:srgbClr val="196B24"/>
+      </a:accent3>
+      <a:accent4>
+        <a:srgbClr val="0F9ED5"/>
+      </a:accent4>
+      <a:accent5>
+        <a:srgbClr val="A02B93"/>
+      </a:accent5>
+      <a:accent6>
+        <a:srgbClr val="4EA72E"/>
+      </a:accent6>
+      <a:hlink>
+        <a:srgbClr val="467886"/>
+      </a:hlink>
+      <a:folHlink>
+        <a:srgbClr val="96607D"/>
+      </a:folHlink>
+    </a:clrScheme>
+    <a:fontScheme name="Office">
+      <a:majorFont>
+        <a:latin typeface="맑은 고딕" panose="02110004020202020204"/>
+        <a:ea typeface=""/>
+        <a:cs typeface=""/>
+        <a:font script="Jpan" typeface="游ゴシック Light"/>
+        <a:font script="Hang" typeface="맑은 고딕"/>
+        <a:font script="Hans" typeface="等线 Light"/>
+        <a:font script="Hant" typeface="新細明體"/>
+        <a:font script="Arab" typeface="Times New Roman"/>
+        <a:font script="Hebr" typeface="Times New Roman"/>
+        <a:font script="Thai" typeface="Angsana New"/>
+        <a:font script="Ethi" typeface="Nyala"/>
+        <a:font script="Beng" typeface="Vrinda"/>
+        <a:font script="Gujr" typeface="Shruti"/>
+        <a:font script="Khmr" typeface="MoolBoran"/>
+        <a:font script="Knda" typeface="Tunga"/>
+        <a:font script="Guru" typeface="Raavi"/>
+        <a:font script="Cans" typeface="Euphemia"/>
+        <a:font script="Cher" typeface="Plantagenet Cherokee"/>
+        <a:font script="Yiii" typeface="Microsoft Yi Baiti"/>
+        <a:font script="Tibt" typeface="Microsoft Himalaya"/>
+        <a:font script="Thaa" typeface="MV Boli"/>
+        <a:font script="Deva" typeface="Mangal"/>
+        <a:font script="Telu" typeface="Gautami"/>
+        <a:font script="Taml" typeface="Latha"/>
+        <a:font script="Syrc" typeface="Estrangelo Edessa"/>
+        <a:font script="Orya" typeface="Kalinga"/>
+        <a:font script="Mlym" typeface="Kartika"/>
+        <a:font script="Laoo" typeface="DokChampa"/>
+        <a:font script="Sinh" typeface="Iskoola Pota"/>
+        <a:font script="Mong" typeface="Mongolian Baiti"/>
+        <a:font script="Viet" typeface="Times New Roman"/>
+        <a:font script="Uigh" typeface="Microsoft Uighur"/>
+        <a:font script="Geor" typeface="Sylfaen"/>
+        <a:font script="Armn" typeface="Arial"/>
+        <a:font script="Bugi" typeface="Leelawadee UI"/>
+        <a:font script="Bopo" typeface="Microsoft JhengHei"/>
+        <a:font script="Java" typeface="Javanese Text"/>
+        <a:font script="Lisu" typeface="Segoe UI"/>
+        <a:font script="Mymr" typeface="Myanmar Text"/>
+        <a:font script="Nkoo" typeface="Ebrima"/>
+        <a:font script="Olck" typeface="Nirmala UI"/>
+        <a:font script="Osma" typeface="Ebrima"/>
+        <a:font script="Phag" typeface="Phagspa"/>
+        <a:font script="Syrn" typeface="Estrangelo Edessa"/>
+        <a:font script="Syrj" typeface="Estrangelo Edessa"/>
+        <a:font script="Syre" typeface="Estrangelo Edessa"/>
+        <a:font script="Sora" typeface="Nirmala UI"/>
+        <a:font script="Tale" typeface="Microsoft Tai Le"/>
+        <a:font script="Talu" typeface="Microsoft New Tai Lue"/>
+        <a:font script="Tfng" typeface="Ebrima"/>
+      </a:majorFont>
+      <a:minorFont>
+        <a:latin typeface="맑은 고딕" panose="02110004020202020204"/>
+        <a:ea typeface=""/>
+        <a:cs typeface=""/>
+        <a:font script="Jpan" typeface="游ゴシック"/>
+        <a:font script="Hang" typeface="맑은 고딕"/>
+        <a:font script="Hans" typeface="等线"/>
+        <a:font script="Hant" typeface="新細明體"/>
+        <a:font script="Arab" typeface="Arial"/>
+        <a:font script="Hebr" typeface="Arial"/>
+        <a:font script="Thai" typeface="Cordia New"/>
+        <a:font script="Ethi" typeface="Nyala"/>
+        <a:font script="Beng" typeface="Vrinda"/>
+        <a:font script="Gujr" typeface="Shruti"/>
+        <a:font script="Khmr" typeface="DaunPenh"/>
+        <a:font script="Knda" typeface="Tunga"/>
+        <a:font script="Guru" typeface="Raavi"/>
+        <a:font script="Cans" typeface="Euphemia"/>
+        <a:font script="Cher" typeface="Plantagenet Cherokee"/>
+        <a:font script="Yiii" typeface="Microsoft Yi Baiti"/>
+        <a:font script="Tibt" typeface="Microsoft Himalaya"/>
+        <a:font script="Thaa" typeface="MV Boli"/>
+        <a:font script="Deva" typeface="Mangal"/>
+        <a:font script="Telu" typeface="Gautami"/>
+        <a:font script="Taml" typeface="Latha"/>
+        <a:font script="Syrc" typeface="Estrangelo Edessa"/>
+        <a:font script="Orya" typeface="Kalinga"/>
+        <a:font script="Mlym" typeface="Kartika"/>
+        <a:font script="Laoo" typeface="DokChampa"/>
+        <a:font script="Sinh" typeface="Iskoola Pota"/>
+        <a:font script="Mong" typeface="Mongolian Baiti"/>
+        <a:font script="Viet" typeface="Arial"/>
+        <a:font script="Uigh" typeface="Microsoft Uighur"/>
+        <a:font script="Geor" typeface="Sylfaen"/>
+        <a:font script="Armn" typeface="Arial"/>
+        <a:font script="Bugi" typeface="Leelawadee UI"/>
+        <a:font script="Bopo" typeface="Microsoft JhengHei"/>
+        <a:font script="Java" typeface="Javanese Text"/>
+        <a:font script="Lisu" typeface="Segoe UI"/>
+        <a:font script="Mymr" typeface="Myanmar Text"/>
+        <a:font script="Nkoo" typeface="Ebrima"/>
+        <a:font script="Olck" typeface="Nirmala UI"/>
+        <a:font script="Osma" typeface="Ebrima"/>
+        <a:font script="Phag" typeface="Phagspa"/>
+        <a:font script="Syrn" typeface="Estrangelo Edessa"/>
+        <a:font script="Syrj" typeface="Estrangelo Edessa"/>
+        <a:font script="Syre" typeface="Estrangelo Edessa"/>
+        <a:font script="Sora" typeface="Nirmala UI"/>
+        <a:font script="Tale" typeface="Microsoft Tai Le"/>
+        <a:font script="Talu" typeface="Microsoft New Tai Lue"/>
+        <a:font script="Tfng" typeface="Ebrima"/>
+      </a:minorFont>
+    </a:fontScheme>
+    <a:fmtScheme name="Office">
+      <a:fillStyleLst>
+        <a:solidFill>
+          <a:schemeClr val="phClr"/>
+        </a:solidFill>
+        <a:gradFill rotWithShape="1">
+          <a:gsLst>
+            <a:gs pos="0">
+              <a:schemeClr val="phClr">
+                <a:lumMod val="110000"/>
+                <a:satMod val="105000"/>
+                <a:tint val="67000"/>
+              </a:schemeClr>
+            </a:gs>
+            <a:gs pos="50000">
+              <a:schemeClr val="phClr">
+                <a:lumMod val="105000"/>
+                <a:satMod val="103000"/>
+                <a:tint val="73000"/>
+              </a:schemeClr>
+            </a:gs>
+            <a:gs pos="100000">
+              <a:schemeClr val="phClr">
+                <a:lumMod val="105000"/>
+                <a:satMod val="109000"/>
+                <a:tint val="81000"/>
+              </a:schemeClr>
+            </a:gs>
+          </a:gsLst>
+          <a:lin ang="5400000" scaled="0"/>
+        </a:gradFill>
+        <a:gradFill rotWithShape="1">
+          <a:gsLst>
+            <a:gs pos="0">
+              <a:schemeClr val="phClr">
+                <a:satMod val="103000"/>
+                <a:lumMod val="102000"/>
+                <a:tint val="94000"/>
+              </a:schemeClr>
+            </a:gs>
+            <a:gs pos="50000">
+              <a:schemeClr val="phClr">
+                <a:satMod val="110000"/>
+                <a:lumMod val="100000"/>
+                <a:shade val="100000"/>
+              </a:schemeClr>
+            </a:gs>
+            <a:gs pos="100000">
+              <a:schemeClr val="phClr">
+                <a:lumMod val="99000"/>
+                <a:satMod val="120000"/>
+                <a:shade val="78000"/>
+              </a:schemeClr>
+            </a:gs>
+          </a:gsLst>
+          <a:lin ang="5400000" scaled="0"/>
+        </a:gradFill>
+      </a:fillStyleLst>
+      <a:lnStyleLst>
+        <a:ln w="12700" cap="flat" cmpd="sng" algn="ctr">
+          <a:solidFill>
+            <a:schemeClr val="phClr"/>
+          </a:solidFill>
+          <a:prstDash val="solid"/>
+          <a:miter lim="800000"/>
+        </a:ln>
+        <a:ln w="19050" cap="flat" cmpd="sng" algn="ctr">
+          <a:solidFill>
+            <a:schemeClr val="phClr"/>
+          </a:solidFill>
+          <a:prstDash val="solid"/>
+          <a:miter lim="800000"/>
+        </a:ln>
+        <a:ln w="25400" cap="flat" cmpd="sng" algn="ctr">
+          <a:solidFill>
+            <a:schemeClr val="phClr"/>
+          </a:solidFill>
+          <a:prstDash val="solid"/>
+          <a:miter lim="800000"/>
+        </a:ln>
+      </a:lnStyleLst>
+      <a:effectStyleLst>
+        <a:effectStyle>
+          <a:effectLst/>
+        </a:effectStyle>
+        <a:effectStyle>
+          <a:effectLst/>
+        </a:effectStyle>
+        <a:effectStyle>
+          <a:effectLst>
+            <a:outerShdw blurRad="57150" dist="19050" dir="5400000" algn="ctr" rotWithShape="0">
+              <a:srgbClr val="000000">
+                <a:alpha val="63000"/>
+              </a:srgbClr>
+            </a:outerShdw>
+          </a:effectLst>
+        </a:effectStyle>
+      </a:effectStyleLst>
+      <a:bgFillStyleLst>
+        <a:solidFill>
+          <a:schemeClr val="phClr"/>
+        </a:solidFill>
+        <a:solidFill>
+          <a:schemeClr val="phClr">
+            <a:tint val="95000"/>
+            <a:satMod val="170000"/>
+          </a:schemeClr>
+        </a:solidFill>
+        <a:gradFill rotWithShape="1">
+          <a:gsLst>
+            <a:gs pos="0">
+              <a:schemeClr val="phClr">
+                <a:tint val="93000"/>
+                <a:satMod val="150000"/>
+                <a:shade val="98000"/>
+                <a:lumMod val="102000"/>
+              </a:schemeClr>
+            </a:gs>
+            <a:gs pos="50000">
+              <a:schemeClr val="phClr">
+                <a:tint val="98000"/>
+                <a:satMod val="130000"/>
+                <a:shade val="90000"/>
+                <a:lumMod val="103000"/>
+              </a:schemeClr>
+            </a:gs>
+            <a:gs pos="100000">
+              <a:schemeClr val="phClr">
+                <a:shade val="63000"/>
+                <a:satMod val="120000"/>
+              </a:schemeClr>
+            </a:gs>
+          </a:gsLst>
+          <a:lin ang="5400000" scaled="0"/>
+        </a:gradFill>
+      </a:bgFillStyleLst>
+    </a:fmtScheme>
+  </a:themeElements>
+  <a:objectDefaults>
+    <a:lnDef>
+      <a:spPr/>
+      <a:bodyPr/>
+      <a:lstStyle/>
+      <a:style>
+        <a:lnRef idx="2">
+          <a:schemeClr val="accent1"/>
+        </a:lnRef>
+        <a:fillRef idx="0">
+          <a:schemeClr val="accent1"/>
+        </a:fillRef>
+        <a:effectRef idx="1">
+          <a:schemeClr val="accent1"/>
+        </a:effectRef>
+        <a:fontRef idx="minor">
+          <a:schemeClr val="tx1"/>
+        </a:fontRef>
+      </a:style>
+    </a:lnDef>
+  </a:objectDefaults>
+  <a:extraClrSchemeLst/>
+  <a:extLst>
+    <a:ext uri="{05A4C25C-085E-4340-85A3-A5531E510DB2}">
+      <thm15:themeFamily xmlns:thm15="http://schemas.microsoft.com/office/thememl/2012/main" name="Office Theme" id="{2E142A2C-CD16-42D6-873A-C26D2A0506FA}" vid="{1BDDFF52-6CD6-40A5-AB3C-68EB2F1E4D0A}"/>
+    </a:ext>
+  </a:extLst>
+</a:theme>
 </file>